--- a/design/mobile_app_mvp_priorities.pptx
+++ b/design/mobile_app_mvp_priorities.pptx
@@ -3911,30 +3911,6 @@
           <a:chExt cx="0" cy="0"/>
         </a:xfrm>
       </p:grpSpPr>
-      <p:pic>
-        <p:nvPicPr>
-          <p:cNvPr id="5" name="Picture 4"/>
-          <p:cNvPicPr>
-            <a:picLocks noChangeAspect="1"/>
-          </p:cNvPicPr>
-          <p:nvPr/>
-        </p:nvPicPr>
-        <p:blipFill>
-          <a:blip r:embed="rId2"/>
-          <a:stretch>
-            <a:fillRect/>
-          </a:stretch>
-        </p:blipFill>
-        <p:spPr>
-          <a:xfrm>
-            <a:off x="7393248" y="2794000"/>
-            <a:ext cx="1541119" cy="2735486"/>
-          </a:xfrm>
-          <a:prstGeom prst="rect">
-            <a:avLst/>
-          </a:prstGeom>
-        </p:spPr>
-      </p:pic>
       <p:sp>
         <p:nvSpPr>
           <p:cNvPr id="2" name="Title 1"/>
@@ -3980,13 +3956,30 @@
         <p:spPr/>
         <p:txBody>
           <a:bodyPr>
-            <a:normAutofit/>
+            <a:normAutofit fontScale="92500" lnSpcReduction="10000"/>
           </a:bodyPr>
           <a:lstStyle/>
           <a:p>
             <a:r>
               <a:rPr lang="en-US" dirty="0" smtClean="0"/>
-              <a:t>#44 bug: alert box “echo” </a:t>
+              <a:t>#43 add how-to page with instructions</a:t>
+            </a:r>
+          </a:p>
+          <a:p>
+            <a:pPr lvl="1"/>
+            <a:r>
+              <a:rPr lang="en-US" dirty="0" smtClean="0"/>
+              <a:t>See next slide</a:t>
+            </a:r>
+          </a:p>
+          <a:p>
+            <a:r>
+              <a:rPr lang="en-US" dirty="0" smtClean="0"/>
+              <a:t>#</a:t>
+            </a:r>
+            <a:r>
+              <a:rPr lang="en-US" dirty="0" smtClean="0"/>
+              <a:t>44 bug: alert box “echo” </a:t>
             </a:r>
             <a:r>
               <a:rPr lang="en-US" dirty="0" smtClean="0"/>
@@ -4069,7 +4062,7 @@
         </p:nvSpPr>
         <p:spPr>
           <a:xfrm>
-            <a:off x="5024528" y="195585"/>
+            <a:off x="5852380" y="195585"/>
             <a:ext cx="2519239" cy="584776"/>
           </a:xfrm>
           <a:prstGeom prst="rect">
@@ -4263,7 +4256,7 @@
             </a:r>
             <a:r>
               <a:rPr lang="en-US" dirty="0" err="1" smtClean="0"/>
-              <a:t>howto_content.html</a:t>
+              <a:t>howto_page.html</a:t>
             </a:r>
             <a:endParaRPr lang="en-US" dirty="0"/>
           </a:p>
@@ -5075,8 +5068,8 @@
         </p:nvSpPr>
         <p:spPr>
           <a:xfrm>
-            <a:off x="8018055" y="1868710"/>
-            <a:ext cx="338554" cy="461665"/>
+            <a:off x="8018054" y="1708792"/>
+            <a:ext cx="441187" cy="461665"/>
           </a:xfrm>
           <a:prstGeom prst="rect">
             <a:avLst/>
@@ -5084,7 +5077,7 @@
           <a:noFill/>
         </p:spPr>
         <p:txBody>
-          <a:bodyPr wrap="none" rtlCol="0">
+          <a:bodyPr wrap="square" rtlCol="0">
             <a:spAutoFit/>
           </a:bodyPr>
           <a:lstStyle/>
@@ -5290,6 +5283,36 @@
               <a:t>Priority = medium</a:t>
             </a:r>
             <a:endParaRPr lang="en-US" sz="3200" dirty="0"/>
+          </a:p>
+        </p:txBody>
+      </p:sp>
+      <p:sp>
+        <p:nvSpPr>
+          <p:cNvPr id="5" name="TextBox 4"/>
+          <p:cNvSpPr txBox="1"/>
+          <p:nvPr/>
+        </p:nvSpPr>
+        <p:spPr>
+          <a:xfrm>
+            <a:off x="4797779" y="3443111"/>
+            <a:ext cx="3687360" cy="646331"/>
+          </a:xfrm>
+          <a:prstGeom prst="rect">
+            <a:avLst/>
+          </a:prstGeom>
+          <a:noFill/>
+        </p:spPr>
+        <p:txBody>
+          <a:bodyPr wrap="square" rtlCol="0">
+            <a:spAutoFit/>
+          </a:bodyPr>
+          <a:lstStyle/>
+          <a:p>
+            <a:r>
+              <a:rPr lang="en-US" dirty="0" smtClean="0"/>
+              <a:t>We need to explain to the user how the routing works here</a:t>
+            </a:r>
+            <a:endParaRPr lang="en-US" dirty="0"/>
           </a:p>
         </p:txBody>
       </p:sp>
@@ -6648,7 +6671,7 @@
         <p:spPr>
           <a:xfrm>
             <a:off x="6563338" y="5803765"/>
-            <a:ext cx="1899756" cy="923330"/>
+            <a:ext cx="2298440" cy="923330"/>
           </a:xfrm>
           <a:prstGeom prst="rect">
             <a:avLst/>
@@ -6678,7 +6701,27 @@
           <a:p>
             <a:r>
               <a:rPr lang="en-US" dirty="0" smtClean="0"/>
-              <a:t>Suggestion: alert user “no text found”</a:t>
+              <a:t>Suggestion: alert user </a:t>
+            </a:r>
+            <a:r>
+              <a:rPr lang="en-US" dirty="0" smtClean="0"/>
+              <a:t>“Oops!  No </a:t>
+            </a:r>
+            <a:r>
+              <a:rPr lang="en-US" dirty="0" smtClean="0"/>
+              <a:t>text </a:t>
+            </a:r>
+            <a:r>
+              <a:rPr lang="en-US" dirty="0" smtClean="0"/>
+              <a:t>found </a:t>
+            </a:r>
+            <a:r>
+              <a:rPr lang="en-US" dirty="0" smtClean="0"/>
+              <a:t>in image</a:t>
+            </a:r>
+            <a:r>
+              <a:rPr lang="en-US" dirty="0" smtClean="0"/>
+              <a:t>”</a:t>
             </a:r>
             <a:endParaRPr lang="en-US" dirty="0"/>
           </a:p>

--- a/design/mobile_app_mvp_priorities.pptx
+++ b/design/mobile_app_mvp_priorities.pptx
@@ -3975,15 +3975,7 @@
           <a:p>
             <a:r>
               <a:rPr lang="en-US" dirty="0" smtClean="0"/>
-              <a:t>#</a:t>
-            </a:r>
-            <a:r>
-              <a:rPr lang="en-US" dirty="0" smtClean="0"/>
-              <a:t>44 bug: alert box “echo” </a:t>
-            </a:r>
-            <a:r>
-              <a:rPr lang="en-US" dirty="0" smtClean="0"/>
-              <a:t>effect</a:t>
+              <a:t>#44 bug: alert box “echo” effect</a:t>
             </a:r>
           </a:p>
           <a:p>
@@ -4016,19 +4008,7 @@
             <a:pPr lvl="1"/>
             <a:r>
               <a:rPr lang="en-US" dirty="0" smtClean="0"/>
-              <a:t>Provide</a:t>
-            </a:r>
-            <a:r>
-              <a:rPr lang="en-US" dirty="0" smtClean="0"/>
-              <a:t> a way </a:t>
-            </a:r>
-            <a:r>
-              <a:rPr lang="en-US" dirty="0" smtClean="0"/>
-              <a:t>for user to</a:t>
-            </a:r>
-            <a:r>
-              <a:rPr lang="en-US" dirty="0" smtClean="0"/>
-              <a:t> get the </a:t>
+              <a:t>Provide a way for user to get the </a:t>
             </a:r>
             <a:r>
               <a:rPr lang="en-US" dirty="0" err="1" smtClean="0"/>
@@ -4036,21 +4016,8 @@
             </a:r>
             <a:r>
               <a:rPr lang="en-US" dirty="0" smtClean="0"/>
-              <a:t> </a:t>
-            </a:r>
-            <a:r>
-              <a:rPr lang="en-US" dirty="0" smtClean="0"/>
-              <a:t>tree</a:t>
-            </a:r>
-            <a:r>
-              <a:rPr lang="en-US" dirty="0" smtClean="0"/>
-              <a:t> (email self, </a:t>
-            </a:r>
-            <a:r>
-              <a:rPr lang="en-US" dirty="0" smtClean="0"/>
-              <a:t>tweet, send to browser)</a:t>
-            </a:r>
-            <a:endParaRPr lang="en-US" dirty="0" smtClean="0"/>
+              <a:t> tree (email self, tweet, send to browser)</a:t>
+            </a:r>
           </a:p>
         </p:txBody>
       </p:sp>
@@ -4200,11 +4167,7 @@
           <a:p>
             <a:r>
               <a:rPr lang="en-US" dirty="0" smtClean="0"/>
-              <a:t>Add help </a:t>
-            </a:r>
-            <a:r>
-              <a:rPr lang="en-US" dirty="0" smtClean="0"/>
-              <a:t>button</a:t>
+              <a:t>Add help button</a:t>
             </a:r>
           </a:p>
           <a:p>
@@ -4214,11 +4177,7 @@
             </a:pPr>
             <a:r>
               <a:rPr lang="en-US" dirty="0" smtClean="0"/>
-              <a:t> Links </a:t>
-            </a:r>
-            <a:r>
-              <a:rPr lang="en-US" dirty="0" smtClean="0"/>
-              <a:t>to ‘</a:t>
+              <a:t> Links to ‘</a:t>
             </a:r>
             <a:r>
               <a:rPr lang="en-US" dirty="0" err="1" smtClean="0"/>
@@ -4226,11 +4185,7 @@
             </a:r>
             <a:r>
               <a:rPr lang="en-US" dirty="0" smtClean="0"/>
-              <a:t>’ view</a:t>
-            </a:r>
-            <a:r>
-              <a:rPr lang="en-US" dirty="0" smtClean="0"/>
-              <a:t> </a:t>
+              <a:t>’ view </a:t>
             </a:r>
           </a:p>
           <a:p>
@@ -4240,11 +4195,7 @@
             </a:pPr>
             <a:r>
               <a:rPr lang="en-US" dirty="0" smtClean="0"/>
-              <a:t> use content </a:t>
-            </a:r>
-            <a:r>
-              <a:rPr lang="en-US" dirty="0" smtClean="0"/>
-              <a:t>from </a:t>
+              <a:t> use content from </a:t>
             </a:r>
             <a:r>
               <a:rPr lang="en-US" dirty="0" err="1" smtClean="0"/>
@@ -4309,7 +4260,7 @@
           <a:blip r:embed="rId3">
             <a:extLst>
               <a:ext uri="{28A0092B-C50C-407E-A947-70E740481C1C}">
-                <a14:useLocalDpi xmlns:a14="http://schemas.microsoft.com/office/drawing/2010/main" xmlns:p="http://schemas.openxmlformats.org/presentationml/2006/main" xmlns:r="http://schemas.openxmlformats.org/officeDocument/2006/relationships" xmlns:a="http://schemas.openxmlformats.org/drawingml/2006/main" xmlns="" val="0"/>
+                <a14:useLocalDpi xmlns="" xmlns:a="http://schemas.openxmlformats.org/drawingml/2006/main" xmlns:r="http://schemas.openxmlformats.org/officeDocument/2006/relationships" xmlns:p="http://schemas.openxmlformats.org/presentationml/2006/main" xmlns:a14="http://schemas.microsoft.com/office/drawing/2010/main" xmlns:mv="urn:schemas-microsoft-com:mac:vml" xmlns:mc="http://schemas.openxmlformats.org/markup-compatibility/2006" val="0"/>
               </a:ext>
             </a:extLst>
           </a:blip>
@@ -4339,7 +4290,7 @@
           <a:blip r:embed="rId4">
             <a:extLst>
               <a:ext uri="{28A0092B-C50C-407E-A947-70E740481C1C}">
-                <a14:useLocalDpi xmlns:a14="http://schemas.microsoft.com/office/drawing/2010/main" xmlns:p="http://schemas.openxmlformats.org/presentationml/2006/main" xmlns:r="http://schemas.openxmlformats.org/officeDocument/2006/relationships" xmlns:a="http://schemas.openxmlformats.org/drawingml/2006/main" xmlns="" val="0"/>
+                <a14:useLocalDpi xmlns="" xmlns:a="http://schemas.openxmlformats.org/drawingml/2006/main" xmlns:r="http://schemas.openxmlformats.org/officeDocument/2006/relationships" xmlns:p="http://schemas.openxmlformats.org/presentationml/2006/main" xmlns:a14="http://schemas.microsoft.com/office/drawing/2010/main" xmlns:mv="urn:schemas-microsoft-com:mac:vml" xmlns:mc="http://schemas.openxmlformats.org/markup-compatibility/2006" val="0"/>
               </a:ext>
             </a:extLst>
           </a:blip>
@@ -4420,7 +4371,7 @@
     </p:spTree>
     <p:extLst>
       <p:ext uri="{BB962C8B-B14F-4D97-AF65-F5344CB8AC3E}">
-        <p14:creationId xmlns:p14="http://schemas.microsoft.com/office/powerpoint/2010/main" xmlns:p="http://schemas.openxmlformats.org/presentationml/2006/main" xmlns:r="http://schemas.openxmlformats.org/officeDocument/2006/relationships" xmlns:a="http://schemas.openxmlformats.org/drawingml/2006/main" xmlns="" val="1864991049"/>
+        <p14:creationId xmlns="" xmlns:a="http://schemas.openxmlformats.org/drawingml/2006/main" xmlns:r="http://schemas.openxmlformats.org/officeDocument/2006/relationships" xmlns:p="http://schemas.openxmlformats.org/presentationml/2006/main" xmlns:p14="http://schemas.microsoft.com/office/powerpoint/2010/main" xmlns:mv="urn:schemas-microsoft-com:mac:vml" xmlns:mc="http://schemas.openxmlformats.org/markup-compatibility/2006" val="1864991049"/>
       </p:ext>
     </p:extLst>
   </p:cSld>
@@ -4757,19 +4708,7 @@
           <a:p>
             <a:r>
               <a:rPr lang="en-US" dirty="0" smtClean="0"/>
-              <a:t>Use logo.  Change top strip background color to grey</a:t>
-            </a:r>
-            <a:r>
-              <a:rPr lang="en-US" dirty="0" smtClean="0"/>
-              <a:t> </a:t>
-            </a:r>
-            <a:r>
-              <a:rPr lang="en-US" dirty="0" smtClean="0"/>
-              <a:t>so that logo is fully visible</a:t>
-            </a:r>
-            <a:r>
-              <a:rPr lang="en-US" dirty="0" smtClean="0"/>
-              <a:t>.  </a:t>
+              <a:t>Use logo.  Change top strip background color to grey so that logo is fully visible.  </a:t>
             </a:r>
             <a:endParaRPr lang="en-US" dirty="0"/>
           </a:p>
@@ -5223,11 +5162,7 @@
             </a:pPr>
             <a:r>
               <a:rPr lang="en-US" dirty="0" smtClean="0"/>
-              <a:t> text: “Select (or create) a list first, before trying to capture names</a:t>
-            </a:r>
-            <a:r>
-              <a:rPr lang="en-US" dirty="0" smtClean="0"/>
-              <a:t>”</a:t>
+              <a:t> text: “Select (or create) a list first, before trying to capture names”</a:t>
             </a:r>
           </a:p>
         </p:txBody>
@@ -5409,15 +5344,7 @@
           <a:p>
             <a:r>
               <a:rPr lang="en-US" dirty="0" smtClean="0"/>
-              <a:t>U</a:t>
-            </a:r>
-            <a:r>
-              <a:rPr lang="en-US" dirty="0" smtClean="0"/>
-              <a:t>se alert box to tell </a:t>
-            </a:r>
-            <a:r>
-              <a:rPr lang="en-US" dirty="0" smtClean="0"/>
-              <a:t>the user what was added to the list. </a:t>
+              <a:t>Use alert box to tell the user what was added to the list. </a:t>
             </a:r>
           </a:p>
         </p:txBody>
@@ -5947,7 +5874,7 @@
           <a:blip r:embed="rId2">
             <a:extLst>
               <a:ext uri="{28A0092B-C50C-407E-A947-70E740481C1C}">
-                <a14:useLocalDpi xmlns:a14="http://schemas.microsoft.com/office/drawing/2010/main" xmlns:p="http://schemas.openxmlformats.org/presentationml/2006/main" xmlns:r="http://schemas.openxmlformats.org/officeDocument/2006/relationships" xmlns:a="http://schemas.openxmlformats.org/drawingml/2006/main" xmlns="" val="0"/>
+                <a14:useLocalDpi xmlns="" xmlns:a="http://schemas.openxmlformats.org/drawingml/2006/main" xmlns:r="http://schemas.openxmlformats.org/officeDocument/2006/relationships" xmlns:p="http://schemas.openxmlformats.org/presentationml/2006/main" xmlns:a14="http://schemas.microsoft.com/office/drawing/2010/main" xmlns:mv="urn:schemas-microsoft-com:mac:vml" xmlns:mc="http://schemas.openxmlformats.org/markup-compatibility/2006" val="0"/>
               </a:ext>
             </a:extLst>
           </a:blip>
@@ -6122,7 +6049,7 @@
     </p:spTree>
     <p:extLst>
       <p:ext uri="{BB962C8B-B14F-4D97-AF65-F5344CB8AC3E}">
-        <p14:creationId xmlns:p14="http://schemas.microsoft.com/office/powerpoint/2010/main" xmlns:p="http://schemas.openxmlformats.org/presentationml/2006/main" xmlns:r="http://schemas.openxmlformats.org/officeDocument/2006/relationships" xmlns:a="http://schemas.openxmlformats.org/drawingml/2006/main" xmlns="" val="2412509238"/>
+        <p14:creationId xmlns="" xmlns:a="http://schemas.openxmlformats.org/drawingml/2006/main" xmlns:r="http://schemas.openxmlformats.org/officeDocument/2006/relationships" xmlns:p="http://schemas.openxmlformats.org/presentationml/2006/main" xmlns:p14="http://schemas.microsoft.com/office/powerpoint/2010/main" xmlns:mv="urn:schemas-microsoft-com:mac:vml" xmlns:mc="http://schemas.openxmlformats.org/markup-compatibility/2006" val="2412509238"/>
       </p:ext>
     </p:extLst>
   </p:cSld>
@@ -6161,7 +6088,7 @@
           <a:blip r:embed="rId2">
             <a:extLst>
               <a:ext uri="{28A0092B-C50C-407E-A947-70E740481C1C}">
-                <a14:useLocalDpi xmlns:a14="http://schemas.microsoft.com/office/drawing/2010/main" xmlns:p="http://schemas.openxmlformats.org/presentationml/2006/main" xmlns:r="http://schemas.openxmlformats.org/officeDocument/2006/relationships" xmlns:a="http://schemas.openxmlformats.org/drawingml/2006/main" xmlns="" val="0"/>
+                <a14:useLocalDpi xmlns="" xmlns:a="http://schemas.openxmlformats.org/drawingml/2006/main" xmlns:r="http://schemas.openxmlformats.org/officeDocument/2006/relationships" xmlns:p="http://schemas.openxmlformats.org/presentationml/2006/main" xmlns:a14="http://schemas.microsoft.com/office/drawing/2010/main" xmlns:mv="urn:schemas-microsoft-com:mac:vml" xmlns:mc="http://schemas.openxmlformats.org/markup-compatibility/2006" val="0"/>
               </a:ext>
             </a:extLst>
           </a:blip>
@@ -6701,27 +6628,7 @@
           <a:p>
             <a:r>
               <a:rPr lang="en-US" dirty="0" smtClean="0"/>
-              <a:t>Suggestion: alert user </a:t>
-            </a:r>
-            <a:r>
-              <a:rPr lang="en-US" dirty="0" smtClean="0"/>
-              <a:t>“Oops!  No </a:t>
-            </a:r>
-            <a:r>
-              <a:rPr lang="en-US" dirty="0" smtClean="0"/>
-              <a:t>text </a:t>
-            </a:r>
-            <a:r>
-              <a:rPr lang="en-US" dirty="0" smtClean="0"/>
-              <a:t>found </a:t>
-            </a:r>
-            <a:r>
-              <a:rPr lang="en-US" dirty="0" smtClean="0"/>
-              <a:t>in image</a:t>
-            </a:r>
-            <a:r>
-              <a:rPr lang="en-US" dirty="0" smtClean="0"/>
-              <a:t>”</a:t>
+              <a:t>Suggestion: alert user “Oops!  No text found in image”</a:t>
             </a:r>
             <a:endParaRPr lang="en-US" dirty="0"/>
           </a:p>
@@ -6800,7 +6707,7 @@
     </p:spTree>
     <p:extLst>
       <p:ext uri="{BB962C8B-B14F-4D97-AF65-F5344CB8AC3E}">
-        <p14:creationId xmlns:p14="http://schemas.microsoft.com/office/powerpoint/2010/main" xmlns:p="http://schemas.openxmlformats.org/presentationml/2006/main" xmlns:r="http://schemas.openxmlformats.org/officeDocument/2006/relationships" xmlns:a="http://schemas.openxmlformats.org/drawingml/2006/main" xmlns="" val="472843982"/>
+        <p14:creationId xmlns="" xmlns:a="http://schemas.openxmlformats.org/drawingml/2006/main" xmlns:r="http://schemas.openxmlformats.org/officeDocument/2006/relationships" xmlns:p="http://schemas.openxmlformats.org/presentationml/2006/main" xmlns:p14="http://schemas.microsoft.com/office/powerpoint/2010/main" xmlns:mv="urn:schemas-microsoft-com:mac:vml" xmlns:mc="http://schemas.openxmlformats.org/markup-compatibility/2006" val="472843982"/>
       </p:ext>
     </p:extLst>
   </p:cSld>

--- a/design/mobile_app_mvp_priorities.pptx
+++ b/design/mobile_app_mvp_priorities.pptx
@@ -5,18 +5,21 @@
     <p:sldMasterId id="2147483648" r:id="rId1"/>
   </p:sldMasterIdLst>
   <p:sldIdLst>
-    <p:sldId id="258" r:id="rId2"/>
-    <p:sldId id="264" r:id="rId3"/>
-    <p:sldId id="268" r:id="rId4"/>
-    <p:sldId id="265" r:id="rId5"/>
-    <p:sldId id="261" r:id="rId6"/>
-    <p:sldId id="260" r:id="rId7"/>
+    <p:sldId id="268" r:id="rId2"/>
+    <p:sldId id="265" r:id="rId3"/>
+    <p:sldId id="261" r:id="rId4"/>
+    <p:sldId id="260" r:id="rId5"/>
+    <p:sldId id="273" r:id="rId6"/>
+    <p:sldId id="274" r:id="rId7"/>
     <p:sldId id="263" r:id="rId8"/>
-    <p:sldId id="267" r:id="rId9"/>
-    <p:sldId id="266" r:id="rId10"/>
-    <p:sldId id="256" r:id="rId11"/>
-    <p:sldId id="259" r:id="rId12"/>
-    <p:sldId id="262" r:id="rId13"/>
+    <p:sldId id="270" r:id="rId9"/>
+    <p:sldId id="269" r:id="rId10"/>
+    <p:sldId id="272" r:id="rId11"/>
+    <p:sldId id="267" r:id="rId12"/>
+    <p:sldId id="266" r:id="rId13"/>
+    <p:sldId id="256" r:id="rId14"/>
+    <p:sldId id="271" r:id="rId15"/>
+    <p:sldId id="259" r:id="rId16"/>
   </p:sldIdLst>
   <p:sldSz cx="9144000" cy="6858000" type="screen4x3"/>
   <p:notesSz cx="6858000" cy="9144000"/>
@@ -300,7 +303,7 @@
             <a:fld id="{87E93CD3-EE4A-CD47-805D-649ED515E042}" type="datetimeFigureOut">
               <a:rPr lang="en-US" smtClean="0"/>
               <a:pPr/>
-              <a:t>3/11/16</a:t>
+              <a:t>3/17/16</a:t>
             </a:fld>
             <a:endParaRPr lang="en-US"/>
           </a:p>
@@ -467,7 +470,7 @@
             <a:fld id="{87E93CD3-EE4A-CD47-805D-649ED515E042}" type="datetimeFigureOut">
               <a:rPr lang="en-US" smtClean="0"/>
               <a:pPr/>
-              <a:t>3/11/16</a:t>
+              <a:t>3/17/16</a:t>
             </a:fld>
             <a:endParaRPr lang="en-US"/>
           </a:p>
@@ -644,7 +647,7 @@
             <a:fld id="{87E93CD3-EE4A-CD47-805D-649ED515E042}" type="datetimeFigureOut">
               <a:rPr lang="en-US" smtClean="0"/>
               <a:pPr/>
-              <a:t>3/11/16</a:t>
+              <a:t>3/17/16</a:t>
             </a:fld>
             <a:endParaRPr lang="en-US"/>
           </a:p>
@@ -811,7 +814,7 @@
             <a:fld id="{87E93CD3-EE4A-CD47-805D-649ED515E042}" type="datetimeFigureOut">
               <a:rPr lang="en-US" smtClean="0"/>
               <a:pPr/>
-              <a:t>3/11/16</a:t>
+              <a:t>3/17/16</a:t>
             </a:fld>
             <a:endParaRPr lang="en-US"/>
           </a:p>
@@ -1054,7 +1057,7 @@
             <a:fld id="{87E93CD3-EE4A-CD47-805D-649ED515E042}" type="datetimeFigureOut">
               <a:rPr lang="en-US" smtClean="0"/>
               <a:pPr/>
-              <a:t>3/11/16</a:t>
+              <a:t>3/17/16</a:t>
             </a:fld>
             <a:endParaRPr lang="en-US"/>
           </a:p>
@@ -1339,7 +1342,7 @@
             <a:fld id="{87E93CD3-EE4A-CD47-805D-649ED515E042}" type="datetimeFigureOut">
               <a:rPr lang="en-US" smtClean="0"/>
               <a:pPr/>
-              <a:t>3/11/16</a:t>
+              <a:t>3/17/16</a:t>
             </a:fld>
             <a:endParaRPr lang="en-US"/>
           </a:p>
@@ -1758,7 +1761,7 @@
             <a:fld id="{87E93CD3-EE4A-CD47-805D-649ED515E042}" type="datetimeFigureOut">
               <a:rPr lang="en-US" smtClean="0"/>
               <a:pPr/>
-              <a:t>3/11/16</a:t>
+              <a:t>3/17/16</a:t>
             </a:fld>
             <a:endParaRPr lang="en-US"/>
           </a:p>
@@ -1873,7 +1876,7 @@
             <a:fld id="{87E93CD3-EE4A-CD47-805D-649ED515E042}" type="datetimeFigureOut">
               <a:rPr lang="en-US" smtClean="0"/>
               <a:pPr/>
-              <a:t>3/11/16</a:t>
+              <a:t>3/17/16</a:t>
             </a:fld>
             <a:endParaRPr lang="en-US"/>
           </a:p>
@@ -1965,7 +1968,7 @@
             <a:fld id="{87E93CD3-EE4A-CD47-805D-649ED515E042}" type="datetimeFigureOut">
               <a:rPr lang="en-US" smtClean="0"/>
               <a:pPr/>
-              <a:t>3/11/16</a:t>
+              <a:t>3/17/16</a:t>
             </a:fld>
             <a:endParaRPr lang="en-US"/>
           </a:p>
@@ -2239,7 +2242,7 @@
             <a:fld id="{87E93CD3-EE4A-CD47-805D-649ED515E042}" type="datetimeFigureOut">
               <a:rPr lang="en-US" smtClean="0"/>
               <a:pPr/>
-              <a:t>3/11/16</a:t>
+              <a:t>3/17/16</a:t>
             </a:fld>
             <a:endParaRPr lang="en-US"/>
           </a:p>
@@ -2489,7 +2492,7 @@
             <a:fld id="{87E93CD3-EE4A-CD47-805D-649ED515E042}" type="datetimeFigureOut">
               <a:rPr lang="en-US" smtClean="0"/>
               <a:pPr/>
-              <a:t>3/11/16</a:t>
+              <a:t>3/17/16</a:t>
             </a:fld>
             <a:endParaRPr lang="en-US"/>
           </a:p>
@@ -2699,7 +2702,7 @@
             <a:fld id="{87E93CD3-EE4A-CD47-805D-649ED515E042}" type="datetimeFigureOut">
               <a:rPr lang="en-US" smtClean="0"/>
               <a:pPr/>
-              <a:t>3/11/16</a:t>
+              <a:t>3/17/16</a:t>
             </a:fld>
             <a:endParaRPr lang="en-US"/>
           </a:p>
@@ -3070,64 +3073,126 @@
           <a:chExt cx="0" cy="0"/>
         </a:xfrm>
       </p:grpSpPr>
-      <p:pic>
-        <p:nvPicPr>
-          <p:cNvPr id="4" name="Picture 3" descr="IMG_2008.PNG"/>
-          <p:cNvPicPr>
-            <a:picLocks noChangeAspect="1"/>
-          </p:cNvPicPr>
-          <p:nvPr/>
-        </p:nvPicPr>
-        <p:blipFill>
-          <a:blip r:embed="rId2"/>
-          <a:stretch>
-            <a:fillRect/>
-          </a:stretch>
-        </p:blipFill>
-        <p:spPr>
-          <a:xfrm>
-            <a:off x="1044068" y="979714"/>
-            <a:ext cx="3095625" cy="5503333"/>
-          </a:xfrm>
-          <a:prstGeom prst="rect">
-            <a:avLst/>
-          </a:prstGeom>
-        </p:spPr>
-      </p:pic>
-      <p:pic>
-        <p:nvPicPr>
-          <p:cNvPr id="5" name="Picture 4" descr="IMG_2010.PNG"/>
-          <p:cNvPicPr>
-            <a:picLocks noChangeAspect="1"/>
-          </p:cNvPicPr>
-          <p:nvPr/>
-        </p:nvPicPr>
-        <p:blipFill>
-          <a:blip r:embed="rId3"/>
-          <a:stretch>
-            <a:fillRect/>
-          </a:stretch>
-        </p:blipFill>
-        <p:spPr>
-          <a:xfrm>
-            <a:off x="4863573" y="979714"/>
-            <a:ext cx="3095624" cy="5503333"/>
-          </a:xfrm>
-          <a:prstGeom prst="rect">
-            <a:avLst/>
-          </a:prstGeom>
-        </p:spPr>
-      </p:pic>
-      <p:sp>
-        <p:nvSpPr>
-          <p:cNvPr id="6" name="TextBox 5"/>
+      <p:sp>
+        <p:nvSpPr>
+          <p:cNvPr id="2" name="Title 1"/>
+          <p:cNvSpPr>
+            <a:spLocks noGrp="1"/>
+          </p:cNvSpPr>
+          <p:nvPr>
+            <p:ph type="title"/>
+          </p:nvPr>
+        </p:nvSpPr>
+        <p:spPr>
+          <a:xfrm>
+            <a:off x="457200" y="274638"/>
+            <a:ext cx="5826948" cy="1143000"/>
+          </a:xfrm>
+        </p:spPr>
+        <p:txBody>
+          <a:bodyPr/>
+          <a:lstStyle/>
+          <a:p>
+            <a:r>
+              <a:rPr lang="en-US" dirty="0" smtClean="0"/>
+              <a:t>Issues on </a:t>
+            </a:r>
+            <a:r>
+              <a:rPr lang="en-US" dirty="0" err="1" smtClean="0"/>
+              <a:t>github</a:t>
+            </a:r>
+            <a:endParaRPr lang="en-US" dirty="0"/>
+          </a:p>
+        </p:txBody>
+      </p:sp>
+      <p:sp>
+        <p:nvSpPr>
+          <p:cNvPr id="3" name="Content Placeholder 2"/>
+          <p:cNvSpPr>
+            <a:spLocks noGrp="1"/>
+          </p:cNvSpPr>
+          <p:nvPr>
+            <p:ph idx="1"/>
+          </p:nvPr>
+        </p:nvSpPr>
+        <p:spPr/>
+        <p:txBody>
+          <a:bodyPr>
+            <a:normAutofit fontScale="92500" lnSpcReduction="10000"/>
+          </a:bodyPr>
+          <a:lstStyle/>
+          <a:p>
+            <a:r>
+              <a:rPr lang="en-US" dirty="0" smtClean="0"/>
+              <a:t>#43 add how-to page with instructions</a:t>
+            </a:r>
+          </a:p>
+          <a:p>
+            <a:pPr lvl="1"/>
+            <a:r>
+              <a:rPr lang="en-US" dirty="0" smtClean="0"/>
+              <a:t>See next slide</a:t>
+            </a:r>
+          </a:p>
+          <a:p>
+            <a:r>
+              <a:rPr lang="en-US" dirty="0" smtClean="0"/>
+              <a:t>#44 bug: alert box “echo” effect</a:t>
+            </a:r>
+          </a:p>
+          <a:p>
+            <a:pPr lvl="1"/>
+            <a:r>
+              <a:rPr lang="en-US" dirty="0" smtClean="0"/>
+              <a:t>alert box appears if user makes valid choice after making invalid choice</a:t>
+            </a:r>
+          </a:p>
+          <a:p>
+            <a:r>
+              <a:rPr lang="en-US" dirty="0" smtClean="0"/>
+              <a:t>#45 ability to delete name from list</a:t>
+            </a:r>
+          </a:p>
+          <a:p>
+            <a:pPr lvl="1"/>
+            <a:r>
+              <a:rPr lang="en-US" dirty="0" smtClean="0"/>
+              <a:t>We talked about this already</a:t>
+            </a:r>
+          </a:p>
+          <a:p>
+            <a:r>
+              <a:rPr lang="en-US" dirty="0" smtClean="0"/>
+              <a:t>#46 export tree</a:t>
+            </a:r>
+          </a:p>
+          <a:p>
+            <a:pPr lvl="1"/>
+            <a:r>
+              <a:rPr lang="en-US" dirty="0" smtClean="0"/>
+              <a:t>Provide a way for user to get the </a:t>
+            </a:r>
+            <a:r>
+              <a:rPr lang="en-US" dirty="0" err="1" smtClean="0"/>
+              <a:t>Newick</a:t>
+            </a:r>
+            <a:r>
+              <a:rPr lang="en-US" dirty="0" smtClean="0"/>
+              <a:t> tree (email self, tweet, send to browser)</a:t>
+            </a:r>
+          </a:p>
+        </p:txBody>
+      </p:sp>
+      <p:sp>
+        <p:nvSpPr>
+          <p:cNvPr id="4" name="TextBox 3"/>
           <p:cNvSpPr txBox="1"/>
           <p:nvPr/>
         </p:nvSpPr>
         <p:spPr>
           <a:xfrm>
-            <a:off x="3211958" y="342149"/>
-            <a:ext cx="2925651" cy="461665"/>
+            <a:off x="5852380" y="195585"/>
+            <a:ext cx="2519239" cy="584776"/>
           </a:xfrm>
           <a:prstGeom prst="rect">
             <a:avLst/>
@@ -3141,10 +3206,230 @@
           <a:lstStyle/>
           <a:p>
             <a:r>
-              <a:rPr lang="en-US" sz="2400" dirty="0" smtClean="0"/>
-              <a:t>Nice status messages!</a:t>
-            </a:r>
-            <a:endParaRPr lang="en-US" sz="2400" dirty="0"/>
+              <a:rPr lang="en-US" sz="3200" dirty="0" smtClean="0"/>
+              <a:t>Priority = high</a:t>
+            </a:r>
+            <a:endParaRPr lang="en-US" sz="3200" dirty="0"/>
+          </a:p>
+        </p:txBody>
+      </p:sp>
+      <p:sp>
+        <p:nvSpPr>
+          <p:cNvPr id="8" name="Explosion 1 7"/>
+          <p:cNvSpPr/>
+          <p:nvPr/>
+        </p:nvSpPr>
+        <p:spPr>
+          <a:xfrm>
+            <a:off x="0" y="4762238"/>
+            <a:ext cx="1617872" cy="1001276"/>
+          </a:xfrm>
+          <a:prstGeom prst="irregularSeal1">
+            <a:avLst/>
+          </a:prstGeom>
+          <a:solidFill>
+            <a:srgbClr val="FFFF00">
+              <a:alpha val="51000"/>
+            </a:srgbClr>
+          </a:solidFill>
+        </p:spPr>
+        <p:style>
+          <a:lnRef idx="1">
+            <a:schemeClr val="accent1"/>
+          </a:lnRef>
+          <a:fillRef idx="3">
+            <a:schemeClr val="accent1"/>
+          </a:fillRef>
+          <a:effectRef idx="2">
+            <a:schemeClr val="accent1"/>
+          </a:effectRef>
+          <a:fontRef idx="minor">
+            <a:schemeClr val="lt1"/>
+          </a:fontRef>
+        </p:style>
+        <p:txBody>
+          <a:bodyPr rtlCol="0" anchor="ctr"/>
+          <a:lstStyle/>
+          <a:p>
+            <a:pPr algn="ctr"/>
+            <a:r>
+              <a:rPr lang="en-US" dirty="0" smtClean="0">
+                <a:solidFill>
+                  <a:schemeClr val="tx1"/>
+                </a:solidFill>
+              </a:rPr>
+              <a:t>Done!</a:t>
+            </a:r>
+            <a:endParaRPr lang="en-US" dirty="0">
+              <a:solidFill>
+                <a:schemeClr val="tx1"/>
+              </a:solidFill>
+            </a:endParaRPr>
+          </a:p>
+        </p:txBody>
+      </p:sp>
+      <p:sp>
+        <p:nvSpPr>
+          <p:cNvPr id="9" name="Explosion 1 8"/>
+          <p:cNvSpPr/>
+          <p:nvPr/>
+        </p:nvSpPr>
+        <p:spPr>
+          <a:xfrm>
+            <a:off x="0" y="3420190"/>
+            <a:ext cx="1617872" cy="1001276"/>
+          </a:xfrm>
+          <a:prstGeom prst="irregularSeal1">
+            <a:avLst/>
+          </a:prstGeom>
+          <a:solidFill>
+            <a:srgbClr val="FFFF00">
+              <a:alpha val="51000"/>
+            </a:srgbClr>
+          </a:solidFill>
+        </p:spPr>
+        <p:style>
+          <a:lnRef idx="1">
+            <a:schemeClr val="accent1"/>
+          </a:lnRef>
+          <a:fillRef idx="3">
+            <a:schemeClr val="accent1"/>
+          </a:fillRef>
+          <a:effectRef idx="2">
+            <a:schemeClr val="accent1"/>
+          </a:effectRef>
+          <a:fontRef idx="minor">
+            <a:schemeClr val="lt1"/>
+          </a:fontRef>
+        </p:style>
+        <p:txBody>
+          <a:bodyPr rtlCol="0" anchor="ctr"/>
+          <a:lstStyle/>
+          <a:p>
+            <a:pPr algn="ctr"/>
+            <a:r>
+              <a:rPr lang="en-US" dirty="0" smtClean="0">
+                <a:solidFill>
+                  <a:schemeClr val="tx1"/>
+                </a:solidFill>
+              </a:rPr>
+              <a:t>Done!</a:t>
+            </a:r>
+            <a:endParaRPr lang="en-US" dirty="0">
+              <a:solidFill>
+                <a:schemeClr val="tx1"/>
+              </a:solidFill>
+            </a:endParaRPr>
+          </a:p>
+        </p:txBody>
+      </p:sp>
+      <p:sp>
+        <p:nvSpPr>
+          <p:cNvPr id="10" name="Explosion 1 9"/>
+          <p:cNvSpPr/>
+          <p:nvPr/>
+        </p:nvSpPr>
+        <p:spPr>
+          <a:xfrm>
+            <a:off x="152400" y="2418914"/>
+            <a:ext cx="1617872" cy="1001276"/>
+          </a:xfrm>
+          <a:prstGeom prst="irregularSeal1">
+            <a:avLst/>
+          </a:prstGeom>
+          <a:solidFill>
+            <a:srgbClr val="FFFF00">
+              <a:alpha val="51000"/>
+            </a:srgbClr>
+          </a:solidFill>
+        </p:spPr>
+        <p:style>
+          <a:lnRef idx="1">
+            <a:schemeClr val="accent1"/>
+          </a:lnRef>
+          <a:fillRef idx="3">
+            <a:schemeClr val="accent1"/>
+          </a:fillRef>
+          <a:effectRef idx="2">
+            <a:schemeClr val="accent1"/>
+          </a:effectRef>
+          <a:fontRef idx="minor">
+            <a:schemeClr val="lt1"/>
+          </a:fontRef>
+        </p:style>
+        <p:txBody>
+          <a:bodyPr rtlCol="0" anchor="ctr"/>
+          <a:lstStyle/>
+          <a:p>
+            <a:pPr algn="ctr"/>
+            <a:r>
+              <a:rPr lang="en-US" dirty="0" smtClean="0">
+                <a:solidFill>
+                  <a:schemeClr val="tx1"/>
+                </a:solidFill>
+              </a:rPr>
+              <a:t>Done!</a:t>
+            </a:r>
+            <a:endParaRPr lang="en-US" dirty="0">
+              <a:solidFill>
+                <a:schemeClr val="tx1"/>
+              </a:solidFill>
+            </a:endParaRPr>
+          </a:p>
+        </p:txBody>
+      </p:sp>
+      <p:sp>
+        <p:nvSpPr>
+          <p:cNvPr id="11" name="Explosion 1 10"/>
+          <p:cNvSpPr/>
+          <p:nvPr/>
+        </p:nvSpPr>
+        <p:spPr>
+          <a:xfrm>
+            <a:off x="457200" y="1099562"/>
+            <a:ext cx="1617872" cy="1001276"/>
+          </a:xfrm>
+          <a:prstGeom prst="irregularSeal1">
+            <a:avLst/>
+          </a:prstGeom>
+          <a:solidFill>
+            <a:srgbClr val="FFFF00">
+              <a:alpha val="51000"/>
+            </a:srgbClr>
+          </a:solidFill>
+        </p:spPr>
+        <p:style>
+          <a:lnRef idx="1">
+            <a:schemeClr val="accent1"/>
+          </a:lnRef>
+          <a:fillRef idx="3">
+            <a:schemeClr val="accent1"/>
+          </a:fillRef>
+          <a:effectRef idx="2">
+            <a:schemeClr val="accent1"/>
+          </a:effectRef>
+          <a:fontRef idx="minor">
+            <a:schemeClr val="lt1"/>
+          </a:fontRef>
+        </p:style>
+        <p:txBody>
+          <a:bodyPr rtlCol="0" anchor="ctr"/>
+          <a:lstStyle/>
+          <a:p>
+            <a:pPr algn="ctr"/>
+            <a:r>
+              <a:rPr lang="en-US" dirty="0" smtClean="0">
+                <a:solidFill>
+                  <a:schemeClr val="tx1"/>
+                </a:solidFill>
+              </a:rPr>
+              <a:t>Done!</a:t>
+            </a:r>
+            <a:endParaRPr lang="en-US" dirty="0">
+              <a:solidFill>
+                <a:schemeClr val="tx1"/>
+              </a:solidFill>
+            </a:endParaRPr>
           </a:p>
         </p:txBody>
       </p:sp>
@@ -3153,13 +3438,6 @@
   <p:clrMapOvr>
     <a:masterClrMapping/>
   </p:clrMapOvr>
-  <p:timing>
-    <p:tnLst>
-      <p:par>
-        <p:cTn id="1" dur="indefinite" restart="never" nodeType="tmRoot"/>
-      </p:par>
-    </p:tnLst>
-  </p:timing>
 </p:sld>
 </file>
 
@@ -3182,7 +3460,7 @@
       </p:grpSpPr>
       <p:pic>
         <p:nvPicPr>
-          <p:cNvPr id="4" name="Picture 3" descr="IMG_2001.PNG"/>
+          <p:cNvPr id="26" name="Picture 25"/>
           <p:cNvPicPr>
             <a:picLocks noChangeAspect="1"/>
           </p:cNvPicPr>
@@ -3196,24 +3474,106 @@
         </p:blipFill>
         <p:spPr>
           <a:xfrm>
-            <a:off x="457966" y="757885"/>
-            <a:ext cx="2234308" cy="3965575"/>
+            <a:off x="5415280" y="2682240"/>
+            <a:ext cx="2060620" cy="3657600"/>
           </a:xfrm>
           <a:prstGeom prst="rect">
             <a:avLst/>
           </a:prstGeom>
         </p:spPr>
       </p:pic>
-      <p:sp>
-        <p:nvSpPr>
-          <p:cNvPr id="5" name="TextBox 4"/>
+      <p:pic>
+        <p:nvPicPr>
+          <p:cNvPr id="25" name="Picture 24"/>
+          <p:cNvPicPr>
+            <a:picLocks noChangeAspect="1"/>
+          </p:cNvPicPr>
+          <p:nvPr/>
+        </p:nvPicPr>
+        <p:blipFill>
+          <a:blip r:embed="rId3"/>
+          <a:stretch>
+            <a:fillRect/>
+          </a:stretch>
+        </p:blipFill>
+        <p:spPr>
+          <a:xfrm>
+            <a:off x="2928513" y="1564640"/>
+            <a:ext cx="2224100" cy="3947776"/>
+          </a:xfrm>
+          <a:prstGeom prst="rect">
+            <a:avLst/>
+          </a:prstGeom>
+        </p:spPr>
+      </p:pic>
+      <p:sp>
+        <p:nvSpPr>
+          <p:cNvPr id="2" name="TextBox 1"/>
           <p:cNvSpPr txBox="1"/>
           <p:nvPr/>
         </p:nvSpPr>
         <p:spPr>
           <a:xfrm>
-            <a:off x="3630183" y="1739149"/>
-            <a:ext cx="4839786" cy="2585323"/>
+            <a:off x="3630183" y="195585"/>
+            <a:ext cx="3185888" cy="584776"/>
+          </a:xfrm>
+          <a:prstGeom prst="rect">
+            <a:avLst/>
+          </a:prstGeom>
+          <a:noFill/>
+        </p:spPr>
+        <p:txBody>
+          <a:bodyPr wrap="none" rtlCol="0">
+            <a:spAutoFit/>
+          </a:bodyPr>
+          <a:lstStyle/>
+          <a:p>
+            <a:r>
+              <a:rPr lang="en-US" sz="3200" dirty="0" smtClean="0"/>
+              <a:t>Priority =</a:t>
+            </a:r>
+            <a:r>
+              <a:rPr lang="en-US" sz="3200" dirty="0" smtClean="0"/>
+              <a:t> medium</a:t>
+            </a:r>
+            <a:endParaRPr lang="en-US" sz="3200" dirty="0"/>
+          </a:p>
+        </p:txBody>
+      </p:sp>
+      <p:pic>
+        <p:nvPicPr>
+          <p:cNvPr id="8" name="Picture 7"/>
+          <p:cNvPicPr>
+            <a:picLocks noChangeAspect="1"/>
+          </p:cNvPicPr>
+          <p:nvPr/>
+        </p:nvPicPr>
+        <p:blipFill>
+          <a:blip r:embed="rId4"/>
+          <a:stretch>
+            <a:fillRect/>
+          </a:stretch>
+        </p:blipFill>
+        <p:spPr>
+          <a:xfrm>
+            <a:off x="396240" y="780361"/>
+            <a:ext cx="2217943" cy="3936849"/>
+          </a:xfrm>
+          <a:prstGeom prst="rect">
+            <a:avLst/>
+          </a:prstGeom>
+        </p:spPr>
+      </p:pic>
+      <p:sp>
+        <p:nvSpPr>
+          <p:cNvPr id="9" name="TextBox 8"/>
+          <p:cNvSpPr txBox="1"/>
+          <p:nvPr/>
+        </p:nvSpPr>
+        <p:spPr>
+          <a:xfrm>
+            <a:off x="6685280" y="1564640"/>
+            <a:ext cx="2062479" cy="923330"/>
           </a:xfrm>
           <a:prstGeom prst="rect">
             <a:avLst/>
@@ -3234,122 +3594,124 @@
           </a:fontRef>
         </p:style>
         <p:txBody>
-          <a:bodyPr wrap="none" rtlCol="0">
+          <a:bodyPr wrap="square" rtlCol="0">
             <a:spAutoFit/>
           </a:bodyPr>
           <a:lstStyle/>
           <a:p>
             <a:r>
               <a:rPr lang="en-US" dirty="0" smtClean="0"/>
-              <a:t>User action: </a:t>
-            </a:r>
-          </a:p>
-          <a:p>
-            <a:pPr>
-              <a:buFont typeface="Arial"/>
-              <a:buChar char="•"/>
-            </a:pPr>
-            <a:r>
-              <a:rPr lang="en-US" dirty="0"/>
-              <a:t> </a:t>
-            </a:r>
-            <a:r>
-              <a:rPr lang="en-US" dirty="0" smtClean="0"/>
-              <a:t>Enter wrong name or password </a:t>
-            </a:r>
-          </a:p>
-          <a:p>
-            <a:endParaRPr lang="en-US" dirty="0" smtClean="0"/>
-          </a:p>
-          <a:p>
-            <a:r>
-              <a:rPr lang="en-US" dirty="0" smtClean="0"/>
-              <a:t>Response: </a:t>
-            </a:r>
-          </a:p>
-          <a:p>
-            <a:pPr>
-              <a:buFont typeface="Arial"/>
-              <a:buChar char="•"/>
-            </a:pPr>
-            <a:r>
-              <a:rPr lang="en-US" dirty="0" smtClean="0"/>
-              <a:t> alert box</a:t>
-            </a:r>
-          </a:p>
-          <a:p>
-            <a:endParaRPr lang="en-US" dirty="0" smtClean="0"/>
-          </a:p>
-          <a:p>
-            <a:r>
-              <a:rPr lang="en-US" dirty="0" smtClean="0"/>
-              <a:t>Suggestion: </a:t>
-            </a:r>
-          </a:p>
-          <a:p>
-            <a:pPr>
-              <a:buFont typeface="Arial"/>
-              <a:buChar char="•"/>
-            </a:pPr>
-            <a:r>
-              <a:rPr lang="en-US" dirty="0" smtClean="0"/>
-              <a:t> </a:t>
-            </a:r>
-            <a:r>
-              <a:rPr lang="en-US" dirty="0"/>
-              <a:t>change </a:t>
-            </a:r>
-            <a:r>
-              <a:rPr lang="en-US" dirty="0" err="1"/>
-              <a:t>index.html</a:t>
-            </a:r>
-            <a:r>
-              <a:rPr lang="en-US" dirty="0"/>
-              <a:t> to “Oops!” </a:t>
-            </a:r>
-          </a:p>
-          <a:p>
-            <a:pPr>
-              <a:buFont typeface="Arial"/>
-              <a:buChar char="•"/>
-            </a:pPr>
-            <a:r>
-              <a:rPr lang="en-US" dirty="0" smtClean="0"/>
-              <a:t>‘’Username or password error. Please try again.’’</a:t>
-            </a:r>
-          </a:p>
-        </p:txBody>
-      </p:sp>
-      <p:sp>
-        <p:nvSpPr>
-          <p:cNvPr id="2" name="TextBox 1"/>
-          <p:cNvSpPr txBox="1"/>
-          <p:nvPr/>
-        </p:nvSpPr>
-        <p:spPr>
-          <a:xfrm>
-            <a:off x="3630183" y="195585"/>
-            <a:ext cx="2470749" cy="584776"/>
-          </a:xfrm>
-          <a:prstGeom prst="rect">
-            <a:avLst/>
-          </a:prstGeom>
-          <a:noFill/>
-        </p:spPr>
-        <p:txBody>
-          <a:bodyPr wrap="none" rtlCol="0">
-            <a:spAutoFit/>
-          </a:bodyPr>
-          <a:lstStyle/>
-          <a:p>
-            <a:r>
-              <a:rPr lang="en-US" sz="3200" dirty="0" smtClean="0"/>
-              <a:t>Priority = low</a:t>
-            </a:r>
-            <a:endParaRPr lang="en-US" sz="3200" dirty="0"/>
-          </a:p>
-        </p:txBody>
-      </p:sp>
+              <a:t>Add help button to bottom strip of every view</a:t>
+            </a:r>
+            <a:endParaRPr lang="en-US" dirty="0"/>
+          </a:p>
+        </p:txBody>
+      </p:sp>
+      <p:cxnSp>
+        <p:nvCxnSpPr>
+          <p:cNvPr id="11" name="Straight Arrow Connector 10"/>
+          <p:cNvCxnSpPr>
+            <a:stCxn id="9" idx="1"/>
+          </p:cNvCxnSpPr>
+          <p:nvPr/>
+        </p:nvCxnSpPr>
+        <p:spPr>
+          <a:xfrm rot="10800000" flipV="1">
+            <a:off x="1412240" y="2026304"/>
+            <a:ext cx="5273040" cy="2484735"/>
+          </a:xfrm>
+          <a:prstGeom prst="straightConnector1">
+            <a:avLst/>
+          </a:prstGeom>
+          <a:ln>
+            <a:tailEnd type="arrow"/>
+          </a:ln>
+        </p:spPr>
+        <p:style>
+          <a:lnRef idx="2">
+            <a:schemeClr val="accent1"/>
+          </a:lnRef>
+          <a:fillRef idx="0">
+            <a:schemeClr val="accent1"/>
+          </a:fillRef>
+          <a:effectRef idx="1">
+            <a:schemeClr val="accent1"/>
+          </a:effectRef>
+          <a:fontRef idx="minor">
+            <a:schemeClr val="tx1"/>
+          </a:fontRef>
+        </p:style>
+      </p:cxnSp>
+      <p:cxnSp>
+        <p:nvCxnSpPr>
+          <p:cNvPr id="18" name="Straight Arrow Connector 17"/>
+          <p:cNvCxnSpPr>
+            <a:stCxn id="9" idx="2"/>
+          </p:cNvCxnSpPr>
+          <p:nvPr/>
+        </p:nvCxnSpPr>
+        <p:spPr>
+          <a:xfrm rot="5400000">
+            <a:off x="4513981" y="1999387"/>
+            <a:ext cx="2713957" cy="3691123"/>
+          </a:xfrm>
+          <a:prstGeom prst="straightConnector1">
+            <a:avLst/>
+          </a:prstGeom>
+          <a:ln>
+            <a:tailEnd type="arrow"/>
+          </a:ln>
+        </p:spPr>
+        <p:style>
+          <a:lnRef idx="2">
+            <a:schemeClr val="accent1"/>
+          </a:lnRef>
+          <a:fillRef idx="0">
+            <a:schemeClr val="accent1"/>
+          </a:fillRef>
+          <a:effectRef idx="1">
+            <a:schemeClr val="accent1"/>
+          </a:effectRef>
+          <a:fontRef idx="minor">
+            <a:schemeClr val="tx1"/>
+          </a:fontRef>
+        </p:style>
+      </p:cxnSp>
+      <p:cxnSp>
+        <p:nvCxnSpPr>
+          <p:cNvPr id="19" name="Straight Arrow Connector 18"/>
+          <p:cNvCxnSpPr>
+            <a:stCxn id="9" idx="2"/>
+          </p:cNvCxnSpPr>
+          <p:nvPr/>
+        </p:nvCxnSpPr>
+        <p:spPr>
+          <a:xfrm rot="5400000">
+            <a:off x="5178445" y="3659525"/>
+            <a:ext cx="3709630" cy="1366520"/>
+          </a:xfrm>
+          <a:prstGeom prst="straightConnector1">
+            <a:avLst/>
+          </a:prstGeom>
+          <a:ln>
+            <a:tailEnd type="arrow"/>
+          </a:ln>
+        </p:spPr>
+        <p:style>
+          <a:lnRef idx="2">
+            <a:schemeClr val="accent1"/>
+          </a:lnRef>
+          <a:fillRef idx="0">
+            <a:schemeClr val="accent1"/>
+          </a:fillRef>
+          <a:effectRef idx="1">
+            <a:schemeClr val="accent1"/>
+          </a:effectRef>
+          <a:fontRef idx="minor">
+            <a:schemeClr val="tx1"/>
+          </a:fontRef>
+        </p:style>
+      </p:cxnSp>
     </p:spTree>
   </p:cSld>
   <p:clrMapOvr>
@@ -3384,22 +3746,28 @@
       </p:grpSpPr>
       <p:pic>
         <p:nvPicPr>
-          <p:cNvPr id="5" name="Picture 4" descr="IMG_2009.PNG"/>
+          <p:cNvPr id="4" name="Picture 3" descr="IMG_0467.JPG"/>
           <p:cNvPicPr>
             <a:picLocks noChangeAspect="1"/>
           </p:cNvPicPr>
           <p:nvPr/>
         </p:nvPicPr>
         <p:blipFill>
-          <a:blip r:embed="rId2"/>
+          <a:blip r:embed="rId2">
+            <a:extLst>
+              <a:ext uri="{28A0092B-C50C-407E-A947-70E740481C1C}">
+                <a14:useLocalDpi xmlns:mc="http://schemas.openxmlformats.org/markup-compatibility/2006" xmlns:mv="urn:schemas-microsoft-com:mac:vml" xmlns:a14="http://schemas.microsoft.com/office/drawing/2010/main" xmlns:p="http://schemas.openxmlformats.org/presentationml/2006/main" xmlns:r="http://schemas.openxmlformats.org/officeDocument/2006/relationships" xmlns:a="http://schemas.openxmlformats.org/drawingml/2006/main" xmlns="" val="0"/>
+              </a:ext>
+            </a:extLst>
+          </a:blip>
           <a:stretch>
             <a:fillRect/>
           </a:stretch>
         </p:blipFill>
         <p:spPr>
           <a:xfrm>
-            <a:off x="405102" y="499926"/>
-            <a:ext cx="3225081" cy="5724055"/>
+            <a:off x="448852" y="758015"/>
+            <a:ext cx="2790380" cy="4952924"/>
           </a:xfrm>
           <a:prstGeom prst="rect">
             <a:avLst/>
@@ -3408,14 +3776,14 @@
       </p:pic>
       <p:sp>
         <p:nvSpPr>
-          <p:cNvPr id="6" name="TextBox 5"/>
+          <p:cNvPr id="5" name="TextBox 4"/>
           <p:cNvSpPr txBox="1"/>
           <p:nvPr/>
         </p:nvSpPr>
         <p:spPr>
           <a:xfrm>
-            <a:off x="4807185" y="1053630"/>
-            <a:ext cx="3283185" cy="3139321"/>
+            <a:off x="3514414" y="2686615"/>
+            <a:ext cx="5334000" cy="2862323"/>
           </a:xfrm>
           <a:prstGeom prst="rect">
             <a:avLst/>
@@ -3452,8 +3820,12 @@
               <a:buChar char="•"/>
             </a:pPr>
             <a:r>
+              <a:rPr lang="en-US" dirty="0"/>
+              <a:t> </a:t>
+            </a:r>
+            <a:r>
               <a:rPr lang="en-US" dirty="0" smtClean="0"/>
-              <a:t> select “Use this image”</a:t>
+              <a:t>choose image with no scientific names</a:t>
             </a:r>
           </a:p>
           <a:p>
@@ -3472,7 +3844,15 @@
             </a:pPr>
             <a:r>
               <a:rPr lang="en-US" dirty="0" smtClean="0"/>
-              <a:t> network error alert</a:t>
+              <a:t> app </a:t>
+            </a:r>
+            <a:r>
+              <a:rPr lang="nb-NO" dirty="0" smtClean="0"/>
+              <a:t>alerts </a:t>
+            </a:r>
+            <a:r>
+              <a:rPr lang="en-US" dirty="0" smtClean="0"/>
+              <a:t>user</a:t>
             </a:r>
           </a:p>
           <a:p>
@@ -3490,19 +3870,19 @@
               <a:buChar char="•"/>
             </a:pPr>
             <a:r>
+              <a:rPr lang="en-US" dirty="0"/>
+              <a:t> </a:t>
+            </a:r>
+            <a:r>
               <a:rPr lang="en-US" dirty="0" smtClean="0"/>
-              <a:t> </a:t>
-            </a:r>
-            <a:r>
-              <a:rPr lang="en-US" dirty="0"/>
               <a:t>change </a:t>
             </a:r>
             <a:r>
-              <a:rPr lang="en-US" dirty="0" err="1"/>
+              <a:rPr lang="en-US" dirty="0" err="1" smtClean="0"/>
               <a:t>index.html</a:t>
             </a:r>
             <a:r>
-              <a:rPr lang="en-US" dirty="0"/>
+              <a:rPr lang="en-US" dirty="0" smtClean="0"/>
               <a:t> to “Oops!” </a:t>
             </a:r>
           </a:p>
@@ -3513,24 +3893,21 @@
             </a:pPr>
             <a:r>
               <a:rPr lang="en-US" dirty="0" smtClean="0"/>
-              <a:t>“Network error.  Please check your connection and try again.” </a:t>
-            </a:r>
-          </a:p>
-          <a:p>
-            <a:endParaRPr lang="en-US" dirty="0"/>
-          </a:p>
-        </p:txBody>
-      </p:sp>
-      <p:sp>
-        <p:nvSpPr>
-          <p:cNvPr id="4" name="TextBox 3"/>
+              <a:t> change message to: ‘’No scientific name was found. Please try again.’’</a:t>
+            </a:r>
+          </a:p>
+        </p:txBody>
+      </p:sp>
+      <p:sp>
+        <p:nvSpPr>
+          <p:cNvPr id="7" name="TextBox 6"/>
           <p:cNvSpPr txBox="1"/>
           <p:nvPr/>
         </p:nvSpPr>
         <p:spPr>
           <a:xfrm>
-            <a:off x="3630183" y="195585"/>
-            <a:ext cx="2470749" cy="584776"/>
+            <a:off x="328526" y="173239"/>
+            <a:ext cx="3185888" cy="584776"/>
           </a:xfrm>
           <a:prstGeom prst="rect">
             <a:avLst/>
@@ -3545,24 +3922,22 @@
           <a:p>
             <a:r>
               <a:rPr lang="en-US" sz="3200" dirty="0" smtClean="0"/>
-              <a:t>Priority = low</a:t>
+              <a:t>Priority = medium</a:t>
             </a:r>
             <a:endParaRPr lang="en-US" sz="3200" dirty="0"/>
           </a:p>
         </p:txBody>
       </p:sp>
     </p:spTree>
+    <p:extLst>
+      <p:ext uri="{BB962C8B-B14F-4D97-AF65-F5344CB8AC3E}">
+        <p14:creationId xmlns:mc="http://schemas.openxmlformats.org/markup-compatibility/2006" xmlns:mv="urn:schemas-microsoft-com:mac:vml" xmlns:p14="http://schemas.microsoft.com/office/powerpoint/2010/main" xmlns:p="http://schemas.openxmlformats.org/presentationml/2006/main" xmlns:r="http://schemas.openxmlformats.org/officeDocument/2006/relationships" xmlns:a="http://schemas.openxmlformats.org/drawingml/2006/main" xmlns="" val="2412509238"/>
+      </p:ext>
+    </p:extLst>
   </p:cSld>
   <p:clrMapOvr>
     <a:masterClrMapping/>
   </p:clrMapOvr>
-  <p:timing>
-    <p:tnLst>
-      <p:par>
-        <p:cTn id="1" dur="indefinite" restart="never" nodeType="tmRoot"/>
-      </p:par>
-    </p:tnLst>
-  </p:timing>
 </p:sld>
 </file>
 
@@ -3585,7 +3960,665 @@
       </p:grpSpPr>
       <p:pic>
         <p:nvPicPr>
-          <p:cNvPr id="4" name="Picture 3" descr="IMG_2003.PNG"/>
+          <p:cNvPr id="6" name="Picture 5" descr="IMG_2013.PNG"/>
+          <p:cNvPicPr>
+            <a:picLocks noChangeAspect="1"/>
+          </p:cNvPicPr>
+          <p:nvPr/>
+        </p:nvPicPr>
+        <p:blipFill>
+          <a:blip r:embed="rId2">
+            <a:extLst>
+              <a:ext uri="{28A0092B-C50C-407E-A947-70E740481C1C}">
+                <a14:useLocalDpi xmlns:mc="http://schemas.openxmlformats.org/markup-compatibility/2006" xmlns:mv="urn:schemas-microsoft-com:mac:vml" xmlns:a14="http://schemas.microsoft.com/office/drawing/2010/main" xmlns:p="http://schemas.openxmlformats.org/presentationml/2006/main" xmlns:r="http://schemas.openxmlformats.org/officeDocument/2006/relationships" xmlns:a="http://schemas.openxmlformats.org/drawingml/2006/main" xmlns="" val="0"/>
+              </a:ext>
+            </a:extLst>
+          </a:blip>
+          <a:stretch>
+            <a:fillRect/>
+          </a:stretch>
+        </p:blipFill>
+        <p:spPr>
+          <a:xfrm>
+            <a:off x="492644" y="788307"/>
+            <a:ext cx="2884558" cy="5128103"/>
+          </a:xfrm>
+          <a:prstGeom prst="rect">
+            <a:avLst/>
+          </a:prstGeom>
+        </p:spPr>
+      </p:pic>
+      <p:sp>
+        <p:nvSpPr>
+          <p:cNvPr id="8" name="Rounded Rectangle 7"/>
+          <p:cNvSpPr/>
+          <p:nvPr/>
+        </p:nvSpPr>
+        <p:spPr>
+          <a:xfrm>
+            <a:off x="5759374" y="432474"/>
+            <a:ext cx="1997666" cy="711666"/>
+          </a:xfrm>
+          <a:prstGeom prst="roundRect">
+            <a:avLst/>
+          </a:prstGeom>
+        </p:spPr>
+        <p:style>
+          <a:lnRef idx="1">
+            <a:schemeClr val="accent1"/>
+          </a:lnRef>
+          <a:fillRef idx="3">
+            <a:schemeClr val="accent1"/>
+          </a:fillRef>
+          <a:effectRef idx="2">
+            <a:schemeClr val="accent1"/>
+          </a:effectRef>
+          <a:fontRef idx="minor">
+            <a:schemeClr val="lt1"/>
+          </a:fontRef>
+        </p:style>
+        <p:txBody>
+          <a:bodyPr rtlCol="0" anchor="ctr"/>
+          <a:lstStyle/>
+          <a:p>
+            <a:pPr algn="ctr"/>
+            <a:r>
+              <a:rPr lang="en-US" sz="1400" dirty="0" smtClean="0"/>
+              <a:t>User: choose </a:t>
+            </a:r>
+            <a:r>
+              <a:rPr lang="en-US" sz="1400" dirty="0"/>
+              <a:t>image with no text at </a:t>
+            </a:r>
+            <a:r>
+              <a:rPr lang="en-US" sz="1400" dirty="0" smtClean="0"/>
+              <a:t>all</a:t>
+            </a:r>
+            <a:endParaRPr lang="en-US" sz="1400" dirty="0"/>
+          </a:p>
+        </p:txBody>
+      </p:sp>
+      <p:sp>
+        <p:nvSpPr>
+          <p:cNvPr id="9" name="Rounded Rectangle 8"/>
+          <p:cNvSpPr/>
+          <p:nvPr/>
+        </p:nvSpPr>
+        <p:spPr>
+          <a:xfrm>
+            <a:off x="6164435" y="1826941"/>
+            <a:ext cx="1231332" cy="854000"/>
+          </a:xfrm>
+          <a:prstGeom prst="roundRect">
+            <a:avLst/>
+          </a:prstGeom>
+        </p:spPr>
+        <p:style>
+          <a:lnRef idx="1">
+            <a:schemeClr val="accent1"/>
+          </a:lnRef>
+          <a:fillRef idx="3">
+            <a:schemeClr val="accent1"/>
+          </a:fillRef>
+          <a:effectRef idx="2">
+            <a:schemeClr val="accent1"/>
+          </a:effectRef>
+          <a:fontRef idx="minor">
+            <a:schemeClr val="lt1"/>
+          </a:fontRef>
+        </p:style>
+        <p:txBody>
+          <a:bodyPr rtlCol="0" anchor="ctr"/>
+          <a:lstStyle/>
+          <a:p>
+            <a:pPr algn="ctr"/>
+            <a:r>
+              <a:rPr lang="en-US" dirty="0"/>
+              <a:t>app runs OCR</a:t>
+            </a:r>
+          </a:p>
+        </p:txBody>
+      </p:sp>
+      <p:sp>
+        <p:nvSpPr>
+          <p:cNvPr id="10" name="Rounded Rectangle 9"/>
+          <p:cNvSpPr/>
+          <p:nvPr/>
+        </p:nvSpPr>
+        <p:spPr>
+          <a:xfrm>
+            <a:off x="5217191" y="3354015"/>
+            <a:ext cx="1149500" cy="854000"/>
+          </a:xfrm>
+          <a:prstGeom prst="roundRect">
+            <a:avLst/>
+          </a:prstGeom>
+        </p:spPr>
+        <p:style>
+          <a:lnRef idx="1">
+            <a:schemeClr val="accent1"/>
+          </a:lnRef>
+          <a:fillRef idx="3">
+            <a:schemeClr val="accent1"/>
+          </a:fillRef>
+          <a:effectRef idx="2">
+            <a:schemeClr val="accent1"/>
+          </a:effectRef>
+          <a:fontRef idx="minor">
+            <a:schemeClr val="lt1"/>
+          </a:fontRef>
+        </p:style>
+        <p:txBody>
+          <a:bodyPr rtlCol="0" anchor="ctr"/>
+          <a:lstStyle/>
+          <a:p>
+            <a:pPr algn="ctr"/>
+            <a:r>
+              <a:rPr lang="en-US" dirty="0" smtClean="0"/>
+              <a:t>App runs </a:t>
+            </a:r>
+            <a:r>
+              <a:rPr lang="en-US" dirty="0"/>
+              <a:t>GNRD</a:t>
+            </a:r>
+          </a:p>
+        </p:txBody>
+      </p:sp>
+      <p:sp>
+        <p:nvSpPr>
+          <p:cNvPr id="11" name="Rounded Rectangle 10"/>
+          <p:cNvSpPr/>
+          <p:nvPr/>
+        </p:nvSpPr>
+        <p:spPr>
+          <a:xfrm>
+            <a:off x="7045445" y="3354015"/>
+            <a:ext cx="1379400" cy="854000"/>
+          </a:xfrm>
+          <a:prstGeom prst="roundRect">
+            <a:avLst/>
+          </a:prstGeom>
+        </p:spPr>
+        <p:style>
+          <a:lnRef idx="1">
+            <a:schemeClr val="accent1"/>
+          </a:lnRef>
+          <a:fillRef idx="3">
+            <a:schemeClr val="accent1"/>
+          </a:fillRef>
+          <a:effectRef idx="2">
+            <a:schemeClr val="accent1"/>
+          </a:effectRef>
+          <a:fontRef idx="minor">
+            <a:schemeClr val="lt1"/>
+          </a:fontRef>
+        </p:style>
+        <p:txBody>
+          <a:bodyPr rtlCol="0" anchor="ctr"/>
+          <a:lstStyle/>
+          <a:p>
+            <a:pPr algn="ctr"/>
+            <a:r>
+              <a:rPr lang="en-US" dirty="0" smtClean="0"/>
+              <a:t>App doesn’t run </a:t>
+            </a:r>
+            <a:r>
+              <a:rPr lang="en-US" dirty="0"/>
+              <a:t>GNRD</a:t>
+            </a:r>
+          </a:p>
+        </p:txBody>
+      </p:sp>
+      <p:sp>
+        <p:nvSpPr>
+          <p:cNvPr id="12" name="Rounded Rectangle 11"/>
+          <p:cNvSpPr/>
+          <p:nvPr/>
+        </p:nvSpPr>
+        <p:spPr>
+          <a:xfrm>
+            <a:off x="4852487" y="4717525"/>
+            <a:ext cx="1813774" cy="854000"/>
+          </a:xfrm>
+          <a:prstGeom prst="roundRect">
+            <a:avLst/>
+          </a:prstGeom>
+        </p:spPr>
+        <p:style>
+          <a:lnRef idx="1">
+            <a:schemeClr val="accent1"/>
+          </a:lnRef>
+          <a:fillRef idx="3">
+            <a:schemeClr val="accent1"/>
+          </a:fillRef>
+          <a:effectRef idx="2">
+            <a:schemeClr val="accent1"/>
+          </a:effectRef>
+          <a:fontRef idx="minor">
+            <a:schemeClr val="lt1"/>
+          </a:fontRef>
+        </p:style>
+        <p:txBody>
+          <a:bodyPr rtlCol="0" anchor="ctr"/>
+          <a:lstStyle/>
+          <a:p>
+            <a:pPr algn="ctr"/>
+            <a:r>
+              <a:rPr lang="en-US" dirty="0" smtClean="0"/>
+              <a:t>App shows alert</a:t>
+            </a:r>
+            <a:endParaRPr lang="en-US" dirty="0"/>
+          </a:p>
+        </p:txBody>
+      </p:sp>
+      <p:cxnSp>
+        <p:nvCxnSpPr>
+          <p:cNvPr id="14" name="Straight Arrow Connector 13"/>
+          <p:cNvCxnSpPr>
+            <a:stCxn id="8" idx="2"/>
+            <a:endCxn id="9" idx="0"/>
+          </p:cNvCxnSpPr>
+          <p:nvPr/>
+        </p:nvCxnSpPr>
+        <p:spPr>
+          <a:xfrm>
+            <a:off x="6758207" y="1144140"/>
+            <a:ext cx="21894" cy="682801"/>
+          </a:xfrm>
+          <a:prstGeom prst="straightConnector1">
+            <a:avLst/>
+          </a:prstGeom>
+          <a:ln>
+            <a:tailEnd type="arrow"/>
+          </a:ln>
+        </p:spPr>
+        <p:style>
+          <a:lnRef idx="2">
+            <a:schemeClr val="accent1"/>
+          </a:lnRef>
+          <a:fillRef idx="0">
+            <a:schemeClr val="accent1"/>
+          </a:fillRef>
+          <a:effectRef idx="1">
+            <a:schemeClr val="accent1"/>
+          </a:effectRef>
+          <a:fontRef idx="minor">
+            <a:schemeClr val="tx1"/>
+          </a:fontRef>
+        </p:style>
+      </p:cxnSp>
+      <p:sp>
+        <p:nvSpPr>
+          <p:cNvPr id="18" name="Rounded Rectangle 17"/>
+          <p:cNvSpPr/>
+          <p:nvPr/>
+        </p:nvSpPr>
+        <p:spPr>
+          <a:xfrm>
+            <a:off x="7137850" y="4717525"/>
+            <a:ext cx="1194590" cy="854000"/>
+          </a:xfrm>
+          <a:prstGeom prst="roundRect">
+            <a:avLst/>
+          </a:prstGeom>
+        </p:spPr>
+        <p:style>
+          <a:lnRef idx="1">
+            <a:schemeClr val="accent1"/>
+          </a:lnRef>
+          <a:fillRef idx="3">
+            <a:schemeClr val="accent1"/>
+          </a:fillRef>
+          <a:effectRef idx="2">
+            <a:schemeClr val="accent1"/>
+          </a:effectRef>
+          <a:fontRef idx="minor">
+            <a:schemeClr val="lt1"/>
+          </a:fontRef>
+        </p:style>
+        <p:txBody>
+          <a:bodyPr rtlCol="0" anchor="ctr"/>
+          <a:lstStyle/>
+          <a:p>
+            <a:pPr algn="ctr"/>
+            <a:r>
+              <a:rPr lang="en-US" dirty="0" smtClean="0"/>
+              <a:t>(No alert)</a:t>
+            </a:r>
+            <a:endParaRPr lang="en-US" dirty="0"/>
+          </a:p>
+        </p:txBody>
+      </p:sp>
+      <p:cxnSp>
+        <p:nvCxnSpPr>
+          <p:cNvPr id="19" name="Straight Arrow Connector 18"/>
+          <p:cNvCxnSpPr>
+            <a:stCxn id="10" idx="2"/>
+            <a:endCxn id="12" idx="0"/>
+          </p:cNvCxnSpPr>
+          <p:nvPr/>
+        </p:nvCxnSpPr>
+        <p:spPr>
+          <a:xfrm flipH="1">
+            <a:off x="5759374" y="4208015"/>
+            <a:ext cx="32567" cy="509510"/>
+          </a:xfrm>
+          <a:prstGeom prst="straightConnector1">
+            <a:avLst/>
+          </a:prstGeom>
+          <a:ln>
+            <a:tailEnd type="arrow"/>
+          </a:ln>
+        </p:spPr>
+        <p:style>
+          <a:lnRef idx="2">
+            <a:schemeClr val="accent1"/>
+          </a:lnRef>
+          <a:fillRef idx="0">
+            <a:schemeClr val="accent1"/>
+          </a:fillRef>
+          <a:effectRef idx="1">
+            <a:schemeClr val="accent1"/>
+          </a:effectRef>
+          <a:fontRef idx="minor">
+            <a:schemeClr val="tx1"/>
+          </a:fontRef>
+        </p:style>
+      </p:cxnSp>
+      <p:cxnSp>
+        <p:nvCxnSpPr>
+          <p:cNvPr id="20" name="Straight Arrow Connector 19"/>
+          <p:cNvCxnSpPr>
+            <a:stCxn id="11" idx="2"/>
+            <a:endCxn id="18" idx="0"/>
+          </p:cNvCxnSpPr>
+          <p:nvPr/>
+        </p:nvCxnSpPr>
+        <p:spPr>
+          <a:xfrm>
+            <a:off x="7735145" y="4208015"/>
+            <a:ext cx="0" cy="509510"/>
+          </a:xfrm>
+          <a:prstGeom prst="straightConnector1">
+            <a:avLst/>
+          </a:prstGeom>
+          <a:ln>
+            <a:tailEnd type="arrow"/>
+          </a:ln>
+        </p:spPr>
+        <p:style>
+          <a:lnRef idx="2">
+            <a:schemeClr val="accent1"/>
+          </a:lnRef>
+          <a:fillRef idx="0">
+            <a:schemeClr val="accent1"/>
+          </a:fillRef>
+          <a:effectRef idx="1">
+            <a:schemeClr val="accent1"/>
+          </a:effectRef>
+          <a:fontRef idx="minor">
+            <a:schemeClr val="tx1"/>
+          </a:fontRef>
+        </p:style>
+      </p:cxnSp>
+      <p:cxnSp>
+        <p:nvCxnSpPr>
+          <p:cNvPr id="21" name="Straight Arrow Connector 20"/>
+          <p:cNvCxnSpPr>
+            <a:stCxn id="9" idx="2"/>
+            <a:endCxn id="10" idx="0"/>
+          </p:cNvCxnSpPr>
+          <p:nvPr/>
+        </p:nvCxnSpPr>
+        <p:spPr>
+          <a:xfrm flipH="1">
+            <a:off x="5791941" y="2680941"/>
+            <a:ext cx="988160" cy="673074"/>
+          </a:xfrm>
+          <a:prstGeom prst="straightConnector1">
+            <a:avLst/>
+          </a:prstGeom>
+          <a:ln>
+            <a:tailEnd type="arrow"/>
+          </a:ln>
+        </p:spPr>
+        <p:style>
+          <a:lnRef idx="2">
+            <a:schemeClr val="accent1"/>
+          </a:lnRef>
+          <a:fillRef idx="0">
+            <a:schemeClr val="accent1"/>
+          </a:fillRef>
+          <a:effectRef idx="1">
+            <a:schemeClr val="accent1"/>
+          </a:effectRef>
+          <a:fontRef idx="minor">
+            <a:schemeClr val="tx1"/>
+          </a:fontRef>
+        </p:style>
+      </p:cxnSp>
+      <p:cxnSp>
+        <p:nvCxnSpPr>
+          <p:cNvPr id="22" name="Straight Arrow Connector 21"/>
+          <p:cNvCxnSpPr>
+            <a:stCxn id="9" idx="2"/>
+            <a:endCxn id="11" idx="0"/>
+          </p:cNvCxnSpPr>
+          <p:nvPr/>
+        </p:nvCxnSpPr>
+        <p:spPr>
+          <a:xfrm>
+            <a:off x="6780101" y="2680941"/>
+            <a:ext cx="955044" cy="673074"/>
+          </a:xfrm>
+          <a:prstGeom prst="straightConnector1">
+            <a:avLst/>
+          </a:prstGeom>
+          <a:ln>
+            <a:tailEnd type="arrow"/>
+          </a:ln>
+        </p:spPr>
+        <p:style>
+          <a:lnRef idx="2">
+            <a:schemeClr val="accent1"/>
+          </a:lnRef>
+          <a:fillRef idx="0">
+            <a:schemeClr val="accent1"/>
+          </a:fillRef>
+          <a:effectRef idx="1">
+            <a:schemeClr val="accent1"/>
+          </a:effectRef>
+          <a:fontRef idx="minor">
+            <a:schemeClr val="tx1"/>
+          </a:fontRef>
+        </p:style>
+      </p:cxnSp>
+      <p:sp>
+        <p:nvSpPr>
+          <p:cNvPr id="53" name="TextBox 52"/>
+          <p:cNvSpPr txBox="1"/>
+          <p:nvPr/>
+        </p:nvSpPr>
+        <p:spPr>
+          <a:xfrm>
+            <a:off x="3557758" y="1670855"/>
+            <a:ext cx="1735619" cy="1754327"/>
+          </a:xfrm>
+          <a:prstGeom prst="rect">
+            <a:avLst/>
+          </a:prstGeom>
+          <a:noFill/>
+        </p:spPr>
+        <p:txBody>
+          <a:bodyPr wrap="square" rtlCol="0">
+            <a:spAutoFit/>
+          </a:bodyPr>
+          <a:lstStyle/>
+          <a:p>
+            <a:r>
+              <a:rPr lang="en-US" dirty="0" smtClean="0"/>
+              <a:t>We don</a:t>
+            </a:r>
+            <a:r>
+              <a:rPr lang="uk-UA" dirty="0" smtClean="0"/>
+              <a:t>’</a:t>
+            </a:r>
+            <a:r>
+              <a:rPr lang="en-US" dirty="0" smtClean="0"/>
+              <a:t>t know why it sometimes runs GNRD or sometimes doesn’t</a:t>
+            </a:r>
+            <a:endParaRPr lang="en-US" dirty="0"/>
+          </a:p>
+        </p:txBody>
+      </p:sp>
+      <p:sp>
+        <p:nvSpPr>
+          <p:cNvPr id="61" name="TextBox 60"/>
+          <p:cNvSpPr txBox="1"/>
+          <p:nvPr/>
+        </p:nvSpPr>
+        <p:spPr>
+          <a:xfrm>
+            <a:off x="6563338" y="5803765"/>
+            <a:ext cx="2298440" cy="923330"/>
+          </a:xfrm>
+          <a:prstGeom prst="rect">
+            <a:avLst/>
+          </a:prstGeom>
+        </p:spPr>
+        <p:style>
+          <a:lnRef idx="2">
+            <a:schemeClr val="accent3">
+              <a:shade val="50000"/>
+            </a:schemeClr>
+          </a:lnRef>
+          <a:fillRef idx="1">
+            <a:schemeClr val="accent3"/>
+          </a:fillRef>
+          <a:effectRef idx="0">
+            <a:schemeClr val="accent3"/>
+          </a:effectRef>
+          <a:fontRef idx="minor">
+            <a:schemeClr val="lt1"/>
+          </a:fontRef>
+        </p:style>
+        <p:txBody>
+          <a:bodyPr wrap="square" rtlCol="0">
+            <a:spAutoFit/>
+          </a:bodyPr>
+          <a:lstStyle/>
+          <a:p>
+            <a:r>
+              <a:rPr lang="en-US" dirty="0" smtClean="0"/>
+              <a:t>Suggestion: alert user “Oops!  No text found in image”</a:t>
+            </a:r>
+            <a:endParaRPr lang="en-US" dirty="0"/>
+          </a:p>
+        </p:txBody>
+      </p:sp>
+      <p:sp>
+        <p:nvSpPr>
+          <p:cNvPr id="62" name="TextBox 61"/>
+          <p:cNvSpPr txBox="1"/>
+          <p:nvPr/>
+        </p:nvSpPr>
+        <p:spPr>
+          <a:xfrm>
+            <a:off x="3158162" y="140086"/>
+            <a:ext cx="2470749" cy="584776"/>
+          </a:xfrm>
+          <a:prstGeom prst="rect">
+            <a:avLst/>
+          </a:prstGeom>
+          <a:noFill/>
+        </p:spPr>
+        <p:txBody>
+          <a:bodyPr wrap="none" rtlCol="0">
+            <a:spAutoFit/>
+          </a:bodyPr>
+          <a:lstStyle/>
+          <a:p>
+            <a:r>
+              <a:rPr lang="en-US" sz="3200" dirty="0" smtClean="0"/>
+              <a:t>Priority = low</a:t>
+            </a:r>
+            <a:endParaRPr lang="en-US" sz="3200" dirty="0"/>
+          </a:p>
+        </p:txBody>
+      </p:sp>
+      <p:sp>
+        <p:nvSpPr>
+          <p:cNvPr id="63" name="Right Arrow 62"/>
+          <p:cNvSpPr/>
+          <p:nvPr/>
+        </p:nvSpPr>
+        <p:spPr>
+          <a:xfrm>
+            <a:off x="5012412" y="6113481"/>
+            <a:ext cx="1354279" cy="337141"/>
+          </a:xfrm>
+          <a:prstGeom prst="rightArrow">
+            <a:avLst/>
+          </a:prstGeom>
+        </p:spPr>
+        <p:style>
+          <a:lnRef idx="2">
+            <a:schemeClr val="accent5">
+              <a:shade val="50000"/>
+            </a:schemeClr>
+          </a:lnRef>
+          <a:fillRef idx="1">
+            <a:schemeClr val="accent5"/>
+          </a:fillRef>
+          <a:effectRef idx="0">
+            <a:schemeClr val="accent5"/>
+          </a:effectRef>
+          <a:fontRef idx="minor">
+            <a:schemeClr val="lt1"/>
+          </a:fontRef>
+        </p:style>
+        <p:txBody>
+          <a:bodyPr rtlCol="0" anchor="ctr"/>
+          <a:lstStyle/>
+          <a:p>
+            <a:pPr algn="ctr"/>
+            <a:endParaRPr lang="en-US"/>
+          </a:p>
+        </p:txBody>
+      </p:sp>
+    </p:spTree>
+    <p:extLst>
+      <p:ext uri="{BB962C8B-B14F-4D97-AF65-F5344CB8AC3E}">
+        <p14:creationId xmlns:mc="http://schemas.openxmlformats.org/markup-compatibility/2006" xmlns:mv="urn:schemas-microsoft-com:mac:vml" xmlns:p14="http://schemas.microsoft.com/office/powerpoint/2010/main" xmlns:p="http://schemas.openxmlformats.org/presentationml/2006/main" xmlns:r="http://schemas.openxmlformats.org/officeDocument/2006/relationships" xmlns:a="http://schemas.openxmlformats.org/drawingml/2006/main" xmlns="" val="472843982"/>
+      </p:ext>
+    </p:extLst>
+  </p:cSld>
+  <p:clrMapOvr>
+    <a:masterClrMapping/>
+  </p:clrMapOvr>
+</p:sld>
+</file>
+
+<file path=ppt/slides/slide13.xml><?xml version="1.0" encoding="utf-8"?>
+<p:sld xmlns:a="http://schemas.openxmlformats.org/drawingml/2006/main" xmlns:r="http://schemas.openxmlformats.org/officeDocument/2006/relationships" xmlns:mc="http://schemas.openxmlformats.org/markup-compatibility/2006" xmlns:mv="urn:schemas-microsoft-com:mac:vml" xmlns:p="http://schemas.openxmlformats.org/presentationml/2006/main" mc:Ignorable="mv" mc:PreserveAttributes="mv:*">
+  <p:cSld>
+    <p:spTree>
+      <p:nvGrpSpPr>
+        <p:cNvPr id="1" name=""/>
+        <p:cNvGrpSpPr/>
+        <p:nvPr/>
+      </p:nvGrpSpPr>
+      <p:grpSpPr>
+        <a:xfrm>
+          <a:off x="0" y="0"/>
+          <a:ext cx="0" cy="0"/>
+          <a:chOff x="0" y="0"/>
+          <a:chExt cx="0" cy="0"/>
+        </a:xfrm>
+      </p:grpSpPr>
+      <p:pic>
+        <p:nvPicPr>
+          <p:cNvPr id="4" name="Picture 3" descr="IMG_2001.PNG"/>
           <p:cNvPicPr>
             <a:picLocks noChangeAspect="1"/>
           </p:cNvPicPr>
@@ -3599,47 +4632,14 @@
         </p:blipFill>
         <p:spPr>
           <a:xfrm>
-            <a:off x="899762" y="447500"/>
-            <a:ext cx="2872610" cy="5098470"/>
+            <a:off x="457966" y="757885"/>
+            <a:ext cx="2234308" cy="3965575"/>
           </a:xfrm>
           <a:prstGeom prst="rect">
             <a:avLst/>
           </a:prstGeom>
         </p:spPr>
       </p:pic>
-      <p:cxnSp>
-        <p:nvCxnSpPr>
-          <p:cNvPr id="7" name="Straight Arrow Connector 6"/>
-          <p:cNvCxnSpPr/>
-          <p:nvPr/>
-        </p:nvCxnSpPr>
-        <p:spPr>
-          <a:xfrm rot="10800000" flipV="1">
-            <a:off x="2568226" y="3264370"/>
-            <a:ext cx="2605848" cy="1834444"/>
-          </a:xfrm>
-          <a:prstGeom prst="straightConnector1">
-            <a:avLst/>
-          </a:prstGeom>
-          <a:ln>
-            <a:tailEnd type="arrow"/>
-          </a:ln>
-        </p:spPr>
-        <p:style>
-          <a:lnRef idx="2">
-            <a:schemeClr val="accent1"/>
-          </a:lnRef>
-          <a:fillRef idx="0">
-            <a:schemeClr val="accent1"/>
-          </a:fillRef>
-          <a:effectRef idx="1">
-            <a:schemeClr val="accent1"/>
-          </a:effectRef>
-          <a:fontRef idx="minor">
-            <a:schemeClr val="tx1"/>
-          </a:fontRef>
-        </p:style>
-      </p:cxnSp>
       <p:sp>
         <p:nvSpPr>
           <p:cNvPr id="5" name="TextBox 4"/>
@@ -3648,8 +4648,8 @@
         </p:nvSpPr>
         <p:spPr>
           <a:xfrm>
-            <a:off x="5174074" y="3079704"/>
-            <a:ext cx="1608133" cy="369332"/>
+            <a:off x="3630183" y="1739149"/>
+            <a:ext cx="4839786" cy="2585323"/>
           </a:xfrm>
           <a:prstGeom prst="rect">
             <a:avLst/>
@@ -3677,22 +4677,157 @@
           <a:p>
             <a:r>
               <a:rPr lang="en-US" dirty="0" smtClean="0"/>
-              <a:t>Name is cut off</a:t>
-            </a:r>
-            <a:endParaRPr lang="en-US" dirty="0"/>
-          </a:p>
-        </p:txBody>
-      </p:sp>
-      <p:sp>
-        <p:nvSpPr>
-          <p:cNvPr id="6" name="TextBox 5"/>
+              <a:t>User action: </a:t>
+            </a:r>
+          </a:p>
+          <a:p>
+            <a:pPr>
+              <a:buFont typeface="Arial"/>
+              <a:buChar char="•"/>
+            </a:pPr>
+            <a:r>
+              <a:rPr lang="en-US" dirty="0"/>
+              <a:t> </a:t>
+            </a:r>
+            <a:r>
+              <a:rPr lang="en-US" dirty="0" smtClean="0"/>
+              <a:t>Enter wrong name or password </a:t>
+            </a:r>
+          </a:p>
+          <a:p>
+            <a:endParaRPr lang="en-US" dirty="0" smtClean="0"/>
+          </a:p>
+          <a:p>
+            <a:r>
+              <a:rPr lang="en-US" dirty="0" smtClean="0"/>
+              <a:t>Response: </a:t>
+            </a:r>
+          </a:p>
+          <a:p>
+            <a:pPr>
+              <a:buFont typeface="Arial"/>
+              <a:buChar char="•"/>
+            </a:pPr>
+            <a:r>
+              <a:rPr lang="en-US" dirty="0" smtClean="0"/>
+              <a:t> alert box</a:t>
+            </a:r>
+          </a:p>
+          <a:p>
+            <a:endParaRPr lang="en-US" dirty="0" smtClean="0"/>
+          </a:p>
+          <a:p>
+            <a:r>
+              <a:rPr lang="en-US" dirty="0" smtClean="0"/>
+              <a:t>Suggestion: </a:t>
+            </a:r>
+          </a:p>
+          <a:p>
+            <a:pPr>
+              <a:buFont typeface="Arial"/>
+              <a:buChar char="•"/>
+            </a:pPr>
+            <a:r>
+              <a:rPr lang="en-US" dirty="0" smtClean="0"/>
+              <a:t> </a:t>
+            </a:r>
+            <a:r>
+              <a:rPr lang="en-US" dirty="0"/>
+              <a:t>change </a:t>
+            </a:r>
+            <a:r>
+              <a:rPr lang="en-US" dirty="0" err="1"/>
+              <a:t>index.html</a:t>
+            </a:r>
+            <a:r>
+              <a:rPr lang="en-US" dirty="0"/>
+              <a:t> to “Oops!” </a:t>
+            </a:r>
+          </a:p>
+          <a:p>
+            <a:pPr>
+              <a:buFont typeface="Arial"/>
+              <a:buChar char="•"/>
+            </a:pPr>
+            <a:r>
+              <a:rPr lang="en-US" dirty="0" smtClean="0"/>
+              <a:t>‘’Username or password error. Please try again.’’</a:t>
+            </a:r>
+          </a:p>
+        </p:txBody>
+      </p:sp>
+      <p:sp>
+        <p:nvSpPr>
+          <p:cNvPr id="2" name="TextBox 1"/>
           <p:cNvSpPr txBox="1"/>
           <p:nvPr/>
         </p:nvSpPr>
         <p:spPr>
           <a:xfrm>
-            <a:off x="4871028" y="1339260"/>
-            <a:ext cx="3169902" cy="369332"/>
+            <a:off x="3630183" y="195585"/>
+            <a:ext cx="2470749" cy="584776"/>
+          </a:xfrm>
+          <a:prstGeom prst="rect">
+            <a:avLst/>
+          </a:prstGeom>
+          <a:noFill/>
+        </p:spPr>
+        <p:txBody>
+          <a:bodyPr wrap="none" rtlCol="0">
+            <a:spAutoFit/>
+          </a:bodyPr>
+          <a:lstStyle/>
+          <a:p>
+            <a:r>
+              <a:rPr lang="en-US" sz="3200" dirty="0" smtClean="0"/>
+              <a:t>Priority = low</a:t>
+            </a:r>
+            <a:endParaRPr lang="en-US" sz="3200" dirty="0"/>
+          </a:p>
+        </p:txBody>
+      </p:sp>
+    </p:spTree>
+  </p:cSld>
+  <p:clrMapOvr>
+    <a:masterClrMapping/>
+  </p:clrMapOvr>
+  <p:timing>
+    <p:tnLst>
+      <p:par>
+        <p:cTn id="1" dur="indefinite" restart="never" nodeType="tmRoot"/>
+      </p:par>
+    </p:tnLst>
+  </p:timing>
+</p:sld>
+</file>
+
+<file path=ppt/slides/slide14.xml><?xml version="1.0" encoding="utf-8"?>
+<p:sld xmlns:a="http://schemas.openxmlformats.org/drawingml/2006/main" xmlns:r="http://schemas.openxmlformats.org/officeDocument/2006/relationships" xmlns:mc="http://schemas.openxmlformats.org/markup-compatibility/2006" xmlns:mv="urn:schemas-microsoft-com:mac:vml" xmlns:p="http://schemas.openxmlformats.org/presentationml/2006/main" mc:Ignorable="mv" mc:PreserveAttributes="mv:*">
+  <p:cSld>
+    <p:spTree>
+      <p:nvGrpSpPr>
+        <p:cNvPr id="1" name=""/>
+        <p:cNvGrpSpPr/>
+        <p:nvPr/>
+      </p:nvGrpSpPr>
+      <p:grpSpPr>
+        <a:xfrm>
+          <a:off x="0" y="0"/>
+          <a:ext cx="0" cy="0"/>
+          <a:chOff x="0" y="0"/>
+          <a:chExt cx="0" cy="0"/>
+        </a:xfrm>
+      </p:grpSpPr>
+      <p:sp>
+        <p:nvSpPr>
+          <p:cNvPr id="5" name="TextBox 4"/>
+          <p:cNvSpPr txBox="1"/>
+          <p:nvPr/>
+        </p:nvSpPr>
+        <p:spPr>
+          <a:xfrm>
+            <a:off x="3630183" y="1739148"/>
+            <a:ext cx="4697923" cy="1200329"/>
           </a:xfrm>
           <a:prstGeom prst="rect">
             <a:avLst/>
@@ -3720,56 +4855,273 @@
           <a:p>
             <a:r>
               <a:rPr lang="en-US" dirty="0" smtClean="0"/>
-              <a:t>“Home” is missing</a:t>
-            </a:r>
-            <a:endParaRPr lang="en-US" dirty="0"/>
-          </a:p>
-        </p:txBody>
-      </p:sp>
-      <p:cxnSp>
-        <p:nvCxnSpPr>
-          <p:cNvPr id="8" name="Straight Arrow Connector 7"/>
-          <p:cNvCxnSpPr>
-            <a:stCxn id="6" idx="1"/>
-          </p:cNvCxnSpPr>
-          <p:nvPr/>
-        </p:nvCxnSpPr>
-        <p:spPr>
-          <a:xfrm flipH="1">
-            <a:off x="1353967" y="1523926"/>
-            <a:ext cx="3517061" cy="3753085"/>
-          </a:xfrm>
-          <a:prstGeom prst="straightConnector1">
-            <a:avLst/>
-          </a:prstGeom>
-          <a:ln>
-            <a:tailEnd type="arrow"/>
-          </a:ln>
+              <a:t>Suggestion: </a:t>
+            </a:r>
+          </a:p>
+          <a:p>
+            <a:r>
+              <a:rPr lang="en-US" dirty="0" smtClean="0"/>
+              <a:t>* S</a:t>
+            </a:r>
+            <a:r>
+              <a:rPr lang="en-US" dirty="0" smtClean="0"/>
+              <a:t>impler: “Please select a list to store new species names” </a:t>
+            </a:r>
+          </a:p>
+          <a:p>
+            <a:r>
+              <a:rPr lang="en-US" dirty="0" smtClean="0"/>
+              <a:t>* Be sure not to use </a:t>
+            </a:r>
+            <a:r>
+              <a:rPr lang="en-US" dirty="0" smtClean="0"/>
+              <a:t> “</a:t>
+            </a:r>
+            <a:r>
+              <a:rPr lang="en-US" dirty="0" err="1" smtClean="0"/>
+              <a:t>seclect</a:t>
+            </a:r>
+            <a:r>
+              <a:rPr lang="en-US" dirty="0" smtClean="0"/>
+              <a:t>”</a:t>
+            </a:r>
+          </a:p>
+        </p:txBody>
+      </p:sp>
+      <p:sp>
+        <p:nvSpPr>
+          <p:cNvPr id="2" name="TextBox 1"/>
+          <p:cNvSpPr txBox="1"/>
+          <p:nvPr/>
+        </p:nvSpPr>
+        <p:spPr>
+          <a:xfrm>
+            <a:off x="3630183" y="195585"/>
+            <a:ext cx="2470749" cy="584776"/>
+          </a:xfrm>
+          <a:prstGeom prst="rect">
+            <a:avLst/>
+          </a:prstGeom>
+          <a:noFill/>
+        </p:spPr>
+        <p:txBody>
+          <a:bodyPr wrap="none" rtlCol="0">
+            <a:spAutoFit/>
+          </a:bodyPr>
+          <a:lstStyle/>
+          <a:p>
+            <a:r>
+              <a:rPr lang="en-US" sz="3200" dirty="0" smtClean="0"/>
+              <a:t>Priority = low</a:t>
+            </a:r>
+            <a:endParaRPr lang="en-US" sz="3200" dirty="0"/>
+          </a:p>
+        </p:txBody>
+      </p:sp>
+      <p:pic>
+        <p:nvPicPr>
+          <p:cNvPr id="6" name="Picture 5"/>
+          <p:cNvPicPr>
+            <a:picLocks noChangeAspect="1"/>
+          </p:cNvPicPr>
+          <p:nvPr/>
+        </p:nvPicPr>
+        <p:blipFill>
+          <a:blip r:embed="rId2"/>
+          <a:stretch>
+            <a:fillRect/>
+          </a:stretch>
+        </p:blipFill>
+        <p:spPr>
+          <a:xfrm>
+            <a:off x="359410" y="780361"/>
+            <a:ext cx="2578894" cy="4572000"/>
+          </a:xfrm>
+          <a:prstGeom prst="rect">
+            <a:avLst/>
+          </a:prstGeom>
+        </p:spPr>
+      </p:pic>
+    </p:spTree>
+  </p:cSld>
+  <p:clrMapOvr>
+    <a:masterClrMapping/>
+  </p:clrMapOvr>
+  <p:timing>
+    <p:tnLst>
+      <p:par>
+        <p:cTn id="1" dur="indefinite" restart="never" nodeType="tmRoot"/>
+      </p:par>
+    </p:tnLst>
+  </p:timing>
+</p:sld>
+</file>
+
+<file path=ppt/slides/slide15.xml><?xml version="1.0" encoding="utf-8"?>
+<p:sld xmlns:a="http://schemas.openxmlformats.org/drawingml/2006/main" xmlns:r="http://schemas.openxmlformats.org/officeDocument/2006/relationships" xmlns:mc="http://schemas.openxmlformats.org/markup-compatibility/2006" xmlns:mv="urn:schemas-microsoft-com:mac:vml" xmlns:p="http://schemas.openxmlformats.org/presentationml/2006/main" mc:Ignorable="mv" mc:PreserveAttributes="mv:*">
+  <p:cSld>
+    <p:spTree>
+      <p:nvGrpSpPr>
+        <p:cNvPr id="1" name=""/>
+        <p:cNvGrpSpPr/>
+        <p:nvPr/>
+      </p:nvGrpSpPr>
+      <p:grpSpPr>
+        <a:xfrm>
+          <a:off x="0" y="0"/>
+          <a:ext cx="0" cy="0"/>
+          <a:chOff x="0" y="0"/>
+          <a:chExt cx="0" cy="0"/>
+        </a:xfrm>
+      </p:grpSpPr>
+      <p:pic>
+        <p:nvPicPr>
+          <p:cNvPr id="5" name="Picture 4" descr="IMG_2009.PNG"/>
+          <p:cNvPicPr>
+            <a:picLocks noChangeAspect="1"/>
+          </p:cNvPicPr>
+          <p:nvPr/>
+        </p:nvPicPr>
+        <p:blipFill>
+          <a:blip r:embed="rId2"/>
+          <a:stretch>
+            <a:fillRect/>
+          </a:stretch>
+        </p:blipFill>
+        <p:spPr>
+          <a:xfrm>
+            <a:off x="405102" y="499926"/>
+            <a:ext cx="3225081" cy="5724055"/>
+          </a:xfrm>
+          <a:prstGeom prst="rect">
+            <a:avLst/>
+          </a:prstGeom>
+        </p:spPr>
+      </p:pic>
+      <p:sp>
+        <p:nvSpPr>
+          <p:cNvPr id="6" name="TextBox 5"/>
+          <p:cNvSpPr txBox="1"/>
+          <p:nvPr/>
+        </p:nvSpPr>
+        <p:spPr>
+          <a:xfrm>
+            <a:off x="4807185" y="1053630"/>
+            <a:ext cx="3283185" cy="3139321"/>
+          </a:xfrm>
+          <a:prstGeom prst="rect">
+            <a:avLst/>
+          </a:prstGeom>
         </p:spPr>
         <p:style>
-          <a:lnRef idx="2">
+          <a:lnRef idx="1">
             <a:schemeClr val="accent1"/>
           </a:lnRef>
-          <a:fillRef idx="0">
+          <a:fillRef idx="2">
             <a:schemeClr val="accent1"/>
           </a:fillRef>
           <a:effectRef idx="1">
             <a:schemeClr val="accent1"/>
           </a:effectRef>
           <a:fontRef idx="minor">
-            <a:schemeClr val="tx1"/>
+            <a:schemeClr val="dk1"/>
           </a:fontRef>
         </p:style>
-      </p:cxnSp>
-      <p:sp>
-        <p:nvSpPr>
-          <p:cNvPr id="9" name="TextBox 8"/>
+        <p:txBody>
+          <a:bodyPr wrap="square" rtlCol="0">
+            <a:spAutoFit/>
+          </a:bodyPr>
+          <a:lstStyle/>
+          <a:p>
+            <a:r>
+              <a:rPr lang="en-US" dirty="0" smtClean="0"/>
+              <a:t>User action: </a:t>
+            </a:r>
+          </a:p>
+          <a:p>
+            <a:pPr>
+              <a:buFont typeface="Arial"/>
+              <a:buChar char="•"/>
+            </a:pPr>
+            <a:r>
+              <a:rPr lang="en-US" dirty="0" smtClean="0"/>
+              <a:t> select “Use this image”</a:t>
+            </a:r>
+          </a:p>
+          <a:p>
+            <a:endParaRPr lang="en-US" dirty="0" smtClean="0"/>
+          </a:p>
+          <a:p>
+            <a:r>
+              <a:rPr lang="en-US" dirty="0" smtClean="0"/>
+              <a:t>Response: </a:t>
+            </a:r>
+          </a:p>
+          <a:p>
+            <a:pPr>
+              <a:buFont typeface="Arial"/>
+              <a:buChar char="•"/>
+            </a:pPr>
+            <a:r>
+              <a:rPr lang="en-US" dirty="0" smtClean="0"/>
+              <a:t> network error alert</a:t>
+            </a:r>
+          </a:p>
+          <a:p>
+            <a:endParaRPr lang="en-US" dirty="0" smtClean="0"/>
+          </a:p>
+          <a:p>
+            <a:r>
+              <a:rPr lang="en-US" dirty="0" smtClean="0"/>
+              <a:t>Suggestion: </a:t>
+            </a:r>
+          </a:p>
+          <a:p>
+            <a:pPr>
+              <a:buFont typeface="Arial"/>
+              <a:buChar char="•"/>
+            </a:pPr>
+            <a:r>
+              <a:rPr lang="en-US" dirty="0" smtClean="0"/>
+              <a:t> </a:t>
+            </a:r>
+            <a:r>
+              <a:rPr lang="en-US" dirty="0"/>
+              <a:t>change </a:t>
+            </a:r>
+            <a:r>
+              <a:rPr lang="en-US" dirty="0" err="1"/>
+              <a:t>index.html</a:t>
+            </a:r>
+            <a:r>
+              <a:rPr lang="en-US" dirty="0"/>
+              <a:t> to “Oops!” </a:t>
+            </a:r>
+          </a:p>
+          <a:p>
+            <a:pPr>
+              <a:buFont typeface="Arial"/>
+              <a:buChar char="•"/>
+            </a:pPr>
+            <a:r>
+              <a:rPr lang="en-US" dirty="0" smtClean="0"/>
+              <a:t>“Network error.  Please check your connection and try again.” </a:t>
+            </a:r>
+          </a:p>
+          <a:p>
+            <a:endParaRPr lang="en-US" dirty="0"/>
+          </a:p>
+        </p:txBody>
+      </p:sp>
+      <p:sp>
+        <p:nvSpPr>
+          <p:cNvPr id="4" name="TextBox 3"/>
           <p:cNvSpPr txBox="1"/>
           <p:nvPr/>
         </p:nvSpPr>
         <p:spPr>
           <a:xfrm>
-            <a:off x="4311458" y="330441"/>
+            <a:off x="3630183" y="195585"/>
             <a:ext cx="2470749" cy="584776"/>
           </a:xfrm>
           <a:prstGeom prst="rect">
@@ -3823,41 +5175,9 @@
           <a:chExt cx="0" cy="0"/>
         </a:xfrm>
       </p:grpSpPr>
-      <p:sp>
-        <p:nvSpPr>
-          <p:cNvPr id="3" name="TextBox 2"/>
-          <p:cNvSpPr txBox="1"/>
-          <p:nvPr/>
-        </p:nvSpPr>
-        <p:spPr>
-          <a:xfrm>
-            <a:off x="4807185" y="1053630"/>
-            <a:ext cx="1281120" cy="646331"/>
-          </a:xfrm>
-          <a:prstGeom prst="rect">
-            <a:avLst/>
-          </a:prstGeom>
-          <a:noFill/>
-        </p:spPr>
-        <p:txBody>
-          <a:bodyPr wrap="none" rtlCol="0">
-            <a:spAutoFit/>
-          </a:bodyPr>
-          <a:lstStyle/>
-          <a:p>
-            <a:r>
-              <a:rPr lang="en-US" dirty="0" smtClean="0"/>
-              <a:t>This is good</a:t>
-            </a:r>
-          </a:p>
-          <a:p>
-            <a:endParaRPr lang="en-US" dirty="0"/>
-          </a:p>
-        </p:txBody>
-      </p:sp>
       <p:pic>
         <p:nvPicPr>
-          <p:cNvPr id="5" name="Picture 4" descr="IMG_2006.PNG"/>
+          <p:cNvPr id="4" name="Picture 3" descr="IMG_2004.PNG"/>
           <p:cNvPicPr>
             <a:picLocks noChangeAspect="1"/>
           </p:cNvPicPr>
@@ -3871,15 +5191,343 @@
         </p:blipFill>
         <p:spPr>
           <a:xfrm>
-            <a:off x="765412" y="1053630"/>
-            <a:ext cx="2790351" cy="4952471"/>
+            <a:off x="1003251" y="1335852"/>
+            <a:ext cx="2753646" cy="4887325"/>
           </a:xfrm>
           <a:prstGeom prst="rect">
             <a:avLst/>
           </a:prstGeom>
         </p:spPr>
       </p:pic>
+      <p:sp>
+        <p:nvSpPr>
+          <p:cNvPr id="6" name="TextBox 5"/>
+          <p:cNvSpPr txBox="1"/>
+          <p:nvPr/>
+        </p:nvSpPr>
+        <p:spPr>
+          <a:xfrm>
+            <a:off x="689497" y="443300"/>
+            <a:ext cx="1255084" cy="369332"/>
+          </a:xfrm>
+          <a:prstGeom prst="rect">
+            <a:avLst/>
+          </a:prstGeom>
+          <a:noFill/>
+        </p:spPr>
+        <p:txBody>
+          <a:bodyPr wrap="none" rtlCol="0">
+            <a:spAutoFit/>
+          </a:bodyPr>
+          <a:lstStyle/>
+          <a:p>
+            <a:r>
+              <a:rPr lang="en-US" dirty="0" smtClean="0"/>
+              <a:t>Home page</a:t>
+            </a:r>
+            <a:endParaRPr lang="en-US" dirty="0"/>
+          </a:p>
+        </p:txBody>
+      </p:sp>
+      <p:sp>
+        <p:nvSpPr>
+          <p:cNvPr id="8" name="TextBox 7"/>
+          <p:cNvSpPr txBox="1"/>
+          <p:nvPr/>
+        </p:nvSpPr>
+        <p:spPr>
+          <a:xfrm>
+            <a:off x="4619896" y="899256"/>
+            <a:ext cx="3799734" cy="1200329"/>
+          </a:xfrm>
+          <a:prstGeom prst="rect">
+            <a:avLst/>
+          </a:prstGeom>
+        </p:spPr>
+        <p:style>
+          <a:lnRef idx="1">
+            <a:schemeClr val="accent1"/>
+          </a:lnRef>
+          <a:fillRef idx="2">
+            <a:schemeClr val="accent1"/>
+          </a:fillRef>
+          <a:effectRef idx="1">
+            <a:schemeClr val="accent1"/>
+          </a:effectRef>
+          <a:fontRef idx="minor">
+            <a:schemeClr val="dk1"/>
+          </a:fontRef>
+        </p:style>
+        <p:txBody>
+          <a:bodyPr wrap="square" rtlCol="0">
+            <a:spAutoFit/>
+          </a:bodyPr>
+          <a:lstStyle/>
+          <a:p>
+            <a:r>
+              <a:rPr lang="en-US" dirty="0" smtClean="0"/>
+              <a:t>Add help button</a:t>
+            </a:r>
+          </a:p>
+          <a:p>
+            <a:pPr>
+              <a:buFont typeface="Arial"/>
+              <a:buChar char="•"/>
+            </a:pPr>
+            <a:r>
+              <a:rPr lang="en-US" dirty="0" smtClean="0"/>
+              <a:t> Links to ‘</a:t>
+            </a:r>
+            <a:r>
+              <a:rPr lang="en-US" dirty="0" err="1" smtClean="0"/>
+              <a:t>howto</a:t>
+            </a:r>
+            <a:r>
+              <a:rPr lang="en-US" dirty="0" smtClean="0"/>
+              <a:t>’ view </a:t>
+            </a:r>
+          </a:p>
+          <a:p>
+            <a:pPr>
+              <a:buFont typeface="Arial"/>
+              <a:buChar char="•"/>
+            </a:pPr>
+            <a:r>
+              <a:rPr lang="en-US" dirty="0" smtClean="0"/>
+              <a:t> use content from </a:t>
+            </a:r>
+            <a:r>
+              <a:rPr lang="en-US" dirty="0" err="1" smtClean="0"/>
+              <a:t>github</a:t>
+            </a:r>
+            <a:r>
+              <a:rPr lang="en-US" dirty="0" smtClean="0"/>
+              <a:t> file in design/</a:t>
+            </a:r>
+            <a:r>
+              <a:rPr lang="en-US" dirty="0" err="1" smtClean="0"/>
+              <a:t>howto_page.html</a:t>
+            </a:r>
+            <a:endParaRPr lang="en-US" dirty="0"/>
+          </a:p>
+        </p:txBody>
+      </p:sp>
+      <p:cxnSp>
+        <p:nvCxnSpPr>
+          <p:cNvPr id="13" name="Straight Arrow Connector 12"/>
+          <p:cNvCxnSpPr>
+            <a:stCxn id="8" idx="1"/>
+          </p:cNvCxnSpPr>
+          <p:nvPr/>
+        </p:nvCxnSpPr>
+        <p:spPr>
+          <a:xfrm rot="10800000" flipV="1">
+            <a:off x="2330816" y="1499421"/>
+            <a:ext cx="2289080" cy="4425674"/>
+          </a:xfrm>
+          <a:prstGeom prst="straightConnector1">
+            <a:avLst/>
+          </a:prstGeom>
+          <a:ln>
+            <a:tailEnd type="arrow"/>
+          </a:ln>
+        </p:spPr>
+        <p:style>
+          <a:lnRef idx="2">
+            <a:schemeClr val="accent1"/>
+          </a:lnRef>
+          <a:fillRef idx="0">
+            <a:schemeClr val="accent1"/>
+          </a:fillRef>
+          <a:effectRef idx="1">
+            <a:schemeClr val="accent1"/>
+          </a:effectRef>
+          <a:fontRef idx="minor">
+            <a:schemeClr val="tx1"/>
+          </a:fontRef>
+        </p:style>
+      </p:cxnSp>
+      <p:pic>
+        <p:nvPicPr>
+          <p:cNvPr id="5" name="Picture 4" descr="images.jpg"/>
+          <p:cNvPicPr>
+            <a:picLocks noChangeAspect="1"/>
+          </p:cNvPicPr>
+          <p:nvPr/>
+        </p:nvPicPr>
+        <p:blipFill>
+          <a:blip r:embed="rId3">
+            <a:extLst>
+              <a:ext uri="{28A0092B-C50C-407E-A947-70E740481C1C}">
+                <a14:useLocalDpi xmlns:mc="http://schemas.openxmlformats.org/markup-compatibility/2006" xmlns:mv="urn:schemas-microsoft-com:mac:vml" xmlns:a14="http://schemas.microsoft.com/office/drawing/2010/main" xmlns:p="http://schemas.openxmlformats.org/presentationml/2006/main" xmlns:r="http://schemas.openxmlformats.org/officeDocument/2006/relationships" xmlns:a="http://schemas.openxmlformats.org/drawingml/2006/main" xmlns="" val="0"/>
+              </a:ext>
+            </a:extLst>
+          </a:blip>
+          <a:stretch>
+            <a:fillRect/>
+          </a:stretch>
+        </p:blipFill>
+        <p:spPr>
+          <a:xfrm>
+            <a:off x="5615967" y="2940056"/>
+            <a:ext cx="533455" cy="535836"/>
+          </a:xfrm>
+          <a:prstGeom prst="rect">
+            <a:avLst/>
+          </a:prstGeom>
+        </p:spPr>
+      </p:pic>
+      <p:pic>
+        <p:nvPicPr>
+          <p:cNvPr id="9" name="Picture 8" descr="images.jpg"/>
+          <p:cNvPicPr>
+            <a:picLocks noChangeAspect="1"/>
+          </p:cNvPicPr>
+          <p:nvPr/>
+        </p:nvPicPr>
+        <p:blipFill>
+          <a:blip r:embed="rId4">
+            <a:extLst>
+              <a:ext uri="{28A0092B-C50C-407E-A947-70E740481C1C}">
+                <a14:useLocalDpi xmlns:mc="http://schemas.openxmlformats.org/markup-compatibility/2006" xmlns:mv="urn:schemas-microsoft-com:mac:vml" xmlns:a14="http://schemas.microsoft.com/office/drawing/2010/main" xmlns:p="http://schemas.openxmlformats.org/presentationml/2006/main" xmlns:r="http://schemas.openxmlformats.org/officeDocument/2006/relationships" xmlns:a="http://schemas.openxmlformats.org/drawingml/2006/main" xmlns="" val="0"/>
+              </a:ext>
+            </a:extLst>
+          </a:blip>
+          <a:stretch>
+            <a:fillRect/>
+          </a:stretch>
+        </p:blipFill>
+        <p:spPr>
+          <a:xfrm>
+            <a:off x="6188873" y="2777591"/>
+            <a:ext cx="860766" cy="860766"/>
+          </a:xfrm>
+          <a:prstGeom prst="rect">
+            <a:avLst/>
+          </a:prstGeom>
+        </p:spPr>
+      </p:pic>
+      <p:sp>
+        <p:nvSpPr>
+          <p:cNvPr id="22" name="TextBox 21"/>
+          <p:cNvSpPr txBox="1"/>
+          <p:nvPr/>
+        </p:nvSpPr>
+        <p:spPr>
+          <a:xfrm>
+            <a:off x="3630183" y="195585"/>
+            <a:ext cx="2519239" cy="584776"/>
+          </a:xfrm>
+          <a:prstGeom prst="rect">
+            <a:avLst/>
+          </a:prstGeom>
+          <a:noFill/>
+        </p:spPr>
+        <p:txBody>
+          <a:bodyPr wrap="none" rtlCol="0">
+            <a:spAutoFit/>
+          </a:bodyPr>
+          <a:lstStyle/>
+          <a:p>
+            <a:r>
+              <a:rPr lang="en-US" sz="3200" dirty="0" smtClean="0"/>
+              <a:t>Priority = high</a:t>
+            </a:r>
+            <a:endParaRPr lang="en-US" sz="3200" dirty="0"/>
+          </a:p>
+        </p:txBody>
+      </p:sp>
+      <p:sp>
+        <p:nvSpPr>
+          <p:cNvPr id="12" name="TextBox 11"/>
+          <p:cNvSpPr txBox="1"/>
+          <p:nvPr/>
+        </p:nvSpPr>
+        <p:spPr>
+          <a:xfrm>
+            <a:off x="5402737" y="3904074"/>
+            <a:ext cx="3293803" cy="369332"/>
+          </a:xfrm>
+          <a:prstGeom prst="rect">
+            <a:avLst/>
+          </a:prstGeom>
+          <a:noFill/>
+        </p:spPr>
+        <p:txBody>
+          <a:bodyPr wrap="none" rtlCol="0">
+            <a:spAutoFit/>
+          </a:bodyPr>
+          <a:lstStyle/>
+          <a:p>
+            <a:r>
+              <a:rPr lang="en-US" dirty="0" smtClean="0"/>
+              <a:t>We don’t know which icon to use</a:t>
+            </a:r>
+            <a:endParaRPr lang="en-US" dirty="0"/>
+          </a:p>
+        </p:txBody>
+      </p:sp>
+      <p:sp>
+        <p:nvSpPr>
+          <p:cNvPr id="10" name="Explosion 1 9"/>
+          <p:cNvSpPr/>
+          <p:nvPr/>
+        </p:nvSpPr>
+        <p:spPr>
+          <a:xfrm>
+            <a:off x="2821247" y="195585"/>
+            <a:ext cx="1617872" cy="1001276"/>
+          </a:xfrm>
+          <a:prstGeom prst="irregularSeal1">
+            <a:avLst/>
+          </a:prstGeom>
+          <a:solidFill>
+            <a:srgbClr val="FFFF00">
+              <a:alpha val="51000"/>
+            </a:srgbClr>
+          </a:solidFill>
+        </p:spPr>
+        <p:style>
+          <a:lnRef idx="1">
+            <a:schemeClr val="accent1"/>
+          </a:lnRef>
+          <a:fillRef idx="3">
+            <a:schemeClr val="accent1"/>
+          </a:fillRef>
+          <a:effectRef idx="2">
+            <a:schemeClr val="accent1"/>
+          </a:effectRef>
+          <a:fontRef idx="minor">
+            <a:schemeClr val="lt1"/>
+          </a:fontRef>
+        </p:style>
+        <p:txBody>
+          <a:bodyPr rtlCol="0" anchor="ctr"/>
+          <a:lstStyle/>
+          <a:p>
+            <a:pPr algn="ctr"/>
+            <a:r>
+              <a:rPr lang="en-US" dirty="0" smtClean="0">
+                <a:solidFill>
+                  <a:schemeClr val="tx1"/>
+                </a:solidFill>
+              </a:rPr>
+              <a:t>Done!</a:t>
+            </a:r>
+            <a:endParaRPr lang="en-US" dirty="0">
+              <a:solidFill>
+                <a:schemeClr val="tx1"/>
+              </a:solidFill>
+            </a:endParaRPr>
+          </a:p>
+        </p:txBody>
+      </p:sp>
     </p:spTree>
+    <p:extLst>
+      <p:ext uri="{BB962C8B-B14F-4D97-AF65-F5344CB8AC3E}">
+        <p14:creationId xmlns:mc="http://schemas.openxmlformats.org/markup-compatibility/2006" xmlns:mv="urn:schemas-microsoft-com:mac:vml" xmlns:p14="http://schemas.microsoft.com/office/powerpoint/2010/main" xmlns:p="http://schemas.openxmlformats.org/presentationml/2006/main" xmlns:r="http://schemas.openxmlformats.org/officeDocument/2006/relationships" xmlns:a="http://schemas.openxmlformats.org/drawingml/2006/main" xmlns="" val="1864991049"/>
+      </p:ext>
+    </p:extLst>
   </p:cSld>
   <p:clrMapOvr>
     <a:masterClrMapping/>
@@ -3913,31 +5561,112 @@
       </p:grpSpPr>
       <p:sp>
         <p:nvSpPr>
-          <p:cNvPr id="2" name="Title 1"/>
-          <p:cNvSpPr>
-            <a:spLocks noGrp="1"/>
-          </p:cNvSpPr>
-          <p:nvPr>
-            <p:ph type="title"/>
-          </p:nvPr>
-        </p:nvSpPr>
-        <p:spPr>
-          <a:xfrm>
-            <a:off x="457200" y="274638"/>
-            <a:ext cx="5826948" cy="1143000"/>
-          </a:xfrm>
-        </p:spPr>
-        <p:txBody>
-          <a:bodyPr/>
+          <p:cNvPr id="57" name="Rectangle 56"/>
+          <p:cNvSpPr/>
+          <p:nvPr/>
+        </p:nvSpPr>
+        <p:spPr>
+          <a:xfrm>
+            <a:off x="5453013" y="1989331"/>
+            <a:ext cx="2753646" cy="4458441"/>
+          </a:xfrm>
+          <a:prstGeom prst="rect">
+            <a:avLst/>
+          </a:prstGeom>
+          <a:solidFill>
+            <a:schemeClr val="bg1">
+              <a:lumMod val="85000"/>
+            </a:schemeClr>
+          </a:solidFill>
+          <a:ln>
+            <a:noFill/>
+          </a:ln>
+        </p:spPr>
+        <p:style>
+          <a:lnRef idx="1">
+            <a:schemeClr val="accent1"/>
+          </a:lnRef>
+          <a:fillRef idx="3">
+            <a:schemeClr val="accent1"/>
+          </a:fillRef>
+          <a:effectRef idx="2">
+            <a:schemeClr val="accent1"/>
+          </a:effectRef>
+          <a:fontRef idx="minor">
+            <a:schemeClr val="lt1"/>
+          </a:fontRef>
+        </p:style>
+        <p:txBody>
+          <a:bodyPr rtlCol="0" anchor="ctr"/>
+          <a:lstStyle/>
+          <a:p>
+            <a:pPr algn="ctr"/>
+            <a:endParaRPr lang="en-US"/>
+          </a:p>
+        </p:txBody>
+      </p:sp>
+      <p:pic>
+        <p:nvPicPr>
+          <p:cNvPr id="4" name="Picture 3" descr="IMG_2004.PNG"/>
+          <p:cNvPicPr>
+            <a:picLocks noChangeAspect="1"/>
+          </p:cNvPicPr>
+          <p:nvPr/>
+        </p:nvPicPr>
+        <p:blipFill>
+          <a:blip r:embed="rId2"/>
+          <a:stretch>
+            <a:fillRect/>
+          </a:stretch>
+        </p:blipFill>
+        <p:spPr>
+          <a:xfrm>
+            <a:off x="1003251" y="1335852"/>
+            <a:ext cx="2753646" cy="4887325"/>
+          </a:xfrm>
+          <a:prstGeom prst="rect">
+            <a:avLst/>
+          </a:prstGeom>
+        </p:spPr>
+      </p:pic>
+      <p:sp>
+        <p:nvSpPr>
+          <p:cNvPr id="8" name="TextBox 7"/>
+          <p:cNvSpPr txBox="1"/>
+          <p:nvPr/>
+        </p:nvSpPr>
+        <p:spPr>
+          <a:xfrm>
+            <a:off x="5976030" y="4383980"/>
+            <a:ext cx="2903168" cy="646331"/>
+          </a:xfrm>
+          <a:prstGeom prst="rect">
+            <a:avLst/>
+          </a:prstGeom>
+        </p:spPr>
+        <p:style>
+          <a:lnRef idx="1">
+            <a:schemeClr val="accent1"/>
+          </a:lnRef>
+          <a:fillRef idx="2">
+            <a:schemeClr val="accent1"/>
+          </a:fillRef>
+          <a:effectRef idx="1">
+            <a:schemeClr val="accent1"/>
+          </a:effectRef>
+          <a:fontRef idx="minor">
+            <a:schemeClr val="dk1"/>
+          </a:fontRef>
+        </p:style>
+        <p:txBody>
+          <a:bodyPr wrap="square" rtlCol="0">
+            <a:spAutoFit/>
+          </a:bodyPr>
           <a:lstStyle/>
           <a:p>
             <a:r>
               <a:rPr lang="en-US" dirty="0" smtClean="0"/>
-              <a:t>Issues on </a:t>
-            </a:r>
-            <a:r>
-              <a:rPr lang="en-US" dirty="0" err="1" smtClean="0"/>
-              <a:t>github</a:t>
+              <a:t>Most apps use tiny 8 or 9 pt text under icon</a:t>
             </a:r>
             <a:endParaRPr lang="en-US" dirty="0"/>
           </a:p>
@@ -3945,92 +5674,14 @@
       </p:sp>
       <p:sp>
         <p:nvSpPr>
-          <p:cNvPr id="3" name="Content Placeholder 2"/>
-          <p:cNvSpPr>
-            <a:spLocks noGrp="1"/>
-          </p:cNvSpPr>
-          <p:nvPr>
-            <p:ph idx="1"/>
-          </p:nvPr>
-        </p:nvSpPr>
-        <p:spPr/>
-        <p:txBody>
-          <a:bodyPr>
-            <a:normAutofit fontScale="92500" lnSpcReduction="10000"/>
-          </a:bodyPr>
-          <a:lstStyle/>
-          <a:p>
-            <a:r>
-              <a:rPr lang="en-US" dirty="0" smtClean="0"/>
-              <a:t>#43 add how-to page with instructions</a:t>
-            </a:r>
-          </a:p>
-          <a:p>
-            <a:pPr lvl="1"/>
-            <a:r>
-              <a:rPr lang="en-US" dirty="0" smtClean="0"/>
-              <a:t>See next slide</a:t>
-            </a:r>
-          </a:p>
-          <a:p>
-            <a:r>
-              <a:rPr lang="en-US" dirty="0" smtClean="0"/>
-              <a:t>#44 bug: alert box “echo” effect</a:t>
-            </a:r>
-          </a:p>
-          <a:p>
-            <a:pPr lvl="1"/>
-            <a:r>
-              <a:rPr lang="en-US" dirty="0" smtClean="0"/>
-              <a:t>alert box appears if user makes valid choice after making invalid choice</a:t>
-            </a:r>
-          </a:p>
-          <a:p>
-            <a:r>
-              <a:rPr lang="en-US" dirty="0" smtClean="0"/>
-              <a:t>#45 ability to delete name from list</a:t>
-            </a:r>
-          </a:p>
-          <a:p>
-            <a:pPr lvl="1"/>
-            <a:r>
-              <a:rPr lang="en-US" dirty="0" smtClean="0"/>
-              <a:t>We talked about this already</a:t>
-            </a:r>
-          </a:p>
-          <a:p>
-            <a:r>
-              <a:rPr lang="en-US" dirty="0" smtClean="0"/>
-              <a:t>#46 export tree</a:t>
-            </a:r>
-          </a:p>
-          <a:p>
-            <a:pPr lvl="1"/>
-            <a:r>
-              <a:rPr lang="en-US" dirty="0" smtClean="0"/>
-              <a:t>Provide a way for user to get the </a:t>
-            </a:r>
-            <a:r>
-              <a:rPr lang="en-US" dirty="0" err="1" smtClean="0"/>
-              <a:t>Newick</a:t>
-            </a:r>
-            <a:r>
-              <a:rPr lang="en-US" dirty="0" smtClean="0"/>
-              <a:t> tree (email self, tweet, send to browser)</a:t>
-            </a:r>
-          </a:p>
-        </p:txBody>
-      </p:sp>
-      <p:sp>
-        <p:nvSpPr>
-          <p:cNvPr id="4" name="TextBox 3"/>
+          <p:cNvPr id="11" name="TextBox 10"/>
           <p:cNvSpPr txBox="1"/>
           <p:nvPr/>
         </p:nvSpPr>
         <p:spPr>
           <a:xfrm>
-            <a:off x="5852380" y="195585"/>
-            <a:ext cx="2519239" cy="584776"/>
+            <a:off x="2646882" y="5994345"/>
+            <a:ext cx="595273" cy="230832"/>
           </a:xfrm>
           <a:prstGeom prst="rect">
             <a:avLst/>
@@ -4044,18 +5695,841 @@
           <a:lstStyle/>
           <a:p>
             <a:r>
+              <a:rPr lang="en-US" sz="900" dirty="0" smtClean="0">
+                <a:latin typeface="Helvetica"/>
+                <a:cs typeface="Helvetica"/>
+              </a:rPr>
+              <a:t>Capture</a:t>
+            </a:r>
+            <a:endParaRPr lang="en-US" sz="900" dirty="0">
+              <a:latin typeface="Helvetica"/>
+              <a:cs typeface="Helvetica"/>
+            </a:endParaRPr>
+          </a:p>
+        </p:txBody>
+      </p:sp>
+      <p:sp>
+        <p:nvSpPr>
+          <p:cNvPr id="19" name="TextBox 18"/>
+          <p:cNvSpPr txBox="1"/>
+          <p:nvPr/>
+        </p:nvSpPr>
+        <p:spPr>
+          <a:xfrm>
+            <a:off x="286194" y="2814320"/>
+            <a:ext cx="2596444" cy="1569660"/>
+          </a:xfrm>
+          <a:prstGeom prst="rect">
+            <a:avLst/>
+          </a:prstGeom>
+        </p:spPr>
+        <p:style>
+          <a:lnRef idx="1">
+            <a:schemeClr val="accent1"/>
+          </a:lnRef>
+          <a:fillRef idx="2">
+            <a:schemeClr val="accent1"/>
+          </a:fillRef>
+          <a:effectRef idx="1">
+            <a:schemeClr val="accent1"/>
+          </a:effectRef>
+          <a:fontRef idx="minor">
+            <a:schemeClr val="dk1"/>
+          </a:fontRef>
+        </p:style>
+        <p:txBody>
+          <a:bodyPr wrap="square" rtlCol="0">
+            <a:spAutoFit/>
+          </a:bodyPr>
+          <a:lstStyle/>
+          <a:p>
+            <a:r>
+              <a:rPr lang="en-US" sz="1600" dirty="0" smtClean="0"/>
+              <a:t>Buttons </a:t>
+            </a:r>
+            <a:r>
+              <a:rPr lang="en-US" sz="1600" dirty="0" smtClean="0"/>
+              <a:t>do nothing. </a:t>
+            </a:r>
+          </a:p>
+          <a:p>
+            <a:endParaRPr lang="en-US" sz="1600" dirty="0" smtClean="0"/>
+          </a:p>
+          <a:p>
+            <a:r>
+              <a:rPr lang="en-US" sz="1600" b="1" dirty="0" smtClean="0"/>
+              <a:t>Suggestion</a:t>
+            </a:r>
+            <a:r>
+              <a:rPr lang="en-US" sz="1600" dirty="0" smtClean="0"/>
+              <a:t>: remove them, or add an alert that says “Sorry, this feature is not yet implemented!” </a:t>
+            </a:r>
+            <a:endParaRPr lang="en-US" sz="1600" dirty="0"/>
+          </a:p>
+        </p:txBody>
+      </p:sp>
+      <p:sp>
+        <p:nvSpPr>
+          <p:cNvPr id="20" name="TextBox 19"/>
+          <p:cNvSpPr txBox="1"/>
+          <p:nvPr/>
+        </p:nvSpPr>
+        <p:spPr>
+          <a:xfrm>
+            <a:off x="5705596" y="823333"/>
+            <a:ext cx="2800767" cy="923330"/>
+          </a:xfrm>
+          <a:prstGeom prst="rect">
+            <a:avLst/>
+          </a:prstGeom>
+        </p:spPr>
+        <p:style>
+          <a:lnRef idx="1">
+            <a:schemeClr val="accent1"/>
+          </a:lnRef>
+          <a:fillRef idx="2">
+            <a:schemeClr val="accent1"/>
+          </a:fillRef>
+          <a:effectRef idx="1">
+            <a:schemeClr val="accent1"/>
+          </a:effectRef>
+          <a:fontRef idx="minor">
+            <a:schemeClr val="dk1"/>
+          </a:fontRef>
+        </p:style>
+        <p:txBody>
+          <a:bodyPr wrap="square" rtlCol="0">
+            <a:spAutoFit/>
+          </a:bodyPr>
+          <a:lstStyle/>
+          <a:p>
+            <a:r>
+              <a:rPr lang="en-US" dirty="0" smtClean="0"/>
+              <a:t>Use logo.  Change top strip background color to grey so that logo is fully visible.  </a:t>
+            </a:r>
+            <a:endParaRPr lang="en-US" dirty="0"/>
+          </a:p>
+        </p:txBody>
+      </p:sp>
+      <p:sp>
+        <p:nvSpPr>
+          <p:cNvPr id="18" name="TextBox 17"/>
+          <p:cNvSpPr txBox="1"/>
+          <p:nvPr/>
+        </p:nvSpPr>
+        <p:spPr>
+          <a:xfrm>
+            <a:off x="802857" y="195585"/>
+            <a:ext cx="3185888" cy="584776"/>
+          </a:xfrm>
+          <a:prstGeom prst="rect">
+            <a:avLst/>
+          </a:prstGeom>
+          <a:noFill/>
+        </p:spPr>
+        <p:txBody>
+          <a:bodyPr wrap="none" rtlCol="0">
+            <a:spAutoFit/>
+          </a:bodyPr>
+          <a:lstStyle/>
+          <a:p>
+            <a:r>
               <a:rPr lang="en-US" sz="3200" dirty="0" smtClean="0"/>
-              <a:t>Priority = high</a:t>
+              <a:t>Priority = medium</a:t>
             </a:r>
             <a:endParaRPr lang="en-US" sz="3200" dirty="0"/>
           </a:p>
         </p:txBody>
       </p:sp>
+      <p:sp>
+        <p:nvSpPr>
+          <p:cNvPr id="37" name="Rectangle 36"/>
+          <p:cNvSpPr/>
+          <p:nvPr/>
+        </p:nvSpPr>
+        <p:spPr>
+          <a:xfrm>
+            <a:off x="5453014" y="2149940"/>
+            <a:ext cx="2753646" cy="461665"/>
+          </a:xfrm>
+          <a:prstGeom prst="rect">
+            <a:avLst/>
+          </a:prstGeom>
+          <a:solidFill>
+            <a:schemeClr val="tx1">
+              <a:lumMod val="50000"/>
+              <a:lumOff val="50000"/>
+            </a:schemeClr>
+          </a:solidFill>
+        </p:spPr>
+        <p:style>
+          <a:lnRef idx="1">
+            <a:schemeClr val="accent1"/>
+          </a:lnRef>
+          <a:fillRef idx="3">
+            <a:schemeClr val="accent1"/>
+          </a:fillRef>
+          <a:effectRef idx="2">
+            <a:schemeClr val="accent1"/>
+          </a:effectRef>
+          <a:fontRef idx="minor">
+            <a:schemeClr val="lt1"/>
+          </a:fontRef>
+        </p:style>
+        <p:txBody>
+          <a:bodyPr rtlCol="0" anchor="ctr"/>
+          <a:lstStyle/>
+          <a:p>
+            <a:pPr algn="ctr"/>
+            <a:endParaRPr lang="en-US"/>
+          </a:p>
+        </p:txBody>
+      </p:sp>
+      <p:pic>
+        <p:nvPicPr>
+          <p:cNvPr id="7" name="Picture 6"/>
+          <p:cNvPicPr>
+            <a:picLocks noChangeAspect="1"/>
+          </p:cNvPicPr>
+          <p:nvPr/>
+        </p:nvPicPr>
+        <p:blipFill>
+          <a:blip r:embed="rId3"/>
+          <a:stretch>
+            <a:fillRect/>
+          </a:stretch>
+        </p:blipFill>
+        <p:spPr>
+          <a:xfrm>
+            <a:off x="5774042" y="2241707"/>
+            <a:ext cx="1353491" cy="354369"/>
+          </a:xfrm>
+          <a:prstGeom prst="rect">
+            <a:avLst/>
+          </a:prstGeom>
+        </p:spPr>
+      </p:pic>
+      <p:sp>
+        <p:nvSpPr>
+          <p:cNvPr id="39" name="TextBox 38"/>
+          <p:cNvSpPr txBox="1"/>
+          <p:nvPr/>
+        </p:nvSpPr>
+        <p:spPr>
+          <a:xfrm>
+            <a:off x="7765472" y="2078820"/>
+            <a:ext cx="441187" cy="461665"/>
+          </a:xfrm>
+          <a:prstGeom prst="rect">
+            <a:avLst/>
+          </a:prstGeom>
+          <a:noFill/>
+        </p:spPr>
+        <p:txBody>
+          <a:bodyPr wrap="square" rtlCol="0">
+            <a:spAutoFit/>
+          </a:bodyPr>
+          <a:lstStyle/>
+          <a:p>
+            <a:r>
+              <a:rPr lang="en-US" sz="2400" dirty="0" smtClean="0">
+                <a:solidFill>
+                  <a:schemeClr val="bg1"/>
+                </a:solidFill>
+              </a:rPr>
+              <a:t>+</a:t>
+            </a:r>
+            <a:endParaRPr lang="en-US" sz="2400" dirty="0">
+              <a:solidFill>
+                <a:schemeClr val="bg1"/>
+              </a:solidFill>
+            </a:endParaRPr>
+          </a:p>
+        </p:txBody>
+      </p:sp>
+      <p:pic>
+        <p:nvPicPr>
+          <p:cNvPr id="40" name="Picture 39"/>
+          <p:cNvPicPr>
+            <a:picLocks noChangeAspect="1"/>
+          </p:cNvPicPr>
+          <p:nvPr/>
+        </p:nvPicPr>
+        <p:blipFill>
+          <a:blip r:embed="rId3"/>
+          <a:stretch>
+            <a:fillRect/>
+          </a:stretch>
+        </p:blipFill>
+        <p:spPr>
+          <a:xfrm>
+            <a:off x="6205360" y="425992"/>
+            <a:ext cx="1353491" cy="354369"/>
+          </a:xfrm>
+          <a:prstGeom prst="rect">
+            <a:avLst/>
+          </a:prstGeom>
+        </p:spPr>
+      </p:pic>
+      <p:sp>
+        <p:nvSpPr>
+          <p:cNvPr id="25" name="&quot;No&quot; Symbol 24"/>
+          <p:cNvSpPr/>
+          <p:nvPr/>
+        </p:nvSpPr>
+        <p:spPr>
+          <a:xfrm>
+            <a:off x="1129810" y="1634011"/>
+            <a:ext cx="365977" cy="355600"/>
+          </a:xfrm>
+          <a:prstGeom prst="noSmoking">
+            <a:avLst>
+              <a:gd name="adj" fmla="val 12091"/>
+            </a:avLst>
+          </a:prstGeom>
+          <a:solidFill>
+            <a:srgbClr val="FF0000"/>
+          </a:solidFill>
+        </p:spPr>
+        <p:style>
+          <a:lnRef idx="1">
+            <a:schemeClr val="accent1"/>
+          </a:lnRef>
+          <a:fillRef idx="3">
+            <a:schemeClr val="accent1"/>
+          </a:fillRef>
+          <a:effectRef idx="2">
+            <a:schemeClr val="accent1"/>
+          </a:effectRef>
+          <a:fontRef idx="minor">
+            <a:schemeClr val="lt1"/>
+          </a:fontRef>
+        </p:style>
+        <p:txBody>
+          <a:bodyPr rtlCol="0" anchor="ctr"/>
+          <a:lstStyle/>
+          <a:p>
+            <a:pPr algn="ctr"/>
+            <a:endParaRPr lang="en-US">
+              <a:solidFill>
+                <a:schemeClr val="tx1"/>
+              </a:solidFill>
+            </a:endParaRPr>
+          </a:p>
+        </p:txBody>
+      </p:sp>
+      <p:sp>
+        <p:nvSpPr>
+          <p:cNvPr id="26" name="&quot;No&quot; Symbol 25"/>
+          <p:cNvSpPr/>
+          <p:nvPr/>
+        </p:nvSpPr>
+        <p:spPr>
+          <a:xfrm>
+            <a:off x="3394317" y="1708792"/>
+            <a:ext cx="365977" cy="355600"/>
+          </a:xfrm>
+          <a:prstGeom prst="noSmoking">
+            <a:avLst>
+              <a:gd name="adj" fmla="val 12091"/>
+            </a:avLst>
+          </a:prstGeom>
+          <a:solidFill>
+            <a:srgbClr val="FF0000"/>
+          </a:solidFill>
+        </p:spPr>
+        <p:style>
+          <a:lnRef idx="1">
+            <a:schemeClr val="accent1"/>
+          </a:lnRef>
+          <a:fillRef idx="3">
+            <a:schemeClr val="accent1"/>
+          </a:fillRef>
+          <a:effectRef idx="2">
+            <a:schemeClr val="accent1"/>
+          </a:effectRef>
+          <a:fontRef idx="minor">
+            <a:schemeClr val="lt1"/>
+          </a:fontRef>
+        </p:style>
+        <p:txBody>
+          <a:bodyPr rtlCol="0" anchor="ctr"/>
+          <a:lstStyle/>
+          <a:p>
+            <a:pPr algn="ctr"/>
+            <a:endParaRPr lang="en-US">
+              <a:solidFill>
+                <a:schemeClr val="tx1"/>
+              </a:solidFill>
+            </a:endParaRPr>
+          </a:p>
+        </p:txBody>
+      </p:sp>
+      <p:sp>
+        <p:nvSpPr>
+          <p:cNvPr id="33" name="TextBox 32"/>
+          <p:cNvSpPr txBox="1"/>
+          <p:nvPr/>
+        </p:nvSpPr>
+        <p:spPr>
+          <a:xfrm>
+            <a:off x="1003251" y="6001337"/>
+            <a:ext cx="492536" cy="230832"/>
+          </a:xfrm>
+          <a:prstGeom prst="rect">
+            <a:avLst/>
+          </a:prstGeom>
+          <a:noFill/>
+        </p:spPr>
+        <p:txBody>
+          <a:bodyPr wrap="none" rtlCol="0">
+            <a:spAutoFit/>
+          </a:bodyPr>
+          <a:lstStyle/>
+          <a:p>
+            <a:r>
+              <a:rPr lang="en-US" sz="900" dirty="0" smtClean="0">
+                <a:latin typeface="Helvetica"/>
+                <a:cs typeface="Helvetica"/>
+              </a:rPr>
+              <a:t>Home</a:t>
+            </a:r>
+            <a:endParaRPr lang="en-US" sz="900" dirty="0">
+              <a:latin typeface="Helvetica"/>
+              <a:cs typeface="Helvetica"/>
+            </a:endParaRPr>
+          </a:p>
+        </p:txBody>
+      </p:sp>
+      <p:sp>
+        <p:nvSpPr>
+          <p:cNvPr id="22" name="Rectangle 21"/>
+          <p:cNvSpPr/>
+          <p:nvPr/>
+        </p:nvSpPr>
+        <p:spPr>
+          <a:xfrm>
+            <a:off x="5453013" y="5960790"/>
+            <a:ext cx="2753646" cy="486982"/>
+          </a:xfrm>
+          <a:prstGeom prst="rect">
+            <a:avLst/>
+          </a:prstGeom>
+          <a:solidFill>
+            <a:srgbClr val="595959"/>
+          </a:solidFill>
+        </p:spPr>
+        <p:style>
+          <a:lnRef idx="1">
+            <a:schemeClr val="accent1"/>
+          </a:lnRef>
+          <a:fillRef idx="3">
+            <a:schemeClr val="accent1"/>
+          </a:fillRef>
+          <a:effectRef idx="2">
+            <a:schemeClr val="accent1"/>
+          </a:effectRef>
+          <a:fontRef idx="minor">
+            <a:schemeClr val="lt1"/>
+          </a:fontRef>
+        </p:style>
+        <p:txBody>
+          <a:bodyPr rtlCol="0" anchor="ctr"/>
+          <a:lstStyle/>
+          <a:p>
+            <a:pPr algn="ctr"/>
+            <a:endParaRPr lang="en-US"/>
+          </a:p>
+        </p:txBody>
+      </p:sp>
+      <p:pic>
+        <p:nvPicPr>
+          <p:cNvPr id="32" name="Picture 31"/>
+          <p:cNvPicPr>
+            <a:picLocks noChangeAspect="1"/>
+          </p:cNvPicPr>
+          <p:nvPr/>
+        </p:nvPicPr>
+        <p:blipFill>
+          <a:blip r:embed="rId4"/>
+          <a:srcRect l="31899" t="30508" r="31899" b="30508"/>
+          <a:stretch>
+            <a:fillRect/>
+          </a:stretch>
+        </p:blipFill>
+        <p:spPr>
+          <a:xfrm>
+            <a:off x="5585034" y="6076932"/>
+            <a:ext cx="284265" cy="228600"/>
+          </a:xfrm>
+          <a:prstGeom prst="rect">
+            <a:avLst/>
+          </a:prstGeom>
+          <a:solidFill>
+            <a:schemeClr val="bg1">
+              <a:lumMod val="65000"/>
+            </a:schemeClr>
+          </a:solidFill>
+        </p:spPr>
+      </p:pic>
+      <p:sp>
+        <p:nvSpPr>
+          <p:cNvPr id="10" name="TextBox 9"/>
+          <p:cNvSpPr txBox="1"/>
+          <p:nvPr/>
+        </p:nvSpPr>
+        <p:spPr>
+          <a:xfrm>
+            <a:off x="5483493" y="6254732"/>
+            <a:ext cx="492536" cy="230832"/>
+          </a:xfrm>
+          <a:prstGeom prst="rect">
+            <a:avLst/>
+          </a:prstGeom>
+          <a:noFill/>
+        </p:spPr>
+        <p:txBody>
+          <a:bodyPr wrap="none" rtlCol="0">
+            <a:spAutoFit/>
+          </a:bodyPr>
+          <a:lstStyle/>
+          <a:p>
+            <a:r>
+              <a:rPr lang="en-US" sz="900" dirty="0" smtClean="0">
+                <a:solidFill>
+                  <a:schemeClr val="bg1"/>
+                </a:solidFill>
+                <a:latin typeface="Helvetica"/>
+                <a:cs typeface="Helvetica"/>
+              </a:rPr>
+              <a:t>Home</a:t>
+            </a:r>
+            <a:endParaRPr lang="en-US" sz="900" dirty="0">
+              <a:solidFill>
+                <a:schemeClr val="bg1"/>
+              </a:solidFill>
+              <a:latin typeface="Helvetica"/>
+              <a:cs typeface="Helvetica"/>
+            </a:endParaRPr>
+          </a:p>
+        </p:txBody>
+      </p:sp>
+      <p:sp>
+        <p:nvSpPr>
+          <p:cNvPr id="35" name="TextBox 34"/>
+          <p:cNvSpPr txBox="1"/>
+          <p:nvPr/>
+        </p:nvSpPr>
+        <p:spPr>
+          <a:xfrm>
+            <a:off x="6615675" y="6216940"/>
+            <a:ext cx="428322" cy="230832"/>
+          </a:xfrm>
+          <a:prstGeom prst="rect">
+            <a:avLst/>
+          </a:prstGeom>
+          <a:noFill/>
+        </p:spPr>
+        <p:txBody>
+          <a:bodyPr wrap="none" rtlCol="0">
+            <a:spAutoFit/>
+          </a:bodyPr>
+          <a:lstStyle/>
+          <a:p>
+            <a:r>
+              <a:rPr lang="en-US" sz="900" dirty="0" smtClean="0">
+                <a:solidFill>
+                  <a:schemeClr val="bg1"/>
+                </a:solidFill>
+                <a:latin typeface="Helvetica"/>
+                <a:cs typeface="Helvetica"/>
+              </a:rPr>
+              <a:t>Help</a:t>
+            </a:r>
+            <a:endParaRPr lang="en-US" sz="900" dirty="0">
+              <a:solidFill>
+                <a:schemeClr val="bg1"/>
+              </a:solidFill>
+              <a:latin typeface="Helvetica"/>
+              <a:cs typeface="Helvetica"/>
+            </a:endParaRPr>
+          </a:p>
+        </p:txBody>
+      </p:sp>
+      <p:sp>
+        <p:nvSpPr>
+          <p:cNvPr id="36" name="TextBox 35"/>
+          <p:cNvSpPr txBox="1"/>
+          <p:nvPr/>
+        </p:nvSpPr>
+        <p:spPr>
+          <a:xfrm>
+            <a:off x="7526763" y="6216940"/>
+            <a:ext cx="595273" cy="230832"/>
+          </a:xfrm>
+          <a:prstGeom prst="rect">
+            <a:avLst/>
+          </a:prstGeom>
+          <a:noFill/>
+        </p:spPr>
+        <p:txBody>
+          <a:bodyPr wrap="none" rtlCol="0">
+            <a:spAutoFit/>
+          </a:bodyPr>
+          <a:lstStyle/>
+          <a:p>
+            <a:r>
+              <a:rPr lang="en-US" sz="900" dirty="0" smtClean="0">
+                <a:solidFill>
+                  <a:schemeClr val="bg1"/>
+                </a:solidFill>
+                <a:latin typeface="Helvetica"/>
+                <a:cs typeface="Helvetica"/>
+              </a:rPr>
+              <a:t>Capture</a:t>
+            </a:r>
+            <a:endParaRPr lang="en-US" sz="900" dirty="0">
+              <a:solidFill>
+                <a:schemeClr val="bg1"/>
+              </a:solidFill>
+              <a:latin typeface="Helvetica"/>
+              <a:cs typeface="Helvetica"/>
+            </a:endParaRPr>
+          </a:p>
+        </p:txBody>
+      </p:sp>
+      <p:sp>
+        <p:nvSpPr>
+          <p:cNvPr id="42" name="TextBox 41"/>
+          <p:cNvSpPr txBox="1"/>
+          <p:nvPr/>
+        </p:nvSpPr>
+        <p:spPr>
+          <a:xfrm>
+            <a:off x="2799282" y="1919108"/>
+            <a:ext cx="569387" cy="230832"/>
+          </a:xfrm>
+          <a:prstGeom prst="rect">
+            <a:avLst/>
+          </a:prstGeom>
+          <a:noFill/>
+        </p:spPr>
+        <p:txBody>
+          <a:bodyPr wrap="none" rtlCol="0">
+            <a:spAutoFit/>
+          </a:bodyPr>
+          <a:lstStyle/>
+          <a:p>
+            <a:r>
+              <a:rPr lang="en-US" sz="900" dirty="0" smtClean="0">
+                <a:latin typeface="Helvetica"/>
+                <a:cs typeface="Helvetica"/>
+              </a:rPr>
+              <a:t>Add</a:t>
+            </a:r>
+            <a:r>
+              <a:rPr lang="en-US" sz="900" dirty="0" smtClean="0">
+                <a:latin typeface="Helvetica"/>
+                <a:cs typeface="Helvetica"/>
+              </a:rPr>
+              <a:t> </a:t>
+            </a:r>
+            <a:r>
+              <a:rPr lang="en-US" sz="900" dirty="0" smtClean="0">
+                <a:latin typeface="Helvetica"/>
+                <a:cs typeface="Helvetica"/>
+              </a:rPr>
+              <a:t>list</a:t>
+            </a:r>
+            <a:endParaRPr lang="en-US" sz="900" dirty="0">
+              <a:latin typeface="Helvetica"/>
+              <a:cs typeface="Helvetica"/>
+            </a:endParaRPr>
+          </a:p>
+        </p:txBody>
+      </p:sp>
+      <p:sp>
+        <p:nvSpPr>
+          <p:cNvPr id="43" name="TextBox 42"/>
+          <p:cNvSpPr txBox="1"/>
+          <p:nvPr/>
+        </p:nvSpPr>
+        <p:spPr>
+          <a:xfrm>
+            <a:off x="7637273" y="2423743"/>
+            <a:ext cx="569387" cy="230832"/>
+          </a:xfrm>
+          <a:prstGeom prst="rect">
+            <a:avLst/>
+          </a:prstGeom>
+          <a:noFill/>
+        </p:spPr>
+        <p:txBody>
+          <a:bodyPr wrap="none" rtlCol="0">
+            <a:spAutoFit/>
+          </a:bodyPr>
+          <a:lstStyle/>
+          <a:p>
+            <a:r>
+              <a:rPr lang="en-US" sz="900" dirty="0" smtClean="0">
+                <a:solidFill>
+                  <a:schemeClr val="bg1"/>
+                </a:solidFill>
+                <a:latin typeface="Helvetica"/>
+                <a:cs typeface="Helvetica"/>
+              </a:rPr>
+              <a:t>Add list</a:t>
+            </a:r>
+            <a:endParaRPr lang="en-US" sz="900" dirty="0">
+              <a:solidFill>
+                <a:schemeClr val="bg1"/>
+              </a:solidFill>
+              <a:latin typeface="Helvetica"/>
+              <a:cs typeface="Helvetica"/>
+            </a:endParaRPr>
+          </a:p>
+        </p:txBody>
+      </p:sp>
+      <p:cxnSp>
+        <p:nvCxnSpPr>
+          <p:cNvPr id="47" name="Straight Arrow Connector 46"/>
+          <p:cNvCxnSpPr>
+            <a:stCxn id="19" idx="0"/>
+          </p:cNvCxnSpPr>
+          <p:nvPr/>
+        </p:nvCxnSpPr>
+        <p:spPr>
+          <a:xfrm rot="16200000" flipV="1">
+            <a:off x="1077644" y="2307548"/>
+            <a:ext cx="749928" cy="263616"/>
+          </a:xfrm>
+          <a:prstGeom prst="straightConnector1">
+            <a:avLst/>
+          </a:prstGeom>
+          <a:ln>
+            <a:tailEnd type="arrow"/>
+          </a:ln>
+        </p:spPr>
+        <p:style>
+          <a:lnRef idx="2">
+            <a:schemeClr val="accent1"/>
+          </a:lnRef>
+          <a:fillRef idx="0">
+            <a:schemeClr val="accent1"/>
+          </a:fillRef>
+          <a:effectRef idx="1">
+            <a:schemeClr val="accent1"/>
+          </a:effectRef>
+          <a:fontRef idx="minor">
+            <a:schemeClr val="tx1"/>
+          </a:fontRef>
+        </p:style>
+      </p:cxnSp>
+      <p:cxnSp>
+        <p:nvCxnSpPr>
+          <p:cNvPr id="50" name="Straight Arrow Connector 49"/>
+          <p:cNvCxnSpPr/>
+          <p:nvPr/>
+        </p:nvCxnSpPr>
+        <p:spPr>
+          <a:xfrm flipV="1">
+            <a:off x="1584417" y="2064392"/>
+            <a:ext cx="1784252" cy="749928"/>
+          </a:xfrm>
+          <a:prstGeom prst="straightConnector1">
+            <a:avLst/>
+          </a:prstGeom>
+          <a:ln>
+            <a:tailEnd type="arrow"/>
+          </a:ln>
+        </p:spPr>
+        <p:style>
+          <a:lnRef idx="2">
+            <a:schemeClr val="accent1"/>
+          </a:lnRef>
+          <a:fillRef idx="0">
+            <a:schemeClr val="accent1"/>
+          </a:fillRef>
+          <a:effectRef idx="1">
+            <a:schemeClr val="accent1"/>
+          </a:effectRef>
+          <a:fontRef idx="minor">
+            <a:schemeClr val="tx1"/>
+          </a:fontRef>
+        </p:style>
+      </p:cxnSp>
+      <p:cxnSp>
+        <p:nvCxnSpPr>
+          <p:cNvPr id="55" name="Straight Arrow Connector 54"/>
+          <p:cNvCxnSpPr>
+            <a:stCxn id="8" idx="2"/>
+          </p:cNvCxnSpPr>
+          <p:nvPr/>
+        </p:nvCxnSpPr>
+        <p:spPr>
+          <a:xfrm rot="5400000">
+            <a:off x="6064212" y="4942129"/>
+            <a:ext cx="1275221" cy="1451584"/>
+          </a:xfrm>
+          <a:prstGeom prst="straightConnector1">
+            <a:avLst/>
+          </a:prstGeom>
+          <a:ln>
+            <a:tailEnd type="arrow"/>
+          </a:ln>
+        </p:spPr>
+        <p:style>
+          <a:lnRef idx="2">
+            <a:schemeClr val="accent1"/>
+          </a:lnRef>
+          <a:fillRef idx="0">
+            <a:schemeClr val="accent1"/>
+          </a:fillRef>
+          <a:effectRef idx="1">
+            <a:schemeClr val="accent1"/>
+          </a:effectRef>
+          <a:fontRef idx="minor">
+            <a:schemeClr val="tx1"/>
+          </a:fontRef>
+        </p:style>
+      </p:cxnSp>
+      <p:pic>
+        <p:nvPicPr>
+          <p:cNvPr id="56" name="Picture 55" descr="IMG_2004.PNG"/>
+          <p:cNvPicPr>
+            <a:picLocks noChangeAspect="1"/>
+          </p:cNvPicPr>
+          <p:nvPr/>
+        </p:nvPicPr>
+        <p:blipFill>
+          <a:blip r:embed="rId2"/>
+          <a:srcRect b="96338"/>
+          <a:stretch>
+            <a:fillRect/>
+          </a:stretch>
+        </p:blipFill>
+        <p:spPr>
+          <a:xfrm>
+            <a:off x="5453013" y="1989331"/>
+            <a:ext cx="2753646" cy="178978"/>
+          </a:xfrm>
+          <a:prstGeom prst="rect">
+            <a:avLst/>
+          </a:prstGeom>
+        </p:spPr>
+      </p:pic>
     </p:spTree>
   </p:cSld>
   <p:clrMapOvr>
     <a:masterClrMapping/>
   </p:clrMapOvr>
+  <p:timing>
+    <p:tnLst>
+      <p:par>
+        <p:cTn id="1" dur="indefinite" restart="never" nodeType="tmRoot"/>
+      </p:par>
+    </p:tnLst>
+  </p:timing>
 </p:sld>
 </file>
 
@@ -4078,7 +6552,7 @@
       </p:grpSpPr>
       <p:pic>
         <p:nvPicPr>
-          <p:cNvPr id="4" name="Picture 3" descr="IMG_2004.PNG"/>
+          <p:cNvPr id="15" name="Picture 14" descr="IMG_2011.PNG"/>
           <p:cNvPicPr>
             <a:picLocks noChangeAspect="1"/>
           </p:cNvPicPr>
@@ -4086,14 +6560,15 @@
         </p:nvPicPr>
         <p:blipFill>
           <a:blip r:embed="rId2"/>
+          <a:srcRect l="3375" t="26620" r="3375" b="25352"/>
           <a:stretch>
             <a:fillRect/>
           </a:stretch>
         </p:blipFill>
         <p:spPr>
           <a:xfrm>
-            <a:off x="1003251" y="1335852"/>
-            <a:ext cx="2753646" cy="4887325"/>
+            <a:off x="6352170" y="3646326"/>
+            <a:ext cx="2429414" cy="2220788"/>
           </a:xfrm>
           <a:prstGeom prst="rect">
             <a:avLst/>
@@ -4102,44 +6577,14 @@
       </p:pic>
       <p:sp>
         <p:nvSpPr>
-          <p:cNvPr id="6" name="TextBox 5"/>
+          <p:cNvPr id="3" name="TextBox 2"/>
           <p:cNvSpPr txBox="1"/>
           <p:nvPr/>
         </p:nvSpPr>
         <p:spPr>
           <a:xfrm>
-            <a:off x="689497" y="443300"/>
-            <a:ext cx="1255084" cy="369332"/>
-          </a:xfrm>
-          <a:prstGeom prst="rect">
-            <a:avLst/>
-          </a:prstGeom>
-          <a:noFill/>
-        </p:spPr>
-        <p:txBody>
-          <a:bodyPr wrap="none" rtlCol="0">
-            <a:spAutoFit/>
-          </a:bodyPr>
-          <a:lstStyle/>
-          <a:p>
-            <a:r>
-              <a:rPr lang="en-US" dirty="0" smtClean="0"/>
-              <a:t>Home page</a:t>
-            </a:r>
-            <a:endParaRPr lang="en-US" dirty="0"/>
-          </a:p>
-        </p:txBody>
-      </p:sp>
-      <p:sp>
-        <p:nvSpPr>
-          <p:cNvPr id="8" name="TextBox 7"/>
-          <p:cNvSpPr txBox="1"/>
-          <p:nvPr/>
-        </p:nvSpPr>
-        <p:spPr>
-          <a:xfrm>
-            <a:off x="4619896" y="899256"/>
-            <a:ext cx="3799734" cy="1200329"/>
+            <a:off x="4807185" y="1053630"/>
+            <a:ext cx="3677953" cy="1200329"/>
           </a:xfrm>
           <a:prstGeom prst="rect">
             <a:avLst/>
@@ -4167,7 +6612,7 @@
           <a:p>
             <a:r>
               <a:rPr lang="en-US" dirty="0" smtClean="0"/>
-              <a:t>Add help button</a:t>
+              <a:t>Suggestions</a:t>
             </a:r>
           </a:p>
           <a:p>
@@ -4177,15 +6622,19 @@
             </a:pPr>
             <a:r>
               <a:rPr lang="en-US" dirty="0" smtClean="0"/>
-              <a:t> Links to ‘</a:t>
-            </a:r>
-            <a:r>
-              <a:rPr lang="en-US" dirty="0" err="1" smtClean="0"/>
-              <a:t>howto</a:t>
-            </a:r>
-            <a:r>
-              <a:rPr lang="en-US" dirty="0" smtClean="0"/>
-              <a:t>’ view </a:t>
+              <a:t> </a:t>
+            </a:r>
+            <a:r>
+              <a:rPr lang="en-US" dirty="0"/>
+              <a:t>change </a:t>
+            </a:r>
+            <a:r>
+              <a:rPr lang="en-US" dirty="0" err="1"/>
+              <a:t>index.html</a:t>
+            </a:r>
+            <a:r>
+              <a:rPr lang="en-US" dirty="0"/>
+              <a:t> to “Oops!” </a:t>
             </a:r>
           </a:p>
           <a:p>
@@ -4195,19 +6644,90 @@
             </a:pPr>
             <a:r>
               <a:rPr lang="en-US" dirty="0" smtClean="0"/>
-              <a:t> use content from </a:t>
-            </a:r>
-            <a:r>
-              <a:rPr lang="en-US" dirty="0" err="1" smtClean="0"/>
-              <a:t>github</a:t>
-            </a:r>
+              <a:t> text: “Select (or create) a list first, before trying to capture names”</a:t>
+            </a:r>
+          </a:p>
+        </p:txBody>
+      </p:sp>
+      <p:pic>
+        <p:nvPicPr>
+          <p:cNvPr id="7" name="Picture 6" descr="IMG_2012.PNG"/>
+          <p:cNvPicPr>
+            <a:picLocks noChangeAspect="1"/>
+          </p:cNvPicPr>
+          <p:nvPr/>
+        </p:nvPicPr>
+        <p:blipFill>
+          <a:blip r:embed="rId3"/>
+          <a:stretch>
+            <a:fillRect/>
+          </a:stretch>
+        </p:blipFill>
+        <p:spPr>
+          <a:xfrm>
+            <a:off x="572885" y="780361"/>
+            <a:ext cx="3057298" cy="5426264"/>
+          </a:xfrm>
+          <a:prstGeom prst="rect">
+            <a:avLst/>
+          </a:prstGeom>
+        </p:spPr>
+      </p:pic>
+      <p:sp>
+        <p:nvSpPr>
+          <p:cNvPr id="4" name="TextBox 3"/>
+          <p:cNvSpPr txBox="1"/>
+          <p:nvPr/>
+        </p:nvSpPr>
+        <p:spPr>
+          <a:xfrm>
+            <a:off x="3630183" y="195585"/>
+            <a:ext cx="3185888" cy="584776"/>
+          </a:xfrm>
+          <a:prstGeom prst="rect">
+            <a:avLst/>
+          </a:prstGeom>
+          <a:noFill/>
+        </p:spPr>
+        <p:txBody>
+          <a:bodyPr wrap="none" rtlCol="0">
+            <a:spAutoFit/>
+          </a:bodyPr>
+          <a:lstStyle/>
+          <a:p>
+            <a:r>
+              <a:rPr lang="en-US" sz="3200" dirty="0" smtClean="0"/>
+              <a:t>Priority = medium</a:t>
+            </a:r>
+            <a:endParaRPr lang="en-US" sz="3200" dirty="0"/>
+          </a:p>
+        </p:txBody>
+      </p:sp>
+      <p:sp>
+        <p:nvSpPr>
+          <p:cNvPr id="5" name="TextBox 4"/>
+          <p:cNvSpPr txBox="1"/>
+          <p:nvPr/>
+        </p:nvSpPr>
+        <p:spPr>
+          <a:xfrm>
+            <a:off x="4807185" y="2255810"/>
+            <a:ext cx="3687360" cy="646331"/>
+          </a:xfrm>
+          <a:prstGeom prst="rect">
+            <a:avLst/>
+          </a:prstGeom>
+          <a:noFill/>
+        </p:spPr>
+        <p:txBody>
+          <a:bodyPr wrap="square" rtlCol="0">
+            <a:spAutoFit/>
+          </a:bodyPr>
+          <a:lstStyle/>
+          <a:p>
             <a:r>
               <a:rPr lang="en-US" dirty="0" smtClean="0"/>
-              <a:t> file in design/</a:t>
-            </a:r>
-            <a:r>
-              <a:rPr lang="en-US" dirty="0" err="1" smtClean="0"/>
-              <a:t>howto_page.html</a:t>
+              <a:t>We need to explain to the user how the routing works here</a:t>
             </a:r>
             <a:endParaRPr lang="en-US" dirty="0"/>
           </a:p>
@@ -4215,16 +6735,14 @@
       </p:sp>
       <p:cxnSp>
         <p:nvCxnSpPr>
-          <p:cNvPr id="13" name="Straight Arrow Connector 12"/>
-          <p:cNvCxnSpPr>
-            <a:stCxn id="8" idx="1"/>
-          </p:cNvCxnSpPr>
+          <p:cNvPr id="8" name="Straight Arrow Connector 7"/>
+          <p:cNvCxnSpPr/>
           <p:nvPr/>
         </p:nvCxnSpPr>
         <p:spPr>
-          <a:xfrm rot="10800000" flipV="1">
-            <a:off x="2330816" y="1499421"/>
-            <a:ext cx="2289080" cy="4425674"/>
+          <a:xfrm rot="10800000">
+            <a:off x="886546" y="2902141"/>
+            <a:ext cx="4217086" cy="1854580"/>
           </a:xfrm>
           <a:prstGeom prst="straightConnector1">
             <a:avLst/>
@@ -4248,132 +6766,85 @@
           </a:fontRef>
         </p:style>
       </p:cxnSp>
-      <p:pic>
-        <p:nvPicPr>
-          <p:cNvPr id="5" name="Picture 4" descr="images.jpg"/>
-          <p:cNvPicPr>
-            <a:picLocks noChangeAspect="1"/>
-          </p:cNvPicPr>
-          <p:nvPr/>
-        </p:nvPicPr>
-        <p:blipFill>
-          <a:blip r:embed="rId3">
-            <a:extLst>
-              <a:ext uri="{28A0092B-C50C-407E-A947-70E740481C1C}">
-                <a14:useLocalDpi xmlns="" xmlns:a="http://schemas.openxmlformats.org/drawingml/2006/main" xmlns:r="http://schemas.openxmlformats.org/officeDocument/2006/relationships" xmlns:p="http://schemas.openxmlformats.org/presentationml/2006/main" xmlns:a14="http://schemas.microsoft.com/office/drawing/2010/main" xmlns:mv="urn:schemas-microsoft-com:mac:vml" xmlns:mc="http://schemas.openxmlformats.org/markup-compatibility/2006" val="0"/>
-              </a:ext>
-            </a:extLst>
-          </a:blip>
-          <a:stretch>
-            <a:fillRect/>
-          </a:stretch>
-        </p:blipFill>
-        <p:spPr>
-          <a:xfrm>
-            <a:off x="5615967" y="2940056"/>
-            <a:ext cx="533455" cy="535836"/>
+      <p:sp>
+        <p:nvSpPr>
+          <p:cNvPr id="14" name="TextBox 13"/>
+          <p:cNvSpPr txBox="1"/>
+          <p:nvPr/>
+        </p:nvSpPr>
+        <p:spPr>
+          <a:xfrm>
+            <a:off x="5103631" y="4493121"/>
+            <a:ext cx="3677953" cy="923330"/>
           </a:xfrm>
           <a:prstGeom prst="rect">
             <a:avLst/>
           </a:prstGeom>
         </p:spPr>
-      </p:pic>
-      <p:pic>
-        <p:nvPicPr>
-          <p:cNvPr id="9" name="Picture 8" descr="images.jpg"/>
-          <p:cNvPicPr>
-            <a:picLocks noChangeAspect="1"/>
-          </p:cNvPicPr>
-          <p:nvPr/>
-        </p:nvPicPr>
-        <p:blipFill>
-          <a:blip r:embed="rId4">
-            <a:extLst>
-              <a:ext uri="{28A0092B-C50C-407E-A947-70E740481C1C}">
-                <a14:useLocalDpi xmlns="" xmlns:a="http://schemas.openxmlformats.org/drawingml/2006/main" xmlns:r="http://schemas.openxmlformats.org/officeDocument/2006/relationships" xmlns:p="http://schemas.openxmlformats.org/presentationml/2006/main" xmlns:a14="http://schemas.microsoft.com/office/drawing/2010/main" xmlns:mv="urn:schemas-microsoft-com:mac:vml" xmlns:mc="http://schemas.openxmlformats.org/markup-compatibility/2006" val="0"/>
-              </a:ext>
-            </a:extLst>
-          </a:blip>
-          <a:stretch>
-            <a:fillRect/>
-          </a:stretch>
-        </p:blipFill>
-        <p:spPr>
-          <a:xfrm>
-            <a:off x="6188873" y="2777591"/>
-            <a:ext cx="860766" cy="860766"/>
-          </a:xfrm>
-          <a:prstGeom prst="rect">
-            <a:avLst/>
-          </a:prstGeom>
-        </p:spPr>
-      </p:pic>
-      <p:sp>
-        <p:nvSpPr>
-          <p:cNvPr id="22" name="TextBox 21"/>
-          <p:cNvSpPr txBox="1"/>
-          <p:nvPr/>
-        </p:nvSpPr>
-        <p:spPr>
-          <a:xfrm>
-            <a:off x="3630183" y="195585"/>
-            <a:ext cx="2519239" cy="584776"/>
-          </a:xfrm>
-          <a:prstGeom prst="rect">
-            <a:avLst/>
-          </a:prstGeom>
-          <a:noFill/>
-        </p:spPr>
-        <p:txBody>
-          <a:bodyPr wrap="none" rtlCol="0">
+        <p:style>
+          <a:lnRef idx="1">
+            <a:schemeClr val="accent1"/>
+          </a:lnRef>
+          <a:fillRef idx="2">
+            <a:schemeClr val="accent1"/>
+          </a:fillRef>
+          <a:effectRef idx="1">
+            <a:schemeClr val="accent1"/>
+          </a:effectRef>
+          <a:fontRef idx="minor">
+            <a:schemeClr val="dk1"/>
+          </a:fontRef>
+        </p:style>
+        <p:txBody>
+          <a:bodyPr wrap="square" rtlCol="0">
             <a:spAutoFit/>
           </a:bodyPr>
           <a:lstStyle/>
           <a:p>
             <a:r>
-              <a:rPr lang="en-US" sz="3200" dirty="0" smtClean="0"/>
-              <a:t>Priority = high</a:t>
-            </a:r>
-            <a:endParaRPr lang="en-US" sz="3200" dirty="0"/>
-          </a:p>
-        </p:txBody>
-      </p:sp>
-      <p:sp>
-        <p:nvSpPr>
-          <p:cNvPr id="12" name="TextBox 11"/>
-          <p:cNvSpPr txBox="1"/>
-          <p:nvPr/>
-        </p:nvSpPr>
-        <p:spPr>
-          <a:xfrm>
-            <a:off x="5402737" y="3904074"/>
-            <a:ext cx="3293803" cy="369332"/>
-          </a:xfrm>
-          <a:prstGeom prst="rect">
-            <a:avLst/>
-          </a:prstGeom>
-          <a:noFill/>
-        </p:spPr>
-        <p:txBody>
-          <a:bodyPr wrap="none" rtlCol="0">
-            <a:spAutoFit/>
-          </a:bodyPr>
-          <a:lstStyle/>
-          <a:p>
-            <a:r>
               <a:rPr lang="en-US" dirty="0" smtClean="0"/>
-              <a:t>We don’t know which icon to use</a:t>
+              <a:t>Note: the rounded corners look better, but some of the alert boxes have square corners</a:t>
             </a:r>
             <a:endParaRPr lang="en-US" dirty="0"/>
           </a:p>
         </p:txBody>
       </p:sp>
+      <p:cxnSp>
+        <p:nvCxnSpPr>
+          <p:cNvPr id="16" name="Straight Arrow Connector 15"/>
+          <p:cNvCxnSpPr>
+            <a:stCxn id="14" idx="0"/>
+          </p:cNvCxnSpPr>
+          <p:nvPr/>
+        </p:nvCxnSpPr>
+        <p:spPr>
+          <a:xfrm rot="16200000" flipV="1">
+            <a:off x="6454378" y="4004890"/>
+            <a:ext cx="611065" cy="365397"/>
+          </a:xfrm>
+          <a:prstGeom prst="straightConnector1">
+            <a:avLst/>
+          </a:prstGeom>
+          <a:ln>
+            <a:tailEnd type="arrow"/>
+          </a:ln>
+        </p:spPr>
+        <p:style>
+          <a:lnRef idx="2">
+            <a:schemeClr val="accent1"/>
+          </a:lnRef>
+          <a:fillRef idx="0">
+            <a:schemeClr val="accent1"/>
+          </a:fillRef>
+          <a:effectRef idx="1">
+            <a:schemeClr val="accent1"/>
+          </a:effectRef>
+          <a:fontRef idx="minor">
+            <a:schemeClr val="tx1"/>
+          </a:fontRef>
+        </p:style>
+      </p:cxnSp>
     </p:spTree>
-    <p:extLst>
-      <p:ext uri="{BB962C8B-B14F-4D97-AF65-F5344CB8AC3E}">
-        <p14:creationId xmlns="" xmlns:a="http://schemas.openxmlformats.org/drawingml/2006/main" xmlns:r="http://schemas.openxmlformats.org/officeDocument/2006/relationships" xmlns:p="http://schemas.openxmlformats.org/presentationml/2006/main" xmlns:p14="http://schemas.microsoft.com/office/powerpoint/2010/main" xmlns:mv="urn:schemas-microsoft-com:mac:vml" xmlns:mc="http://schemas.openxmlformats.org/markup-compatibility/2006" val="1864991049"/>
-      </p:ext>
-    </p:extLst>
   </p:cSld>
   <p:clrMapOvr>
     <a:masterClrMapping/>
@@ -4405,9 +6876,88 @@
           <a:chExt cx="0" cy="0"/>
         </a:xfrm>
       </p:grpSpPr>
+      <p:sp>
+        <p:nvSpPr>
+          <p:cNvPr id="3" name="TextBox 2"/>
+          <p:cNvSpPr txBox="1"/>
+          <p:nvPr/>
+        </p:nvSpPr>
+        <p:spPr>
+          <a:xfrm>
+            <a:off x="6625132" y="1605786"/>
+            <a:ext cx="2029915" cy="1200329"/>
+          </a:xfrm>
+          <a:prstGeom prst="rect">
+            <a:avLst/>
+          </a:prstGeom>
+        </p:spPr>
+        <p:style>
+          <a:lnRef idx="1">
+            <a:schemeClr val="accent1"/>
+          </a:lnRef>
+          <a:fillRef idx="2">
+            <a:schemeClr val="accent1"/>
+          </a:fillRef>
+          <a:effectRef idx="1">
+            <a:schemeClr val="accent1"/>
+          </a:effectRef>
+          <a:fontRef idx="minor">
+            <a:schemeClr val="dk1"/>
+          </a:fontRef>
+        </p:style>
+        <p:txBody>
+          <a:bodyPr wrap="square" rtlCol="0">
+            <a:spAutoFit/>
+          </a:bodyPr>
+          <a:lstStyle/>
+          <a:p>
+            <a:r>
+              <a:rPr lang="en-US" i="1" dirty="0" smtClean="0"/>
+              <a:t>2. Insert after “list.”:</a:t>
+            </a:r>
+          </a:p>
+          <a:p>
+            <a:r>
+              <a:rPr lang="en-US" dirty="0" smtClean="0"/>
+              <a:t>Swipe right to delete a name.</a:t>
+            </a:r>
+            <a:endParaRPr lang="en-US" dirty="0" smtClean="0"/>
+          </a:p>
+        </p:txBody>
+      </p:sp>
+      <p:sp>
+        <p:nvSpPr>
+          <p:cNvPr id="4" name="TextBox 3"/>
+          <p:cNvSpPr txBox="1"/>
+          <p:nvPr/>
+        </p:nvSpPr>
+        <p:spPr>
+          <a:xfrm>
+            <a:off x="3630183" y="195585"/>
+            <a:ext cx="3185888" cy="584776"/>
+          </a:xfrm>
+          <a:prstGeom prst="rect">
+            <a:avLst/>
+          </a:prstGeom>
+          <a:noFill/>
+        </p:spPr>
+        <p:txBody>
+          <a:bodyPr wrap="none" rtlCol="0">
+            <a:spAutoFit/>
+          </a:bodyPr>
+          <a:lstStyle/>
+          <a:p>
+            <a:r>
+              <a:rPr lang="en-US" sz="3200" dirty="0" smtClean="0"/>
+              <a:t>Priority = medium</a:t>
+            </a:r>
+            <a:endParaRPr lang="en-US" sz="3200" dirty="0"/>
+          </a:p>
+        </p:txBody>
+      </p:sp>
       <p:pic>
         <p:nvPicPr>
-          <p:cNvPr id="4" name="Picture 3" descr="IMG_2004.PNG"/>
+          <p:cNvPr id="6" name="Picture 5"/>
           <p:cNvPicPr>
             <a:picLocks noChangeAspect="1"/>
           </p:cNvPicPr>
@@ -4421,142 +6971,26 @@
         </p:blipFill>
         <p:spPr>
           <a:xfrm>
-            <a:off x="1003251" y="1335852"/>
-            <a:ext cx="2753646" cy="4887325"/>
+            <a:off x="3452879" y="1280160"/>
+            <a:ext cx="2575775" cy="4572000"/>
           </a:xfrm>
           <a:prstGeom prst="rect">
             <a:avLst/>
           </a:prstGeom>
         </p:spPr>
       </p:pic>
-      <p:sp>
-        <p:nvSpPr>
-          <p:cNvPr id="8" name="TextBox 7"/>
-          <p:cNvSpPr txBox="1"/>
-          <p:nvPr/>
-        </p:nvSpPr>
-        <p:spPr>
-          <a:xfrm>
-            <a:off x="5705594" y="5749292"/>
-            <a:ext cx="2903168" cy="646331"/>
-          </a:xfrm>
-          <a:prstGeom prst="rect">
-            <a:avLst/>
-          </a:prstGeom>
-        </p:spPr>
-        <p:style>
-          <a:lnRef idx="1">
-            <a:schemeClr val="accent1"/>
-          </a:lnRef>
-          <a:fillRef idx="2">
-            <a:schemeClr val="accent1"/>
-          </a:fillRef>
-          <a:effectRef idx="1">
-            <a:schemeClr val="accent1"/>
-          </a:effectRef>
-          <a:fontRef idx="minor">
-            <a:schemeClr val="dk1"/>
-          </a:fontRef>
-        </p:style>
-        <p:txBody>
-          <a:bodyPr wrap="square" rtlCol="0">
-            <a:spAutoFit/>
-          </a:bodyPr>
-          <a:lstStyle/>
-          <a:p>
-            <a:r>
-              <a:rPr lang="en-US" dirty="0" smtClean="0"/>
-              <a:t>Most apps use tiny 8 or 9 pt text under icon</a:t>
-            </a:r>
-            <a:endParaRPr lang="en-US" dirty="0"/>
-          </a:p>
-        </p:txBody>
-      </p:sp>
-      <p:sp>
-        <p:nvSpPr>
-          <p:cNvPr id="10" name="TextBox 9"/>
-          <p:cNvSpPr txBox="1"/>
-          <p:nvPr/>
-        </p:nvSpPr>
-        <p:spPr>
-          <a:xfrm>
-            <a:off x="1003251" y="5992345"/>
-            <a:ext cx="492536" cy="230832"/>
-          </a:xfrm>
-          <a:prstGeom prst="rect">
-            <a:avLst/>
-          </a:prstGeom>
-          <a:noFill/>
-        </p:spPr>
-        <p:txBody>
-          <a:bodyPr wrap="none" rtlCol="0">
-            <a:spAutoFit/>
-          </a:bodyPr>
-          <a:lstStyle/>
-          <a:p>
-            <a:r>
-              <a:rPr lang="en-US" sz="900" dirty="0" smtClean="0">
-                <a:latin typeface="Helvetica"/>
-                <a:cs typeface="Helvetica"/>
-              </a:rPr>
-              <a:t>Home</a:t>
-            </a:r>
-            <a:endParaRPr lang="en-US" sz="900" dirty="0">
-              <a:latin typeface="Helvetica"/>
-              <a:cs typeface="Helvetica"/>
-            </a:endParaRPr>
-          </a:p>
-        </p:txBody>
-      </p:sp>
-      <p:sp>
-        <p:nvSpPr>
-          <p:cNvPr id="11" name="TextBox 10"/>
-          <p:cNvSpPr txBox="1"/>
-          <p:nvPr/>
-        </p:nvSpPr>
-        <p:spPr>
-          <a:xfrm>
-            <a:off x="2646882" y="5994345"/>
-            <a:ext cx="595273" cy="230832"/>
-          </a:xfrm>
-          <a:prstGeom prst="rect">
-            <a:avLst/>
-          </a:prstGeom>
-          <a:noFill/>
-        </p:spPr>
-        <p:txBody>
-          <a:bodyPr wrap="none" rtlCol="0">
-            <a:spAutoFit/>
-          </a:bodyPr>
-          <a:lstStyle/>
-          <a:p>
-            <a:r>
-              <a:rPr lang="en-US" sz="900" dirty="0" smtClean="0">
-                <a:latin typeface="Helvetica"/>
-                <a:cs typeface="Helvetica"/>
-              </a:rPr>
-              <a:t>Capture</a:t>
-            </a:r>
-            <a:endParaRPr lang="en-US" sz="900" dirty="0">
-              <a:latin typeface="Helvetica"/>
-              <a:cs typeface="Helvetica"/>
-            </a:endParaRPr>
-          </a:p>
-        </p:txBody>
-      </p:sp>
       <p:cxnSp>
         <p:nvCxnSpPr>
-          <p:cNvPr id="13" name="Straight Arrow Connector 12"/>
+          <p:cNvPr id="9" name="Straight Arrow Connector 8"/>
           <p:cNvCxnSpPr>
-            <a:stCxn id="8" idx="1"/>
-            <a:endCxn id="11" idx="3"/>
+            <a:stCxn id="3" idx="1"/>
           </p:cNvCxnSpPr>
           <p:nvPr/>
         </p:nvCxnSpPr>
         <p:spPr>
           <a:xfrm rot="10800000" flipV="1">
-            <a:off x="3242156" y="6072457"/>
-            <a:ext cx="2463439" cy="37303"/>
+            <a:off x="4109268" y="2205951"/>
+            <a:ext cx="2515865" cy="669644"/>
           </a:xfrm>
           <a:prstGeom prst="straightConnector1">
             <a:avLst/>
@@ -4580,18 +7014,67 @@
           </a:fontRef>
         </p:style>
       </p:cxnSp>
+      <p:sp>
+        <p:nvSpPr>
+          <p:cNvPr id="12" name="TextBox 11"/>
+          <p:cNvSpPr txBox="1"/>
+          <p:nvPr/>
+        </p:nvSpPr>
+        <p:spPr>
+          <a:xfrm>
+            <a:off x="6816071" y="4023360"/>
+            <a:ext cx="1838976" cy="2308324"/>
+          </a:xfrm>
+          <a:prstGeom prst="rect">
+            <a:avLst/>
+          </a:prstGeom>
+        </p:spPr>
+        <p:style>
+          <a:lnRef idx="1">
+            <a:schemeClr val="accent1"/>
+          </a:lnRef>
+          <a:fillRef idx="2">
+            <a:schemeClr val="accent1"/>
+          </a:fillRef>
+          <a:effectRef idx="1">
+            <a:schemeClr val="accent1"/>
+          </a:effectRef>
+          <a:fontRef idx="minor">
+            <a:schemeClr val="dk1"/>
+          </a:fontRef>
+        </p:style>
+        <p:txBody>
+          <a:bodyPr wrap="square" rtlCol="0">
+            <a:spAutoFit/>
+          </a:bodyPr>
+          <a:lstStyle/>
+          <a:p>
+            <a:r>
+              <a:rPr lang="en-US" i="1" dirty="0" smtClean="0"/>
+              <a:t>3. Insert:</a:t>
+            </a:r>
+          </a:p>
+          <a:p>
+            <a:r>
+              <a:rPr lang="en-US" dirty="0" smtClean="0"/>
+              <a:t>To share or export, choose “view in browser”, then use the browser’s sharing features (e.g., mailto).</a:t>
+            </a:r>
+            <a:endParaRPr lang="en-US" dirty="0" smtClean="0"/>
+          </a:p>
+        </p:txBody>
+      </p:sp>
       <p:cxnSp>
         <p:nvCxnSpPr>
-          <p:cNvPr id="16" name="Straight Arrow Connector 15"/>
+          <p:cNvPr id="13" name="Straight Arrow Connector 12"/>
           <p:cNvCxnSpPr>
-            <a:stCxn id="19" idx="1"/>
+            <a:stCxn id="12" idx="1"/>
           </p:cNvCxnSpPr>
           <p:nvPr/>
         </p:nvCxnSpPr>
         <p:spPr>
           <a:xfrm rot="10800000">
-            <a:off x="3612447" y="1919108"/>
-            <a:ext cx="2093149" cy="2445459"/>
+            <a:off x="4696297" y="4816626"/>
+            <a:ext cx="2119775" cy="360897"/>
           </a:xfrm>
           <a:prstGeom prst="straightConnector1">
             <a:avLst/>
@@ -4617,14 +7100,14 @@
       </p:cxnSp>
       <p:sp>
         <p:nvSpPr>
-          <p:cNvPr id="19" name="TextBox 18"/>
+          <p:cNvPr id="15" name="TextBox 14"/>
           <p:cNvSpPr txBox="1"/>
           <p:nvPr/>
         </p:nvSpPr>
         <p:spPr>
           <a:xfrm>
-            <a:off x="5705595" y="3456625"/>
-            <a:ext cx="2596444" cy="1815882"/>
+            <a:off x="246821" y="371431"/>
+            <a:ext cx="2734059" cy="1477328"/>
           </a:xfrm>
           <a:prstGeom prst="rect">
             <a:avLst/>
@@ -4651,333 +7134,24 @@
           <a:lstStyle/>
           <a:p>
             <a:r>
-              <a:rPr lang="en-US" sz="1600" dirty="0" smtClean="0"/>
-              <a:t>Settings and list buttons do nothing. </a:t>
-            </a:r>
-          </a:p>
-          <a:p>
-            <a:endParaRPr lang="en-US" sz="1600" dirty="0" smtClean="0"/>
-          </a:p>
-          <a:p>
-            <a:r>
-              <a:rPr lang="en-US" sz="1600" b="1" dirty="0" smtClean="0"/>
-              <a:t>Suggestion</a:t>
-            </a:r>
-            <a:r>
-              <a:rPr lang="en-US" sz="1600" dirty="0" smtClean="0"/>
-              <a:t>: remove them, or add an alert that says “Sorry, this feature is not yet implemented!” </a:t>
-            </a:r>
-            <a:endParaRPr lang="en-US" sz="1600" dirty="0"/>
-          </a:p>
-        </p:txBody>
-      </p:sp>
-      <p:sp>
-        <p:nvSpPr>
-          <p:cNvPr id="20" name="TextBox 19"/>
-          <p:cNvSpPr txBox="1"/>
-          <p:nvPr/>
-        </p:nvSpPr>
-        <p:spPr>
-          <a:xfrm>
-            <a:off x="5705596" y="823333"/>
-            <a:ext cx="2800767" cy="923330"/>
-          </a:xfrm>
-          <a:prstGeom prst="rect">
-            <a:avLst/>
-          </a:prstGeom>
-        </p:spPr>
-        <p:style>
-          <a:lnRef idx="1">
-            <a:schemeClr val="accent1"/>
-          </a:lnRef>
-          <a:fillRef idx="2">
-            <a:schemeClr val="accent1"/>
-          </a:fillRef>
-          <a:effectRef idx="1">
-            <a:schemeClr val="accent1"/>
-          </a:effectRef>
-          <a:fontRef idx="minor">
-            <a:schemeClr val="dk1"/>
-          </a:fontRef>
-        </p:style>
-        <p:txBody>
-          <a:bodyPr wrap="square" rtlCol="0">
-            <a:spAutoFit/>
-          </a:bodyPr>
-          <a:lstStyle/>
-          <a:p>
-            <a:r>
               <a:rPr lang="en-US" dirty="0" smtClean="0"/>
-              <a:t>Use logo.  Change top strip background color to grey so that logo is fully visible.  </a:t>
+              <a:t>1. Too much whitespace.  Can you find a font and line-spacing that makes this more compact?  You may have to tweak the </a:t>
+            </a:r>
+            <a:r>
+              <a:rPr lang="en-US" dirty="0" err="1" smtClean="0"/>
+              <a:t>css</a:t>
+            </a:r>
+            <a:r>
+              <a:rPr lang="en-US" dirty="0" smtClean="0"/>
+              <a:t>.</a:t>
             </a:r>
             <a:endParaRPr lang="en-US" dirty="0"/>
-          </a:p>
-        </p:txBody>
-      </p:sp>
-      <p:cxnSp>
-        <p:nvCxnSpPr>
-          <p:cNvPr id="21" name="Straight Arrow Connector 20"/>
-          <p:cNvCxnSpPr>
-            <a:stCxn id="24" idx="1"/>
-            <a:endCxn id="27" idx="1"/>
-          </p:cNvCxnSpPr>
-          <p:nvPr/>
-        </p:nvCxnSpPr>
-        <p:spPr>
-          <a:xfrm rot="10800000">
-            <a:off x="3988746" y="1632219"/>
-            <a:ext cx="1716847" cy="1299411"/>
-          </a:xfrm>
-          <a:prstGeom prst="straightConnector1">
-            <a:avLst/>
-          </a:prstGeom>
-          <a:ln>
-            <a:tailEnd type="arrow"/>
-          </a:ln>
-        </p:spPr>
-        <p:style>
-          <a:lnRef idx="2">
-            <a:schemeClr val="accent1"/>
-          </a:lnRef>
-          <a:fillRef idx="0">
-            <a:schemeClr val="accent1"/>
-          </a:fillRef>
-          <a:effectRef idx="1">
-            <a:schemeClr val="accent1"/>
-          </a:effectRef>
-          <a:fontRef idx="minor">
-            <a:schemeClr val="tx1"/>
-          </a:fontRef>
-        </p:style>
-      </p:cxnSp>
-      <p:sp>
-        <p:nvSpPr>
-          <p:cNvPr id="24" name="TextBox 23"/>
-          <p:cNvSpPr txBox="1"/>
-          <p:nvPr/>
-        </p:nvSpPr>
-        <p:spPr>
-          <a:xfrm>
-            <a:off x="5705592" y="2746963"/>
-            <a:ext cx="2800767" cy="369332"/>
-          </a:xfrm>
-          <a:prstGeom prst="rect">
-            <a:avLst/>
-          </a:prstGeom>
-        </p:spPr>
-        <p:style>
-          <a:lnRef idx="1">
-            <a:schemeClr val="accent1"/>
-          </a:lnRef>
-          <a:fillRef idx="2">
-            <a:schemeClr val="accent1"/>
-          </a:fillRef>
-          <a:effectRef idx="1">
-            <a:schemeClr val="accent1"/>
-          </a:effectRef>
-          <a:fontRef idx="minor">
-            <a:schemeClr val="dk1"/>
-          </a:fontRef>
-        </p:style>
-        <p:txBody>
-          <a:bodyPr wrap="none" rtlCol="0">
-            <a:spAutoFit/>
-          </a:bodyPr>
-          <a:lstStyle/>
-          <a:p>
-            <a:r>
-              <a:rPr lang="en-US" dirty="0" smtClean="0"/>
-              <a:t>Why so much empty space?</a:t>
-            </a:r>
-            <a:endParaRPr lang="en-US" dirty="0"/>
-          </a:p>
-        </p:txBody>
-      </p:sp>
-      <p:sp>
-        <p:nvSpPr>
-          <p:cNvPr id="27" name="Left Brace 26"/>
-          <p:cNvSpPr/>
-          <p:nvPr/>
-        </p:nvSpPr>
-        <p:spPr>
-          <a:xfrm flipH="1">
-            <a:off x="3819411" y="1517773"/>
-            <a:ext cx="169334" cy="228890"/>
-          </a:xfrm>
-          <a:prstGeom prst="leftBrace">
-            <a:avLst/>
-          </a:prstGeom>
-        </p:spPr>
-        <p:style>
-          <a:lnRef idx="2">
-            <a:schemeClr val="accent1"/>
-          </a:lnRef>
-          <a:fillRef idx="0">
-            <a:schemeClr val="accent1"/>
-          </a:fillRef>
-          <a:effectRef idx="1">
-            <a:schemeClr val="accent1"/>
-          </a:effectRef>
-          <a:fontRef idx="minor">
-            <a:schemeClr val="tx1"/>
-          </a:fontRef>
-        </p:style>
-        <p:txBody>
-          <a:bodyPr rtlCol="0" anchor="ctr"/>
-          <a:lstStyle/>
-          <a:p>
-            <a:pPr algn="ctr"/>
-            <a:endParaRPr lang="en-US"/>
-          </a:p>
-        </p:txBody>
-      </p:sp>
-      <p:cxnSp>
-        <p:nvCxnSpPr>
-          <p:cNvPr id="31" name="Straight Arrow Connector 30"/>
-          <p:cNvCxnSpPr>
-            <a:stCxn id="19" idx="1"/>
-          </p:cNvCxnSpPr>
-          <p:nvPr/>
-        </p:nvCxnSpPr>
-        <p:spPr>
-          <a:xfrm rot="10800000">
-            <a:off x="1335855" y="1919108"/>
-            <a:ext cx="4369741" cy="2445459"/>
-          </a:xfrm>
-          <a:prstGeom prst="straightConnector1">
-            <a:avLst/>
-          </a:prstGeom>
-          <a:ln>
-            <a:tailEnd type="arrow"/>
-          </a:ln>
-        </p:spPr>
-        <p:style>
-          <a:lnRef idx="2">
-            <a:schemeClr val="accent1"/>
-          </a:lnRef>
-          <a:fillRef idx="0">
-            <a:schemeClr val="accent1"/>
-          </a:fillRef>
-          <a:effectRef idx="1">
-            <a:schemeClr val="accent1"/>
-          </a:effectRef>
-          <a:fontRef idx="minor">
-            <a:schemeClr val="tx1"/>
-          </a:fontRef>
-        </p:style>
-      </p:cxnSp>
-      <p:cxnSp>
-        <p:nvCxnSpPr>
-          <p:cNvPr id="34" name="Straight Arrow Connector 33"/>
-          <p:cNvCxnSpPr>
-            <a:stCxn id="20" idx="1"/>
-          </p:cNvCxnSpPr>
-          <p:nvPr/>
-        </p:nvCxnSpPr>
-        <p:spPr>
-          <a:xfrm rot="10800000" flipV="1">
-            <a:off x="2191654" y="1284997"/>
-            <a:ext cx="3513942" cy="526813"/>
-          </a:xfrm>
-          <a:prstGeom prst="straightConnector1">
-            <a:avLst/>
-          </a:prstGeom>
-          <a:ln>
-            <a:tailEnd type="arrow"/>
-          </a:ln>
-        </p:spPr>
-        <p:style>
-          <a:lnRef idx="2">
-            <a:schemeClr val="accent1"/>
-          </a:lnRef>
-          <a:fillRef idx="0">
-            <a:schemeClr val="accent1"/>
-          </a:fillRef>
-          <a:effectRef idx="1">
-            <a:schemeClr val="accent1"/>
-          </a:effectRef>
-          <a:fontRef idx="minor">
-            <a:schemeClr val="tx1"/>
-          </a:fontRef>
-        </p:style>
-      </p:cxnSp>
-      <p:sp>
-        <p:nvSpPr>
-          <p:cNvPr id="18" name="TextBox 17"/>
-          <p:cNvSpPr txBox="1"/>
-          <p:nvPr/>
-        </p:nvSpPr>
-        <p:spPr>
-          <a:xfrm>
-            <a:off x="802857" y="195585"/>
-            <a:ext cx="3185888" cy="584776"/>
-          </a:xfrm>
-          <a:prstGeom prst="rect">
-            <a:avLst/>
-          </a:prstGeom>
-          <a:noFill/>
-        </p:spPr>
-        <p:txBody>
-          <a:bodyPr wrap="none" rtlCol="0">
-            <a:spAutoFit/>
-          </a:bodyPr>
-          <a:lstStyle/>
-          <a:p>
-            <a:r>
-              <a:rPr lang="en-US" sz="3200" dirty="0" smtClean="0"/>
-              <a:t>Priority = medium</a:t>
-            </a:r>
-            <a:endParaRPr lang="en-US" sz="3200" dirty="0"/>
-          </a:p>
-        </p:txBody>
-      </p:sp>
-      <p:sp>
-        <p:nvSpPr>
-          <p:cNvPr id="37" name="Rectangle 36"/>
-          <p:cNvSpPr/>
-          <p:nvPr/>
-        </p:nvSpPr>
-        <p:spPr>
-          <a:xfrm>
-            <a:off x="5705596" y="1791151"/>
-            <a:ext cx="2753646" cy="354369"/>
-          </a:xfrm>
-          <a:prstGeom prst="rect">
-            <a:avLst/>
-          </a:prstGeom>
-          <a:solidFill>
-            <a:schemeClr val="tx1">
-              <a:lumMod val="50000"/>
-              <a:lumOff val="50000"/>
-            </a:schemeClr>
-          </a:solidFill>
-        </p:spPr>
-        <p:style>
-          <a:lnRef idx="1">
-            <a:schemeClr val="accent1"/>
-          </a:lnRef>
-          <a:fillRef idx="3">
-            <a:schemeClr val="accent1"/>
-          </a:fillRef>
-          <a:effectRef idx="2">
-            <a:schemeClr val="accent1"/>
-          </a:effectRef>
-          <a:fontRef idx="minor">
-            <a:schemeClr val="lt1"/>
-          </a:fontRef>
-        </p:style>
-        <p:txBody>
-          <a:bodyPr rtlCol="0" anchor="ctr"/>
-          <a:lstStyle/>
-          <a:p>
-            <a:pPr algn="ctr"/>
-            <a:endParaRPr lang="en-US"/>
           </a:p>
         </p:txBody>
       </p:sp>
       <p:pic>
         <p:nvPicPr>
-          <p:cNvPr id="7" name="Picture 6"/>
+          <p:cNvPr id="16" name="Picture 15"/>
           <p:cNvPicPr>
             <a:picLocks noChangeAspect="1"/>
           </p:cNvPicPr>
@@ -4991,74 +7165,19 @@
         </p:blipFill>
         <p:spPr>
           <a:xfrm>
-            <a:off x="6026624" y="1800559"/>
-            <a:ext cx="1353491" cy="354369"/>
+            <a:off x="595774" y="2205951"/>
+            <a:ext cx="2385106" cy="4023360"/>
           </a:xfrm>
           <a:prstGeom prst="rect">
             <a:avLst/>
           </a:prstGeom>
-        </p:spPr>
-      </p:pic>
-      <p:sp>
-        <p:nvSpPr>
-          <p:cNvPr id="39" name="TextBox 38"/>
-          <p:cNvSpPr txBox="1"/>
-          <p:nvPr/>
-        </p:nvSpPr>
-        <p:spPr>
-          <a:xfrm>
-            <a:off x="8018054" y="1708792"/>
-            <a:ext cx="441187" cy="461665"/>
-          </a:xfrm>
-          <a:prstGeom prst="rect">
-            <a:avLst/>
-          </a:prstGeom>
-          <a:noFill/>
-        </p:spPr>
-        <p:txBody>
-          <a:bodyPr wrap="square" rtlCol="0">
-            <a:spAutoFit/>
-          </a:bodyPr>
-          <a:lstStyle/>
-          <a:p>
-            <a:r>
-              <a:rPr lang="en-US" sz="2400" dirty="0" smtClean="0">
-                <a:solidFill>
-                  <a:schemeClr val="bg1"/>
-                </a:solidFill>
-              </a:rPr>
-              <a:t>+</a:t>
-            </a:r>
-            <a:endParaRPr lang="en-US" sz="2400" dirty="0">
-              <a:solidFill>
-                <a:schemeClr val="bg1"/>
-              </a:solidFill>
-            </a:endParaRPr>
-          </a:p>
-        </p:txBody>
-      </p:sp>
-      <p:pic>
-        <p:nvPicPr>
-          <p:cNvPr id="40" name="Picture 39"/>
-          <p:cNvPicPr>
-            <a:picLocks noChangeAspect="1"/>
-          </p:cNvPicPr>
-          <p:nvPr/>
-        </p:nvPicPr>
-        <p:blipFill>
-          <a:blip r:embed="rId3"/>
-          <a:stretch>
-            <a:fillRect/>
-          </a:stretch>
-        </p:blipFill>
-        <p:spPr>
-          <a:xfrm>
-            <a:off x="6205360" y="425992"/>
-            <a:ext cx="1353491" cy="354369"/>
-          </a:xfrm>
-          <a:prstGeom prst="rect">
-            <a:avLst/>
-          </a:prstGeom>
+          <a:ln>
+            <a:solidFill>
+              <a:schemeClr val="bg1">
+                <a:lumMod val="75000"/>
+              </a:schemeClr>
+            </a:solidFill>
+          </a:ln>
         </p:spPr>
       </p:pic>
     </p:spTree>
@@ -5095,14 +7214,44 @@
       </p:grpSpPr>
       <p:sp>
         <p:nvSpPr>
-          <p:cNvPr id="3" name="TextBox 2"/>
+          <p:cNvPr id="4" name="TextBox 3"/>
           <p:cNvSpPr txBox="1"/>
           <p:nvPr/>
         </p:nvSpPr>
         <p:spPr>
           <a:xfrm>
-            <a:off x="4807185" y="1053630"/>
-            <a:ext cx="3677953" cy="1200329"/>
+            <a:off x="3630183" y="195585"/>
+            <a:ext cx="3185888" cy="584776"/>
+          </a:xfrm>
+          <a:prstGeom prst="rect">
+            <a:avLst/>
+          </a:prstGeom>
+          <a:noFill/>
+        </p:spPr>
+        <p:txBody>
+          <a:bodyPr wrap="none" rtlCol="0">
+            <a:spAutoFit/>
+          </a:bodyPr>
+          <a:lstStyle/>
+          <a:p>
+            <a:r>
+              <a:rPr lang="en-US" sz="3200" dirty="0" smtClean="0"/>
+              <a:t>Priority = medium</a:t>
+            </a:r>
+            <a:endParaRPr lang="en-US" sz="3200" dirty="0"/>
+          </a:p>
+        </p:txBody>
+      </p:sp>
+      <p:sp>
+        <p:nvSpPr>
+          <p:cNvPr id="15" name="TextBox 14"/>
+          <p:cNvSpPr txBox="1"/>
+          <p:nvPr/>
+        </p:nvSpPr>
+        <p:spPr>
+          <a:xfrm>
+            <a:off x="4767840" y="1203960"/>
+            <a:ext cx="3408341" cy="369332"/>
           </a:xfrm>
           <a:prstGeom prst="rect">
             <a:avLst/>
@@ -5130,107 +7279,22 @@
           <a:p>
             <a:r>
               <a:rPr lang="en-US" dirty="0" smtClean="0"/>
-              <a:t>Suggestions</a:t>
-            </a:r>
-          </a:p>
-          <a:p>
-            <a:pPr>
-              <a:buFont typeface="Arial"/>
-              <a:buChar char="•"/>
-            </a:pPr>
-            <a:r>
-              <a:rPr lang="en-US" dirty="0" smtClean="0"/>
-              <a:t> </a:t>
-            </a:r>
-            <a:r>
-              <a:rPr lang="en-US" dirty="0"/>
-              <a:t>change </a:t>
-            </a:r>
-            <a:r>
-              <a:rPr lang="en-US" dirty="0" err="1"/>
-              <a:t>index.html</a:t>
-            </a:r>
-            <a:r>
-              <a:rPr lang="en-US" dirty="0"/>
-              <a:t> to “Oops!” </a:t>
-            </a:r>
-          </a:p>
-          <a:p>
-            <a:pPr>
-              <a:buFont typeface="Arial"/>
-              <a:buChar char="•"/>
-            </a:pPr>
-            <a:r>
-              <a:rPr lang="en-US" dirty="0" smtClean="0"/>
-              <a:t> text: “Select (or create) a list first, before trying to capture names”</a:t>
-            </a:r>
-          </a:p>
-        </p:txBody>
-      </p:sp>
-      <p:pic>
-        <p:nvPicPr>
-          <p:cNvPr id="7" name="Picture 6" descr="IMG_2012.PNG"/>
-          <p:cNvPicPr>
-            <a:picLocks noChangeAspect="1"/>
-          </p:cNvPicPr>
-          <p:nvPr/>
-        </p:nvPicPr>
-        <p:blipFill>
-          <a:blip r:embed="rId2"/>
-          <a:stretch>
-            <a:fillRect/>
-          </a:stretch>
-        </p:blipFill>
-        <p:spPr>
-          <a:xfrm>
-            <a:off x="572885" y="780361"/>
-            <a:ext cx="3057298" cy="5426264"/>
-          </a:xfrm>
-          <a:prstGeom prst="rect">
-            <a:avLst/>
-          </a:prstGeom>
-        </p:spPr>
-      </p:pic>
-      <p:sp>
-        <p:nvSpPr>
-          <p:cNvPr id="4" name="TextBox 3"/>
+              <a:t>Swipe feature </a:t>
+            </a:r>
+            <a:endParaRPr lang="en-US" dirty="0"/>
+          </a:p>
+        </p:txBody>
+      </p:sp>
+      <p:sp>
+        <p:nvSpPr>
+          <p:cNvPr id="10" name="TextBox 9"/>
           <p:cNvSpPr txBox="1"/>
           <p:nvPr/>
         </p:nvSpPr>
         <p:spPr>
           <a:xfrm>
-            <a:off x="3630183" y="195585"/>
-            <a:ext cx="3185888" cy="584776"/>
-          </a:xfrm>
-          <a:prstGeom prst="rect">
-            <a:avLst/>
-          </a:prstGeom>
-          <a:noFill/>
-        </p:spPr>
-        <p:txBody>
-          <a:bodyPr wrap="none" rtlCol="0">
-            <a:spAutoFit/>
-          </a:bodyPr>
-          <a:lstStyle/>
-          <a:p>
-            <a:r>
-              <a:rPr lang="en-US" sz="3200" dirty="0" smtClean="0"/>
-              <a:t>Priority = medium</a:t>
-            </a:r>
-            <a:endParaRPr lang="en-US" sz="3200" dirty="0"/>
-          </a:p>
-        </p:txBody>
-      </p:sp>
-      <p:sp>
-        <p:nvSpPr>
-          <p:cNvPr id="5" name="TextBox 4"/>
-          <p:cNvSpPr txBox="1"/>
-          <p:nvPr/>
-        </p:nvSpPr>
-        <p:spPr>
-          <a:xfrm>
-            <a:off x="4797779" y="3443111"/>
-            <a:ext cx="3687360" cy="646331"/>
+            <a:off x="1904875" y="2647945"/>
+            <a:ext cx="4911196" cy="923330"/>
           </a:xfrm>
           <a:prstGeom prst="rect">
             <a:avLst/>
@@ -5245,7 +7309,7 @@
           <a:p>
             <a:r>
               <a:rPr lang="en-US" dirty="0" smtClean="0"/>
-              <a:t>We need to explain to the user how the routing works here</a:t>
+              <a:t>The swipe feature works, but the graphics do not show any actual swiping movement, only the end result of the swiping.  This will confuse users. </a:t>
             </a:r>
             <a:endParaRPr lang="en-US" dirty="0"/>
           </a:p>
@@ -5309,14 +7373,44 @@
       </p:pic>
       <p:sp>
         <p:nvSpPr>
-          <p:cNvPr id="12" name="TextBox 11"/>
+          <p:cNvPr id="18" name="TextBox 17"/>
           <p:cNvSpPr txBox="1"/>
           <p:nvPr/>
         </p:nvSpPr>
         <p:spPr>
           <a:xfrm>
-            <a:off x="5209327" y="760920"/>
-            <a:ext cx="3453807" cy="646331"/>
+            <a:off x="2787549" y="73743"/>
+            <a:ext cx="3185888" cy="584776"/>
+          </a:xfrm>
+          <a:prstGeom prst="rect">
+            <a:avLst/>
+          </a:prstGeom>
+          <a:noFill/>
+        </p:spPr>
+        <p:txBody>
+          <a:bodyPr wrap="none" rtlCol="0">
+            <a:spAutoFit/>
+          </a:bodyPr>
+          <a:lstStyle/>
+          <a:p>
+            <a:r>
+              <a:rPr lang="en-US" sz="3200" dirty="0" smtClean="0"/>
+              <a:t>Priority = medium</a:t>
+            </a:r>
+            <a:endParaRPr lang="en-US" sz="3200" dirty="0"/>
+          </a:p>
+        </p:txBody>
+      </p:sp>
+      <p:sp>
+        <p:nvSpPr>
+          <p:cNvPr id="19" name="TextBox 18"/>
+          <p:cNvSpPr txBox="1"/>
+          <p:nvPr/>
+        </p:nvSpPr>
+        <p:spPr>
+          <a:xfrm>
+            <a:off x="5293360" y="3209330"/>
+            <a:ext cx="3302000" cy="1754327"/>
           </a:xfrm>
           <a:prstGeom prst="rect">
             <a:avLst/>
@@ -5344,86 +7438,135 @@
           <a:p>
             <a:r>
               <a:rPr lang="en-US" dirty="0" smtClean="0"/>
-              <a:t>Use alert box to tell the user what was added to the list. </a:t>
-            </a:r>
-          </a:p>
-        </p:txBody>
-      </p:sp>
-      <p:sp>
-        <p:nvSpPr>
-          <p:cNvPr id="2" name="Rectangle 1"/>
-          <p:cNvSpPr/>
-          <p:nvPr/>
-        </p:nvSpPr>
-        <p:spPr>
-          <a:xfrm>
-            <a:off x="4307743" y="1820559"/>
-            <a:ext cx="1981142" cy="1528370"/>
-          </a:xfrm>
-          <a:prstGeom prst="rect">
-            <a:avLst/>
-          </a:prstGeom>
+              <a:t>Don’t allow cancel.  The usual workflow is to repeat the capture step.  When done, the user will choose “Go to list” to see the results.  See the next slide for the capture message. </a:t>
+            </a:r>
+            <a:endParaRPr lang="en-US" dirty="0"/>
+          </a:p>
+        </p:txBody>
+      </p:sp>
+      <p:cxnSp>
+        <p:nvCxnSpPr>
+          <p:cNvPr id="21" name="Straight Arrow Connector 20"/>
+          <p:cNvCxnSpPr>
+            <a:stCxn id="19" idx="1"/>
+          </p:cNvCxnSpPr>
+          <p:nvPr/>
+        </p:nvCxnSpPr>
+        <p:spPr>
+          <a:xfrm rot="10800000">
+            <a:off x="2184400" y="3921788"/>
+            <a:ext cx="3108960" cy="164707"/>
+          </a:xfrm>
+          <a:prstGeom prst="straightConnector1">
+            <a:avLst/>
+          </a:prstGeom>
+          <a:ln>
+            <a:tailEnd type="arrow"/>
+          </a:ln>
         </p:spPr>
         <p:style>
           <a:lnRef idx="2">
-            <a:schemeClr val="dk1"/>
+            <a:schemeClr val="accent1"/>
           </a:lnRef>
-          <a:fillRef idx="1">
-            <a:schemeClr val="lt1"/>
+          <a:fillRef idx="0">
+            <a:schemeClr val="accent1"/>
           </a:fillRef>
-          <a:effectRef idx="0">
-            <a:schemeClr val="dk1"/>
+          <a:effectRef idx="1">
+            <a:schemeClr val="accent1"/>
+          </a:effectRef>
+          <a:fontRef idx="minor">
+            <a:schemeClr val="tx1"/>
+          </a:fontRef>
+        </p:style>
+      </p:cxnSp>
+      <p:sp>
+        <p:nvSpPr>
+          <p:cNvPr id="23" name="TextBox 22"/>
+          <p:cNvSpPr txBox="1"/>
+          <p:nvPr/>
+        </p:nvSpPr>
+        <p:spPr>
+          <a:xfrm>
+            <a:off x="5896509" y="1361440"/>
+            <a:ext cx="2042160" cy="923330"/>
+          </a:xfrm>
+          <a:prstGeom prst="rect">
+            <a:avLst/>
+          </a:prstGeom>
+        </p:spPr>
+        <p:style>
+          <a:lnRef idx="1">
+            <a:schemeClr val="accent1"/>
+          </a:lnRef>
+          <a:fillRef idx="2">
+            <a:schemeClr val="accent1"/>
+          </a:fillRef>
+          <a:effectRef idx="1">
+            <a:schemeClr val="accent1"/>
           </a:effectRef>
           <a:fontRef idx="minor">
             <a:schemeClr val="dk1"/>
           </a:fontRef>
         </p:style>
         <p:txBody>
-          <a:bodyPr rtlCol="0" anchor="ctr"/>
-          <a:lstStyle/>
-          <a:p>
-            <a:pPr algn="ctr"/>
+          <a:bodyPr wrap="square" rtlCol="0">
+            <a:spAutoFit/>
+          </a:bodyPr>
+          <a:lstStyle/>
+          <a:p>
             <a:r>
               <a:rPr lang="en-US" dirty="0" smtClean="0"/>
-              <a:t>Success!</a:t>
-            </a:r>
-          </a:p>
-          <a:p>
-            <a:pPr algn="ctr"/>
-            <a:endParaRPr lang="en-US" sz="900" dirty="0"/>
-          </a:p>
-          <a:p>
-            <a:pPr algn="ctr"/>
-            <a:r>
-              <a:rPr lang="en-US" sz="1200" dirty="0" smtClean="0"/>
-              <a:t>1 name added: </a:t>
-            </a:r>
-            <a:r>
-              <a:rPr lang="en-US" sz="1200" dirty="0" err="1" smtClean="0"/>
-              <a:t>Lophodiytes</a:t>
-            </a:r>
-            <a:r>
-              <a:rPr lang="en-US" sz="1200" dirty="0" smtClean="0"/>
-              <a:t> </a:t>
-            </a:r>
-            <a:r>
-              <a:rPr lang="en-US" sz="1200" dirty="0" err="1" smtClean="0"/>
-              <a:t>cucullatus</a:t>
-            </a:r>
-            <a:endParaRPr lang="en-US" sz="1200" dirty="0"/>
-          </a:p>
-        </p:txBody>
-      </p:sp>
-      <p:sp>
-        <p:nvSpPr>
-          <p:cNvPr id="3" name="TextBox 2"/>
+              <a:t>Replace “Species names” with “Go to list”</a:t>
+            </a:r>
+            <a:endParaRPr lang="en-US" dirty="0"/>
+          </a:p>
+        </p:txBody>
+      </p:sp>
+      <p:cxnSp>
+        <p:nvCxnSpPr>
+          <p:cNvPr id="24" name="Straight Arrow Connector 23"/>
+          <p:cNvCxnSpPr>
+            <a:stCxn id="23" idx="1"/>
+          </p:cNvCxnSpPr>
+          <p:nvPr/>
+        </p:nvCxnSpPr>
+        <p:spPr>
+          <a:xfrm rot="10800000">
+            <a:off x="3555671" y="1676405"/>
+            <a:ext cx="2340839" cy="146701"/>
+          </a:xfrm>
+          <a:prstGeom prst="straightConnector1">
+            <a:avLst/>
+          </a:prstGeom>
+          <a:ln>
+            <a:tailEnd type="arrow"/>
+          </a:ln>
+        </p:spPr>
+        <p:style>
+          <a:lnRef idx="2">
+            <a:schemeClr val="accent1"/>
+          </a:lnRef>
+          <a:fillRef idx="0">
+            <a:schemeClr val="accent1"/>
+          </a:fillRef>
+          <a:effectRef idx="1">
+            <a:schemeClr val="accent1"/>
+          </a:effectRef>
+          <a:fontRef idx="minor">
+            <a:schemeClr val="tx1"/>
+          </a:fontRef>
+        </p:style>
+      </p:cxnSp>
+      <p:sp>
+        <p:nvSpPr>
+          <p:cNvPr id="27" name="TextBox 26"/>
           <p:cNvSpPr txBox="1"/>
           <p:nvPr/>
         </p:nvSpPr>
         <p:spPr>
           <a:xfrm>
-            <a:off x="3947652" y="1451227"/>
-            <a:ext cx="884940" cy="369332"/>
+            <a:off x="2787549" y="1445570"/>
+            <a:ext cx="768115" cy="253916"/>
           </a:xfrm>
           <a:prstGeom prst="rect">
             <a:avLst/>
@@ -5437,396 +7580,22 @@
           <a:lstStyle/>
           <a:p>
             <a:r>
-              <a:rPr lang="en-US" dirty="0" smtClean="0"/>
-              <a:t>1 name</a:t>
-            </a:r>
-            <a:endParaRPr lang="en-US" dirty="0"/>
-          </a:p>
-        </p:txBody>
-      </p:sp>
-      <p:sp>
-        <p:nvSpPr>
-          <p:cNvPr id="8" name="TextBox 7"/>
-          <p:cNvSpPr txBox="1"/>
-          <p:nvPr/>
-        </p:nvSpPr>
-        <p:spPr>
-          <a:xfrm>
-            <a:off x="4016270" y="4220562"/>
-            <a:ext cx="979755" cy="369332"/>
-          </a:xfrm>
-          <a:prstGeom prst="rect">
-            <a:avLst/>
-          </a:prstGeom>
-          <a:noFill/>
-        </p:spPr>
-        <p:txBody>
-          <a:bodyPr wrap="none" rtlCol="0">
-            <a:spAutoFit/>
-          </a:bodyPr>
-          <a:lstStyle/>
-          <a:p>
-            <a:r>
-              <a:rPr lang="en-US" dirty="0"/>
-              <a:t>2</a:t>
-            </a:r>
-            <a:r>
-              <a:rPr lang="en-US" dirty="0" smtClean="0"/>
-              <a:t> names</a:t>
-            </a:r>
-            <a:endParaRPr lang="en-US" dirty="0"/>
-          </a:p>
-        </p:txBody>
-      </p:sp>
-      <p:sp>
-        <p:nvSpPr>
-          <p:cNvPr id="10" name="TextBox 9"/>
-          <p:cNvSpPr txBox="1"/>
-          <p:nvPr/>
-        </p:nvSpPr>
-        <p:spPr>
-          <a:xfrm>
-            <a:off x="4832592" y="5892728"/>
-            <a:ext cx="1435393" cy="646331"/>
-          </a:xfrm>
-          <a:prstGeom prst="rect">
-            <a:avLst/>
-          </a:prstGeom>
-          <a:noFill/>
-        </p:spPr>
-        <p:txBody>
-          <a:bodyPr wrap="square" rtlCol="0">
-            <a:spAutoFit/>
-          </a:bodyPr>
-          <a:lstStyle/>
-          <a:p>
-            <a:r>
-              <a:rPr lang="en-US" dirty="0" smtClean="0"/>
-              <a:t>X &gt; 2 names</a:t>
-            </a:r>
-          </a:p>
-          <a:p>
-            <a:endParaRPr lang="en-US" dirty="0"/>
-          </a:p>
-        </p:txBody>
-      </p:sp>
-      <p:sp>
-        <p:nvSpPr>
-          <p:cNvPr id="4" name="Rounded Rectangle 3"/>
-          <p:cNvSpPr/>
-          <p:nvPr/>
-        </p:nvSpPr>
-        <p:spPr>
-          <a:xfrm>
-            <a:off x="4832592" y="3023026"/>
-            <a:ext cx="1011474" cy="325903"/>
-          </a:xfrm>
-          <a:prstGeom prst="roundRect">
-            <a:avLst/>
-          </a:prstGeom>
-        </p:spPr>
-        <p:style>
-          <a:lnRef idx="2">
-            <a:schemeClr val="accent1">
-              <a:shade val="50000"/>
-            </a:schemeClr>
-          </a:lnRef>
-          <a:fillRef idx="1">
-            <a:schemeClr val="accent1"/>
-          </a:fillRef>
-          <a:effectRef idx="0">
-            <a:schemeClr val="accent1"/>
-          </a:effectRef>
-          <a:fontRef idx="minor">
-            <a:schemeClr val="lt1"/>
-          </a:fontRef>
-        </p:style>
-        <p:txBody>
-          <a:bodyPr rtlCol="0" anchor="ctr"/>
-          <a:lstStyle/>
-          <a:p>
-            <a:pPr algn="ctr"/>
-            <a:r>
-              <a:rPr lang="en-US" dirty="0" smtClean="0"/>
-              <a:t>OK</a:t>
-            </a:r>
-            <a:endParaRPr lang="en-US" dirty="0"/>
-          </a:p>
-        </p:txBody>
-      </p:sp>
-      <p:sp>
-        <p:nvSpPr>
-          <p:cNvPr id="14" name="Rectangle 13"/>
-          <p:cNvSpPr/>
-          <p:nvPr/>
-        </p:nvSpPr>
-        <p:spPr>
-          <a:xfrm>
-            <a:off x="5208406" y="3456377"/>
-            <a:ext cx="1981142" cy="1528370"/>
-          </a:xfrm>
-          <a:prstGeom prst="rect">
-            <a:avLst/>
-          </a:prstGeom>
-        </p:spPr>
-        <p:style>
-          <a:lnRef idx="2">
-            <a:schemeClr val="dk1"/>
-          </a:lnRef>
-          <a:fillRef idx="1">
-            <a:schemeClr val="lt1"/>
-          </a:fillRef>
-          <a:effectRef idx="0">
-            <a:schemeClr val="dk1"/>
-          </a:effectRef>
-          <a:fontRef idx="minor">
-            <a:schemeClr val="dk1"/>
-          </a:fontRef>
-        </p:style>
-        <p:txBody>
-          <a:bodyPr rtlCol="0" anchor="ctr"/>
-          <a:lstStyle/>
-          <a:p>
-            <a:pPr algn="ctr"/>
-            <a:r>
-              <a:rPr lang="en-US" dirty="0" smtClean="0"/>
-              <a:t>Success!</a:t>
-            </a:r>
-          </a:p>
-          <a:p>
-            <a:pPr algn="ctr"/>
-            <a:endParaRPr lang="en-US" sz="900" dirty="0"/>
-          </a:p>
-          <a:p>
-            <a:pPr algn="ctr"/>
-            <a:r>
-              <a:rPr lang="en-US" sz="1200" dirty="0" smtClean="0"/>
-              <a:t>2 names added: </a:t>
-            </a:r>
-            <a:r>
-              <a:rPr lang="en-US" sz="1200" dirty="0" err="1" smtClean="0"/>
-              <a:t>Lophodiytes</a:t>
-            </a:r>
-            <a:r>
-              <a:rPr lang="en-US" sz="1200" dirty="0" smtClean="0"/>
-              <a:t> </a:t>
-            </a:r>
-            <a:r>
-              <a:rPr lang="en-US" sz="1200" dirty="0" err="1" smtClean="0"/>
-              <a:t>cucullatus</a:t>
-            </a:r>
-            <a:r>
-              <a:rPr lang="en-US" sz="1200" dirty="0" smtClean="0"/>
-              <a:t>, </a:t>
-            </a:r>
-            <a:r>
-              <a:rPr lang="en-US" sz="1200" dirty="0" err="1" smtClean="0"/>
-              <a:t>Bos</a:t>
-            </a:r>
-            <a:r>
-              <a:rPr lang="en-US" sz="1200" dirty="0" smtClean="0"/>
-              <a:t> bison</a:t>
-            </a:r>
-            <a:endParaRPr lang="en-US" sz="1200" dirty="0"/>
-          </a:p>
-        </p:txBody>
-      </p:sp>
-      <p:sp>
-        <p:nvSpPr>
-          <p:cNvPr id="15" name="Rounded Rectangle 14"/>
-          <p:cNvSpPr/>
-          <p:nvPr/>
-        </p:nvSpPr>
-        <p:spPr>
-          <a:xfrm>
-            <a:off x="5627381" y="4640465"/>
-            <a:ext cx="1011474" cy="325903"/>
-          </a:xfrm>
-          <a:prstGeom prst="roundRect">
-            <a:avLst/>
-          </a:prstGeom>
-        </p:spPr>
-        <p:style>
-          <a:lnRef idx="2">
-            <a:schemeClr val="accent1">
-              <a:shade val="50000"/>
-            </a:schemeClr>
-          </a:lnRef>
-          <a:fillRef idx="1">
-            <a:schemeClr val="accent1"/>
-          </a:fillRef>
-          <a:effectRef idx="0">
-            <a:schemeClr val="accent1"/>
-          </a:effectRef>
-          <a:fontRef idx="minor">
-            <a:schemeClr val="lt1"/>
-          </a:fontRef>
-        </p:style>
-        <p:txBody>
-          <a:bodyPr rtlCol="0" anchor="ctr"/>
-          <a:lstStyle/>
-          <a:p>
-            <a:pPr algn="ctr"/>
-            <a:r>
-              <a:rPr lang="en-US" dirty="0" smtClean="0"/>
-              <a:t>OK</a:t>
-            </a:r>
-            <a:endParaRPr lang="en-US" dirty="0"/>
-          </a:p>
-        </p:txBody>
-      </p:sp>
-      <p:sp>
-        <p:nvSpPr>
-          <p:cNvPr id="16" name="Rectangle 15"/>
-          <p:cNvSpPr/>
-          <p:nvPr/>
-        </p:nvSpPr>
-        <p:spPr>
-          <a:xfrm>
-            <a:off x="6496799" y="5128542"/>
-            <a:ext cx="1981142" cy="1647981"/>
-          </a:xfrm>
-          <a:prstGeom prst="rect">
-            <a:avLst/>
-          </a:prstGeom>
-        </p:spPr>
-        <p:style>
-          <a:lnRef idx="2">
-            <a:schemeClr val="dk1"/>
-          </a:lnRef>
-          <a:fillRef idx="1">
-            <a:schemeClr val="lt1"/>
-          </a:fillRef>
-          <a:effectRef idx="0">
-            <a:schemeClr val="dk1"/>
-          </a:effectRef>
-          <a:fontRef idx="minor">
-            <a:schemeClr val="dk1"/>
-          </a:fontRef>
-        </p:style>
-        <p:txBody>
-          <a:bodyPr rtlCol="0" anchor="ctr"/>
-          <a:lstStyle/>
-          <a:p>
-            <a:pPr algn="ctr"/>
-            <a:r>
-              <a:rPr lang="en-US" dirty="0" smtClean="0"/>
-              <a:t>Success!</a:t>
-            </a:r>
-          </a:p>
-          <a:p>
-            <a:pPr algn="ctr"/>
-            <a:endParaRPr lang="en-US" sz="900" dirty="0"/>
-          </a:p>
-          <a:p>
-            <a:pPr algn="ctr"/>
-            <a:r>
-              <a:rPr lang="en-US" sz="1200" dirty="0" smtClean="0"/>
-              <a:t>X names added: </a:t>
-            </a:r>
-            <a:r>
-              <a:rPr lang="en-US" sz="1200" dirty="0" err="1" smtClean="0"/>
-              <a:t>Lophodiytes</a:t>
-            </a:r>
-            <a:r>
-              <a:rPr lang="en-US" sz="1200" dirty="0" smtClean="0"/>
-              <a:t> </a:t>
-            </a:r>
-            <a:r>
-              <a:rPr lang="en-US" sz="1200" dirty="0" err="1" smtClean="0"/>
-              <a:t>cucullatus</a:t>
-            </a:r>
-            <a:r>
-              <a:rPr lang="en-US" sz="1200" dirty="0" smtClean="0"/>
-              <a:t>, </a:t>
-            </a:r>
-            <a:r>
-              <a:rPr lang="en-US" sz="1200" dirty="0" err="1" smtClean="0"/>
-              <a:t>Bos</a:t>
-            </a:r>
-            <a:r>
-              <a:rPr lang="en-US" sz="1200" dirty="0" smtClean="0"/>
-              <a:t> bison, </a:t>
-            </a:r>
-            <a:r>
-              <a:rPr lang="is-IS" sz="1200" dirty="0" smtClean="0"/>
-              <a:t>…</a:t>
-            </a:r>
-            <a:endParaRPr lang="en-US" sz="1200" dirty="0"/>
-          </a:p>
-        </p:txBody>
-      </p:sp>
-      <p:sp>
-        <p:nvSpPr>
-          <p:cNvPr id="17" name="Rounded Rectangle 16"/>
-          <p:cNvSpPr/>
-          <p:nvPr/>
-        </p:nvSpPr>
-        <p:spPr>
-          <a:xfrm>
-            <a:off x="6936231" y="6450620"/>
-            <a:ext cx="1011474" cy="325903"/>
-          </a:xfrm>
-          <a:prstGeom prst="roundRect">
-            <a:avLst/>
-          </a:prstGeom>
-        </p:spPr>
-        <p:style>
-          <a:lnRef idx="2">
-            <a:schemeClr val="accent1">
-              <a:shade val="50000"/>
-            </a:schemeClr>
-          </a:lnRef>
-          <a:fillRef idx="1">
-            <a:schemeClr val="accent1"/>
-          </a:fillRef>
-          <a:effectRef idx="0">
-            <a:schemeClr val="accent1"/>
-          </a:effectRef>
-          <a:fontRef idx="minor">
-            <a:schemeClr val="lt1"/>
-          </a:fontRef>
-        </p:style>
-        <p:txBody>
-          <a:bodyPr rtlCol="0" anchor="ctr"/>
-          <a:lstStyle/>
-          <a:p>
-            <a:pPr algn="ctr"/>
-            <a:r>
-              <a:rPr lang="en-US" dirty="0" smtClean="0"/>
-              <a:t>OK</a:t>
-            </a:r>
-            <a:endParaRPr lang="en-US" dirty="0"/>
-          </a:p>
-        </p:txBody>
-      </p:sp>
-      <p:sp>
-        <p:nvSpPr>
-          <p:cNvPr id="18" name="TextBox 17"/>
-          <p:cNvSpPr txBox="1"/>
-          <p:nvPr/>
-        </p:nvSpPr>
-        <p:spPr>
-          <a:xfrm>
-            <a:off x="2787549" y="73743"/>
-            <a:ext cx="3185888" cy="584776"/>
-          </a:xfrm>
-          <a:prstGeom prst="rect">
-            <a:avLst/>
-          </a:prstGeom>
-          <a:noFill/>
-        </p:spPr>
-        <p:txBody>
-          <a:bodyPr wrap="none" rtlCol="0">
-            <a:spAutoFit/>
-          </a:bodyPr>
-          <a:lstStyle/>
-          <a:p>
-            <a:r>
-              <a:rPr lang="en-US" sz="3200" dirty="0" smtClean="0"/>
-              <a:t>Priority = medium</a:t>
-            </a:r>
-            <a:endParaRPr lang="en-US" sz="3200" dirty="0"/>
+              <a:rPr lang="en-US" sz="1050" b="1" dirty="0" smtClean="0">
+                <a:solidFill>
+                  <a:schemeClr val="bg1"/>
+                </a:solidFill>
+                <a:latin typeface="Helvetica"/>
+                <a:cs typeface="Helvetica"/>
+              </a:rPr>
+              <a:t>Go to list</a:t>
+            </a:r>
+            <a:endParaRPr lang="en-US" sz="1050" b="1" dirty="0">
+              <a:solidFill>
+                <a:schemeClr val="bg1"/>
+              </a:solidFill>
+              <a:latin typeface="Helvetica"/>
+              <a:cs typeface="Helvetica"/>
+            </a:endParaRPr>
           </a:p>
         </p:txBody>
       </p:sp>
@@ -5864,28 +7633,22 @@
       </p:grpSpPr>
       <p:pic>
         <p:nvPicPr>
-          <p:cNvPr id="4" name="Picture 3" descr="IMG_0467.JPG"/>
+          <p:cNvPr id="9" name="Picture 8" descr="IMG_2011.PNG"/>
           <p:cNvPicPr>
             <a:picLocks noChangeAspect="1"/>
           </p:cNvPicPr>
           <p:nvPr/>
         </p:nvPicPr>
         <p:blipFill>
-          <a:blip r:embed="rId2">
-            <a:extLst>
-              <a:ext uri="{28A0092B-C50C-407E-A947-70E740481C1C}">
-                <a14:useLocalDpi xmlns="" xmlns:a="http://schemas.openxmlformats.org/drawingml/2006/main" xmlns:r="http://schemas.openxmlformats.org/officeDocument/2006/relationships" xmlns:p="http://schemas.openxmlformats.org/presentationml/2006/main" xmlns:a14="http://schemas.microsoft.com/office/drawing/2010/main" xmlns:mv="urn:schemas-microsoft-com:mac:vml" xmlns:mc="http://schemas.openxmlformats.org/markup-compatibility/2006" val="0"/>
-              </a:ext>
-            </a:extLst>
-          </a:blip>
+          <a:blip r:embed="rId2"/>
           <a:stretch>
             <a:fillRect/>
           </a:stretch>
         </p:blipFill>
         <p:spPr>
           <a:xfrm>
-            <a:off x="448852" y="758015"/>
-            <a:ext cx="2790380" cy="4952924"/>
+            <a:off x="1069270" y="1084086"/>
+            <a:ext cx="2605268" cy="4623976"/>
           </a:xfrm>
           <a:prstGeom prst="rect">
             <a:avLst/>
@@ -5894,14 +7657,14 @@
       </p:pic>
       <p:sp>
         <p:nvSpPr>
-          <p:cNvPr id="5" name="TextBox 4"/>
+          <p:cNvPr id="12" name="TextBox 11"/>
           <p:cNvSpPr txBox="1"/>
           <p:nvPr/>
         </p:nvSpPr>
         <p:spPr>
           <a:xfrm>
-            <a:off x="3514414" y="2686615"/>
-            <a:ext cx="5334000" cy="2862323"/>
+            <a:off x="5209327" y="760920"/>
+            <a:ext cx="3453807" cy="646331"/>
           </a:xfrm>
           <a:prstGeom prst="rect">
             <a:avLst/>
@@ -5929,103 +7692,90 @@
           <a:p>
             <a:r>
               <a:rPr lang="en-US" dirty="0" smtClean="0"/>
-              <a:t>User action: </a:t>
-            </a:r>
-          </a:p>
-          <a:p>
-            <a:pPr>
-              <a:buFont typeface="Arial"/>
-              <a:buChar char="•"/>
-            </a:pPr>
-            <a:r>
-              <a:rPr lang="en-US" dirty="0"/>
+              <a:t>Use alert box to tell the user what was added to the list. </a:t>
+            </a:r>
+          </a:p>
+        </p:txBody>
+      </p:sp>
+      <p:sp>
+        <p:nvSpPr>
+          <p:cNvPr id="2" name="Rectangle 1"/>
+          <p:cNvSpPr/>
+          <p:nvPr/>
+        </p:nvSpPr>
+        <p:spPr>
+          <a:xfrm>
+            <a:off x="4307743" y="1820558"/>
+            <a:ext cx="1981142" cy="1613522"/>
+          </a:xfrm>
+          <a:prstGeom prst="rect">
+            <a:avLst/>
+          </a:prstGeom>
+        </p:spPr>
+        <p:style>
+          <a:lnRef idx="2">
+            <a:schemeClr val="dk1"/>
+          </a:lnRef>
+          <a:fillRef idx="1">
+            <a:schemeClr val="lt1"/>
+          </a:fillRef>
+          <a:effectRef idx="0">
+            <a:schemeClr val="dk1"/>
+          </a:effectRef>
+          <a:fontRef idx="minor">
+            <a:schemeClr val="dk1"/>
+          </a:fontRef>
+        </p:style>
+        <p:txBody>
+          <a:bodyPr rtlCol="0" anchor="t" anchorCtr="0"/>
+          <a:lstStyle/>
+          <a:p>
+            <a:pPr algn="ctr"/>
+            <a:r>
+              <a:rPr lang="en-US" dirty="0" smtClean="0"/>
+              <a:t>Success!</a:t>
+            </a:r>
+          </a:p>
+          <a:p>
+            <a:pPr algn="ctr"/>
+            <a:endParaRPr lang="en-US" sz="900" dirty="0" smtClean="0"/>
+          </a:p>
+          <a:p>
+            <a:pPr algn="ctr"/>
+            <a:r>
+              <a:rPr lang="en-US" sz="1400" dirty="0" smtClean="0"/>
+              <a:t>Names </a:t>
+            </a:r>
+            <a:r>
+              <a:rPr lang="en-US" sz="1400" dirty="0" smtClean="0"/>
+              <a:t>added: </a:t>
+            </a:r>
+            <a:r>
+              <a:rPr lang="en-US" sz="1400" dirty="0" err="1" smtClean="0"/>
+              <a:t>Lophodytes</a:t>
+            </a:r>
+            <a:r>
+              <a:rPr lang="en-US" sz="1400" dirty="0" smtClean="0"/>
               <a:t> </a:t>
             </a:r>
             <a:r>
-              <a:rPr lang="en-US" dirty="0" smtClean="0"/>
-              <a:t>choose image with no scientific names</a:t>
-            </a:r>
-          </a:p>
-          <a:p>
-            <a:endParaRPr lang="en-US" dirty="0" smtClean="0"/>
-          </a:p>
-          <a:p>
-            <a:r>
-              <a:rPr lang="en-US" dirty="0" smtClean="0"/>
-              <a:t>Response: </a:t>
-            </a:r>
-          </a:p>
-          <a:p>
-            <a:pPr>
-              <a:buFont typeface="Arial"/>
-              <a:buChar char="•"/>
-            </a:pPr>
-            <a:r>
-              <a:rPr lang="en-US" dirty="0" smtClean="0"/>
-              <a:t> app </a:t>
-            </a:r>
-            <a:r>
-              <a:rPr lang="nb-NO" dirty="0" smtClean="0"/>
-              <a:t>alerts </a:t>
-            </a:r>
-            <a:r>
-              <a:rPr lang="en-US" dirty="0" smtClean="0"/>
-              <a:t>user</a:t>
-            </a:r>
-          </a:p>
-          <a:p>
-            <a:endParaRPr lang="en-US" dirty="0" smtClean="0"/>
-          </a:p>
-          <a:p>
-            <a:r>
-              <a:rPr lang="en-US" dirty="0" smtClean="0"/>
-              <a:t>Suggestion: </a:t>
-            </a:r>
-          </a:p>
-          <a:p>
-            <a:pPr>
-              <a:buFont typeface="Arial"/>
-              <a:buChar char="•"/>
-            </a:pPr>
-            <a:r>
-              <a:rPr lang="en-US" dirty="0"/>
-              <a:t> </a:t>
-            </a:r>
-            <a:r>
-              <a:rPr lang="en-US" dirty="0" smtClean="0"/>
-              <a:t>change </a:t>
-            </a:r>
-            <a:r>
-              <a:rPr lang="en-US" dirty="0" err="1" smtClean="0"/>
-              <a:t>index.html</a:t>
-            </a:r>
-            <a:r>
-              <a:rPr lang="en-US" dirty="0" smtClean="0"/>
-              <a:t> to “Oops!” </a:t>
-            </a:r>
-          </a:p>
-          <a:p>
-            <a:pPr>
-              <a:buFont typeface="Arial"/>
-              <a:buChar char="•"/>
-            </a:pPr>
-            <a:r>
-              <a:rPr lang="en-US" dirty="0" smtClean="0"/>
-              <a:t> change message to: ‘’No scientific name was found. Please try again.’’</a:t>
-            </a:r>
-          </a:p>
-        </p:txBody>
-      </p:sp>
-      <p:sp>
-        <p:nvSpPr>
-          <p:cNvPr id="7" name="TextBox 6"/>
+              <a:rPr lang="en-US" sz="1400" dirty="0" err="1" smtClean="0"/>
+              <a:t>cucullatus</a:t>
+            </a:r>
+            <a:endParaRPr lang="en-US" sz="1400" dirty="0"/>
+          </a:p>
+        </p:txBody>
+      </p:sp>
+      <p:sp>
+        <p:nvSpPr>
+          <p:cNvPr id="3" name="TextBox 2"/>
           <p:cNvSpPr txBox="1"/>
           <p:nvPr/>
         </p:nvSpPr>
         <p:spPr>
           <a:xfrm>
-            <a:off x="328526" y="173239"/>
-            <a:ext cx="3185888" cy="584776"/>
+            <a:off x="3947652" y="1451227"/>
+            <a:ext cx="884940" cy="369332"/>
           </a:xfrm>
           <a:prstGeom prst="rect">
             <a:avLst/>
@@ -6039,6 +7789,249 @@
           <a:lstStyle/>
           <a:p>
             <a:r>
+              <a:rPr lang="en-US" dirty="0" smtClean="0"/>
+              <a:t>1 name</a:t>
+            </a:r>
+            <a:endParaRPr lang="en-US" dirty="0"/>
+          </a:p>
+        </p:txBody>
+      </p:sp>
+      <p:sp>
+        <p:nvSpPr>
+          <p:cNvPr id="8" name="TextBox 7"/>
+          <p:cNvSpPr txBox="1"/>
+          <p:nvPr/>
+        </p:nvSpPr>
+        <p:spPr>
+          <a:xfrm>
+            <a:off x="4259359" y="4640465"/>
+            <a:ext cx="1227042" cy="923330"/>
+          </a:xfrm>
+          <a:prstGeom prst="rect">
+            <a:avLst/>
+          </a:prstGeom>
+          <a:noFill/>
+        </p:spPr>
+        <p:txBody>
+          <a:bodyPr wrap="square" rtlCol="0">
+            <a:spAutoFit/>
+          </a:bodyPr>
+          <a:lstStyle/>
+          <a:p>
+            <a:r>
+              <a:rPr lang="en-US" dirty="0" smtClean="0"/>
+              <a:t>&gt; 1 </a:t>
+            </a:r>
+            <a:r>
+              <a:rPr lang="en-US" dirty="0" smtClean="0"/>
+              <a:t>names:</a:t>
+            </a:r>
+          </a:p>
+          <a:p>
+            <a:r>
+              <a:rPr lang="en-US" dirty="0" smtClean="0"/>
+              <a:t>Tell user how many</a:t>
+            </a:r>
+            <a:endParaRPr lang="en-US" dirty="0"/>
+          </a:p>
+        </p:txBody>
+      </p:sp>
+      <p:sp>
+        <p:nvSpPr>
+          <p:cNvPr id="4" name="Rounded Rectangle 3"/>
+          <p:cNvSpPr/>
+          <p:nvPr/>
+        </p:nvSpPr>
+        <p:spPr>
+          <a:xfrm>
+            <a:off x="4703590" y="2936240"/>
+            <a:ext cx="1011474" cy="325903"/>
+          </a:xfrm>
+          <a:prstGeom prst="roundRect">
+            <a:avLst/>
+          </a:prstGeom>
+        </p:spPr>
+        <p:style>
+          <a:lnRef idx="2">
+            <a:schemeClr val="accent1">
+              <a:shade val="50000"/>
+            </a:schemeClr>
+          </a:lnRef>
+          <a:fillRef idx="1">
+            <a:schemeClr val="accent1"/>
+          </a:fillRef>
+          <a:effectRef idx="0">
+            <a:schemeClr val="accent1"/>
+          </a:effectRef>
+          <a:fontRef idx="minor">
+            <a:schemeClr val="lt1"/>
+          </a:fontRef>
+        </p:style>
+        <p:txBody>
+          <a:bodyPr rtlCol="0" anchor="ctr"/>
+          <a:lstStyle/>
+          <a:p>
+            <a:pPr algn="ctr"/>
+            <a:r>
+              <a:rPr lang="en-US" dirty="0" smtClean="0"/>
+              <a:t>OK</a:t>
+            </a:r>
+            <a:endParaRPr lang="en-US" dirty="0"/>
+          </a:p>
+        </p:txBody>
+      </p:sp>
+      <p:sp>
+        <p:nvSpPr>
+          <p:cNvPr id="14" name="Rectangle 13"/>
+          <p:cNvSpPr/>
+          <p:nvPr/>
+        </p:nvSpPr>
+        <p:spPr>
+          <a:xfrm>
+            <a:off x="5627381" y="4429637"/>
+            <a:ext cx="1981142" cy="1859403"/>
+          </a:xfrm>
+          <a:prstGeom prst="rect">
+            <a:avLst/>
+          </a:prstGeom>
+        </p:spPr>
+        <p:style>
+          <a:lnRef idx="2">
+            <a:schemeClr val="dk1"/>
+          </a:lnRef>
+          <a:fillRef idx="1">
+            <a:schemeClr val="lt1"/>
+          </a:fillRef>
+          <a:effectRef idx="0">
+            <a:schemeClr val="dk1"/>
+          </a:effectRef>
+          <a:fontRef idx="minor">
+            <a:schemeClr val="dk1"/>
+          </a:fontRef>
+        </p:style>
+        <p:txBody>
+          <a:bodyPr rtlCol="0" anchor="t" anchorCtr="0"/>
+          <a:lstStyle/>
+          <a:p>
+            <a:pPr algn="ctr"/>
+            <a:r>
+              <a:rPr lang="en-US" dirty="0" smtClean="0"/>
+              <a:t>Success!</a:t>
+            </a:r>
+          </a:p>
+          <a:p>
+            <a:pPr algn="ctr"/>
+            <a:endParaRPr lang="en-US" sz="900" dirty="0" smtClean="0"/>
+          </a:p>
+          <a:p>
+            <a:pPr algn="ctr"/>
+            <a:r>
+              <a:rPr lang="en-US" sz="1400" dirty="0" smtClean="0"/>
+              <a:t>Names </a:t>
+            </a:r>
+            <a:r>
+              <a:rPr lang="en-US" sz="1400" dirty="0" smtClean="0"/>
+              <a:t>added: </a:t>
+            </a:r>
+            <a:r>
+              <a:rPr lang="en-US" sz="1400" dirty="0" err="1" smtClean="0"/>
+              <a:t>Lophodytes</a:t>
+            </a:r>
+            <a:r>
+              <a:rPr lang="en-US" sz="1400" dirty="0" smtClean="0"/>
+              <a:t> </a:t>
+            </a:r>
+            <a:r>
+              <a:rPr lang="en-US" sz="1400" dirty="0" err="1" smtClean="0"/>
+              <a:t>cucullatus</a:t>
+            </a:r>
+            <a:r>
+              <a:rPr lang="en-US" sz="1400" dirty="0" smtClean="0"/>
+              <a:t> </a:t>
+            </a:r>
+            <a:r>
+              <a:rPr lang="en-US" sz="1400" dirty="0" smtClean="0"/>
+              <a:t>and </a:t>
+            </a:r>
+            <a:r>
+              <a:rPr lang="en-US" b="1" dirty="0" smtClean="0"/>
+              <a:t>X </a:t>
+            </a:r>
+            <a:r>
+              <a:rPr lang="en-US" sz="1400" dirty="0" smtClean="0"/>
+              <a:t>others</a:t>
+            </a:r>
+            <a:endParaRPr lang="en-US" sz="1400" dirty="0"/>
+          </a:p>
+        </p:txBody>
+      </p:sp>
+      <p:sp>
+        <p:nvSpPr>
+          <p:cNvPr id="15" name="Rounded Rectangle 14"/>
+          <p:cNvSpPr/>
+          <p:nvPr/>
+        </p:nvSpPr>
+        <p:spPr>
+          <a:xfrm>
+            <a:off x="6079277" y="5773434"/>
+            <a:ext cx="1011474" cy="325903"/>
+          </a:xfrm>
+          <a:prstGeom prst="roundRect">
+            <a:avLst/>
+          </a:prstGeom>
+        </p:spPr>
+        <p:style>
+          <a:lnRef idx="2">
+            <a:schemeClr val="accent1">
+              <a:shade val="50000"/>
+            </a:schemeClr>
+          </a:lnRef>
+          <a:fillRef idx="1">
+            <a:schemeClr val="accent1"/>
+          </a:fillRef>
+          <a:effectRef idx="0">
+            <a:schemeClr val="accent1"/>
+          </a:effectRef>
+          <a:fontRef idx="minor">
+            <a:schemeClr val="lt1"/>
+          </a:fontRef>
+        </p:style>
+        <p:txBody>
+          <a:bodyPr rtlCol="0" anchor="ctr"/>
+          <a:lstStyle/>
+          <a:p>
+            <a:pPr algn="ctr"/>
+            <a:r>
+              <a:rPr lang="en-US" dirty="0" smtClean="0"/>
+              <a:t>OK</a:t>
+            </a:r>
+            <a:endParaRPr lang="en-US" dirty="0"/>
+          </a:p>
+        </p:txBody>
+      </p:sp>
+      <p:sp>
+        <p:nvSpPr>
+          <p:cNvPr id="18" name="TextBox 17"/>
+          <p:cNvSpPr txBox="1"/>
+          <p:nvPr/>
+        </p:nvSpPr>
+        <p:spPr>
+          <a:xfrm>
+            <a:off x="2787549" y="73743"/>
+            <a:ext cx="3185888" cy="584776"/>
+          </a:xfrm>
+          <a:prstGeom prst="rect">
+            <a:avLst/>
+          </a:prstGeom>
+          <a:noFill/>
+        </p:spPr>
+        <p:txBody>
+          <a:bodyPr wrap="none" rtlCol="0">
+            <a:spAutoFit/>
+          </a:bodyPr>
+          <a:lstStyle/>
+          <a:p>
+            <a:r>
               <a:rPr lang="en-US" sz="3200" dirty="0" smtClean="0"/>
               <a:t>Priority = medium</a:t>
             </a:r>
@@ -6047,15 +8040,17 @@
         </p:txBody>
       </p:sp>
     </p:spTree>
-    <p:extLst>
-      <p:ext uri="{BB962C8B-B14F-4D97-AF65-F5344CB8AC3E}">
-        <p14:creationId xmlns="" xmlns:a="http://schemas.openxmlformats.org/drawingml/2006/main" xmlns:r="http://schemas.openxmlformats.org/officeDocument/2006/relationships" xmlns:p="http://schemas.openxmlformats.org/presentationml/2006/main" xmlns:p14="http://schemas.microsoft.com/office/powerpoint/2010/main" xmlns:mv="urn:schemas-microsoft-com:mac:vml" xmlns:mc="http://schemas.openxmlformats.org/markup-compatibility/2006" val="2412509238"/>
-      </p:ext>
-    </p:extLst>
   </p:cSld>
   <p:clrMapOvr>
     <a:masterClrMapping/>
   </p:clrMapOvr>
+  <p:timing>
+    <p:tnLst>
+      <p:par>
+        <p:cTn id="1" dur="indefinite" restart="never" nodeType="tmRoot"/>
+      </p:par>
+    </p:tnLst>
+  </p:timing>
 </p:sld>
 </file>
 
@@ -6076,272 +8071,74 @@
           <a:chExt cx="0" cy="0"/>
         </a:xfrm>
       </p:grpSpPr>
+      <p:sp>
+        <p:nvSpPr>
+          <p:cNvPr id="2" name="TextBox 1"/>
+          <p:cNvSpPr txBox="1"/>
+          <p:nvPr/>
+        </p:nvSpPr>
+        <p:spPr>
+          <a:xfrm>
+            <a:off x="3630183" y="195585"/>
+            <a:ext cx="3185888" cy="584776"/>
+          </a:xfrm>
+          <a:prstGeom prst="rect">
+            <a:avLst/>
+          </a:prstGeom>
+          <a:noFill/>
+        </p:spPr>
+        <p:txBody>
+          <a:bodyPr wrap="none" rtlCol="0">
+            <a:spAutoFit/>
+          </a:bodyPr>
+          <a:lstStyle/>
+          <a:p>
+            <a:r>
+              <a:rPr lang="en-US" sz="3200" dirty="0" smtClean="0"/>
+              <a:t>Priority =</a:t>
+            </a:r>
+            <a:r>
+              <a:rPr lang="en-US" sz="3200" dirty="0" smtClean="0"/>
+              <a:t> medium</a:t>
+            </a:r>
+            <a:endParaRPr lang="en-US" sz="3200" dirty="0"/>
+          </a:p>
+        </p:txBody>
+      </p:sp>
       <p:pic>
         <p:nvPicPr>
-          <p:cNvPr id="6" name="Picture 5" descr="IMG_2013.PNG"/>
+          <p:cNvPr id="8" name="Picture 7"/>
           <p:cNvPicPr>
             <a:picLocks noChangeAspect="1"/>
           </p:cNvPicPr>
           <p:nvPr/>
         </p:nvPicPr>
         <p:blipFill>
-          <a:blip r:embed="rId2">
-            <a:extLst>
-              <a:ext uri="{28A0092B-C50C-407E-A947-70E740481C1C}">
-                <a14:useLocalDpi xmlns="" xmlns:a="http://schemas.openxmlformats.org/drawingml/2006/main" xmlns:r="http://schemas.openxmlformats.org/officeDocument/2006/relationships" xmlns:p="http://schemas.openxmlformats.org/presentationml/2006/main" xmlns:a14="http://schemas.microsoft.com/office/drawing/2010/main" xmlns:mv="urn:schemas-microsoft-com:mac:vml" xmlns:mc="http://schemas.openxmlformats.org/markup-compatibility/2006" val="0"/>
-              </a:ext>
-            </a:extLst>
-          </a:blip>
+          <a:blip r:embed="rId2"/>
           <a:stretch>
             <a:fillRect/>
           </a:stretch>
         </p:blipFill>
         <p:spPr>
           <a:xfrm>
-            <a:off x="492644" y="788307"/>
-            <a:ext cx="2884558" cy="5128103"/>
+            <a:off x="689442" y="1052488"/>
+            <a:ext cx="2940741" cy="5219815"/>
           </a:xfrm>
           <a:prstGeom prst="rect">
             <a:avLst/>
           </a:prstGeom>
         </p:spPr>
       </p:pic>
-      <p:sp>
-        <p:nvSpPr>
-          <p:cNvPr id="8" name="Rounded Rectangle 7"/>
-          <p:cNvSpPr/>
-          <p:nvPr/>
-        </p:nvSpPr>
-        <p:spPr>
-          <a:xfrm>
-            <a:off x="5759374" y="432474"/>
-            <a:ext cx="1997666" cy="711666"/>
-          </a:xfrm>
-          <a:prstGeom prst="roundRect">
-            <a:avLst/>
-          </a:prstGeom>
-        </p:spPr>
-        <p:style>
-          <a:lnRef idx="1">
-            <a:schemeClr val="accent1"/>
-          </a:lnRef>
-          <a:fillRef idx="3">
-            <a:schemeClr val="accent1"/>
-          </a:fillRef>
-          <a:effectRef idx="2">
-            <a:schemeClr val="accent1"/>
-          </a:effectRef>
-          <a:fontRef idx="minor">
-            <a:schemeClr val="lt1"/>
-          </a:fontRef>
-        </p:style>
-        <p:txBody>
-          <a:bodyPr rtlCol="0" anchor="ctr"/>
-          <a:lstStyle/>
-          <a:p>
-            <a:pPr algn="ctr"/>
-            <a:r>
-              <a:rPr lang="en-US" sz="1400" dirty="0" smtClean="0"/>
-              <a:t>User: choose </a:t>
-            </a:r>
-            <a:r>
-              <a:rPr lang="en-US" sz="1400" dirty="0"/>
-              <a:t>image with no text at </a:t>
-            </a:r>
-            <a:r>
-              <a:rPr lang="en-US" sz="1400" dirty="0" smtClean="0"/>
-              <a:t>all</a:t>
-            </a:r>
-            <a:endParaRPr lang="en-US" sz="1400" dirty="0"/>
-          </a:p>
-        </p:txBody>
-      </p:sp>
-      <p:sp>
-        <p:nvSpPr>
-          <p:cNvPr id="9" name="Rounded Rectangle 8"/>
-          <p:cNvSpPr/>
-          <p:nvPr/>
-        </p:nvSpPr>
-        <p:spPr>
-          <a:xfrm>
-            <a:off x="6164435" y="1826941"/>
-            <a:ext cx="1231332" cy="854000"/>
-          </a:xfrm>
-          <a:prstGeom prst="roundRect">
-            <a:avLst/>
-          </a:prstGeom>
-        </p:spPr>
-        <p:style>
-          <a:lnRef idx="1">
-            <a:schemeClr val="accent1"/>
-          </a:lnRef>
-          <a:fillRef idx="3">
-            <a:schemeClr val="accent1"/>
-          </a:fillRef>
-          <a:effectRef idx="2">
-            <a:schemeClr val="accent1"/>
-          </a:effectRef>
-          <a:fontRef idx="minor">
-            <a:schemeClr val="lt1"/>
-          </a:fontRef>
-        </p:style>
-        <p:txBody>
-          <a:bodyPr rtlCol="0" anchor="ctr"/>
-          <a:lstStyle/>
-          <a:p>
-            <a:pPr algn="ctr"/>
-            <a:r>
-              <a:rPr lang="en-US" dirty="0"/>
-              <a:t>app runs OCR</a:t>
-            </a:r>
-          </a:p>
-        </p:txBody>
-      </p:sp>
-      <p:sp>
-        <p:nvSpPr>
-          <p:cNvPr id="10" name="Rounded Rectangle 9"/>
-          <p:cNvSpPr/>
-          <p:nvPr/>
-        </p:nvSpPr>
-        <p:spPr>
-          <a:xfrm>
-            <a:off x="5217191" y="3354015"/>
-            <a:ext cx="1149500" cy="854000"/>
-          </a:xfrm>
-          <a:prstGeom prst="roundRect">
-            <a:avLst/>
-          </a:prstGeom>
-        </p:spPr>
-        <p:style>
-          <a:lnRef idx="1">
-            <a:schemeClr val="accent1"/>
-          </a:lnRef>
-          <a:fillRef idx="3">
-            <a:schemeClr val="accent1"/>
-          </a:fillRef>
-          <a:effectRef idx="2">
-            <a:schemeClr val="accent1"/>
-          </a:effectRef>
-          <a:fontRef idx="minor">
-            <a:schemeClr val="lt1"/>
-          </a:fontRef>
-        </p:style>
-        <p:txBody>
-          <a:bodyPr rtlCol="0" anchor="ctr"/>
-          <a:lstStyle/>
-          <a:p>
-            <a:pPr algn="ctr"/>
-            <a:r>
-              <a:rPr lang="en-US" dirty="0" smtClean="0"/>
-              <a:t>App runs </a:t>
-            </a:r>
-            <a:r>
-              <a:rPr lang="en-US" dirty="0"/>
-              <a:t>GNRD</a:t>
-            </a:r>
-          </a:p>
-        </p:txBody>
-      </p:sp>
-      <p:sp>
-        <p:nvSpPr>
-          <p:cNvPr id="11" name="Rounded Rectangle 10"/>
-          <p:cNvSpPr/>
-          <p:nvPr/>
-        </p:nvSpPr>
-        <p:spPr>
-          <a:xfrm>
-            <a:off x="7045445" y="3354015"/>
-            <a:ext cx="1379400" cy="854000"/>
-          </a:xfrm>
-          <a:prstGeom prst="roundRect">
-            <a:avLst/>
-          </a:prstGeom>
-        </p:spPr>
-        <p:style>
-          <a:lnRef idx="1">
-            <a:schemeClr val="accent1"/>
-          </a:lnRef>
-          <a:fillRef idx="3">
-            <a:schemeClr val="accent1"/>
-          </a:fillRef>
-          <a:effectRef idx="2">
-            <a:schemeClr val="accent1"/>
-          </a:effectRef>
-          <a:fontRef idx="minor">
-            <a:schemeClr val="lt1"/>
-          </a:fontRef>
-        </p:style>
-        <p:txBody>
-          <a:bodyPr rtlCol="0" anchor="ctr"/>
-          <a:lstStyle/>
-          <a:p>
-            <a:pPr algn="ctr"/>
-            <a:r>
-              <a:rPr lang="en-US" dirty="0" smtClean="0"/>
-              <a:t>App doesn’t run </a:t>
-            </a:r>
-            <a:r>
-              <a:rPr lang="en-US" dirty="0"/>
-              <a:t>GNRD</a:t>
-            </a:r>
-          </a:p>
-        </p:txBody>
-      </p:sp>
-      <p:sp>
-        <p:nvSpPr>
-          <p:cNvPr id="12" name="Rounded Rectangle 11"/>
-          <p:cNvSpPr/>
-          <p:nvPr/>
-        </p:nvSpPr>
-        <p:spPr>
-          <a:xfrm>
-            <a:off x="4852487" y="4717525"/>
-            <a:ext cx="1813774" cy="854000"/>
-          </a:xfrm>
-          <a:prstGeom prst="roundRect">
-            <a:avLst/>
-          </a:prstGeom>
-        </p:spPr>
-        <p:style>
-          <a:lnRef idx="1">
-            <a:schemeClr val="accent1"/>
-          </a:lnRef>
-          <a:fillRef idx="3">
-            <a:schemeClr val="accent1"/>
-          </a:fillRef>
-          <a:effectRef idx="2">
-            <a:schemeClr val="accent1"/>
-          </a:effectRef>
-          <a:fontRef idx="minor">
-            <a:schemeClr val="lt1"/>
-          </a:fontRef>
-        </p:style>
-        <p:txBody>
-          <a:bodyPr rtlCol="0" anchor="ctr"/>
-          <a:lstStyle/>
-          <a:p>
-            <a:pPr algn="ctr"/>
-            <a:r>
-              <a:rPr lang="en-US" dirty="0" smtClean="0"/>
-              <a:t>App shows alert</a:t>
-            </a:r>
-            <a:endParaRPr lang="en-US" dirty="0"/>
-          </a:p>
-        </p:txBody>
-      </p:sp>
       <p:cxnSp>
         <p:nvCxnSpPr>
-          <p:cNvPr id="14" name="Straight Arrow Connector 13"/>
-          <p:cNvCxnSpPr>
-            <a:stCxn id="8" idx="2"/>
-            <a:endCxn id="9" idx="0"/>
-          </p:cNvCxnSpPr>
+          <p:cNvPr id="12" name="Straight Arrow Connector 11"/>
+          <p:cNvCxnSpPr/>
           <p:nvPr/>
         </p:nvCxnSpPr>
         <p:spPr>
-          <a:xfrm>
-            <a:off x="6758207" y="1144140"/>
-            <a:ext cx="21894" cy="682801"/>
+          <a:xfrm rot="10800000" flipV="1">
+            <a:off x="3378458" y="2025841"/>
+            <a:ext cx="2306777" cy="514270"/>
           </a:xfrm>
           <a:prstGeom prst="straightConnector1">
             <a:avLst/>
@@ -6367,16 +8164,16 @@
       </p:cxnSp>
       <p:sp>
         <p:nvSpPr>
-          <p:cNvPr id="18" name="Rounded Rectangle 17"/>
-          <p:cNvSpPr/>
-          <p:nvPr/>
-        </p:nvSpPr>
-        <p:spPr>
-          <a:xfrm>
-            <a:off x="7137850" y="4717525"/>
-            <a:ext cx="1194590" cy="854000"/>
-          </a:xfrm>
-          <a:prstGeom prst="roundRect">
+          <p:cNvPr id="15" name="TextBox 14"/>
+          <p:cNvSpPr txBox="1"/>
+          <p:nvPr/>
+        </p:nvSpPr>
+        <p:spPr>
+          <a:xfrm>
+            <a:off x="5685233" y="1810938"/>
+            <a:ext cx="2685614" cy="369332"/>
+          </a:xfrm>
+          <a:prstGeom prst="rect">
             <a:avLst/>
           </a:prstGeom>
         </p:spPr>
@@ -6395,13 +8192,22 @@
           </a:fontRef>
         </p:style>
         <p:txBody>
-          <a:bodyPr rtlCol="0" anchor="ctr"/>
-          <a:lstStyle/>
-          <a:p>
-            <a:pPr algn="ctr"/>
+          <a:bodyPr wrap="none" rtlCol="0">
+            <a:spAutoFit/>
+          </a:bodyPr>
+          <a:lstStyle/>
+          <a:p>
             <a:r>
               <a:rPr lang="en-US" dirty="0" smtClean="0"/>
-              <a:t>(No alert)</a:t>
+              <a:t>Remove </a:t>
+            </a:r>
+            <a:r>
+              <a:rPr lang="en-US" dirty="0" err="1" smtClean="0"/>
+              <a:t>ottIds</a:t>
+            </a:r>
+            <a:r>
+              <a:rPr lang="en-US" dirty="0" smtClean="0"/>
+              <a:t> from labels</a:t>
             </a:r>
             <a:endParaRPr lang="en-US" dirty="0"/>
           </a:p>
@@ -6409,17 +8215,16 @@
       </p:sp>
       <p:cxnSp>
         <p:nvCxnSpPr>
-          <p:cNvPr id="19" name="Straight Arrow Connector 18"/>
+          <p:cNvPr id="17" name="Straight Arrow Connector 16"/>
           <p:cNvCxnSpPr>
-            <a:stCxn id="10" idx="2"/>
-            <a:endCxn id="12" idx="0"/>
+            <a:stCxn id="18" idx="1"/>
           </p:cNvCxnSpPr>
           <p:nvPr/>
         </p:nvCxnSpPr>
         <p:spPr>
-          <a:xfrm flipH="1">
-            <a:off x="5759374" y="4208015"/>
-            <a:ext cx="32567" cy="509510"/>
+          <a:xfrm rot="10800000">
+            <a:off x="1691214" y="2766634"/>
+            <a:ext cx="3804303" cy="1348596"/>
           </a:xfrm>
           <a:prstGeom prst="straightConnector1">
             <a:avLst/>
@@ -6443,19 +8248,61 @@
           </a:fontRef>
         </p:style>
       </p:cxnSp>
+      <p:sp>
+        <p:nvSpPr>
+          <p:cNvPr id="18" name="TextBox 17"/>
+          <p:cNvSpPr txBox="1"/>
+          <p:nvPr/>
+        </p:nvSpPr>
+        <p:spPr>
+          <a:xfrm>
+            <a:off x="5495516" y="3515065"/>
+            <a:ext cx="2641108" cy="1200329"/>
+          </a:xfrm>
+          <a:prstGeom prst="rect">
+            <a:avLst/>
+          </a:prstGeom>
+        </p:spPr>
+        <p:style>
+          <a:lnRef idx="1">
+            <a:schemeClr val="accent1"/>
+          </a:lnRef>
+          <a:fillRef idx="3">
+            <a:schemeClr val="accent1"/>
+          </a:fillRef>
+          <a:effectRef idx="2">
+            <a:schemeClr val="accent1"/>
+          </a:effectRef>
+          <a:fontRef idx="minor">
+            <a:schemeClr val="lt1"/>
+          </a:fontRef>
+        </p:style>
+        <p:txBody>
+          <a:bodyPr wrap="square" rtlCol="0">
+            <a:spAutoFit/>
+          </a:bodyPr>
+          <a:lstStyle/>
+          <a:p>
+            <a:r>
+              <a:rPr lang="en-US" dirty="0" smtClean="0"/>
+              <a:t>Remove internal node labels– they are confusing and sometimes overlap tip labels</a:t>
+            </a:r>
+            <a:endParaRPr lang="en-US" dirty="0"/>
+          </a:p>
+        </p:txBody>
+      </p:sp>
       <p:cxnSp>
         <p:nvCxnSpPr>
           <p:cNvPr id="20" name="Straight Arrow Connector 19"/>
           <p:cNvCxnSpPr>
-            <a:stCxn id="11" idx="2"/>
-            <a:endCxn id="18" idx="0"/>
+            <a:stCxn id="18" idx="1"/>
           </p:cNvCxnSpPr>
           <p:nvPr/>
         </p:nvCxnSpPr>
         <p:spPr>
-          <a:xfrm>
-            <a:off x="7735145" y="4208015"/>
-            <a:ext cx="0" cy="509510"/>
+          <a:xfrm rot="10800000">
+            <a:off x="3378458" y="3043340"/>
+            <a:ext cx="2117058" cy="1071890"/>
           </a:xfrm>
           <a:prstGeom prst="straightConnector1">
             <a:avLst/>
@@ -6479,241 +8326,18 @@
           </a:fontRef>
         </p:style>
       </p:cxnSp>
-      <p:cxnSp>
-        <p:nvCxnSpPr>
-          <p:cNvPr id="21" name="Straight Arrow Connector 20"/>
-          <p:cNvCxnSpPr>
-            <a:stCxn id="9" idx="2"/>
-            <a:endCxn id="10" idx="0"/>
-          </p:cNvCxnSpPr>
-          <p:nvPr/>
-        </p:nvCxnSpPr>
-        <p:spPr>
-          <a:xfrm flipH="1">
-            <a:off x="5791941" y="2680941"/>
-            <a:ext cx="988160" cy="673074"/>
-          </a:xfrm>
-          <a:prstGeom prst="straightConnector1">
-            <a:avLst/>
-          </a:prstGeom>
-          <a:ln>
-            <a:tailEnd type="arrow"/>
-          </a:ln>
-        </p:spPr>
-        <p:style>
-          <a:lnRef idx="2">
-            <a:schemeClr val="accent1"/>
-          </a:lnRef>
-          <a:fillRef idx="0">
-            <a:schemeClr val="accent1"/>
-          </a:fillRef>
-          <a:effectRef idx="1">
-            <a:schemeClr val="accent1"/>
-          </a:effectRef>
-          <a:fontRef idx="minor">
-            <a:schemeClr val="tx1"/>
-          </a:fontRef>
-        </p:style>
-      </p:cxnSp>
-      <p:cxnSp>
-        <p:nvCxnSpPr>
-          <p:cNvPr id="22" name="Straight Arrow Connector 21"/>
-          <p:cNvCxnSpPr>
-            <a:stCxn id="9" idx="2"/>
-            <a:endCxn id="11" idx="0"/>
-          </p:cNvCxnSpPr>
-          <p:nvPr/>
-        </p:nvCxnSpPr>
-        <p:spPr>
-          <a:xfrm>
-            <a:off x="6780101" y="2680941"/>
-            <a:ext cx="955044" cy="673074"/>
-          </a:xfrm>
-          <a:prstGeom prst="straightConnector1">
-            <a:avLst/>
-          </a:prstGeom>
-          <a:ln>
-            <a:tailEnd type="arrow"/>
-          </a:ln>
-        </p:spPr>
-        <p:style>
-          <a:lnRef idx="2">
-            <a:schemeClr val="accent1"/>
-          </a:lnRef>
-          <a:fillRef idx="0">
-            <a:schemeClr val="accent1"/>
-          </a:fillRef>
-          <a:effectRef idx="1">
-            <a:schemeClr val="accent1"/>
-          </a:effectRef>
-          <a:fontRef idx="minor">
-            <a:schemeClr val="tx1"/>
-          </a:fontRef>
-        </p:style>
-      </p:cxnSp>
-      <p:sp>
-        <p:nvSpPr>
-          <p:cNvPr id="53" name="TextBox 52"/>
-          <p:cNvSpPr txBox="1"/>
-          <p:nvPr/>
-        </p:nvSpPr>
-        <p:spPr>
-          <a:xfrm>
-            <a:off x="3557758" y="1670855"/>
-            <a:ext cx="1735619" cy="1754327"/>
-          </a:xfrm>
-          <a:prstGeom prst="rect">
-            <a:avLst/>
-          </a:prstGeom>
-          <a:noFill/>
-        </p:spPr>
-        <p:txBody>
-          <a:bodyPr wrap="square" rtlCol="0">
-            <a:spAutoFit/>
-          </a:bodyPr>
-          <a:lstStyle/>
-          <a:p>
-            <a:r>
-              <a:rPr lang="en-US" dirty="0" smtClean="0"/>
-              <a:t>We don</a:t>
-            </a:r>
-            <a:r>
-              <a:rPr lang="uk-UA" dirty="0" smtClean="0"/>
-              <a:t>’</a:t>
-            </a:r>
-            <a:r>
-              <a:rPr lang="en-US" dirty="0" smtClean="0"/>
-              <a:t>t know why it sometimes runs GNRD or sometimes doesn’t</a:t>
-            </a:r>
-            <a:endParaRPr lang="en-US" dirty="0"/>
-          </a:p>
-        </p:txBody>
-      </p:sp>
-      <p:sp>
-        <p:nvSpPr>
-          <p:cNvPr id="61" name="TextBox 60"/>
-          <p:cNvSpPr txBox="1"/>
-          <p:nvPr/>
-        </p:nvSpPr>
-        <p:spPr>
-          <a:xfrm>
-            <a:off x="6563338" y="5803765"/>
-            <a:ext cx="2298440" cy="923330"/>
-          </a:xfrm>
-          <a:prstGeom prst="rect">
-            <a:avLst/>
-          </a:prstGeom>
-        </p:spPr>
-        <p:style>
-          <a:lnRef idx="2">
-            <a:schemeClr val="accent3">
-              <a:shade val="50000"/>
-            </a:schemeClr>
-          </a:lnRef>
-          <a:fillRef idx="1">
-            <a:schemeClr val="accent3"/>
-          </a:fillRef>
-          <a:effectRef idx="0">
-            <a:schemeClr val="accent3"/>
-          </a:effectRef>
-          <a:fontRef idx="minor">
-            <a:schemeClr val="lt1"/>
-          </a:fontRef>
-        </p:style>
-        <p:txBody>
-          <a:bodyPr wrap="square" rtlCol="0">
-            <a:spAutoFit/>
-          </a:bodyPr>
-          <a:lstStyle/>
-          <a:p>
-            <a:r>
-              <a:rPr lang="en-US" dirty="0" smtClean="0"/>
-              <a:t>Suggestion: alert user “Oops!  No text found in image”</a:t>
-            </a:r>
-            <a:endParaRPr lang="en-US" dirty="0"/>
-          </a:p>
-        </p:txBody>
-      </p:sp>
-      <p:sp>
-        <p:nvSpPr>
-          <p:cNvPr id="62" name="TextBox 61"/>
-          <p:cNvSpPr txBox="1"/>
-          <p:nvPr/>
-        </p:nvSpPr>
-        <p:spPr>
-          <a:xfrm>
-            <a:off x="3158162" y="140086"/>
-            <a:ext cx="2470749" cy="584776"/>
-          </a:xfrm>
-          <a:prstGeom prst="rect">
-            <a:avLst/>
-          </a:prstGeom>
-          <a:noFill/>
-        </p:spPr>
-        <p:txBody>
-          <a:bodyPr wrap="none" rtlCol="0">
-            <a:spAutoFit/>
-          </a:bodyPr>
-          <a:lstStyle/>
-          <a:p>
-            <a:r>
-              <a:rPr lang="en-US" sz="3200" dirty="0" smtClean="0"/>
-              <a:t>Priority = low</a:t>
-            </a:r>
-            <a:endParaRPr lang="en-US" sz="3200" dirty="0"/>
-          </a:p>
-        </p:txBody>
-      </p:sp>
-      <p:sp>
-        <p:nvSpPr>
-          <p:cNvPr id="63" name="Right Arrow 62"/>
-          <p:cNvSpPr/>
-          <p:nvPr/>
-        </p:nvSpPr>
-        <p:spPr>
-          <a:xfrm>
-            <a:off x="5012412" y="6113481"/>
-            <a:ext cx="1354279" cy="337141"/>
-          </a:xfrm>
-          <a:prstGeom prst="rightArrow">
-            <a:avLst/>
-          </a:prstGeom>
-        </p:spPr>
-        <p:style>
-          <a:lnRef idx="2">
-            <a:schemeClr val="accent5">
-              <a:shade val="50000"/>
-            </a:schemeClr>
-          </a:lnRef>
-          <a:fillRef idx="1">
-            <a:schemeClr val="accent5"/>
-          </a:fillRef>
-          <a:effectRef idx="0">
-            <a:schemeClr val="accent5"/>
-          </a:effectRef>
-          <a:fontRef idx="minor">
-            <a:schemeClr val="lt1"/>
-          </a:fontRef>
-        </p:style>
-        <p:txBody>
-          <a:bodyPr rtlCol="0" anchor="ctr"/>
-          <a:lstStyle/>
-          <a:p>
-            <a:pPr algn="ctr"/>
-            <a:endParaRPr lang="en-US"/>
-          </a:p>
-        </p:txBody>
-      </p:sp>
     </p:spTree>
-    <p:extLst>
-      <p:ext uri="{BB962C8B-B14F-4D97-AF65-F5344CB8AC3E}">
-        <p14:creationId xmlns="" xmlns:a="http://schemas.openxmlformats.org/drawingml/2006/main" xmlns:r="http://schemas.openxmlformats.org/officeDocument/2006/relationships" xmlns:p="http://schemas.openxmlformats.org/presentationml/2006/main" xmlns:p14="http://schemas.microsoft.com/office/powerpoint/2010/main" xmlns:mv="urn:schemas-microsoft-com:mac:vml" xmlns:mc="http://schemas.openxmlformats.org/markup-compatibility/2006" val="472843982"/>
-      </p:ext>
-    </p:extLst>
   </p:cSld>
   <p:clrMapOvr>
     <a:masterClrMapping/>
   </p:clrMapOvr>
+  <p:timing>
+    <p:tnLst>
+      <p:par>
+        <p:cTn id="1" dur="indefinite" restart="never" nodeType="tmRoot"/>
+      </p:par>
+    </p:tnLst>
+  </p:timing>
 </p:sld>
 </file>
 

--- a/design/mobile_app_mvp_priorities.pptx
+++ b/design/mobile_app_mvp_priorities.pptx
@@ -7,19 +7,19 @@
   <p:sldIdLst>
     <p:sldId id="268" r:id="rId2"/>
     <p:sldId id="265" r:id="rId3"/>
-    <p:sldId id="261" r:id="rId4"/>
-    <p:sldId id="260" r:id="rId5"/>
-    <p:sldId id="273" r:id="rId6"/>
-    <p:sldId id="274" r:id="rId7"/>
-    <p:sldId id="263" r:id="rId8"/>
-    <p:sldId id="270" r:id="rId9"/>
-    <p:sldId id="269" r:id="rId10"/>
-    <p:sldId id="272" r:id="rId11"/>
+    <p:sldId id="273" r:id="rId4"/>
+    <p:sldId id="270" r:id="rId5"/>
+    <p:sldId id="263" r:id="rId6"/>
+    <p:sldId id="260" r:id="rId7"/>
+    <p:sldId id="269" r:id="rId8"/>
+    <p:sldId id="272" r:id="rId9"/>
+    <p:sldId id="261" r:id="rId10"/>
+    <p:sldId id="274" r:id="rId11"/>
     <p:sldId id="267" r:id="rId12"/>
-    <p:sldId id="266" r:id="rId13"/>
+    <p:sldId id="275" r:id="rId13"/>
     <p:sldId id="256" r:id="rId14"/>
-    <p:sldId id="271" r:id="rId15"/>
-    <p:sldId id="259" r:id="rId16"/>
+    <p:sldId id="259" r:id="rId15"/>
+    <p:sldId id="266" r:id="rId16"/>
   </p:sldIdLst>
   <p:sldSz cx="9144000" cy="6858000" type="screen4x3"/>
   <p:notesSz cx="6858000" cy="9144000"/>
@@ -303,7 +303,7 @@
             <a:fld id="{87E93CD3-EE4A-CD47-805D-649ED515E042}" type="datetimeFigureOut">
               <a:rPr lang="en-US" smtClean="0"/>
               <a:pPr/>
-              <a:t>3/17/16</a:t>
+              <a:t>3/18/16</a:t>
             </a:fld>
             <a:endParaRPr lang="en-US"/>
           </a:p>
@@ -470,7 +470,7 @@
             <a:fld id="{87E93CD3-EE4A-CD47-805D-649ED515E042}" type="datetimeFigureOut">
               <a:rPr lang="en-US" smtClean="0"/>
               <a:pPr/>
-              <a:t>3/17/16</a:t>
+              <a:t>3/18/16</a:t>
             </a:fld>
             <a:endParaRPr lang="en-US"/>
           </a:p>
@@ -647,7 +647,7 @@
             <a:fld id="{87E93CD3-EE4A-CD47-805D-649ED515E042}" type="datetimeFigureOut">
               <a:rPr lang="en-US" smtClean="0"/>
               <a:pPr/>
-              <a:t>3/17/16</a:t>
+              <a:t>3/18/16</a:t>
             </a:fld>
             <a:endParaRPr lang="en-US"/>
           </a:p>
@@ -814,7 +814,7 @@
             <a:fld id="{87E93CD3-EE4A-CD47-805D-649ED515E042}" type="datetimeFigureOut">
               <a:rPr lang="en-US" smtClean="0"/>
               <a:pPr/>
-              <a:t>3/17/16</a:t>
+              <a:t>3/18/16</a:t>
             </a:fld>
             <a:endParaRPr lang="en-US"/>
           </a:p>
@@ -1057,7 +1057,7 @@
             <a:fld id="{87E93CD3-EE4A-CD47-805D-649ED515E042}" type="datetimeFigureOut">
               <a:rPr lang="en-US" smtClean="0"/>
               <a:pPr/>
-              <a:t>3/17/16</a:t>
+              <a:t>3/18/16</a:t>
             </a:fld>
             <a:endParaRPr lang="en-US"/>
           </a:p>
@@ -1342,7 +1342,7 @@
             <a:fld id="{87E93CD3-EE4A-CD47-805D-649ED515E042}" type="datetimeFigureOut">
               <a:rPr lang="en-US" smtClean="0"/>
               <a:pPr/>
-              <a:t>3/17/16</a:t>
+              <a:t>3/18/16</a:t>
             </a:fld>
             <a:endParaRPr lang="en-US"/>
           </a:p>
@@ -1761,7 +1761,7 @@
             <a:fld id="{87E93CD3-EE4A-CD47-805D-649ED515E042}" type="datetimeFigureOut">
               <a:rPr lang="en-US" smtClean="0"/>
               <a:pPr/>
-              <a:t>3/17/16</a:t>
+              <a:t>3/18/16</a:t>
             </a:fld>
             <a:endParaRPr lang="en-US"/>
           </a:p>
@@ -1876,7 +1876,7 @@
             <a:fld id="{87E93CD3-EE4A-CD47-805D-649ED515E042}" type="datetimeFigureOut">
               <a:rPr lang="en-US" smtClean="0"/>
               <a:pPr/>
-              <a:t>3/17/16</a:t>
+              <a:t>3/18/16</a:t>
             </a:fld>
             <a:endParaRPr lang="en-US"/>
           </a:p>
@@ -1968,7 +1968,7 @@
             <a:fld id="{87E93CD3-EE4A-CD47-805D-649ED515E042}" type="datetimeFigureOut">
               <a:rPr lang="en-US" smtClean="0"/>
               <a:pPr/>
-              <a:t>3/17/16</a:t>
+              <a:t>3/18/16</a:t>
             </a:fld>
             <a:endParaRPr lang="en-US"/>
           </a:p>
@@ -2242,7 +2242,7 @@
             <a:fld id="{87E93CD3-EE4A-CD47-805D-649ED515E042}" type="datetimeFigureOut">
               <a:rPr lang="en-US" smtClean="0"/>
               <a:pPr/>
-              <a:t>3/17/16</a:t>
+              <a:t>3/18/16</a:t>
             </a:fld>
             <a:endParaRPr lang="en-US"/>
           </a:p>
@@ -2492,7 +2492,7 @@
             <a:fld id="{87E93CD3-EE4A-CD47-805D-649ED515E042}" type="datetimeFigureOut">
               <a:rPr lang="en-US" smtClean="0"/>
               <a:pPr/>
-              <a:t>3/17/16</a:t>
+              <a:t>3/18/16</a:t>
             </a:fld>
             <a:endParaRPr lang="en-US"/>
           </a:p>
@@ -2702,7 +2702,7 @@
             <a:fld id="{87E93CD3-EE4A-CD47-805D-649ED515E042}" type="datetimeFigureOut">
               <a:rPr lang="en-US" smtClean="0"/>
               <a:pPr/>
-              <a:t>3/17/16</a:t>
+              <a:t>3/18/16</a:t>
             </a:fld>
             <a:endParaRPr lang="en-US"/>
           </a:p>
@@ -3458,64 +3458,16 @@
           <a:chExt cx="0" cy="0"/>
         </a:xfrm>
       </p:grpSpPr>
-      <p:pic>
-        <p:nvPicPr>
-          <p:cNvPr id="26" name="Picture 25"/>
-          <p:cNvPicPr>
-            <a:picLocks noChangeAspect="1"/>
-          </p:cNvPicPr>
-          <p:nvPr/>
-        </p:nvPicPr>
-        <p:blipFill>
-          <a:blip r:embed="rId2"/>
-          <a:stretch>
-            <a:fillRect/>
-          </a:stretch>
-        </p:blipFill>
-        <p:spPr>
-          <a:xfrm>
-            <a:off x="5415280" y="2682240"/>
-            <a:ext cx="2060620" cy="3657600"/>
-          </a:xfrm>
-          <a:prstGeom prst="rect">
-            <a:avLst/>
-          </a:prstGeom>
-        </p:spPr>
-      </p:pic>
-      <p:pic>
-        <p:nvPicPr>
-          <p:cNvPr id="25" name="Picture 24"/>
-          <p:cNvPicPr>
-            <a:picLocks noChangeAspect="1"/>
-          </p:cNvPicPr>
-          <p:nvPr/>
-        </p:nvPicPr>
-        <p:blipFill>
-          <a:blip r:embed="rId3"/>
-          <a:stretch>
-            <a:fillRect/>
-          </a:stretch>
-        </p:blipFill>
-        <p:spPr>
-          <a:xfrm>
-            <a:off x="2928513" y="1564640"/>
-            <a:ext cx="2224100" cy="3947776"/>
-          </a:xfrm>
-          <a:prstGeom prst="rect">
-            <a:avLst/>
-          </a:prstGeom>
-        </p:spPr>
-      </p:pic>
-      <p:sp>
-        <p:nvSpPr>
-          <p:cNvPr id="2" name="TextBox 1"/>
+      <p:sp>
+        <p:nvSpPr>
+          <p:cNvPr id="4" name="TextBox 3"/>
           <p:cNvSpPr txBox="1"/>
           <p:nvPr/>
         </p:nvSpPr>
         <p:spPr>
           <a:xfrm>
-            <a:off x="3630183" y="195585"/>
-            <a:ext cx="3185888" cy="584776"/>
+            <a:off x="314955" y="487973"/>
+            <a:ext cx="8199681" cy="1077218"/>
           </a:xfrm>
           <a:prstGeom prst="rect">
             <a:avLst/>
@@ -3528,52 +3480,42 @@
           </a:bodyPr>
           <a:lstStyle/>
           <a:p>
+            <a:pPr marL="514350" indent="-514350" algn="ctr">
+              <a:buAutoNum type="arabicPeriod" startAt="8"/>
+            </a:pPr>
             <a:r>
               <a:rPr lang="en-US" sz="3200" dirty="0" smtClean="0"/>
-              <a:t>Priority =</a:t>
-            </a:r>
+              <a:t>Complete implementation of swipe-to-delete</a:t>
+            </a:r>
+          </a:p>
+          <a:p>
+            <a:pPr marL="514350" indent="-514350" algn="ctr"/>
             <a:r>
               <a:rPr lang="en-US" sz="3200" dirty="0" smtClean="0"/>
-              <a:t> medium</a:t>
+              <a:t>Priority </a:t>
+            </a:r>
+            <a:r>
+              <a:rPr lang="en-US" sz="3200" dirty="0" smtClean="0"/>
+              <a:t>= </a:t>
+            </a:r>
+            <a:r>
+              <a:rPr lang="en-US" sz="3200" dirty="0" smtClean="0"/>
+              <a:t>medium</a:t>
             </a:r>
             <a:endParaRPr lang="en-US" sz="3200" dirty="0"/>
           </a:p>
         </p:txBody>
       </p:sp>
-      <p:pic>
-        <p:nvPicPr>
-          <p:cNvPr id="8" name="Picture 7"/>
-          <p:cNvPicPr>
-            <a:picLocks noChangeAspect="1"/>
-          </p:cNvPicPr>
-          <p:nvPr/>
-        </p:nvPicPr>
-        <p:blipFill>
-          <a:blip r:embed="rId4"/>
-          <a:stretch>
-            <a:fillRect/>
-          </a:stretch>
-        </p:blipFill>
-        <p:spPr>
-          <a:xfrm>
-            <a:off x="396240" y="780361"/>
-            <a:ext cx="2217943" cy="3936849"/>
-          </a:xfrm>
-          <a:prstGeom prst="rect">
-            <a:avLst/>
-          </a:prstGeom>
-        </p:spPr>
-      </p:pic>
-      <p:sp>
-        <p:nvSpPr>
-          <p:cNvPr id="9" name="TextBox 8"/>
+      <p:sp>
+        <p:nvSpPr>
+          <p:cNvPr id="15" name="TextBox 14"/>
           <p:cNvSpPr txBox="1"/>
           <p:nvPr/>
         </p:nvSpPr>
         <p:spPr>
           <a:xfrm>
-            <a:off x="6685280" y="1564640"/>
-            <a:ext cx="2062479" cy="923330"/>
+            <a:off x="2592447" y="2104727"/>
+            <a:ext cx="3408341" cy="369332"/>
           </a:xfrm>
           <a:prstGeom prst="rect">
             <a:avLst/>
@@ -3601,117 +3543,42 @@
           <a:p>
             <a:r>
               <a:rPr lang="en-US" dirty="0" smtClean="0"/>
-              <a:t>Add help button to bottom strip of every view</a:t>
+              <a:t>Swipe feature </a:t>
             </a:r>
             <a:endParaRPr lang="en-US" dirty="0"/>
           </a:p>
         </p:txBody>
       </p:sp>
-      <p:cxnSp>
-        <p:nvCxnSpPr>
-          <p:cNvPr id="11" name="Straight Arrow Connector 10"/>
-          <p:cNvCxnSpPr>
-            <a:stCxn id="9" idx="1"/>
-          </p:cNvCxnSpPr>
-          <p:nvPr/>
-        </p:nvCxnSpPr>
-        <p:spPr>
-          <a:xfrm rot="10800000" flipV="1">
-            <a:off x="1412240" y="2026304"/>
-            <a:ext cx="5273040" cy="2484735"/>
-          </a:xfrm>
-          <a:prstGeom prst="straightConnector1">
-            <a:avLst/>
-          </a:prstGeom>
-          <a:ln>
-            <a:tailEnd type="arrow"/>
-          </a:ln>
-        </p:spPr>
-        <p:style>
-          <a:lnRef idx="2">
-            <a:schemeClr val="accent1"/>
-          </a:lnRef>
-          <a:fillRef idx="0">
-            <a:schemeClr val="accent1"/>
-          </a:fillRef>
-          <a:effectRef idx="1">
-            <a:schemeClr val="accent1"/>
-          </a:effectRef>
-          <a:fontRef idx="minor">
-            <a:schemeClr val="tx1"/>
-          </a:fontRef>
-        </p:style>
-      </p:cxnSp>
-      <p:cxnSp>
-        <p:nvCxnSpPr>
-          <p:cNvPr id="18" name="Straight Arrow Connector 17"/>
-          <p:cNvCxnSpPr>
-            <a:stCxn id="9" idx="2"/>
-          </p:cNvCxnSpPr>
-          <p:nvPr/>
-        </p:nvCxnSpPr>
-        <p:spPr>
-          <a:xfrm rot="5400000">
-            <a:off x="4513981" y="1999387"/>
-            <a:ext cx="2713957" cy="3691123"/>
-          </a:xfrm>
-          <a:prstGeom prst="straightConnector1">
-            <a:avLst/>
-          </a:prstGeom>
-          <a:ln>
-            <a:tailEnd type="arrow"/>
-          </a:ln>
-        </p:spPr>
-        <p:style>
-          <a:lnRef idx="2">
-            <a:schemeClr val="accent1"/>
-          </a:lnRef>
-          <a:fillRef idx="0">
-            <a:schemeClr val="accent1"/>
-          </a:fillRef>
-          <a:effectRef idx="1">
-            <a:schemeClr val="accent1"/>
-          </a:effectRef>
-          <a:fontRef idx="minor">
-            <a:schemeClr val="tx1"/>
-          </a:fontRef>
-        </p:style>
-      </p:cxnSp>
-      <p:cxnSp>
-        <p:nvCxnSpPr>
-          <p:cNvPr id="19" name="Straight Arrow Connector 18"/>
-          <p:cNvCxnSpPr>
-            <a:stCxn id="9" idx="2"/>
-          </p:cNvCxnSpPr>
-          <p:nvPr/>
-        </p:nvCxnSpPr>
-        <p:spPr>
-          <a:xfrm rot="5400000">
-            <a:off x="5178445" y="3659525"/>
-            <a:ext cx="3709630" cy="1366520"/>
-          </a:xfrm>
-          <a:prstGeom prst="straightConnector1">
-            <a:avLst/>
-          </a:prstGeom>
-          <a:ln>
-            <a:tailEnd type="arrow"/>
-          </a:ln>
-        </p:spPr>
-        <p:style>
-          <a:lnRef idx="2">
-            <a:schemeClr val="accent1"/>
-          </a:lnRef>
-          <a:fillRef idx="0">
-            <a:schemeClr val="accent1"/>
-          </a:fillRef>
-          <a:effectRef idx="1">
-            <a:schemeClr val="accent1"/>
-          </a:effectRef>
-          <a:fontRef idx="minor">
-            <a:schemeClr val="tx1"/>
-          </a:fontRef>
-        </p:style>
-      </p:cxnSp>
+      <p:sp>
+        <p:nvSpPr>
+          <p:cNvPr id="10" name="TextBox 9"/>
+          <p:cNvSpPr txBox="1"/>
+          <p:nvPr/>
+        </p:nvSpPr>
+        <p:spPr>
+          <a:xfrm>
+            <a:off x="1904875" y="2647945"/>
+            <a:ext cx="4911196" cy="923330"/>
+          </a:xfrm>
+          <a:prstGeom prst="rect">
+            <a:avLst/>
+          </a:prstGeom>
+          <a:noFill/>
+        </p:spPr>
+        <p:txBody>
+          <a:bodyPr wrap="square" rtlCol="0">
+            <a:spAutoFit/>
+          </a:bodyPr>
+          <a:lstStyle/>
+          <a:p>
+            <a:r>
+              <a:rPr lang="en-US" dirty="0" smtClean="0"/>
+              <a:t>The swipe feature works, but the graphics do not show any actual swiping movement, only the end result of the swiping.  This will confuse users. </a:t>
+            </a:r>
+            <a:endParaRPr lang="en-US" dirty="0"/>
+          </a:p>
+        </p:txBody>
+      </p:sp>
     </p:spTree>
   </p:cSld>
   <p:clrMapOvr>
@@ -3756,7 +3623,7 @@
           <a:blip r:embed="rId2">
             <a:extLst>
               <a:ext uri="{28A0092B-C50C-407E-A947-70E740481C1C}">
-                <a14:useLocalDpi xmlns:mc="http://schemas.openxmlformats.org/markup-compatibility/2006" xmlns:mv="urn:schemas-microsoft-com:mac:vml" xmlns:a14="http://schemas.microsoft.com/office/drawing/2010/main" xmlns:p="http://schemas.openxmlformats.org/presentationml/2006/main" xmlns:r="http://schemas.openxmlformats.org/officeDocument/2006/relationships" xmlns:a="http://schemas.openxmlformats.org/drawingml/2006/main" xmlns="" val="0"/>
+                <a14:useLocalDpi xmlns="" xmlns:a="http://schemas.openxmlformats.org/drawingml/2006/main" xmlns:r="http://schemas.openxmlformats.org/officeDocument/2006/relationships" xmlns:p="http://schemas.openxmlformats.org/presentationml/2006/main" xmlns:a14="http://schemas.microsoft.com/office/drawing/2010/main" xmlns:mv="urn:schemas-microsoft-com:mac:vml" xmlns:mc="http://schemas.openxmlformats.org/markup-compatibility/2006" val="0"/>
               </a:ext>
             </a:extLst>
           </a:blip>
@@ -3906,8 +3773,8 @@
         </p:nvSpPr>
         <p:spPr>
           <a:xfrm>
-            <a:off x="328526" y="173239"/>
-            <a:ext cx="3185888" cy="584776"/>
+            <a:off x="3801439" y="525489"/>
+            <a:ext cx="5046975" cy="1077218"/>
           </a:xfrm>
           <a:prstGeom prst="rect">
             <a:avLst/>
@@ -3920,9 +3787,25 @@
           </a:bodyPr>
           <a:lstStyle/>
           <a:p>
+            <a:pPr algn="ctr"/>
             <a:r>
               <a:rPr lang="en-US" sz="3200" dirty="0" smtClean="0"/>
-              <a:t>Priority = medium</a:t>
+              <a:t>9. Clarify empty capture alert</a:t>
+            </a:r>
+          </a:p>
+          <a:p>
+            <a:pPr algn="ctr"/>
+            <a:r>
+              <a:rPr lang="en-US" sz="3200" dirty="0" smtClean="0"/>
+              <a:t>Priority </a:t>
+            </a:r>
+            <a:r>
+              <a:rPr lang="en-US" sz="3200" dirty="0" smtClean="0"/>
+              <a:t>=</a:t>
+            </a:r>
+            <a:r>
+              <a:rPr lang="en-US" sz="3200" dirty="0" smtClean="0"/>
+              <a:t> low</a:t>
             </a:r>
             <a:endParaRPr lang="en-US" sz="3200" dirty="0"/>
           </a:p>
@@ -3931,7 +3814,7 @@
     </p:spTree>
     <p:extLst>
       <p:ext uri="{BB962C8B-B14F-4D97-AF65-F5344CB8AC3E}">
-        <p14:creationId xmlns:mc="http://schemas.openxmlformats.org/markup-compatibility/2006" xmlns:mv="urn:schemas-microsoft-com:mac:vml" xmlns:p14="http://schemas.microsoft.com/office/powerpoint/2010/main" xmlns:p="http://schemas.openxmlformats.org/presentationml/2006/main" xmlns:r="http://schemas.openxmlformats.org/officeDocument/2006/relationships" xmlns:a="http://schemas.openxmlformats.org/drawingml/2006/main" xmlns="" val="2412509238"/>
+        <p14:creationId xmlns="" xmlns:a="http://schemas.openxmlformats.org/drawingml/2006/main" xmlns:r="http://schemas.openxmlformats.org/officeDocument/2006/relationships" xmlns:p="http://schemas.openxmlformats.org/presentationml/2006/main" xmlns:p14="http://schemas.microsoft.com/office/powerpoint/2010/main" xmlns:mv="urn:schemas-microsoft-com:mac:vml" xmlns:mc="http://schemas.openxmlformats.org/markup-compatibility/2006" val="2412509238"/>
       </p:ext>
     </p:extLst>
   </p:cSld>
@@ -3960,28 +3843,23 @@
       </p:grpSpPr>
       <p:pic>
         <p:nvPicPr>
-          <p:cNvPr id="6" name="Picture 5" descr="IMG_2013.PNG"/>
+          <p:cNvPr id="15" name="Picture 14" descr="IMG_2011.PNG"/>
           <p:cNvPicPr>
             <a:picLocks noChangeAspect="1"/>
           </p:cNvPicPr>
           <p:nvPr/>
         </p:nvPicPr>
         <p:blipFill>
-          <a:blip r:embed="rId2">
-            <a:extLst>
-              <a:ext uri="{28A0092B-C50C-407E-A947-70E740481C1C}">
-                <a14:useLocalDpi xmlns:mc="http://schemas.openxmlformats.org/markup-compatibility/2006" xmlns:mv="urn:schemas-microsoft-com:mac:vml" xmlns:a14="http://schemas.microsoft.com/office/drawing/2010/main" xmlns:p="http://schemas.openxmlformats.org/presentationml/2006/main" xmlns:r="http://schemas.openxmlformats.org/officeDocument/2006/relationships" xmlns:a="http://schemas.openxmlformats.org/drawingml/2006/main" xmlns="" val="0"/>
-              </a:ext>
-            </a:extLst>
-          </a:blip>
+          <a:blip r:embed="rId2"/>
+          <a:srcRect l="3375" t="26620" r="3375" b="25352"/>
           <a:stretch>
             <a:fillRect/>
           </a:stretch>
         </p:blipFill>
         <p:spPr>
           <a:xfrm>
-            <a:off x="492644" y="788307"/>
-            <a:ext cx="2884558" cy="5128103"/>
+            <a:off x="6352170" y="3881486"/>
+            <a:ext cx="2429414" cy="2220788"/>
           </a:xfrm>
           <a:prstGeom prst="rect">
             <a:avLst/>
@@ -3990,16 +3868,16 @@
       </p:pic>
       <p:sp>
         <p:nvSpPr>
-          <p:cNvPr id="8" name="Rounded Rectangle 7"/>
-          <p:cNvSpPr/>
-          <p:nvPr/>
-        </p:nvSpPr>
-        <p:spPr>
-          <a:xfrm>
-            <a:off x="5759374" y="432474"/>
-            <a:ext cx="1997666" cy="711666"/>
-          </a:xfrm>
-          <a:prstGeom prst="roundRect">
+          <p:cNvPr id="3" name="TextBox 2"/>
+          <p:cNvSpPr txBox="1"/>
+          <p:nvPr/>
+        </p:nvSpPr>
+        <p:spPr>
+          <a:xfrm>
+            <a:off x="4807185" y="2672289"/>
+            <a:ext cx="3677953" cy="646331"/>
+          </a:xfrm>
+          <a:prstGeom prst="rect">
             <a:avLst/>
           </a:prstGeom>
         </p:spPr>
@@ -4007,223 +3885,120 @@
           <a:lnRef idx="1">
             <a:schemeClr val="accent1"/>
           </a:lnRef>
-          <a:fillRef idx="3">
+          <a:fillRef idx="2">
             <a:schemeClr val="accent1"/>
           </a:fillRef>
-          <a:effectRef idx="2">
+          <a:effectRef idx="1">
             <a:schemeClr val="accent1"/>
           </a:effectRef>
           <a:fontRef idx="minor">
-            <a:schemeClr val="lt1"/>
+            <a:schemeClr val="dk1"/>
           </a:fontRef>
         </p:style>
         <p:txBody>
-          <a:bodyPr rtlCol="0" anchor="ctr"/>
+          <a:bodyPr wrap="square" rtlCol="0">
+            <a:spAutoFit/>
+          </a:bodyPr>
+          <a:lstStyle/>
+          <a:p>
+            <a:r>
+              <a:rPr lang="en-US" dirty="0" smtClean="0"/>
+              <a:t>Suggestions</a:t>
+            </a:r>
+          </a:p>
+          <a:p>
+            <a:pPr>
+              <a:buFont typeface="Arial"/>
+              <a:buChar char="•"/>
+            </a:pPr>
+            <a:r>
+              <a:rPr lang="en-US" dirty="0" smtClean="0"/>
+              <a:t> rounded corners on alert boxes</a:t>
+            </a:r>
+            <a:endParaRPr lang="en-US" dirty="0" smtClean="0"/>
+          </a:p>
+        </p:txBody>
+      </p:sp>
+      <p:pic>
+        <p:nvPicPr>
+          <p:cNvPr id="7" name="Picture 6" descr="IMG_2012.PNG"/>
+          <p:cNvPicPr>
+            <a:picLocks noChangeAspect="1"/>
+          </p:cNvPicPr>
+          <p:nvPr/>
+        </p:nvPicPr>
+        <p:blipFill>
+          <a:blip r:embed="rId3"/>
+          <a:stretch>
+            <a:fillRect/>
+          </a:stretch>
+        </p:blipFill>
+        <p:spPr>
+          <a:xfrm>
+            <a:off x="572885" y="1015521"/>
+            <a:ext cx="3057298" cy="5426264"/>
+          </a:xfrm>
+          <a:prstGeom prst="rect">
+            <a:avLst/>
+          </a:prstGeom>
+        </p:spPr>
+      </p:pic>
+      <p:sp>
+        <p:nvSpPr>
+          <p:cNvPr id="4" name="TextBox 3"/>
+          <p:cNvSpPr txBox="1"/>
+          <p:nvPr/>
+        </p:nvSpPr>
+        <p:spPr>
+          <a:xfrm>
+            <a:off x="3943519" y="476912"/>
+            <a:ext cx="5267387" cy="1077218"/>
+          </a:xfrm>
+          <a:prstGeom prst="rect">
+            <a:avLst/>
+          </a:prstGeom>
+          <a:noFill/>
+        </p:spPr>
+        <p:txBody>
+          <a:bodyPr wrap="none" rtlCol="0">
+            <a:spAutoFit/>
+          </a:bodyPr>
           <a:lstStyle/>
           <a:p>
             <a:pPr algn="ctr"/>
             <a:r>
-              <a:rPr lang="en-US" sz="1400" dirty="0" smtClean="0"/>
-              <a:t>User: choose </a:t>
-            </a:r>
-            <a:r>
-              <a:rPr lang="en-US" sz="1400" dirty="0"/>
-              <a:t>image with no text at </a:t>
-            </a:r>
-            <a:r>
-              <a:rPr lang="en-US" sz="1400" dirty="0" smtClean="0"/>
-              <a:t>all</a:t>
-            </a:r>
-            <a:endParaRPr lang="en-US" sz="1400" dirty="0"/>
-          </a:p>
-        </p:txBody>
-      </p:sp>
-      <p:sp>
-        <p:nvSpPr>
-          <p:cNvPr id="9" name="Rounded Rectangle 8"/>
-          <p:cNvSpPr/>
-          <p:nvPr/>
-        </p:nvSpPr>
-        <p:spPr>
-          <a:xfrm>
-            <a:off x="6164435" y="1826941"/>
-            <a:ext cx="1231332" cy="854000"/>
-          </a:xfrm>
-          <a:prstGeom prst="roundRect">
-            <a:avLst/>
-          </a:prstGeom>
-        </p:spPr>
-        <p:style>
-          <a:lnRef idx="1">
-            <a:schemeClr val="accent1"/>
-          </a:lnRef>
-          <a:fillRef idx="3">
-            <a:schemeClr val="accent1"/>
-          </a:fillRef>
-          <a:effectRef idx="2">
-            <a:schemeClr val="accent1"/>
-          </a:effectRef>
-          <a:fontRef idx="minor">
-            <a:schemeClr val="lt1"/>
-          </a:fontRef>
-        </p:style>
-        <p:txBody>
-          <a:bodyPr rtlCol="0" anchor="ctr"/>
-          <a:lstStyle/>
+              <a:rPr lang="en-US" sz="3200" dirty="0" smtClean="0"/>
+              <a:t>10. Consistent styling on alerts</a:t>
+            </a:r>
+          </a:p>
           <a:p>
             <a:pPr algn="ctr"/>
             <a:r>
-              <a:rPr lang="en-US" dirty="0"/>
-              <a:t>app runs OCR</a:t>
-            </a:r>
-          </a:p>
-        </p:txBody>
-      </p:sp>
-      <p:sp>
-        <p:nvSpPr>
-          <p:cNvPr id="10" name="Rounded Rectangle 9"/>
-          <p:cNvSpPr/>
-          <p:nvPr/>
-        </p:nvSpPr>
-        <p:spPr>
-          <a:xfrm>
-            <a:off x="5217191" y="3354015"/>
-            <a:ext cx="1149500" cy="854000"/>
-          </a:xfrm>
-          <a:prstGeom prst="roundRect">
-            <a:avLst/>
-          </a:prstGeom>
-        </p:spPr>
-        <p:style>
-          <a:lnRef idx="1">
-            <a:schemeClr val="accent1"/>
-          </a:lnRef>
-          <a:fillRef idx="3">
-            <a:schemeClr val="accent1"/>
-          </a:fillRef>
-          <a:effectRef idx="2">
-            <a:schemeClr val="accent1"/>
-          </a:effectRef>
-          <a:fontRef idx="minor">
-            <a:schemeClr val="lt1"/>
-          </a:fontRef>
-        </p:style>
-        <p:txBody>
-          <a:bodyPr rtlCol="0" anchor="ctr"/>
-          <a:lstStyle/>
-          <a:p>
-            <a:pPr algn="ctr"/>
-            <a:r>
-              <a:rPr lang="en-US" dirty="0" smtClean="0"/>
-              <a:t>App runs </a:t>
-            </a:r>
-            <a:r>
-              <a:rPr lang="en-US" dirty="0"/>
-              <a:t>GNRD</a:t>
-            </a:r>
-          </a:p>
-        </p:txBody>
-      </p:sp>
-      <p:sp>
-        <p:nvSpPr>
-          <p:cNvPr id="11" name="Rounded Rectangle 10"/>
-          <p:cNvSpPr/>
-          <p:nvPr/>
-        </p:nvSpPr>
-        <p:spPr>
-          <a:xfrm>
-            <a:off x="7045445" y="3354015"/>
-            <a:ext cx="1379400" cy="854000"/>
-          </a:xfrm>
-          <a:prstGeom prst="roundRect">
-            <a:avLst/>
-          </a:prstGeom>
-        </p:spPr>
-        <p:style>
-          <a:lnRef idx="1">
-            <a:schemeClr val="accent1"/>
-          </a:lnRef>
-          <a:fillRef idx="3">
-            <a:schemeClr val="accent1"/>
-          </a:fillRef>
-          <a:effectRef idx="2">
-            <a:schemeClr val="accent1"/>
-          </a:effectRef>
-          <a:fontRef idx="minor">
-            <a:schemeClr val="lt1"/>
-          </a:fontRef>
-        </p:style>
-        <p:txBody>
-          <a:bodyPr rtlCol="0" anchor="ctr"/>
-          <a:lstStyle/>
-          <a:p>
-            <a:pPr algn="ctr"/>
-            <a:r>
-              <a:rPr lang="en-US" dirty="0" smtClean="0"/>
-              <a:t>App doesn’t run </a:t>
-            </a:r>
-            <a:r>
-              <a:rPr lang="en-US" dirty="0"/>
-              <a:t>GNRD</a:t>
-            </a:r>
-          </a:p>
-        </p:txBody>
-      </p:sp>
-      <p:sp>
-        <p:nvSpPr>
-          <p:cNvPr id="12" name="Rounded Rectangle 11"/>
-          <p:cNvSpPr/>
-          <p:nvPr/>
-        </p:nvSpPr>
-        <p:spPr>
-          <a:xfrm>
-            <a:off x="4852487" y="4717525"/>
-            <a:ext cx="1813774" cy="854000"/>
-          </a:xfrm>
-          <a:prstGeom prst="roundRect">
-            <a:avLst/>
-          </a:prstGeom>
-        </p:spPr>
-        <p:style>
-          <a:lnRef idx="1">
-            <a:schemeClr val="accent1"/>
-          </a:lnRef>
-          <a:fillRef idx="3">
-            <a:schemeClr val="accent1"/>
-          </a:fillRef>
-          <a:effectRef idx="2">
-            <a:schemeClr val="accent1"/>
-          </a:effectRef>
-          <a:fontRef idx="minor">
-            <a:schemeClr val="lt1"/>
-          </a:fontRef>
-        </p:style>
-        <p:txBody>
-          <a:bodyPr rtlCol="0" anchor="ctr"/>
-          <a:lstStyle/>
-          <a:p>
-            <a:pPr algn="ctr"/>
-            <a:r>
-              <a:rPr lang="en-US" dirty="0" smtClean="0"/>
-              <a:t>App shows alert</a:t>
-            </a:r>
-            <a:endParaRPr lang="en-US" dirty="0"/>
+              <a:rPr lang="en-US" sz="3200" dirty="0" smtClean="0"/>
+              <a:t>Priority </a:t>
+            </a:r>
+            <a:r>
+              <a:rPr lang="en-US" sz="3200" dirty="0" smtClean="0"/>
+              <a:t>=</a:t>
+            </a:r>
+            <a:r>
+              <a:rPr lang="en-US" sz="3200" dirty="0" smtClean="0"/>
+              <a:t> low</a:t>
+            </a:r>
+            <a:endParaRPr lang="en-US" sz="3200" dirty="0"/>
           </a:p>
         </p:txBody>
       </p:sp>
       <p:cxnSp>
         <p:nvCxnSpPr>
-          <p:cNvPr id="14" name="Straight Arrow Connector 13"/>
-          <p:cNvCxnSpPr>
-            <a:stCxn id="8" idx="2"/>
-            <a:endCxn id="9" idx="0"/>
-          </p:cNvCxnSpPr>
+          <p:cNvPr id="8" name="Straight Arrow Connector 7"/>
+          <p:cNvCxnSpPr/>
           <p:nvPr/>
         </p:nvCxnSpPr>
         <p:spPr>
-          <a:xfrm>
-            <a:off x="6758207" y="1144140"/>
-            <a:ext cx="21894" cy="682801"/>
+          <a:xfrm rot="10800000">
+            <a:off x="886546" y="3137301"/>
+            <a:ext cx="4217086" cy="1854580"/>
           </a:xfrm>
           <a:prstGeom prst="straightConnector1">
             <a:avLst/>
@@ -4249,16 +4024,16 @@
       </p:cxnSp>
       <p:sp>
         <p:nvSpPr>
-          <p:cNvPr id="18" name="Rounded Rectangle 17"/>
-          <p:cNvSpPr/>
-          <p:nvPr/>
-        </p:nvSpPr>
-        <p:spPr>
-          <a:xfrm>
-            <a:off x="7137850" y="4717525"/>
-            <a:ext cx="1194590" cy="854000"/>
-          </a:xfrm>
-          <a:prstGeom prst="roundRect">
+          <p:cNvPr id="14" name="TextBox 13"/>
+          <p:cNvSpPr txBox="1"/>
+          <p:nvPr/>
+        </p:nvSpPr>
+        <p:spPr>
+          <a:xfrm>
+            <a:off x="5103631" y="4728281"/>
+            <a:ext cx="3677953" cy="923330"/>
+          </a:xfrm>
+          <a:prstGeom prst="rect">
             <a:avLst/>
           </a:prstGeom>
         </p:spPr>
@@ -4266,24 +4041,25 @@
           <a:lnRef idx="1">
             <a:schemeClr val="accent1"/>
           </a:lnRef>
-          <a:fillRef idx="3">
+          <a:fillRef idx="2">
             <a:schemeClr val="accent1"/>
           </a:fillRef>
-          <a:effectRef idx="2">
+          <a:effectRef idx="1">
             <a:schemeClr val="accent1"/>
           </a:effectRef>
           <a:fontRef idx="minor">
-            <a:schemeClr val="lt1"/>
+            <a:schemeClr val="dk1"/>
           </a:fontRef>
         </p:style>
         <p:txBody>
-          <a:bodyPr rtlCol="0" anchor="ctr"/>
-          <a:lstStyle/>
-          <a:p>
-            <a:pPr algn="ctr"/>
-            <a:r>
-              <a:rPr lang="en-US" dirty="0" smtClean="0"/>
-              <a:t>(No alert)</a:t>
+          <a:bodyPr wrap="square" rtlCol="0">
+            <a:spAutoFit/>
+          </a:bodyPr>
+          <a:lstStyle/>
+          <a:p>
+            <a:r>
+              <a:rPr lang="en-US" dirty="0" smtClean="0"/>
+              <a:t>Note: the rounded corners look better, but some of the alert boxes have square corners</a:t>
             </a:r>
             <a:endParaRPr lang="en-US" dirty="0"/>
           </a:p>
@@ -4291,17 +4067,16 @@
       </p:sp>
       <p:cxnSp>
         <p:nvCxnSpPr>
-          <p:cNvPr id="19" name="Straight Arrow Connector 18"/>
+          <p:cNvPr id="16" name="Straight Arrow Connector 15"/>
           <p:cNvCxnSpPr>
-            <a:stCxn id="10" idx="2"/>
-            <a:endCxn id="12" idx="0"/>
+            <a:stCxn id="14" idx="0"/>
           </p:cNvCxnSpPr>
           <p:nvPr/>
         </p:nvCxnSpPr>
         <p:spPr>
-          <a:xfrm flipH="1">
-            <a:off x="5759374" y="4208015"/>
-            <a:ext cx="32567" cy="509510"/>
+          <a:xfrm rot="16200000" flipV="1">
+            <a:off x="6454378" y="4240050"/>
+            <a:ext cx="611065" cy="365397"/>
           </a:xfrm>
           <a:prstGeom prst="straightConnector1">
             <a:avLst/>
@@ -4325,277 +4100,18 @@
           </a:fontRef>
         </p:style>
       </p:cxnSp>
-      <p:cxnSp>
-        <p:nvCxnSpPr>
-          <p:cNvPr id="20" name="Straight Arrow Connector 19"/>
-          <p:cNvCxnSpPr>
-            <a:stCxn id="11" idx="2"/>
-            <a:endCxn id="18" idx="0"/>
-          </p:cNvCxnSpPr>
-          <p:nvPr/>
-        </p:nvCxnSpPr>
-        <p:spPr>
-          <a:xfrm>
-            <a:off x="7735145" y="4208015"/>
-            <a:ext cx="0" cy="509510"/>
-          </a:xfrm>
-          <a:prstGeom prst="straightConnector1">
-            <a:avLst/>
-          </a:prstGeom>
-          <a:ln>
-            <a:tailEnd type="arrow"/>
-          </a:ln>
-        </p:spPr>
-        <p:style>
-          <a:lnRef idx="2">
-            <a:schemeClr val="accent1"/>
-          </a:lnRef>
-          <a:fillRef idx="0">
-            <a:schemeClr val="accent1"/>
-          </a:fillRef>
-          <a:effectRef idx="1">
-            <a:schemeClr val="accent1"/>
-          </a:effectRef>
-          <a:fontRef idx="minor">
-            <a:schemeClr val="tx1"/>
-          </a:fontRef>
-        </p:style>
-      </p:cxnSp>
-      <p:cxnSp>
-        <p:nvCxnSpPr>
-          <p:cNvPr id="21" name="Straight Arrow Connector 20"/>
-          <p:cNvCxnSpPr>
-            <a:stCxn id="9" idx="2"/>
-            <a:endCxn id="10" idx="0"/>
-          </p:cNvCxnSpPr>
-          <p:nvPr/>
-        </p:nvCxnSpPr>
-        <p:spPr>
-          <a:xfrm flipH="1">
-            <a:off x="5791941" y="2680941"/>
-            <a:ext cx="988160" cy="673074"/>
-          </a:xfrm>
-          <a:prstGeom prst="straightConnector1">
-            <a:avLst/>
-          </a:prstGeom>
-          <a:ln>
-            <a:tailEnd type="arrow"/>
-          </a:ln>
-        </p:spPr>
-        <p:style>
-          <a:lnRef idx="2">
-            <a:schemeClr val="accent1"/>
-          </a:lnRef>
-          <a:fillRef idx="0">
-            <a:schemeClr val="accent1"/>
-          </a:fillRef>
-          <a:effectRef idx="1">
-            <a:schemeClr val="accent1"/>
-          </a:effectRef>
-          <a:fontRef idx="minor">
-            <a:schemeClr val="tx1"/>
-          </a:fontRef>
-        </p:style>
-      </p:cxnSp>
-      <p:cxnSp>
-        <p:nvCxnSpPr>
-          <p:cNvPr id="22" name="Straight Arrow Connector 21"/>
-          <p:cNvCxnSpPr>
-            <a:stCxn id="9" idx="2"/>
-            <a:endCxn id="11" idx="0"/>
-          </p:cNvCxnSpPr>
-          <p:nvPr/>
-        </p:nvCxnSpPr>
-        <p:spPr>
-          <a:xfrm>
-            <a:off x="6780101" y="2680941"/>
-            <a:ext cx="955044" cy="673074"/>
-          </a:xfrm>
-          <a:prstGeom prst="straightConnector1">
-            <a:avLst/>
-          </a:prstGeom>
-          <a:ln>
-            <a:tailEnd type="arrow"/>
-          </a:ln>
-        </p:spPr>
-        <p:style>
-          <a:lnRef idx="2">
-            <a:schemeClr val="accent1"/>
-          </a:lnRef>
-          <a:fillRef idx="0">
-            <a:schemeClr val="accent1"/>
-          </a:fillRef>
-          <a:effectRef idx="1">
-            <a:schemeClr val="accent1"/>
-          </a:effectRef>
-          <a:fontRef idx="minor">
-            <a:schemeClr val="tx1"/>
-          </a:fontRef>
-        </p:style>
-      </p:cxnSp>
-      <p:sp>
-        <p:nvSpPr>
-          <p:cNvPr id="53" name="TextBox 52"/>
-          <p:cNvSpPr txBox="1"/>
-          <p:nvPr/>
-        </p:nvSpPr>
-        <p:spPr>
-          <a:xfrm>
-            <a:off x="3557758" y="1670855"/>
-            <a:ext cx="1735619" cy="1754327"/>
-          </a:xfrm>
-          <a:prstGeom prst="rect">
-            <a:avLst/>
-          </a:prstGeom>
-          <a:noFill/>
-        </p:spPr>
-        <p:txBody>
-          <a:bodyPr wrap="square" rtlCol="0">
-            <a:spAutoFit/>
-          </a:bodyPr>
-          <a:lstStyle/>
-          <a:p>
-            <a:r>
-              <a:rPr lang="en-US" dirty="0" smtClean="0"/>
-              <a:t>We don</a:t>
-            </a:r>
-            <a:r>
-              <a:rPr lang="uk-UA" dirty="0" smtClean="0"/>
-              <a:t>’</a:t>
-            </a:r>
-            <a:r>
-              <a:rPr lang="en-US" dirty="0" smtClean="0"/>
-              <a:t>t know why it sometimes runs GNRD or sometimes doesn’t</a:t>
-            </a:r>
-            <a:endParaRPr lang="en-US" dirty="0"/>
-          </a:p>
-        </p:txBody>
-      </p:sp>
-      <p:sp>
-        <p:nvSpPr>
-          <p:cNvPr id="61" name="TextBox 60"/>
-          <p:cNvSpPr txBox="1"/>
-          <p:nvPr/>
-        </p:nvSpPr>
-        <p:spPr>
-          <a:xfrm>
-            <a:off x="6563338" y="5803765"/>
-            <a:ext cx="2298440" cy="923330"/>
-          </a:xfrm>
-          <a:prstGeom prst="rect">
-            <a:avLst/>
-          </a:prstGeom>
-        </p:spPr>
-        <p:style>
-          <a:lnRef idx="2">
-            <a:schemeClr val="accent3">
-              <a:shade val="50000"/>
-            </a:schemeClr>
-          </a:lnRef>
-          <a:fillRef idx="1">
-            <a:schemeClr val="accent3"/>
-          </a:fillRef>
-          <a:effectRef idx="0">
-            <a:schemeClr val="accent3"/>
-          </a:effectRef>
-          <a:fontRef idx="minor">
-            <a:schemeClr val="lt1"/>
-          </a:fontRef>
-        </p:style>
-        <p:txBody>
-          <a:bodyPr wrap="square" rtlCol="0">
-            <a:spAutoFit/>
-          </a:bodyPr>
-          <a:lstStyle/>
-          <a:p>
-            <a:r>
-              <a:rPr lang="en-US" dirty="0" smtClean="0"/>
-              <a:t>Suggestion: alert user “Oops!  No text found in image”</a:t>
-            </a:r>
-            <a:endParaRPr lang="en-US" dirty="0"/>
-          </a:p>
-        </p:txBody>
-      </p:sp>
-      <p:sp>
-        <p:nvSpPr>
-          <p:cNvPr id="62" name="TextBox 61"/>
-          <p:cNvSpPr txBox="1"/>
-          <p:nvPr/>
-        </p:nvSpPr>
-        <p:spPr>
-          <a:xfrm>
-            <a:off x="3158162" y="140086"/>
-            <a:ext cx="2470749" cy="584776"/>
-          </a:xfrm>
-          <a:prstGeom prst="rect">
-            <a:avLst/>
-          </a:prstGeom>
-          <a:noFill/>
-        </p:spPr>
-        <p:txBody>
-          <a:bodyPr wrap="none" rtlCol="0">
-            <a:spAutoFit/>
-          </a:bodyPr>
-          <a:lstStyle/>
-          <a:p>
-            <a:r>
-              <a:rPr lang="en-US" sz="3200" dirty="0" smtClean="0"/>
-              <a:t>Priority = low</a:t>
-            </a:r>
-            <a:endParaRPr lang="en-US" sz="3200" dirty="0"/>
-          </a:p>
-        </p:txBody>
-      </p:sp>
-      <p:sp>
-        <p:nvSpPr>
-          <p:cNvPr id="63" name="Right Arrow 62"/>
-          <p:cNvSpPr/>
-          <p:nvPr/>
-        </p:nvSpPr>
-        <p:spPr>
-          <a:xfrm>
-            <a:off x="5012412" y="6113481"/>
-            <a:ext cx="1354279" cy="337141"/>
-          </a:xfrm>
-          <a:prstGeom prst="rightArrow">
-            <a:avLst/>
-          </a:prstGeom>
-        </p:spPr>
-        <p:style>
-          <a:lnRef idx="2">
-            <a:schemeClr val="accent5">
-              <a:shade val="50000"/>
-            </a:schemeClr>
-          </a:lnRef>
-          <a:fillRef idx="1">
-            <a:schemeClr val="accent5"/>
-          </a:fillRef>
-          <a:effectRef idx="0">
-            <a:schemeClr val="accent5"/>
-          </a:effectRef>
-          <a:fontRef idx="minor">
-            <a:schemeClr val="lt1"/>
-          </a:fontRef>
-        </p:style>
-        <p:txBody>
-          <a:bodyPr rtlCol="0" anchor="ctr"/>
-          <a:lstStyle/>
-          <a:p>
-            <a:pPr algn="ctr"/>
-            <a:endParaRPr lang="en-US"/>
-          </a:p>
-        </p:txBody>
-      </p:sp>
     </p:spTree>
-    <p:extLst>
-      <p:ext uri="{BB962C8B-B14F-4D97-AF65-F5344CB8AC3E}">
-        <p14:creationId xmlns:mc="http://schemas.openxmlformats.org/markup-compatibility/2006" xmlns:mv="urn:schemas-microsoft-com:mac:vml" xmlns:p14="http://schemas.microsoft.com/office/powerpoint/2010/main" xmlns:p="http://schemas.openxmlformats.org/presentationml/2006/main" xmlns:r="http://schemas.openxmlformats.org/officeDocument/2006/relationships" xmlns:a="http://schemas.openxmlformats.org/drawingml/2006/main" xmlns="" val="472843982"/>
-      </p:ext>
-    </p:extLst>
   </p:cSld>
   <p:clrMapOvr>
     <a:masterClrMapping/>
   </p:clrMapOvr>
+  <p:timing>
+    <p:tnLst>
+      <p:par>
+        <p:cTn id="1" dur="indefinite" restart="never" nodeType="tmRoot"/>
+      </p:par>
+    </p:tnLst>
+  </p:timing>
 </p:sld>
 </file>
 
@@ -4632,7 +4148,7 @@
         </p:blipFill>
         <p:spPr>
           <a:xfrm>
-            <a:off x="457966" y="757885"/>
+            <a:off x="646108" y="1739149"/>
             <a:ext cx="2234308" cy="3965575"/>
           </a:xfrm>
           <a:prstGeom prst="rect">
@@ -4764,8 +4280,8 @@
         </p:nvSpPr>
         <p:spPr>
           <a:xfrm>
-            <a:off x="3630183" y="195585"/>
-            <a:ext cx="2470749" cy="584776"/>
+            <a:off x="1172577" y="219276"/>
+            <a:ext cx="6615112" cy="1077218"/>
           </a:xfrm>
           <a:prstGeom prst="rect">
             <a:avLst/>
@@ -4778,9 +4294,25 @@
           </a:bodyPr>
           <a:lstStyle/>
           <a:p>
+            <a:pPr algn="ctr"/>
             <a:r>
               <a:rPr lang="en-US" sz="3200" dirty="0" smtClean="0"/>
-              <a:t>Priority = low</a:t>
+              <a:t>11. More informative alert on </a:t>
+            </a:r>
+            <a:r>
+              <a:rPr lang="en-US" sz="3200" dirty="0" smtClean="0"/>
+              <a:t>login fail</a:t>
+            </a:r>
+          </a:p>
+          <a:p>
+            <a:pPr algn="ctr"/>
+            <a:r>
+              <a:rPr lang="en-US" sz="3200" dirty="0" smtClean="0"/>
+              <a:t>Priority </a:t>
+            </a:r>
+            <a:r>
+              <a:rPr lang="en-US" sz="3200" dirty="0" smtClean="0"/>
+              <a:t>= low</a:t>
             </a:r>
             <a:endParaRPr lang="en-US" sz="3200" dirty="0"/>
           </a:p>
@@ -4818,109 +4350,9 @@
           <a:chExt cx="0" cy="0"/>
         </a:xfrm>
       </p:grpSpPr>
-      <p:sp>
-        <p:nvSpPr>
-          <p:cNvPr id="5" name="TextBox 4"/>
-          <p:cNvSpPr txBox="1"/>
-          <p:nvPr/>
-        </p:nvSpPr>
-        <p:spPr>
-          <a:xfrm>
-            <a:off x="3630183" y="1739148"/>
-            <a:ext cx="4697923" cy="1200329"/>
-          </a:xfrm>
-          <a:prstGeom prst="rect">
-            <a:avLst/>
-          </a:prstGeom>
-        </p:spPr>
-        <p:style>
-          <a:lnRef idx="1">
-            <a:schemeClr val="accent1"/>
-          </a:lnRef>
-          <a:fillRef idx="2">
-            <a:schemeClr val="accent1"/>
-          </a:fillRef>
-          <a:effectRef idx="1">
-            <a:schemeClr val="accent1"/>
-          </a:effectRef>
-          <a:fontRef idx="minor">
-            <a:schemeClr val="dk1"/>
-          </a:fontRef>
-        </p:style>
-        <p:txBody>
-          <a:bodyPr wrap="square" rtlCol="0">
-            <a:spAutoFit/>
-          </a:bodyPr>
-          <a:lstStyle/>
-          <a:p>
-            <a:r>
-              <a:rPr lang="en-US" dirty="0" smtClean="0"/>
-              <a:t>Suggestion: </a:t>
-            </a:r>
-          </a:p>
-          <a:p>
-            <a:r>
-              <a:rPr lang="en-US" dirty="0" smtClean="0"/>
-              <a:t>* S</a:t>
-            </a:r>
-            <a:r>
-              <a:rPr lang="en-US" dirty="0" smtClean="0"/>
-              <a:t>impler: “Please select a list to store new species names” </a:t>
-            </a:r>
-          </a:p>
-          <a:p>
-            <a:r>
-              <a:rPr lang="en-US" dirty="0" smtClean="0"/>
-              <a:t>* Be sure not to use </a:t>
-            </a:r>
-            <a:r>
-              <a:rPr lang="en-US" dirty="0" smtClean="0"/>
-              <a:t> “</a:t>
-            </a:r>
-            <a:r>
-              <a:rPr lang="en-US" dirty="0" err="1" smtClean="0"/>
-              <a:t>seclect</a:t>
-            </a:r>
-            <a:r>
-              <a:rPr lang="en-US" dirty="0" smtClean="0"/>
-              <a:t>”</a:t>
-            </a:r>
-          </a:p>
-        </p:txBody>
-      </p:sp>
-      <p:sp>
-        <p:nvSpPr>
-          <p:cNvPr id="2" name="TextBox 1"/>
-          <p:cNvSpPr txBox="1"/>
-          <p:nvPr/>
-        </p:nvSpPr>
-        <p:spPr>
-          <a:xfrm>
-            <a:off x="3630183" y="195585"/>
-            <a:ext cx="2470749" cy="584776"/>
-          </a:xfrm>
-          <a:prstGeom prst="rect">
-            <a:avLst/>
-          </a:prstGeom>
-          <a:noFill/>
-        </p:spPr>
-        <p:txBody>
-          <a:bodyPr wrap="none" rtlCol="0">
-            <a:spAutoFit/>
-          </a:bodyPr>
-          <a:lstStyle/>
-          <a:p>
-            <a:r>
-              <a:rPr lang="en-US" sz="3200" dirty="0" smtClean="0"/>
-              <a:t>Priority = low</a:t>
-            </a:r>
-            <a:endParaRPr lang="en-US" sz="3200" dirty="0"/>
-          </a:p>
-        </p:txBody>
-      </p:sp>
       <p:pic>
         <p:nvPicPr>
-          <p:cNvPr id="6" name="Picture 5"/>
+          <p:cNvPr id="5" name="Picture 4" descr="IMG_2009.PNG"/>
           <p:cNvPicPr>
             <a:picLocks noChangeAspect="1"/>
           </p:cNvPicPr>
@@ -4934,14 +4366,173 @@
         </p:blipFill>
         <p:spPr>
           <a:xfrm>
-            <a:off x="359410" y="780361"/>
-            <a:ext cx="2578894" cy="4572000"/>
+            <a:off x="819671" y="1698824"/>
+            <a:ext cx="2810512" cy="4988254"/>
           </a:xfrm>
           <a:prstGeom prst="rect">
             <a:avLst/>
           </a:prstGeom>
         </p:spPr>
       </p:pic>
+      <p:sp>
+        <p:nvSpPr>
+          <p:cNvPr id="6" name="TextBox 5"/>
+          <p:cNvSpPr txBox="1"/>
+          <p:nvPr/>
+        </p:nvSpPr>
+        <p:spPr>
+          <a:xfrm>
+            <a:off x="4807185" y="1698824"/>
+            <a:ext cx="3283185" cy="3139321"/>
+          </a:xfrm>
+          <a:prstGeom prst="rect">
+            <a:avLst/>
+          </a:prstGeom>
+        </p:spPr>
+        <p:style>
+          <a:lnRef idx="1">
+            <a:schemeClr val="accent1"/>
+          </a:lnRef>
+          <a:fillRef idx="2">
+            <a:schemeClr val="accent1"/>
+          </a:fillRef>
+          <a:effectRef idx="1">
+            <a:schemeClr val="accent1"/>
+          </a:effectRef>
+          <a:fontRef idx="minor">
+            <a:schemeClr val="dk1"/>
+          </a:fontRef>
+        </p:style>
+        <p:txBody>
+          <a:bodyPr wrap="square" rtlCol="0">
+            <a:spAutoFit/>
+          </a:bodyPr>
+          <a:lstStyle/>
+          <a:p>
+            <a:r>
+              <a:rPr lang="en-US" dirty="0" smtClean="0"/>
+              <a:t>User action: </a:t>
+            </a:r>
+          </a:p>
+          <a:p>
+            <a:pPr>
+              <a:buFont typeface="Arial"/>
+              <a:buChar char="•"/>
+            </a:pPr>
+            <a:r>
+              <a:rPr lang="en-US" dirty="0" smtClean="0"/>
+              <a:t> select “Use this image”</a:t>
+            </a:r>
+          </a:p>
+          <a:p>
+            <a:endParaRPr lang="en-US" dirty="0" smtClean="0"/>
+          </a:p>
+          <a:p>
+            <a:r>
+              <a:rPr lang="en-US" dirty="0" smtClean="0"/>
+              <a:t>Response: </a:t>
+            </a:r>
+          </a:p>
+          <a:p>
+            <a:pPr>
+              <a:buFont typeface="Arial"/>
+              <a:buChar char="•"/>
+            </a:pPr>
+            <a:r>
+              <a:rPr lang="en-US" dirty="0" smtClean="0"/>
+              <a:t> network error alert</a:t>
+            </a:r>
+          </a:p>
+          <a:p>
+            <a:endParaRPr lang="en-US" dirty="0" smtClean="0"/>
+          </a:p>
+          <a:p>
+            <a:r>
+              <a:rPr lang="en-US" dirty="0" smtClean="0"/>
+              <a:t>Suggestion: </a:t>
+            </a:r>
+          </a:p>
+          <a:p>
+            <a:pPr>
+              <a:buFont typeface="Arial"/>
+              <a:buChar char="•"/>
+            </a:pPr>
+            <a:r>
+              <a:rPr lang="en-US" dirty="0" smtClean="0"/>
+              <a:t> </a:t>
+            </a:r>
+            <a:r>
+              <a:rPr lang="en-US" dirty="0"/>
+              <a:t>change </a:t>
+            </a:r>
+            <a:r>
+              <a:rPr lang="en-US" dirty="0" err="1"/>
+              <a:t>index.html</a:t>
+            </a:r>
+            <a:r>
+              <a:rPr lang="en-US" dirty="0"/>
+              <a:t> to “Oops!” </a:t>
+            </a:r>
+          </a:p>
+          <a:p>
+            <a:pPr>
+              <a:buFont typeface="Arial"/>
+              <a:buChar char="•"/>
+            </a:pPr>
+            <a:r>
+              <a:rPr lang="en-US" dirty="0" smtClean="0"/>
+              <a:t>“Network error.  Please check your connection and try again.” </a:t>
+            </a:r>
+          </a:p>
+          <a:p>
+            <a:endParaRPr lang="en-US" dirty="0"/>
+          </a:p>
+        </p:txBody>
+      </p:sp>
+      <p:sp>
+        <p:nvSpPr>
+          <p:cNvPr id="4" name="TextBox 3"/>
+          <p:cNvSpPr txBox="1"/>
+          <p:nvPr/>
+        </p:nvSpPr>
+        <p:spPr>
+          <a:xfrm>
+            <a:off x="819671" y="195585"/>
+            <a:ext cx="6942926" cy="1077218"/>
+          </a:xfrm>
+          <a:prstGeom prst="rect">
+            <a:avLst/>
+          </a:prstGeom>
+          <a:noFill/>
+        </p:spPr>
+        <p:txBody>
+          <a:bodyPr wrap="none" rtlCol="0">
+            <a:spAutoFit/>
+          </a:bodyPr>
+          <a:lstStyle/>
+          <a:p>
+            <a:pPr marL="514350" indent="-514350" algn="ctr">
+              <a:buAutoNum type="arabicPeriod" startAt="12"/>
+            </a:pPr>
+            <a:r>
+              <a:rPr lang="en-US" sz="3200" dirty="0" smtClean="0"/>
+              <a:t>Suggest action to user on network fail</a:t>
+            </a:r>
+          </a:p>
+          <a:p>
+            <a:pPr marL="514350" indent="-514350" algn="ctr"/>
+            <a:r>
+              <a:rPr lang="en-US" sz="3200" dirty="0" smtClean="0"/>
+              <a:t>Priority </a:t>
+            </a:r>
+            <a:r>
+              <a:rPr lang="en-US" sz="3200" dirty="0" smtClean="0"/>
+              <a:t>= low</a:t>
+            </a:r>
+            <a:endParaRPr lang="en-US" sz="3200" dirty="0"/>
+          </a:p>
+        </p:txBody>
+      </p:sp>
     </p:spTree>
   </p:cSld>
   <p:clrMapOvr>
@@ -4976,22 +4567,28 @@
       </p:grpSpPr>
       <p:pic>
         <p:nvPicPr>
-          <p:cNvPr id="5" name="Picture 4" descr="IMG_2009.PNG"/>
+          <p:cNvPr id="6" name="Picture 5" descr="IMG_2013.PNG"/>
           <p:cNvPicPr>
             <a:picLocks noChangeAspect="1"/>
           </p:cNvPicPr>
           <p:nvPr/>
         </p:nvPicPr>
         <p:blipFill>
-          <a:blip r:embed="rId2"/>
+          <a:blip r:embed="rId2">
+            <a:extLst>
+              <a:ext uri="{28A0092B-C50C-407E-A947-70E740481C1C}">
+                <a14:useLocalDpi xmlns="" xmlns:a="http://schemas.openxmlformats.org/drawingml/2006/main" xmlns:r="http://schemas.openxmlformats.org/officeDocument/2006/relationships" xmlns:p="http://schemas.openxmlformats.org/presentationml/2006/main" xmlns:a14="http://schemas.microsoft.com/office/drawing/2010/main" xmlns:mv="urn:schemas-microsoft-com:mac:vml" xmlns:mc="http://schemas.openxmlformats.org/markup-compatibility/2006" val="0"/>
+              </a:ext>
+            </a:extLst>
+          </a:blip>
           <a:stretch>
             <a:fillRect/>
           </a:stretch>
         </p:blipFill>
         <p:spPr>
           <a:xfrm>
-            <a:off x="405102" y="499926"/>
-            <a:ext cx="3225081" cy="5724055"/>
+            <a:off x="492644" y="788307"/>
+            <a:ext cx="2884558" cy="5128103"/>
           </a:xfrm>
           <a:prstGeom prst="rect">
             <a:avLst/>
@@ -5000,16 +4597,16 @@
       </p:pic>
       <p:sp>
         <p:nvSpPr>
-          <p:cNvPr id="6" name="TextBox 5"/>
-          <p:cNvSpPr txBox="1"/>
-          <p:nvPr/>
-        </p:nvSpPr>
-        <p:spPr>
-          <a:xfrm>
-            <a:off x="4807185" y="1053630"/>
-            <a:ext cx="3283185" cy="3139321"/>
-          </a:xfrm>
-          <a:prstGeom prst="rect">
+          <p:cNvPr id="8" name="Rounded Rectangle 7"/>
+          <p:cNvSpPr/>
+          <p:nvPr/>
+        </p:nvSpPr>
+        <p:spPr>
+          <a:xfrm>
+            <a:off x="5759374" y="432474"/>
+            <a:ext cx="1997666" cy="711666"/>
+          </a:xfrm>
+          <a:prstGeom prst="roundRect">
             <a:avLst/>
           </a:prstGeom>
         </p:spPr>
@@ -5017,16 +4614,448 @@
           <a:lnRef idx="1">
             <a:schemeClr val="accent1"/>
           </a:lnRef>
-          <a:fillRef idx="2">
+          <a:fillRef idx="3">
+            <a:schemeClr val="accent1"/>
+          </a:fillRef>
+          <a:effectRef idx="2">
+            <a:schemeClr val="accent1"/>
+          </a:effectRef>
+          <a:fontRef idx="minor">
+            <a:schemeClr val="lt1"/>
+          </a:fontRef>
+        </p:style>
+        <p:txBody>
+          <a:bodyPr rtlCol="0" anchor="ctr"/>
+          <a:lstStyle/>
+          <a:p>
+            <a:pPr algn="ctr"/>
+            <a:r>
+              <a:rPr lang="en-US" sz="1400" dirty="0" smtClean="0"/>
+              <a:t>User: choose </a:t>
+            </a:r>
+            <a:r>
+              <a:rPr lang="en-US" sz="1400" dirty="0"/>
+              <a:t>image with no text at </a:t>
+            </a:r>
+            <a:r>
+              <a:rPr lang="en-US" sz="1400" dirty="0" smtClean="0"/>
+              <a:t>all</a:t>
+            </a:r>
+            <a:endParaRPr lang="en-US" sz="1400" dirty="0"/>
+          </a:p>
+        </p:txBody>
+      </p:sp>
+      <p:sp>
+        <p:nvSpPr>
+          <p:cNvPr id="9" name="Rounded Rectangle 8"/>
+          <p:cNvSpPr/>
+          <p:nvPr/>
+        </p:nvSpPr>
+        <p:spPr>
+          <a:xfrm>
+            <a:off x="6164435" y="1826941"/>
+            <a:ext cx="1231332" cy="854000"/>
+          </a:xfrm>
+          <a:prstGeom prst="roundRect">
+            <a:avLst/>
+          </a:prstGeom>
+        </p:spPr>
+        <p:style>
+          <a:lnRef idx="1">
+            <a:schemeClr val="accent1"/>
+          </a:lnRef>
+          <a:fillRef idx="3">
+            <a:schemeClr val="accent1"/>
+          </a:fillRef>
+          <a:effectRef idx="2">
+            <a:schemeClr val="accent1"/>
+          </a:effectRef>
+          <a:fontRef idx="minor">
+            <a:schemeClr val="lt1"/>
+          </a:fontRef>
+        </p:style>
+        <p:txBody>
+          <a:bodyPr rtlCol="0" anchor="ctr"/>
+          <a:lstStyle/>
+          <a:p>
+            <a:pPr algn="ctr"/>
+            <a:r>
+              <a:rPr lang="en-US" dirty="0"/>
+              <a:t>app runs OCR</a:t>
+            </a:r>
+          </a:p>
+        </p:txBody>
+      </p:sp>
+      <p:sp>
+        <p:nvSpPr>
+          <p:cNvPr id="10" name="Rounded Rectangle 9"/>
+          <p:cNvSpPr/>
+          <p:nvPr/>
+        </p:nvSpPr>
+        <p:spPr>
+          <a:xfrm>
+            <a:off x="5217191" y="3354015"/>
+            <a:ext cx="1149500" cy="854000"/>
+          </a:xfrm>
+          <a:prstGeom prst="roundRect">
+            <a:avLst/>
+          </a:prstGeom>
+        </p:spPr>
+        <p:style>
+          <a:lnRef idx="1">
+            <a:schemeClr val="accent1"/>
+          </a:lnRef>
+          <a:fillRef idx="3">
+            <a:schemeClr val="accent1"/>
+          </a:fillRef>
+          <a:effectRef idx="2">
+            <a:schemeClr val="accent1"/>
+          </a:effectRef>
+          <a:fontRef idx="minor">
+            <a:schemeClr val="lt1"/>
+          </a:fontRef>
+        </p:style>
+        <p:txBody>
+          <a:bodyPr rtlCol="0" anchor="ctr"/>
+          <a:lstStyle/>
+          <a:p>
+            <a:pPr algn="ctr"/>
+            <a:r>
+              <a:rPr lang="en-US" dirty="0" smtClean="0"/>
+              <a:t>App runs </a:t>
+            </a:r>
+            <a:r>
+              <a:rPr lang="en-US" dirty="0"/>
+              <a:t>GNRD</a:t>
+            </a:r>
+          </a:p>
+        </p:txBody>
+      </p:sp>
+      <p:sp>
+        <p:nvSpPr>
+          <p:cNvPr id="11" name="Rounded Rectangle 10"/>
+          <p:cNvSpPr/>
+          <p:nvPr/>
+        </p:nvSpPr>
+        <p:spPr>
+          <a:xfrm>
+            <a:off x="7045445" y="3354015"/>
+            <a:ext cx="1379400" cy="854000"/>
+          </a:xfrm>
+          <a:prstGeom prst="roundRect">
+            <a:avLst/>
+          </a:prstGeom>
+        </p:spPr>
+        <p:style>
+          <a:lnRef idx="1">
+            <a:schemeClr val="accent1"/>
+          </a:lnRef>
+          <a:fillRef idx="3">
+            <a:schemeClr val="accent1"/>
+          </a:fillRef>
+          <a:effectRef idx="2">
+            <a:schemeClr val="accent1"/>
+          </a:effectRef>
+          <a:fontRef idx="minor">
+            <a:schemeClr val="lt1"/>
+          </a:fontRef>
+        </p:style>
+        <p:txBody>
+          <a:bodyPr rtlCol="0" anchor="ctr"/>
+          <a:lstStyle/>
+          <a:p>
+            <a:pPr algn="ctr"/>
+            <a:r>
+              <a:rPr lang="en-US" dirty="0" smtClean="0"/>
+              <a:t>App doesn’t run </a:t>
+            </a:r>
+            <a:r>
+              <a:rPr lang="en-US" dirty="0"/>
+              <a:t>GNRD</a:t>
+            </a:r>
+          </a:p>
+        </p:txBody>
+      </p:sp>
+      <p:sp>
+        <p:nvSpPr>
+          <p:cNvPr id="12" name="Rounded Rectangle 11"/>
+          <p:cNvSpPr/>
+          <p:nvPr/>
+        </p:nvSpPr>
+        <p:spPr>
+          <a:xfrm>
+            <a:off x="4852487" y="4717525"/>
+            <a:ext cx="1813774" cy="854000"/>
+          </a:xfrm>
+          <a:prstGeom prst="roundRect">
+            <a:avLst/>
+          </a:prstGeom>
+        </p:spPr>
+        <p:style>
+          <a:lnRef idx="1">
+            <a:schemeClr val="accent1"/>
+          </a:lnRef>
+          <a:fillRef idx="3">
+            <a:schemeClr val="accent1"/>
+          </a:fillRef>
+          <a:effectRef idx="2">
+            <a:schemeClr val="accent1"/>
+          </a:effectRef>
+          <a:fontRef idx="minor">
+            <a:schemeClr val="lt1"/>
+          </a:fontRef>
+        </p:style>
+        <p:txBody>
+          <a:bodyPr rtlCol="0" anchor="ctr"/>
+          <a:lstStyle/>
+          <a:p>
+            <a:pPr algn="ctr"/>
+            <a:r>
+              <a:rPr lang="en-US" dirty="0" smtClean="0"/>
+              <a:t>App shows alert</a:t>
+            </a:r>
+            <a:endParaRPr lang="en-US" dirty="0"/>
+          </a:p>
+        </p:txBody>
+      </p:sp>
+      <p:cxnSp>
+        <p:nvCxnSpPr>
+          <p:cNvPr id="14" name="Straight Arrow Connector 13"/>
+          <p:cNvCxnSpPr>
+            <a:stCxn id="8" idx="2"/>
+            <a:endCxn id="9" idx="0"/>
+          </p:cNvCxnSpPr>
+          <p:nvPr/>
+        </p:nvCxnSpPr>
+        <p:spPr>
+          <a:xfrm>
+            <a:off x="6758207" y="1144140"/>
+            <a:ext cx="21894" cy="682801"/>
+          </a:xfrm>
+          <a:prstGeom prst="straightConnector1">
+            <a:avLst/>
+          </a:prstGeom>
+          <a:ln>
+            <a:tailEnd type="arrow"/>
+          </a:ln>
+        </p:spPr>
+        <p:style>
+          <a:lnRef idx="2">
+            <a:schemeClr val="accent1"/>
+          </a:lnRef>
+          <a:fillRef idx="0">
             <a:schemeClr val="accent1"/>
           </a:fillRef>
           <a:effectRef idx="1">
             <a:schemeClr val="accent1"/>
           </a:effectRef>
           <a:fontRef idx="minor">
-            <a:schemeClr val="dk1"/>
+            <a:schemeClr val="tx1"/>
           </a:fontRef>
         </p:style>
+      </p:cxnSp>
+      <p:sp>
+        <p:nvSpPr>
+          <p:cNvPr id="18" name="Rounded Rectangle 17"/>
+          <p:cNvSpPr/>
+          <p:nvPr/>
+        </p:nvSpPr>
+        <p:spPr>
+          <a:xfrm>
+            <a:off x="7137850" y="4717525"/>
+            <a:ext cx="1194590" cy="854000"/>
+          </a:xfrm>
+          <a:prstGeom prst="roundRect">
+            <a:avLst/>
+          </a:prstGeom>
+        </p:spPr>
+        <p:style>
+          <a:lnRef idx="1">
+            <a:schemeClr val="accent1"/>
+          </a:lnRef>
+          <a:fillRef idx="3">
+            <a:schemeClr val="accent1"/>
+          </a:fillRef>
+          <a:effectRef idx="2">
+            <a:schemeClr val="accent1"/>
+          </a:effectRef>
+          <a:fontRef idx="minor">
+            <a:schemeClr val="lt1"/>
+          </a:fontRef>
+        </p:style>
+        <p:txBody>
+          <a:bodyPr rtlCol="0" anchor="ctr"/>
+          <a:lstStyle/>
+          <a:p>
+            <a:pPr algn="ctr"/>
+            <a:r>
+              <a:rPr lang="en-US" dirty="0" smtClean="0"/>
+              <a:t>(No alert)</a:t>
+            </a:r>
+            <a:endParaRPr lang="en-US" dirty="0"/>
+          </a:p>
+        </p:txBody>
+      </p:sp>
+      <p:cxnSp>
+        <p:nvCxnSpPr>
+          <p:cNvPr id="19" name="Straight Arrow Connector 18"/>
+          <p:cNvCxnSpPr>
+            <a:stCxn id="10" idx="2"/>
+            <a:endCxn id="12" idx="0"/>
+          </p:cNvCxnSpPr>
+          <p:nvPr/>
+        </p:nvCxnSpPr>
+        <p:spPr>
+          <a:xfrm flipH="1">
+            <a:off x="5759374" y="4208015"/>
+            <a:ext cx="32567" cy="509510"/>
+          </a:xfrm>
+          <a:prstGeom prst="straightConnector1">
+            <a:avLst/>
+          </a:prstGeom>
+          <a:ln>
+            <a:tailEnd type="arrow"/>
+          </a:ln>
+        </p:spPr>
+        <p:style>
+          <a:lnRef idx="2">
+            <a:schemeClr val="accent1"/>
+          </a:lnRef>
+          <a:fillRef idx="0">
+            <a:schemeClr val="accent1"/>
+          </a:fillRef>
+          <a:effectRef idx="1">
+            <a:schemeClr val="accent1"/>
+          </a:effectRef>
+          <a:fontRef idx="minor">
+            <a:schemeClr val="tx1"/>
+          </a:fontRef>
+        </p:style>
+      </p:cxnSp>
+      <p:cxnSp>
+        <p:nvCxnSpPr>
+          <p:cNvPr id="20" name="Straight Arrow Connector 19"/>
+          <p:cNvCxnSpPr>
+            <a:stCxn id="11" idx="2"/>
+            <a:endCxn id="18" idx="0"/>
+          </p:cNvCxnSpPr>
+          <p:nvPr/>
+        </p:nvCxnSpPr>
+        <p:spPr>
+          <a:xfrm>
+            <a:off x="7735145" y="4208015"/>
+            <a:ext cx="0" cy="509510"/>
+          </a:xfrm>
+          <a:prstGeom prst="straightConnector1">
+            <a:avLst/>
+          </a:prstGeom>
+          <a:ln>
+            <a:tailEnd type="arrow"/>
+          </a:ln>
+        </p:spPr>
+        <p:style>
+          <a:lnRef idx="2">
+            <a:schemeClr val="accent1"/>
+          </a:lnRef>
+          <a:fillRef idx="0">
+            <a:schemeClr val="accent1"/>
+          </a:fillRef>
+          <a:effectRef idx="1">
+            <a:schemeClr val="accent1"/>
+          </a:effectRef>
+          <a:fontRef idx="minor">
+            <a:schemeClr val="tx1"/>
+          </a:fontRef>
+        </p:style>
+      </p:cxnSp>
+      <p:cxnSp>
+        <p:nvCxnSpPr>
+          <p:cNvPr id="21" name="Straight Arrow Connector 20"/>
+          <p:cNvCxnSpPr>
+            <a:stCxn id="9" idx="2"/>
+            <a:endCxn id="10" idx="0"/>
+          </p:cNvCxnSpPr>
+          <p:nvPr/>
+        </p:nvCxnSpPr>
+        <p:spPr>
+          <a:xfrm flipH="1">
+            <a:off x="5791941" y="2680941"/>
+            <a:ext cx="988160" cy="673074"/>
+          </a:xfrm>
+          <a:prstGeom prst="straightConnector1">
+            <a:avLst/>
+          </a:prstGeom>
+          <a:ln>
+            <a:tailEnd type="arrow"/>
+          </a:ln>
+        </p:spPr>
+        <p:style>
+          <a:lnRef idx="2">
+            <a:schemeClr val="accent1"/>
+          </a:lnRef>
+          <a:fillRef idx="0">
+            <a:schemeClr val="accent1"/>
+          </a:fillRef>
+          <a:effectRef idx="1">
+            <a:schemeClr val="accent1"/>
+          </a:effectRef>
+          <a:fontRef idx="minor">
+            <a:schemeClr val="tx1"/>
+          </a:fontRef>
+        </p:style>
+      </p:cxnSp>
+      <p:cxnSp>
+        <p:nvCxnSpPr>
+          <p:cNvPr id="22" name="Straight Arrow Connector 21"/>
+          <p:cNvCxnSpPr>
+            <a:stCxn id="9" idx="2"/>
+            <a:endCxn id="11" idx="0"/>
+          </p:cNvCxnSpPr>
+          <p:nvPr/>
+        </p:nvCxnSpPr>
+        <p:spPr>
+          <a:xfrm>
+            <a:off x="6780101" y="2680941"/>
+            <a:ext cx="955044" cy="673074"/>
+          </a:xfrm>
+          <a:prstGeom prst="straightConnector1">
+            <a:avLst/>
+          </a:prstGeom>
+          <a:ln>
+            <a:tailEnd type="arrow"/>
+          </a:ln>
+        </p:spPr>
+        <p:style>
+          <a:lnRef idx="2">
+            <a:schemeClr val="accent1"/>
+          </a:lnRef>
+          <a:fillRef idx="0">
+            <a:schemeClr val="accent1"/>
+          </a:fillRef>
+          <a:effectRef idx="1">
+            <a:schemeClr val="accent1"/>
+          </a:effectRef>
+          <a:fontRef idx="minor">
+            <a:schemeClr val="tx1"/>
+          </a:fontRef>
+        </p:style>
+      </p:cxnSp>
+      <p:sp>
+        <p:nvSpPr>
+          <p:cNvPr id="53" name="TextBox 52"/>
+          <p:cNvSpPr txBox="1"/>
+          <p:nvPr/>
+        </p:nvSpPr>
+        <p:spPr>
+          <a:xfrm>
+            <a:off x="3557758" y="1670855"/>
+            <a:ext cx="1735619" cy="1754327"/>
+          </a:xfrm>
+          <a:prstGeom prst="rect">
+            <a:avLst/>
+          </a:prstGeom>
+          <a:noFill/>
+        </p:spPr>
         <p:txBody>
           <a:bodyPr wrap="square" rtlCol="0">
             <a:spAutoFit/>
@@ -5035,93 +5064,74 @@
           <a:p>
             <a:r>
               <a:rPr lang="en-US" dirty="0" smtClean="0"/>
-              <a:t>User action: </a:t>
-            </a:r>
-          </a:p>
-          <a:p>
-            <a:pPr>
-              <a:buFont typeface="Arial"/>
-              <a:buChar char="•"/>
-            </a:pPr>
-            <a:r>
-              <a:rPr lang="en-US" dirty="0" smtClean="0"/>
-              <a:t> select “Use this image”</a:t>
-            </a:r>
-          </a:p>
-          <a:p>
-            <a:endParaRPr lang="en-US" dirty="0" smtClean="0"/>
-          </a:p>
-          <a:p>
-            <a:r>
-              <a:rPr lang="en-US" dirty="0" smtClean="0"/>
-              <a:t>Response: </a:t>
-            </a:r>
-          </a:p>
-          <a:p>
-            <a:pPr>
-              <a:buFont typeface="Arial"/>
-              <a:buChar char="•"/>
-            </a:pPr>
-            <a:r>
-              <a:rPr lang="en-US" dirty="0" smtClean="0"/>
-              <a:t> network error alert</a:t>
-            </a:r>
-          </a:p>
-          <a:p>
-            <a:endParaRPr lang="en-US" dirty="0" smtClean="0"/>
-          </a:p>
-          <a:p>
-            <a:r>
-              <a:rPr lang="en-US" dirty="0" smtClean="0"/>
-              <a:t>Suggestion: </a:t>
-            </a:r>
-          </a:p>
-          <a:p>
-            <a:pPr>
-              <a:buFont typeface="Arial"/>
-              <a:buChar char="•"/>
-            </a:pPr>
-            <a:r>
-              <a:rPr lang="en-US" dirty="0" smtClean="0"/>
-              <a:t> </a:t>
-            </a:r>
-            <a:r>
-              <a:rPr lang="en-US" dirty="0"/>
-              <a:t>change </a:t>
-            </a:r>
-            <a:r>
-              <a:rPr lang="en-US" dirty="0" err="1"/>
-              <a:t>index.html</a:t>
-            </a:r>
-            <a:r>
-              <a:rPr lang="en-US" dirty="0"/>
-              <a:t> to “Oops!” </a:t>
-            </a:r>
-          </a:p>
-          <a:p>
-            <a:pPr>
-              <a:buFont typeface="Arial"/>
-              <a:buChar char="•"/>
-            </a:pPr>
-            <a:r>
-              <a:rPr lang="en-US" dirty="0" smtClean="0"/>
-              <a:t>“Network error.  Please check your connection and try again.” </a:t>
-            </a:r>
-          </a:p>
-          <a:p>
+              <a:t>We don</a:t>
+            </a:r>
+            <a:r>
+              <a:rPr lang="uk-UA" dirty="0" smtClean="0"/>
+              <a:t>’</a:t>
+            </a:r>
+            <a:r>
+              <a:rPr lang="en-US" dirty="0" smtClean="0"/>
+              <a:t>t know why it sometimes runs GNRD or sometimes doesn’t</a:t>
+            </a:r>
             <a:endParaRPr lang="en-US" dirty="0"/>
           </a:p>
         </p:txBody>
       </p:sp>
       <p:sp>
         <p:nvSpPr>
-          <p:cNvPr id="4" name="TextBox 3"/>
+          <p:cNvPr id="61" name="TextBox 60"/>
           <p:cNvSpPr txBox="1"/>
           <p:nvPr/>
         </p:nvSpPr>
         <p:spPr>
           <a:xfrm>
-            <a:off x="3630183" y="195585"/>
+            <a:off x="6563338" y="5803765"/>
+            <a:ext cx="2298440" cy="923330"/>
+          </a:xfrm>
+          <a:prstGeom prst="rect">
+            <a:avLst/>
+          </a:prstGeom>
+        </p:spPr>
+        <p:style>
+          <a:lnRef idx="2">
+            <a:schemeClr val="accent3">
+              <a:shade val="50000"/>
+            </a:schemeClr>
+          </a:lnRef>
+          <a:fillRef idx="1">
+            <a:schemeClr val="accent3"/>
+          </a:fillRef>
+          <a:effectRef idx="0">
+            <a:schemeClr val="accent3"/>
+          </a:effectRef>
+          <a:fontRef idx="minor">
+            <a:schemeClr val="lt1"/>
+          </a:fontRef>
+        </p:style>
+        <p:txBody>
+          <a:bodyPr wrap="square" rtlCol="0">
+            <a:spAutoFit/>
+          </a:bodyPr>
+          <a:lstStyle/>
+          <a:p>
+            <a:r>
+              <a:rPr lang="en-US" dirty="0" smtClean="0"/>
+              <a:t>Suggestion: alert user “Oops!  No text found in image”</a:t>
+            </a:r>
+            <a:endParaRPr lang="en-US" dirty="0"/>
+          </a:p>
+        </p:txBody>
+      </p:sp>
+      <p:sp>
+        <p:nvSpPr>
+          <p:cNvPr id="62" name="TextBox 61"/>
+          <p:cNvSpPr txBox="1"/>
+          <p:nvPr/>
+        </p:nvSpPr>
+        <p:spPr>
+          <a:xfrm>
+            <a:off x="3158162" y="140086"/>
             <a:ext cx="2470749" cy="584776"/>
           </a:xfrm>
           <a:prstGeom prst="rect">
@@ -5143,18 +5153,56 @@
           </a:p>
         </p:txBody>
       </p:sp>
+      <p:sp>
+        <p:nvSpPr>
+          <p:cNvPr id="63" name="Right Arrow 62"/>
+          <p:cNvSpPr/>
+          <p:nvPr/>
+        </p:nvSpPr>
+        <p:spPr>
+          <a:xfrm>
+            <a:off x="5012412" y="6113481"/>
+            <a:ext cx="1354279" cy="337141"/>
+          </a:xfrm>
+          <a:prstGeom prst="rightArrow">
+            <a:avLst/>
+          </a:prstGeom>
+        </p:spPr>
+        <p:style>
+          <a:lnRef idx="2">
+            <a:schemeClr val="accent5">
+              <a:shade val="50000"/>
+            </a:schemeClr>
+          </a:lnRef>
+          <a:fillRef idx="1">
+            <a:schemeClr val="accent5"/>
+          </a:fillRef>
+          <a:effectRef idx="0">
+            <a:schemeClr val="accent5"/>
+          </a:effectRef>
+          <a:fontRef idx="minor">
+            <a:schemeClr val="lt1"/>
+          </a:fontRef>
+        </p:style>
+        <p:txBody>
+          <a:bodyPr rtlCol="0" anchor="ctr"/>
+          <a:lstStyle/>
+          <a:p>
+            <a:pPr algn="ctr"/>
+            <a:endParaRPr lang="en-US"/>
+          </a:p>
+        </p:txBody>
+      </p:sp>
     </p:spTree>
+    <p:extLst>
+      <p:ext uri="{BB962C8B-B14F-4D97-AF65-F5344CB8AC3E}">
+        <p14:creationId xmlns="" xmlns:a="http://schemas.openxmlformats.org/drawingml/2006/main" xmlns:r="http://schemas.openxmlformats.org/officeDocument/2006/relationships" xmlns:p="http://schemas.openxmlformats.org/presentationml/2006/main" xmlns:p14="http://schemas.microsoft.com/office/powerpoint/2010/main" xmlns:mv="urn:schemas-microsoft-com:mac:vml" xmlns:mc="http://schemas.openxmlformats.org/markup-compatibility/2006" val="472843982"/>
+      </p:ext>
+    </p:extLst>
   </p:cSld>
   <p:clrMapOvr>
     <a:masterClrMapping/>
   </p:clrMapOvr>
-  <p:timing>
-    <p:tnLst>
-      <p:par>
-        <p:cTn id="1" dur="indefinite" restart="never" nodeType="tmRoot"/>
-      </p:par>
-    </p:tnLst>
-  </p:timing>
 </p:sld>
 </file>
 
@@ -5359,7 +5407,7 @@
           <a:blip r:embed="rId3">
             <a:extLst>
               <a:ext uri="{28A0092B-C50C-407E-A947-70E740481C1C}">
-                <a14:useLocalDpi xmlns:mc="http://schemas.openxmlformats.org/markup-compatibility/2006" xmlns:mv="urn:schemas-microsoft-com:mac:vml" xmlns:a14="http://schemas.microsoft.com/office/drawing/2010/main" xmlns:p="http://schemas.openxmlformats.org/presentationml/2006/main" xmlns:r="http://schemas.openxmlformats.org/officeDocument/2006/relationships" xmlns:a="http://schemas.openxmlformats.org/drawingml/2006/main" xmlns="" val="0"/>
+                <a14:useLocalDpi xmlns="" xmlns:a="http://schemas.openxmlformats.org/drawingml/2006/main" xmlns:r="http://schemas.openxmlformats.org/officeDocument/2006/relationships" xmlns:p="http://schemas.openxmlformats.org/presentationml/2006/main" xmlns:a14="http://schemas.microsoft.com/office/drawing/2010/main" xmlns:mv="urn:schemas-microsoft-com:mac:vml" xmlns:mc="http://schemas.openxmlformats.org/markup-compatibility/2006" val="0"/>
               </a:ext>
             </a:extLst>
           </a:blip>
@@ -5389,7 +5437,7 @@
           <a:blip r:embed="rId4">
             <a:extLst>
               <a:ext uri="{28A0092B-C50C-407E-A947-70E740481C1C}">
-                <a14:useLocalDpi xmlns:mc="http://schemas.openxmlformats.org/markup-compatibility/2006" xmlns:mv="urn:schemas-microsoft-com:mac:vml" xmlns:a14="http://schemas.microsoft.com/office/drawing/2010/main" xmlns:p="http://schemas.openxmlformats.org/presentationml/2006/main" xmlns:r="http://schemas.openxmlformats.org/officeDocument/2006/relationships" xmlns:a="http://schemas.openxmlformats.org/drawingml/2006/main" xmlns="" val="0"/>
+                <a14:useLocalDpi xmlns="" xmlns:a="http://schemas.openxmlformats.org/drawingml/2006/main" xmlns:r="http://schemas.openxmlformats.org/officeDocument/2006/relationships" xmlns:p="http://schemas.openxmlformats.org/presentationml/2006/main" xmlns:a14="http://schemas.microsoft.com/office/drawing/2010/main" xmlns:mv="urn:schemas-microsoft-com:mac:vml" xmlns:mc="http://schemas.openxmlformats.org/markup-compatibility/2006" val="0"/>
               </a:ext>
             </a:extLst>
           </a:blip>
@@ -5525,7 +5573,7 @@
     </p:spTree>
     <p:extLst>
       <p:ext uri="{BB962C8B-B14F-4D97-AF65-F5344CB8AC3E}">
-        <p14:creationId xmlns:mc="http://schemas.openxmlformats.org/markup-compatibility/2006" xmlns:mv="urn:schemas-microsoft-com:mac:vml" xmlns:p14="http://schemas.microsoft.com/office/powerpoint/2010/main" xmlns:p="http://schemas.openxmlformats.org/presentationml/2006/main" xmlns:r="http://schemas.openxmlformats.org/officeDocument/2006/relationships" xmlns:a="http://schemas.openxmlformats.org/drawingml/2006/main" xmlns="" val="1864991049"/>
+        <p14:creationId xmlns="" xmlns:a="http://schemas.openxmlformats.org/drawingml/2006/main" xmlns:r="http://schemas.openxmlformats.org/officeDocument/2006/relationships" xmlns:p="http://schemas.openxmlformats.org/presentationml/2006/main" xmlns:p14="http://schemas.microsoft.com/office/powerpoint/2010/main" xmlns:mv="urn:schemas-microsoft-com:mac:vml" xmlns:mc="http://schemas.openxmlformats.org/markup-compatibility/2006" val="1864991049"/>
       </p:ext>
     </p:extLst>
   </p:cSld>
@@ -5561,53 +5609,105 @@
       </p:grpSpPr>
       <p:sp>
         <p:nvSpPr>
-          <p:cNvPr id="57" name="Rectangle 56"/>
-          <p:cNvSpPr/>
-          <p:nvPr/>
-        </p:nvSpPr>
-        <p:spPr>
-          <a:xfrm>
-            <a:off x="5453013" y="1989331"/>
-            <a:ext cx="2753646" cy="4458441"/>
+          <p:cNvPr id="3" name="TextBox 2"/>
+          <p:cNvSpPr txBox="1"/>
+          <p:nvPr/>
+        </p:nvSpPr>
+        <p:spPr>
+          <a:xfrm>
+            <a:off x="6625132" y="1605786"/>
+            <a:ext cx="2029915" cy="1200329"/>
           </a:xfrm>
           <a:prstGeom prst="rect">
             <a:avLst/>
           </a:prstGeom>
-          <a:solidFill>
-            <a:schemeClr val="bg1">
-              <a:lumMod val="85000"/>
-            </a:schemeClr>
-          </a:solidFill>
-          <a:ln>
-            <a:noFill/>
-          </a:ln>
         </p:spPr>
         <p:style>
           <a:lnRef idx="1">
             <a:schemeClr val="accent1"/>
           </a:lnRef>
-          <a:fillRef idx="3">
+          <a:fillRef idx="2">
             <a:schemeClr val="accent1"/>
           </a:fillRef>
-          <a:effectRef idx="2">
+          <a:effectRef idx="1">
             <a:schemeClr val="accent1"/>
           </a:effectRef>
           <a:fontRef idx="minor">
-            <a:schemeClr val="lt1"/>
+            <a:schemeClr val="dk1"/>
           </a:fontRef>
         </p:style>
         <p:txBody>
-          <a:bodyPr rtlCol="0" anchor="ctr"/>
+          <a:bodyPr wrap="square" rtlCol="0">
+            <a:spAutoFit/>
+          </a:bodyPr>
+          <a:lstStyle/>
+          <a:p>
+            <a:r>
+              <a:rPr lang="en-US" i="1" dirty="0" smtClean="0"/>
+              <a:t>2. Insert after “list.”:</a:t>
+            </a:r>
+          </a:p>
+          <a:p>
+            <a:r>
+              <a:rPr lang="en-US" dirty="0" smtClean="0"/>
+              <a:t>Swipe right to delete a name.</a:t>
+            </a:r>
+          </a:p>
+        </p:txBody>
+      </p:sp>
+      <p:sp>
+        <p:nvSpPr>
+          <p:cNvPr id="4" name="TextBox 3"/>
+          <p:cNvSpPr txBox="1"/>
+          <p:nvPr/>
+        </p:nvSpPr>
+        <p:spPr>
+          <a:xfrm>
+            <a:off x="3485443" y="202942"/>
+            <a:ext cx="5169604" cy="1077218"/>
+          </a:xfrm>
+          <a:prstGeom prst="rect">
+            <a:avLst/>
+          </a:prstGeom>
+          <a:noFill/>
+        </p:spPr>
+        <p:txBody>
+          <a:bodyPr wrap="none" rtlCol="0">
+            <a:spAutoFit/>
+          </a:bodyPr>
           <a:lstStyle/>
           <a:p>
             <a:pPr algn="ctr"/>
-            <a:endParaRPr lang="en-US"/>
+            <a:r>
+              <a:rPr lang="en-US" sz="3200" dirty="0" smtClean="0"/>
+              <a:t>1. </a:t>
+            </a:r>
+            <a:r>
+              <a:rPr lang="en-US" sz="3200" dirty="0" smtClean="0"/>
+              <a:t>Add help on 2 new features</a:t>
+            </a:r>
+            <a:r>
+              <a:rPr lang="en-US" sz="3200" dirty="0" smtClean="0"/>
+              <a:t> </a:t>
+            </a:r>
+          </a:p>
+          <a:p>
+            <a:pPr algn="ctr"/>
+            <a:r>
+              <a:rPr lang="en-US" sz="3200" dirty="0" smtClean="0"/>
+              <a:t>Priority </a:t>
+            </a:r>
+            <a:r>
+              <a:rPr lang="en-US" sz="3200" dirty="0" smtClean="0"/>
+              <a:t>= medium</a:t>
+            </a:r>
+            <a:endParaRPr lang="en-US" sz="3200" dirty="0"/>
           </a:p>
         </p:txBody>
       </p:sp>
       <p:pic>
         <p:nvPicPr>
-          <p:cNvPr id="4" name="Picture 3" descr="IMG_2004.PNG"/>
+          <p:cNvPr id="6" name="Picture 5"/>
           <p:cNvPicPr>
             <a:picLocks noChangeAspect="1"/>
           </p:cNvPicPr>
@@ -5621,24 +5721,59 @@
         </p:blipFill>
         <p:spPr>
           <a:xfrm>
-            <a:off x="1003251" y="1335852"/>
-            <a:ext cx="2753646" cy="4887325"/>
+            <a:off x="3452879" y="1280160"/>
+            <a:ext cx="2575775" cy="4572000"/>
           </a:xfrm>
           <a:prstGeom prst="rect">
             <a:avLst/>
           </a:prstGeom>
         </p:spPr>
       </p:pic>
-      <p:sp>
-        <p:nvSpPr>
-          <p:cNvPr id="8" name="TextBox 7"/>
+      <p:cxnSp>
+        <p:nvCxnSpPr>
+          <p:cNvPr id="9" name="Straight Arrow Connector 8"/>
+          <p:cNvCxnSpPr>
+            <a:stCxn id="3" idx="1"/>
+          </p:cNvCxnSpPr>
+          <p:nvPr/>
+        </p:nvCxnSpPr>
+        <p:spPr>
+          <a:xfrm rot="10800000" flipV="1">
+            <a:off x="4109268" y="2205951"/>
+            <a:ext cx="2515865" cy="669644"/>
+          </a:xfrm>
+          <a:prstGeom prst="straightConnector1">
+            <a:avLst/>
+          </a:prstGeom>
+          <a:ln>
+            <a:tailEnd type="arrow"/>
+          </a:ln>
+        </p:spPr>
+        <p:style>
+          <a:lnRef idx="2">
+            <a:schemeClr val="accent1"/>
+          </a:lnRef>
+          <a:fillRef idx="0">
+            <a:schemeClr val="accent1"/>
+          </a:fillRef>
+          <a:effectRef idx="1">
+            <a:schemeClr val="accent1"/>
+          </a:effectRef>
+          <a:fontRef idx="minor">
+            <a:schemeClr val="tx1"/>
+          </a:fontRef>
+        </p:style>
+      </p:cxnSp>
+      <p:sp>
+        <p:nvSpPr>
+          <p:cNvPr id="12" name="TextBox 11"/>
           <p:cNvSpPr txBox="1"/>
           <p:nvPr/>
         </p:nvSpPr>
         <p:spPr>
           <a:xfrm>
-            <a:off x="5976030" y="4383980"/>
-            <a:ext cx="2903168" cy="646331"/>
+            <a:off x="6816071" y="4023360"/>
+            <a:ext cx="1838976" cy="1754327"/>
           </a:xfrm>
           <a:prstGeom prst="rect">
             <a:avLst/>
@@ -5665,59 +5800,89 @@
           <a:lstStyle/>
           <a:p>
             <a:r>
-              <a:rPr lang="en-US" dirty="0" smtClean="0"/>
-              <a:t>Most apps use tiny 8 or 9 pt text under icon</a:t>
-            </a:r>
-            <a:endParaRPr lang="en-US" dirty="0"/>
-          </a:p>
-        </p:txBody>
-      </p:sp>
-      <p:sp>
-        <p:nvSpPr>
-          <p:cNvPr id="11" name="TextBox 10"/>
+              <a:rPr lang="en-US" i="1" dirty="0" smtClean="0"/>
+              <a:t>3. Insert:</a:t>
+            </a:r>
+            <a:endParaRPr lang="en-US" i="1" dirty="0" smtClean="0"/>
+          </a:p>
+          <a:p>
+            <a:r>
+              <a:rPr lang="en-US" dirty="0" smtClean="0"/>
+              <a:t>To share, choose Export </a:t>
+            </a:r>
+            <a:r>
+              <a:rPr lang="en-US" dirty="0" err="1" smtClean="0">
+                <a:sym typeface="Wingdings"/>
+              </a:rPr>
+              <a:t></a:t>
+            </a:r>
+            <a:r>
+              <a:rPr lang="en-US" dirty="0" smtClean="0">
+                <a:sym typeface="Wingdings"/>
+              </a:rPr>
+              <a:t> Open in Browser</a:t>
+            </a:r>
+            <a:r>
+              <a:rPr lang="en-US" dirty="0" smtClean="0"/>
+              <a:t>, </a:t>
+            </a:r>
+            <a:r>
+              <a:rPr lang="en-US" dirty="0" smtClean="0"/>
+              <a:t>then use the browser’s</a:t>
+            </a:r>
+            <a:r>
+              <a:rPr lang="en-US" dirty="0" smtClean="0"/>
+              <a:t> sharing features.</a:t>
+            </a:r>
+            <a:endParaRPr lang="en-US" dirty="0" smtClean="0"/>
+          </a:p>
+        </p:txBody>
+      </p:sp>
+      <p:cxnSp>
+        <p:nvCxnSpPr>
+          <p:cNvPr id="13" name="Straight Arrow Connector 12"/>
+          <p:cNvCxnSpPr>
+            <a:stCxn id="12" idx="1"/>
+          </p:cNvCxnSpPr>
+          <p:nvPr/>
+        </p:nvCxnSpPr>
+        <p:spPr>
+          <a:xfrm rot="10800000">
+            <a:off x="4696315" y="4816636"/>
+            <a:ext cx="2119757" cy="83889"/>
+          </a:xfrm>
+          <a:prstGeom prst="straightConnector1">
+            <a:avLst/>
+          </a:prstGeom>
+          <a:ln>
+            <a:tailEnd type="arrow"/>
+          </a:ln>
+        </p:spPr>
+        <p:style>
+          <a:lnRef idx="2">
+            <a:schemeClr val="accent1"/>
+          </a:lnRef>
+          <a:fillRef idx="0">
+            <a:schemeClr val="accent1"/>
+          </a:fillRef>
+          <a:effectRef idx="1">
+            <a:schemeClr val="accent1"/>
+          </a:effectRef>
+          <a:fontRef idx="minor">
+            <a:schemeClr val="tx1"/>
+          </a:fontRef>
+        </p:style>
+      </p:cxnSp>
+      <p:sp>
+        <p:nvSpPr>
+          <p:cNvPr id="15" name="TextBox 14"/>
           <p:cNvSpPr txBox="1"/>
           <p:nvPr/>
         </p:nvSpPr>
         <p:spPr>
           <a:xfrm>
-            <a:off x="2646882" y="5994345"/>
-            <a:ext cx="595273" cy="230832"/>
-          </a:xfrm>
-          <a:prstGeom prst="rect">
-            <a:avLst/>
-          </a:prstGeom>
-          <a:noFill/>
-        </p:spPr>
-        <p:txBody>
-          <a:bodyPr wrap="none" rtlCol="0">
-            <a:spAutoFit/>
-          </a:bodyPr>
-          <a:lstStyle/>
-          <a:p>
-            <a:r>
-              <a:rPr lang="en-US" sz="900" dirty="0" smtClean="0">
-                <a:latin typeface="Helvetica"/>
-                <a:cs typeface="Helvetica"/>
-              </a:rPr>
-              <a:t>Capture</a:t>
-            </a:r>
-            <a:endParaRPr lang="en-US" sz="900" dirty="0">
-              <a:latin typeface="Helvetica"/>
-              <a:cs typeface="Helvetica"/>
-            </a:endParaRPr>
-          </a:p>
-        </p:txBody>
-      </p:sp>
-      <p:sp>
-        <p:nvSpPr>
-          <p:cNvPr id="19" name="TextBox 18"/>
-          <p:cNvSpPr txBox="1"/>
-          <p:nvPr/>
-        </p:nvSpPr>
-        <p:spPr>
-          <a:xfrm>
-            <a:off x="286194" y="2814320"/>
-            <a:ext cx="2596444" cy="1569660"/>
+            <a:off x="246821" y="371431"/>
+            <a:ext cx="2734059" cy="1477328"/>
           </a:xfrm>
           <a:prstGeom prst="rect">
             <a:avLst/>
@@ -5744,150 +5909,40 @@
           <a:lstStyle/>
           <a:p>
             <a:r>
-              <a:rPr lang="en-US" sz="1600" dirty="0" smtClean="0"/>
-              <a:t>Buttons </a:t>
-            </a:r>
-            <a:r>
-              <a:rPr lang="en-US" sz="1600" dirty="0" smtClean="0"/>
-              <a:t>do nothing. </a:t>
-            </a:r>
-          </a:p>
-          <a:p>
-            <a:endParaRPr lang="en-US" sz="1600" dirty="0" smtClean="0"/>
-          </a:p>
-          <a:p>
-            <a:r>
-              <a:rPr lang="en-US" sz="1600" b="1" dirty="0" smtClean="0"/>
-              <a:t>Suggestion</a:t>
-            </a:r>
-            <a:r>
-              <a:rPr lang="en-US" sz="1600" dirty="0" smtClean="0"/>
-              <a:t>: remove them, or add an alert that says “Sorry, this feature is not yet implemented!” </a:t>
-            </a:r>
-            <a:endParaRPr lang="en-US" sz="1600" dirty="0"/>
-          </a:p>
-        </p:txBody>
-      </p:sp>
-      <p:sp>
-        <p:nvSpPr>
-          <p:cNvPr id="20" name="TextBox 19"/>
-          <p:cNvSpPr txBox="1"/>
-          <p:nvPr/>
-        </p:nvSpPr>
-        <p:spPr>
-          <a:xfrm>
-            <a:off x="5705596" y="823333"/>
-            <a:ext cx="2800767" cy="923330"/>
-          </a:xfrm>
-          <a:prstGeom prst="rect">
-            <a:avLst/>
-          </a:prstGeom>
-        </p:spPr>
-        <p:style>
-          <a:lnRef idx="1">
-            <a:schemeClr val="accent1"/>
-          </a:lnRef>
-          <a:fillRef idx="2">
-            <a:schemeClr val="accent1"/>
-          </a:fillRef>
-          <a:effectRef idx="1">
-            <a:schemeClr val="accent1"/>
-          </a:effectRef>
-          <a:fontRef idx="minor">
-            <a:schemeClr val="dk1"/>
-          </a:fontRef>
-        </p:style>
-        <p:txBody>
-          <a:bodyPr wrap="square" rtlCol="0">
-            <a:spAutoFit/>
-          </a:bodyPr>
-          <a:lstStyle/>
-          <a:p>
-            <a:r>
-              <a:rPr lang="en-US" dirty="0" smtClean="0"/>
-              <a:t>Use logo.  Change top strip background color to grey so that logo is fully visible.  </a:t>
+              <a:rPr lang="en-US" dirty="0" smtClean="0"/>
+              <a:t>1. Too much whitespace. </a:t>
+            </a:r>
+            <a:r>
+              <a:rPr lang="en-US" dirty="0" smtClean="0"/>
+              <a:t> </a:t>
+            </a:r>
+            <a:r>
+              <a:rPr lang="en-US" dirty="0" smtClean="0"/>
+              <a:t>Do we have </a:t>
+            </a:r>
+            <a:r>
+              <a:rPr lang="en-US" dirty="0" smtClean="0"/>
+              <a:t>a </a:t>
+            </a:r>
+            <a:r>
+              <a:rPr lang="en-US" dirty="0" smtClean="0"/>
+              <a:t>font and line-spacing that makes this more compact?  You may have to tweak the </a:t>
+            </a:r>
+            <a:r>
+              <a:rPr lang="en-US" dirty="0" err="1" smtClean="0"/>
+              <a:t>css</a:t>
+            </a:r>
+            <a:r>
+              <a:rPr lang="en-US" dirty="0" smtClean="0"/>
+              <a:t>.</a:t>
             </a:r>
             <a:endParaRPr lang="en-US" dirty="0"/>
-          </a:p>
-        </p:txBody>
-      </p:sp>
-      <p:sp>
-        <p:nvSpPr>
-          <p:cNvPr id="18" name="TextBox 17"/>
-          <p:cNvSpPr txBox="1"/>
-          <p:nvPr/>
-        </p:nvSpPr>
-        <p:spPr>
-          <a:xfrm>
-            <a:off x="802857" y="195585"/>
-            <a:ext cx="3185888" cy="584776"/>
-          </a:xfrm>
-          <a:prstGeom prst="rect">
-            <a:avLst/>
-          </a:prstGeom>
-          <a:noFill/>
-        </p:spPr>
-        <p:txBody>
-          <a:bodyPr wrap="none" rtlCol="0">
-            <a:spAutoFit/>
-          </a:bodyPr>
-          <a:lstStyle/>
-          <a:p>
-            <a:r>
-              <a:rPr lang="en-US" sz="3200" dirty="0" smtClean="0"/>
-              <a:t>Priority = medium</a:t>
-            </a:r>
-            <a:endParaRPr lang="en-US" sz="3200" dirty="0"/>
-          </a:p>
-        </p:txBody>
-      </p:sp>
-      <p:sp>
-        <p:nvSpPr>
-          <p:cNvPr id="37" name="Rectangle 36"/>
-          <p:cNvSpPr/>
-          <p:nvPr/>
-        </p:nvSpPr>
-        <p:spPr>
-          <a:xfrm>
-            <a:off x="5453014" y="2149940"/>
-            <a:ext cx="2753646" cy="461665"/>
-          </a:xfrm>
-          <a:prstGeom prst="rect">
-            <a:avLst/>
-          </a:prstGeom>
-          <a:solidFill>
-            <a:schemeClr val="tx1">
-              <a:lumMod val="50000"/>
-              <a:lumOff val="50000"/>
-            </a:schemeClr>
-          </a:solidFill>
-        </p:spPr>
-        <p:style>
-          <a:lnRef idx="1">
-            <a:schemeClr val="accent1"/>
-          </a:lnRef>
-          <a:fillRef idx="3">
-            <a:schemeClr val="accent1"/>
-          </a:fillRef>
-          <a:effectRef idx="2">
-            <a:schemeClr val="accent1"/>
-          </a:effectRef>
-          <a:fontRef idx="minor">
-            <a:schemeClr val="lt1"/>
-          </a:fontRef>
-        </p:style>
-        <p:txBody>
-          <a:bodyPr rtlCol="0" anchor="ctr"/>
-          <a:lstStyle/>
-          <a:p>
-            <a:pPr algn="ctr"/>
-            <a:endParaRPr lang="en-US"/>
           </a:p>
         </p:txBody>
       </p:sp>
       <p:pic>
         <p:nvPicPr>
-          <p:cNvPr id="7" name="Picture 6"/>
+          <p:cNvPr id="16" name="Picture 15"/>
           <p:cNvPicPr>
             <a:picLocks noChangeAspect="1"/>
           </p:cNvPicPr>
@@ -5901,621 +5956,19 @@
         </p:blipFill>
         <p:spPr>
           <a:xfrm>
-            <a:off x="5774042" y="2241707"/>
-            <a:ext cx="1353491" cy="354369"/>
+            <a:off x="595774" y="2205951"/>
+            <a:ext cx="2385106" cy="4023360"/>
           </a:xfrm>
           <a:prstGeom prst="rect">
             <a:avLst/>
           </a:prstGeom>
-        </p:spPr>
-      </p:pic>
-      <p:sp>
-        <p:nvSpPr>
-          <p:cNvPr id="39" name="TextBox 38"/>
-          <p:cNvSpPr txBox="1"/>
-          <p:nvPr/>
-        </p:nvSpPr>
-        <p:spPr>
-          <a:xfrm>
-            <a:off x="7765472" y="2078820"/>
-            <a:ext cx="441187" cy="461665"/>
-          </a:xfrm>
-          <a:prstGeom prst="rect">
-            <a:avLst/>
-          </a:prstGeom>
-          <a:noFill/>
-        </p:spPr>
-        <p:txBody>
-          <a:bodyPr wrap="square" rtlCol="0">
-            <a:spAutoFit/>
-          </a:bodyPr>
-          <a:lstStyle/>
-          <a:p>
-            <a:r>
-              <a:rPr lang="en-US" sz="2400" dirty="0" smtClean="0">
-                <a:solidFill>
-                  <a:schemeClr val="bg1"/>
-                </a:solidFill>
-              </a:rPr>
-              <a:t>+</a:t>
-            </a:r>
-            <a:endParaRPr lang="en-US" sz="2400" dirty="0">
-              <a:solidFill>
-                <a:schemeClr val="bg1"/>
-              </a:solidFill>
-            </a:endParaRPr>
-          </a:p>
-        </p:txBody>
-      </p:sp>
-      <p:pic>
-        <p:nvPicPr>
-          <p:cNvPr id="40" name="Picture 39"/>
-          <p:cNvPicPr>
-            <a:picLocks noChangeAspect="1"/>
-          </p:cNvPicPr>
-          <p:nvPr/>
-        </p:nvPicPr>
-        <p:blipFill>
-          <a:blip r:embed="rId3"/>
-          <a:stretch>
-            <a:fillRect/>
-          </a:stretch>
-        </p:blipFill>
-        <p:spPr>
-          <a:xfrm>
-            <a:off x="6205360" y="425992"/>
-            <a:ext cx="1353491" cy="354369"/>
-          </a:xfrm>
-          <a:prstGeom prst="rect">
-            <a:avLst/>
-          </a:prstGeom>
-        </p:spPr>
-      </p:pic>
-      <p:sp>
-        <p:nvSpPr>
-          <p:cNvPr id="25" name="&quot;No&quot; Symbol 24"/>
-          <p:cNvSpPr/>
-          <p:nvPr/>
-        </p:nvSpPr>
-        <p:spPr>
-          <a:xfrm>
-            <a:off x="1129810" y="1634011"/>
-            <a:ext cx="365977" cy="355600"/>
-          </a:xfrm>
-          <a:prstGeom prst="noSmoking">
-            <a:avLst>
-              <a:gd name="adj" fmla="val 12091"/>
-            </a:avLst>
-          </a:prstGeom>
-          <a:solidFill>
-            <a:srgbClr val="FF0000"/>
-          </a:solidFill>
-        </p:spPr>
-        <p:style>
-          <a:lnRef idx="1">
-            <a:schemeClr val="accent1"/>
-          </a:lnRef>
-          <a:fillRef idx="3">
-            <a:schemeClr val="accent1"/>
-          </a:fillRef>
-          <a:effectRef idx="2">
-            <a:schemeClr val="accent1"/>
-          </a:effectRef>
-          <a:fontRef idx="minor">
-            <a:schemeClr val="lt1"/>
-          </a:fontRef>
-        </p:style>
-        <p:txBody>
-          <a:bodyPr rtlCol="0" anchor="ctr"/>
-          <a:lstStyle/>
-          <a:p>
-            <a:pPr algn="ctr"/>
-            <a:endParaRPr lang="en-US">
-              <a:solidFill>
-                <a:schemeClr val="tx1"/>
-              </a:solidFill>
-            </a:endParaRPr>
-          </a:p>
-        </p:txBody>
-      </p:sp>
-      <p:sp>
-        <p:nvSpPr>
-          <p:cNvPr id="26" name="&quot;No&quot; Symbol 25"/>
-          <p:cNvSpPr/>
-          <p:nvPr/>
-        </p:nvSpPr>
-        <p:spPr>
-          <a:xfrm>
-            <a:off x="3394317" y="1708792"/>
-            <a:ext cx="365977" cy="355600"/>
-          </a:xfrm>
-          <a:prstGeom prst="noSmoking">
-            <a:avLst>
-              <a:gd name="adj" fmla="val 12091"/>
-            </a:avLst>
-          </a:prstGeom>
-          <a:solidFill>
-            <a:srgbClr val="FF0000"/>
-          </a:solidFill>
-        </p:spPr>
-        <p:style>
-          <a:lnRef idx="1">
-            <a:schemeClr val="accent1"/>
-          </a:lnRef>
-          <a:fillRef idx="3">
-            <a:schemeClr val="accent1"/>
-          </a:fillRef>
-          <a:effectRef idx="2">
-            <a:schemeClr val="accent1"/>
-          </a:effectRef>
-          <a:fontRef idx="minor">
-            <a:schemeClr val="lt1"/>
-          </a:fontRef>
-        </p:style>
-        <p:txBody>
-          <a:bodyPr rtlCol="0" anchor="ctr"/>
-          <a:lstStyle/>
-          <a:p>
-            <a:pPr algn="ctr"/>
-            <a:endParaRPr lang="en-US">
-              <a:solidFill>
-                <a:schemeClr val="tx1"/>
-              </a:solidFill>
-            </a:endParaRPr>
-          </a:p>
-        </p:txBody>
-      </p:sp>
-      <p:sp>
-        <p:nvSpPr>
-          <p:cNvPr id="33" name="TextBox 32"/>
-          <p:cNvSpPr txBox="1"/>
-          <p:nvPr/>
-        </p:nvSpPr>
-        <p:spPr>
-          <a:xfrm>
-            <a:off x="1003251" y="6001337"/>
-            <a:ext cx="492536" cy="230832"/>
-          </a:xfrm>
-          <a:prstGeom prst="rect">
-            <a:avLst/>
-          </a:prstGeom>
-          <a:noFill/>
-        </p:spPr>
-        <p:txBody>
-          <a:bodyPr wrap="none" rtlCol="0">
-            <a:spAutoFit/>
-          </a:bodyPr>
-          <a:lstStyle/>
-          <a:p>
-            <a:r>
-              <a:rPr lang="en-US" sz="900" dirty="0" smtClean="0">
-                <a:latin typeface="Helvetica"/>
-                <a:cs typeface="Helvetica"/>
-              </a:rPr>
-              <a:t>Home</a:t>
-            </a:r>
-            <a:endParaRPr lang="en-US" sz="900" dirty="0">
-              <a:latin typeface="Helvetica"/>
-              <a:cs typeface="Helvetica"/>
-            </a:endParaRPr>
-          </a:p>
-        </p:txBody>
-      </p:sp>
-      <p:sp>
-        <p:nvSpPr>
-          <p:cNvPr id="22" name="Rectangle 21"/>
-          <p:cNvSpPr/>
-          <p:nvPr/>
-        </p:nvSpPr>
-        <p:spPr>
-          <a:xfrm>
-            <a:off x="5453013" y="5960790"/>
-            <a:ext cx="2753646" cy="486982"/>
-          </a:xfrm>
-          <a:prstGeom prst="rect">
-            <a:avLst/>
-          </a:prstGeom>
-          <a:solidFill>
-            <a:srgbClr val="595959"/>
-          </a:solidFill>
-        </p:spPr>
-        <p:style>
-          <a:lnRef idx="1">
-            <a:schemeClr val="accent1"/>
-          </a:lnRef>
-          <a:fillRef idx="3">
-            <a:schemeClr val="accent1"/>
-          </a:fillRef>
-          <a:effectRef idx="2">
-            <a:schemeClr val="accent1"/>
-          </a:effectRef>
-          <a:fontRef idx="minor">
-            <a:schemeClr val="lt1"/>
-          </a:fontRef>
-        </p:style>
-        <p:txBody>
-          <a:bodyPr rtlCol="0" anchor="ctr"/>
-          <a:lstStyle/>
-          <a:p>
-            <a:pPr algn="ctr"/>
-            <a:endParaRPr lang="en-US"/>
-          </a:p>
-        </p:txBody>
-      </p:sp>
-      <p:pic>
-        <p:nvPicPr>
-          <p:cNvPr id="32" name="Picture 31"/>
-          <p:cNvPicPr>
-            <a:picLocks noChangeAspect="1"/>
-          </p:cNvPicPr>
-          <p:nvPr/>
-        </p:nvPicPr>
-        <p:blipFill>
-          <a:blip r:embed="rId4"/>
-          <a:srcRect l="31899" t="30508" r="31899" b="30508"/>
-          <a:stretch>
-            <a:fillRect/>
-          </a:stretch>
-        </p:blipFill>
-        <p:spPr>
-          <a:xfrm>
-            <a:off x="5585034" y="6076932"/>
-            <a:ext cx="284265" cy="228600"/>
-          </a:xfrm>
-          <a:prstGeom prst="rect">
-            <a:avLst/>
-          </a:prstGeom>
-          <a:solidFill>
-            <a:schemeClr val="bg1">
-              <a:lumMod val="65000"/>
-            </a:schemeClr>
-          </a:solidFill>
-        </p:spPr>
-      </p:pic>
-      <p:sp>
-        <p:nvSpPr>
-          <p:cNvPr id="10" name="TextBox 9"/>
-          <p:cNvSpPr txBox="1"/>
-          <p:nvPr/>
-        </p:nvSpPr>
-        <p:spPr>
-          <a:xfrm>
-            <a:off x="5483493" y="6254732"/>
-            <a:ext cx="492536" cy="230832"/>
-          </a:xfrm>
-          <a:prstGeom prst="rect">
-            <a:avLst/>
-          </a:prstGeom>
-          <a:noFill/>
-        </p:spPr>
-        <p:txBody>
-          <a:bodyPr wrap="none" rtlCol="0">
-            <a:spAutoFit/>
-          </a:bodyPr>
-          <a:lstStyle/>
-          <a:p>
-            <a:r>
-              <a:rPr lang="en-US" sz="900" dirty="0" smtClean="0">
-                <a:solidFill>
-                  <a:schemeClr val="bg1"/>
-                </a:solidFill>
-                <a:latin typeface="Helvetica"/>
-                <a:cs typeface="Helvetica"/>
-              </a:rPr>
-              <a:t>Home</a:t>
-            </a:r>
-            <a:endParaRPr lang="en-US" sz="900" dirty="0">
-              <a:solidFill>
-                <a:schemeClr val="bg1"/>
-              </a:solidFill>
-              <a:latin typeface="Helvetica"/>
-              <a:cs typeface="Helvetica"/>
-            </a:endParaRPr>
-          </a:p>
-        </p:txBody>
-      </p:sp>
-      <p:sp>
-        <p:nvSpPr>
-          <p:cNvPr id="35" name="TextBox 34"/>
-          <p:cNvSpPr txBox="1"/>
-          <p:nvPr/>
-        </p:nvSpPr>
-        <p:spPr>
-          <a:xfrm>
-            <a:off x="6615675" y="6216940"/>
-            <a:ext cx="428322" cy="230832"/>
-          </a:xfrm>
-          <a:prstGeom prst="rect">
-            <a:avLst/>
-          </a:prstGeom>
-          <a:noFill/>
-        </p:spPr>
-        <p:txBody>
-          <a:bodyPr wrap="none" rtlCol="0">
-            <a:spAutoFit/>
-          </a:bodyPr>
-          <a:lstStyle/>
-          <a:p>
-            <a:r>
-              <a:rPr lang="en-US" sz="900" dirty="0" smtClean="0">
-                <a:solidFill>
-                  <a:schemeClr val="bg1"/>
-                </a:solidFill>
-                <a:latin typeface="Helvetica"/>
-                <a:cs typeface="Helvetica"/>
-              </a:rPr>
-              <a:t>Help</a:t>
-            </a:r>
-            <a:endParaRPr lang="en-US" sz="900" dirty="0">
-              <a:solidFill>
-                <a:schemeClr val="bg1"/>
-              </a:solidFill>
-              <a:latin typeface="Helvetica"/>
-              <a:cs typeface="Helvetica"/>
-            </a:endParaRPr>
-          </a:p>
-        </p:txBody>
-      </p:sp>
-      <p:sp>
-        <p:nvSpPr>
-          <p:cNvPr id="36" name="TextBox 35"/>
-          <p:cNvSpPr txBox="1"/>
-          <p:nvPr/>
-        </p:nvSpPr>
-        <p:spPr>
-          <a:xfrm>
-            <a:off x="7526763" y="6216940"/>
-            <a:ext cx="595273" cy="230832"/>
-          </a:xfrm>
-          <a:prstGeom prst="rect">
-            <a:avLst/>
-          </a:prstGeom>
-          <a:noFill/>
-        </p:spPr>
-        <p:txBody>
-          <a:bodyPr wrap="none" rtlCol="0">
-            <a:spAutoFit/>
-          </a:bodyPr>
-          <a:lstStyle/>
-          <a:p>
-            <a:r>
-              <a:rPr lang="en-US" sz="900" dirty="0" smtClean="0">
-                <a:solidFill>
-                  <a:schemeClr val="bg1"/>
-                </a:solidFill>
-                <a:latin typeface="Helvetica"/>
-                <a:cs typeface="Helvetica"/>
-              </a:rPr>
-              <a:t>Capture</a:t>
-            </a:r>
-            <a:endParaRPr lang="en-US" sz="900" dirty="0">
-              <a:solidFill>
-                <a:schemeClr val="bg1"/>
-              </a:solidFill>
-              <a:latin typeface="Helvetica"/>
-              <a:cs typeface="Helvetica"/>
-            </a:endParaRPr>
-          </a:p>
-        </p:txBody>
-      </p:sp>
-      <p:sp>
-        <p:nvSpPr>
-          <p:cNvPr id="42" name="TextBox 41"/>
-          <p:cNvSpPr txBox="1"/>
-          <p:nvPr/>
-        </p:nvSpPr>
-        <p:spPr>
-          <a:xfrm>
-            <a:off x="2799282" y="1919108"/>
-            <a:ext cx="569387" cy="230832"/>
-          </a:xfrm>
-          <a:prstGeom prst="rect">
-            <a:avLst/>
-          </a:prstGeom>
-          <a:noFill/>
-        </p:spPr>
-        <p:txBody>
-          <a:bodyPr wrap="none" rtlCol="0">
-            <a:spAutoFit/>
-          </a:bodyPr>
-          <a:lstStyle/>
-          <a:p>
-            <a:r>
-              <a:rPr lang="en-US" sz="900" dirty="0" smtClean="0">
-                <a:latin typeface="Helvetica"/>
-                <a:cs typeface="Helvetica"/>
-              </a:rPr>
-              <a:t>Add</a:t>
-            </a:r>
-            <a:r>
-              <a:rPr lang="en-US" sz="900" dirty="0" smtClean="0">
-                <a:latin typeface="Helvetica"/>
-                <a:cs typeface="Helvetica"/>
-              </a:rPr>
-              <a:t> </a:t>
-            </a:r>
-            <a:r>
-              <a:rPr lang="en-US" sz="900" dirty="0" smtClean="0">
-                <a:latin typeface="Helvetica"/>
-                <a:cs typeface="Helvetica"/>
-              </a:rPr>
-              <a:t>list</a:t>
-            </a:r>
-            <a:endParaRPr lang="en-US" sz="900" dirty="0">
-              <a:latin typeface="Helvetica"/>
-              <a:cs typeface="Helvetica"/>
-            </a:endParaRPr>
-          </a:p>
-        </p:txBody>
-      </p:sp>
-      <p:sp>
-        <p:nvSpPr>
-          <p:cNvPr id="43" name="TextBox 42"/>
-          <p:cNvSpPr txBox="1"/>
-          <p:nvPr/>
-        </p:nvSpPr>
-        <p:spPr>
-          <a:xfrm>
-            <a:off x="7637273" y="2423743"/>
-            <a:ext cx="569387" cy="230832"/>
-          </a:xfrm>
-          <a:prstGeom prst="rect">
-            <a:avLst/>
-          </a:prstGeom>
-          <a:noFill/>
-        </p:spPr>
-        <p:txBody>
-          <a:bodyPr wrap="none" rtlCol="0">
-            <a:spAutoFit/>
-          </a:bodyPr>
-          <a:lstStyle/>
-          <a:p>
-            <a:r>
-              <a:rPr lang="en-US" sz="900" dirty="0" smtClean="0">
-                <a:solidFill>
-                  <a:schemeClr val="bg1"/>
-                </a:solidFill>
-                <a:latin typeface="Helvetica"/>
-                <a:cs typeface="Helvetica"/>
-              </a:rPr>
-              <a:t>Add list</a:t>
-            </a:r>
-            <a:endParaRPr lang="en-US" sz="900" dirty="0">
-              <a:solidFill>
-                <a:schemeClr val="bg1"/>
-              </a:solidFill>
-              <a:latin typeface="Helvetica"/>
-              <a:cs typeface="Helvetica"/>
-            </a:endParaRPr>
-          </a:p>
-        </p:txBody>
-      </p:sp>
-      <p:cxnSp>
-        <p:nvCxnSpPr>
-          <p:cNvPr id="47" name="Straight Arrow Connector 46"/>
-          <p:cNvCxnSpPr>
-            <a:stCxn id="19" idx="0"/>
-          </p:cNvCxnSpPr>
-          <p:nvPr/>
-        </p:nvCxnSpPr>
-        <p:spPr>
-          <a:xfrm rot="16200000" flipV="1">
-            <a:off x="1077644" y="2307548"/>
-            <a:ext cx="749928" cy="263616"/>
-          </a:xfrm>
-          <a:prstGeom prst="straightConnector1">
-            <a:avLst/>
-          </a:prstGeom>
           <a:ln>
-            <a:tailEnd type="arrow"/>
+            <a:solidFill>
+              <a:schemeClr val="bg1">
+                <a:lumMod val="75000"/>
+              </a:schemeClr>
+            </a:solidFill>
           </a:ln>
-        </p:spPr>
-        <p:style>
-          <a:lnRef idx="2">
-            <a:schemeClr val="accent1"/>
-          </a:lnRef>
-          <a:fillRef idx="0">
-            <a:schemeClr val="accent1"/>
-          </a:fillRef>
-          <a:effectRef idx="1">
-            <a:schemeClr val="accent1"/>
-          </a:effectRef>
-          <a:fontRef idx="minor">
-            <a:schemeClr val="tx1"/>
-          </a:fontRef>
-        </p:style>
-      </p:cxnSp>
-      <p:cxnSp>
-        <p:nvCxnSpPr>
-          <p:cNvPr id="50" name="Straight Arrow Connector 49"/>
-          <p:cNvCxnSpPr/>
-          <p:nvPr/>
-        </p:nvCxnSpPr>
-        <p:spPr>
-          <a:xfrm flipV="1">
-            <a:off x="1584417" y="2064392"/>
-            <a:ext cx="1784252" cy="749928"/>
-          </a:xfrm>
-          <a:prstGeom prst="straightConnector1">
-            <a:avLst/>
-          </a:prstGeom>
-          <a:ln>
-            <a:tailEnd type="arrow"/>
-          </a:ln>
-        </p:spPr>
-        <p:style>
-          <a:lnRef idx="2">
-            <a:schemeClr val="accent1"/>
-          </a:lnRef>
-          <a:fillRef idx="0">
-            <a:schemeClr val="accent1"/>
-          </a:fillRef>
-          <a:effectRef idx="1">
-            <a:schemeClr val="accent1"/>
-          </a:effectRef>
-          <a:fontRef idx="minor">
-            <a:schemeClr val="tx1"/>
-          </a:fontRef>
-        </p:style>
-      </p:cxnSp>
-      <p:cxnSp>
-        <p:nvCxnSpPr>
-          <p:cNvPr id="55" name="Straight Arrow Connector 54"/>
-          <p:cNvCxnSpPr>
-            <a:stCxn id="8" idx="2"/>
-          </p:cNvCxnSpPr>
-          <p:nvPr/>
-        </p:nvCxnSpPr>
-        <p:spPr>
-          <a:xfrm rot="5400000">
-            <a:off x="6064212" y="4942129"/>
-            <a:ext cx="1275221" cy="1451584"/>
-          </a:xfrm>
-          <a:prstGeom prst="straightConnector1">
-            <a:avLst/>
-          </a:prstGeom>
-          <a:ln>
-            <a:tailEnd type="arrow"/>
-          </a:ln>
-        </p:spPr>
-        <p:style>
-          <a:lnRef idx="2">
-            <a:schemeClr val="accent1"/>
-          </a:lnRef>
-          <a:fillRef idx="0">
-            <a:schemeClr val="accent1"/>
-          </a:fillRef>
-          <a:effectRef idx="1">
-            <a:schemeClr val="accent1"/>
-          </a:effectRef>
-          <a:fontRef idx="minor">
-            <a:schemeClr val="tx1"/>
-          </a:fontRef>
-        </p:style>
-      </p:cxnSp>
-      <p:pic>
-        <p:nvPicPr>
-          <p:cNvPr id="56" name="Picture 55" descr="IMG_2004.PNG"/>
-          <p:cNvPicPr>
-            <a:picLocks noChangeAspect="1"/>
-          </p:cNvPicPr>
-          <p:nvPr/>
-        </p:nvPicPr>
-        <p:blipFill>
-          <a:blip r:embed="rId2"/>
-          <a:srcRect b="96338"/>
-          <a:stretch>
-            <a:fillRect/>
-          </a:stretch>
-        </p:blipFill>
-        <p:spPr>
-          <a:xfrm>
-            <a:off x="5453013" y="1989331"/>
-            <a:ext cx="2753646" cy="178978"/>
-          </a:xfrm>
-          <a:prstGeom prst="rect">
-            <a:avLst/>
-          </a:prstGeom>
         </p:spPr>
       </p:pic>
     </p:spTree>
@@ -6552,7 +6005,7 @@
       </p:grpSpPr>
       <p:pic>
         <p:nvPicPr>
-          <p:cNvPr id="15" name="Picture 14" descr="IMG_2011.PNG"/>
+          <p:cNvPr id="9" name="Picture 8" descr="IMG_2011.PNG"/>
           <p:cNvPicPr>
             <a:picLocks noChangeAspect="1"/>
           </p:cNvPicPr>
@@ -6560,15 +6013,14 @@
         </p:nvPicPr>
         <p:blipFill>
           <a:blip r:embed="rId2"/>
-          <a:srcRect l="3375" t="26620" r="3375" b="25352"/>
           <a:stretch>
             <a:fillRect/>
           </a:stretch>
         </p:blipFill>
         <p:spPr>
           <a:xfrm>
-            <a:off x="6352170" y="3646326"/>
-            <a:ext cx="2429414" cy="2220788"/>
+            <a:off x="928163" y="1407251"/>
+            <a:ext cx="2605268" cy="4623976"/>
           </a:xfrm>
           <a:prstGeom prst="rect">
             <a:avLst/>
@@ -6577,14 +6029,14 @@
       </p:pic>
       <p:sp>
         <p:nvSpPr>
-          <p:cNvPr id="3" name="TextBox 2"/>
+          <p:cNvPr id="12" name="TextBox 11"/>
           <p:cNvSpPr txBox="1"/>
           <p:nvPr/>
         </p:nvSpPr>
         <p:spPr>
           <a:xfrm>
-            <a:off x="4807185" y="1053630"/>
-            <a:ext cx="3677953" cy="1200329"/>
+            <a:off x="5209327" y="760920"/>
+            <a:ext cx="3453807" cy="646331"/>
           </a:xfrm>
           <a:prstGeom prst="rect">
             <a:avLst/>
@@ -6612,190 +6064,123 @@
           <a:p>
             <a:r>
               <a:rPr lang="en-US" dirty="0" smtClean="0"/>
-              <a:t>Suggestions</a:t>
-            </a:r>
-          </a:p>
-          <a:p>
-            <a:pPr>
-              <a:buFont typeface="Arial"/>
-              <a:buChar char="•"/>
-            </a:pPr>
-            <a:r>
-              <a:rPr lang="en-US" dirty="0" smtClean="0"/>
-              <a:t> </a:t>
-            </a:r>
-            <a:r>
-              <a:rPr lang="en-US" dirty="0"/>
-              <a:t>change </a:t>
-            </a:r>
-            <a:r>
-              <a:rPr lang="en-US" dirty="0" err="1"/>
-              <a:t>index.html</a:t>
-            </a:r>
-            <a:r>
-              <a:rPr lang="en-US" dirty="0"/>
-              <a:t> to “Oops!” </a:t>
-            </a:r>
-          </a:p>
-          <a:p>
-            <a:pPr>
-              <a:buFont typeface="Arial"/>
-              <a:buChar char="•"/>
-            </a:pPr>
-            <a:r>
-              <a:rPr lang="en-US" dirty="0" smtClean="0"/>
-              <a:t> text: “Select (or create) a list first, before trying to capture names”</a:t>
-            </a:r>
-          </a:p>
-        </p:txBody>
-      </p:sp>
-      <p:pic>
-        <p:nvPicPr>
-          <p:cNvPr id="7" name="Picture 6" descr="IMG_2012.PNG"/>
-          <p:cNvPicPr>
-            <a:picLocks noChangeAspect="1"/>
-          </p:cNvPicPr>
-          <p:nvPr/>
-        </p:nvPicPr>
-        <p:blipFill>
-          <a:blip r:embed="rId3"/>
-          <a:stretch>
-            <a:fillRect/>
-          </a:stretch>
-        </p:blipFill>
-        <p:spPr>
-          <a:xfrm>
-            <a:off x="572885" y="780361"/>
-            <a:ext cx="3057298" cy="5426264"/>
+              <a:t>Use alert box to tell the user what was added to the list. </a:t>
+            </a:r>
+          </a:p>
+        </p:txBody>
+      </p:sp>
+      <p:sp>
+        <p:nvSpPr>
+          <p:cNvPr id="2" name="Rectangle 1"/>
+          <p:cNvSpPr/>
+          <p:nvPr/>
+        </p:nvSpPr>
+        <p:spPr>
+          <a:xfrm>
+            <a:off x="4619450" y="2189890"/>
+            <a:ext cx="1981142" cy="1613522"/>
           </a:xfrm>
           <a:prstGeom prst="rect">
             <a:avLst/>
           </a:prstGeom>
-        </p:spPr>
-      </p:pic>
-      <p:sp>
-        <p:nvSpPr>
-          <p:cNvPr id="4" name="TextBox 3"/>
-          <p:cNvSpPr txBox="1"/>
-          <p:nvPr/>
-        </p:nvSpPr>
-        <p:spPr>
-          <a:xfrm>
-            <a:off x="3630183" y="195585"/>
-            <a:ext cx="3185888" cy="584776"/>
-          </a:xfrm>
-          <a:prstGeom prst="rect">
-            <a:avLst/>
-          </a:prstGeom>
-          <a:noFill/>
-        </p:spPr>
-        <p:txBody>
-          <a:bodyPr wrap="none" rtlCol="0">
-            <a:spAutoFit/>
-          </a:bodyPr>
-          <a:lstStyle/>
-          <a:p>
-            <a:r>
-              <a:rPr lang="en-US" sz="3200" dirty="0" smtClean="0"/>
-              <a:t>Priority = medium</a:t>
-            </a:r>
-            <a:endParaRPr lang="en-US" sz="3200" dirty="0"/>
-          </a:p>
-        </p:txBody>
-      </p:sp>
-      <p:sp>
-        <p:nvSpPr>
-          <p:cNvPr id="5" name="TextBox 4"/>
-          <p:cNvSpPr txBox="1"/>
-          <p:nvPr/>
-        </p:nvSpPr>
-        <p:spPr>
-          <a:xfrm>
-            <a:off x="4807185" y="2255810"/>
-            <a:ext cx="3687360" cy="646331"/>
-          </a:xfrm>
-          <a:prstGeom prst="rect">
-            <a:avLst/>
-          </a:prstGeom>
-          <a:noFill/>
-        </p:spPr>
-        <p:txBody>
-          <a:bodyPr wrap="square" rtlCol="0">
-            <a:spAutoFit/>
-          </a:bodyPr>
-          <a:lstStyle/>
-          <a:p>
-            <a:r>
-              <a:rPr lang="en-US" dirty="0" smtClean="0"/>
-              <a:t>We need to explain to the user how the routing works here</a:t>
-            </a:r>
-            <a:endParaRPr lang="en-US" dirty="0"/>
-          </a:p>
-        </p:txBody>
-      </p:sp>
-      <p:cxnSp>
-        <p:nvCxnSpPr>
-          <p:cNvPr id="8" name="Straight Arrow Connector 7"/>
-          <p:cNvCxnSpPr/>
-          <p:nvPr/>
-        </p:nvCxnSpPr>
-        <p:spPr>
-          <a:xfrm rot="10800000">
-            <a:off x="886546" y="2902141"/>
-            <a:ext cx="4217086" cy="1854580"/>
-          </a:xfrm>
-          <a:prstGeom prst="straightConnector1">
-            <a:avLst/>
-          </a:prstGeom>
-          <a:ln>
-            <a:tailEnd type="arrow"/>
-          </a:ln>
         </p:spPr>
         <p:style>
           <a:lnRef idx="2">
-            <a:schemeClr val="accent1"/>
+            <a:schemeClr val="dk1"/>
           </a:lnRef>
-          <a:fillRef idx="0">
-            <a:schemeClr val="accent1"/>
+          <a:fillRef idx="1">
+            <a:schemeClr val="lt1"/>
           </a:fillRef>
-          <a:effectRef idx="1">
-            <a:schemeClr val="accent1"/>
-          </a:effectRef>
-          <a:fontRef idx="minor">
-            <a:schemeClr val="tx1"/>
-          </a:fontRef>
-        </p:style>
-      </p:cxnSp>
-      <p:sp>
-        <p:nvSpPr>
-          <p:cNvPr id="14" name="TextBox 13"/>
-          <p:cNvSpPr txBox="1"/>
-          <p:nvPr/>
-        </p:nvSpPr>
-        <p:spPr>
-          <a:xfrm>
-            <a:off x="5103631" y="4493121"/>
-            <a:ext cx="3677953" cy="923330"/>
-          </a:xfrm>
-          <a:prstGeom prst="rect">
-            <a:avLst/>
-          </a:prstGeom>
-        </p:spPr>
-        <p:style>
-          <a:lnRef idx="1">
-            <a:schemeClr val="accent1"/>
-          </a:lnRef>
-          <a:fillRef idx="2">
-            <a:schemeClr val="accent1"/>
-          </a:fillRef>
-          <a:effectRef idx="1">
-            <a:schemeClr val="accent1"/>
+          <a:effectRef idx="0">
+            <a:schemeClr val="dk1"/>
           </a:effectRef>
           <a:fontRef idx="minor">
             <a:schemeClr val="dk1"/>
           </a:fontRef>
         </p:style>
         <p:txBody>
+          <a:bodyPr rtlCol="0" anchor="t" anchorCtr="0"/>
+          <a:lstStyle/>
+          <a:p>
+            <a:pPr algn="ctr"/>
+            <a:r>
+              <a:rPr lang="en-US" dirty="0" smtClean="0"/>
+              <a:t>Success!</a:t>
+            </a:r>
+          </a:p>
+          <a:p>
+            <a:pPr algn="ctr"/>
+            <a:endParaRPr lang="en-US" sz="900" dirty="0" smtClean="0"/>
+          </a:p>
+          <a:p>
+            <a:pPr algn="ctr"/>
+            <a:r>
+              <a:rPr lang="en-US" sz="1400" dirty="0" smtClean="0"/>
+              <a:t>Names added: </a:t>
+            </a:r>
+            <a:r>
+              <a:rPr lang="en-US" sz="1400" dirty="0" err="1" smtClean="0"/>
+              <a:t>Lophodytes</a:t>
+            </a:r>
+            <a:r>
+              <a:rPr lang="en-US" sz="1400" dirty="0" smtClean="0"/>
+              <a:t> </a:t>
+            </a:r>
+            <a:r>
+              <a:rPr lang="en-US" sz="1400" dirty="0" err="1" smtClean="0"/>
+              <a:t>cucullatus</a:t>
+            </a:r>
+            <a:endParaRPr lang="en-US" sz="1400" dirty="0"/>
+          </a:p>
+        </p:txBody>
+      </p:sp>
+      <p:sp>
+        <p:nvSpPr>
+          <p:cNvPr id="3" name="TextBox 2"/>
+          <p:cNvSpPr txBox="1"/>
+          <p:nvPr/>
+        </p:nvSpPr>
+        <p:spPr>
+          <a:xfrm>
+            <a:off x="4259359" y="1820559"/>
+            <a:ext cx="884940" cy="369332"/>
+          </a:xfrm>
+          <a:prstGeom prst="rect">
+            <a:avLst/>
+          </a:prstGeom>
+          <a:noFill/>
+        </p:spPr>
+        <p:txBody>
+          <a:bodyPr wrap="none" rtlCol="0">
+            <a:spAutoFit/>
+          </a:bodyPr>
+          <a:lstStyle/>
+          <a:p>
+            <a:r>
+              <a:rPr lang="en-US" dirty="0" smtClean="0"/>
+              <a:t>1 name</a:t>
+            </a:r>
+            <a:endParaRPr lang="en-US" dirty="0"/>
+          </a:p>
+        </p:txBody>
+      </p:sp>
+      <p:sp>
+        <p:nvSpPr>
+          <p:cNvPr id="8" name="TextBox 7"/>
+          <p:cNvSpPr txBox="1"/>
+          <p:nvPr/>
+        </p:nvSpPr>
+        <p:spPr>
+          <a:xfrm>
+            <a:off x="4259359" y="4640465"/>
+            <a:ext cx="1227042" cy="923330"/>
+          </a:xfrm>
+          <a:prstGeom prst="rect">
+            <a:avLst/>
+          </a:prstGeom>
+          <a:noFill/>
+        </p:spPr>
+        <p:txBody>
           <a:bodyPr wrap="square" rtlCol="0">
             <a:spAutoFit/>
           </a:bodyPr>
@@ -6803,47 +6188,227 @@
           <a:p>
             <a:r>
               <a:rPr lang="en-US" dirty="0" smtClean="0"/>
-              <a:t>Note: the rounded corners look better, but some of the alert boxes have square corners</a:t>
+              <a:t>&gt; 1 names:</a:t>
+            </a:r>
+          </a:p>
+          <a:p>
+            <a:r>
+              <a:rPr lang="en-US" dirty="0" smtClean="0"/>
+              <a:t>Tell user how many</a:t>
             </a:r>
             <a:endParaRPr lang="en-US" dirty="0"/>
           </a:p>
         </p:txBody>
       </p:sp>
-      <p:cxnSp>
-        <p:nvCxnSpPr>
-          <p:cNvPr id="16" name="Straight Arrow Connector 15"/>
-          <p:cNvCxnSpPr>
-            <a:stCxn id="14" idx="0"/>
-          </p:cNvCxnSpPr>
-          <p:nvPr/>
-        </p:nvCxnSpPr>
-        <p:spPr>
-          <a:xfrm rot="16200000" flipV="1">
-            <a:off x="6454378" y="4004890"/>
-            <a:ext cx="611065" cy="365397"/>
-          </a:xfrm>
-          <a:prstGeom prst="straightConnector1">
-            <a:avLst/>
-          </a:prstGeom>
-          <a:ln>
-            <a:tailEnd type="arrow"/>
-          </a:ln>
+      <p:sp>
+        <p:nvSpPr>
+          <p:cNvPr id="4" name="Rounded Rectangle 3"/>
+          <p:cNvSpPr/>
+          <p:nvPr/>
+        </p:nvSpPr>
+        <p:spPr>
+          <a:xfrm>
+            <a:off x="5015297" y="3305572"/>
+            <a:ext cx="1011474" cy="325903"/>
+          </a:xfrm>
+          <a:prstGeom prst="roundRect">
+            <a:avLst/>
+          </a:prstGeom>
         </p:spPr>
         <p:style>
           <a:lnRef idx="2">
-            <a:schemeClr val="accent1"/>
+            <a:schemeClr val="accent1">
+              <a:shade val="50000"/>
+            </a:schemeClr>
           </a:lnRef>
-          <a:fillRef idx="0">
+          <a:fillRef idx="1">
             <a:schemeClr val="accent1"/>
           </a:fillRef>
-          <a:effectRef idx="1">
+          <a:effectRef idx="0">
             <a:schemeClr val="accent1"/>
           </a:effectRef>
           <a:fontRef idx="minor">
-            <a:schemeClr val="tx1"/>
+            <a:schemeClr val="lt1"/>
           </a:fontRef>
         </p:style>
-      </p:cxnSp>
+        <p:txBody>
+          <a:bodyPr rtlCol="0" anchor="ctr"/>
+          <a:lstStyle/>
+          <a:p>
+            <a:pPr algn="ctr"/>
+            <a:r>
+              <a:rPr lang="en-US" dirty="0" smtClean="0"/>
+              <a:t>OK</a:t>
+            </a:r>
+            <a:endParaRPr lang="en-US" dirty="0"/>
+          </a:p>
+        </p:txBody>
+      </p:sp>
+      <p:sp>
+        <p:nvSpPr>
+          <p:cNvPr id="14" name="Rectangle 13"/>
+          <p:cNvSpPr/>
+          <p:nvPr/>
+        </p:nvSpPr>
+        <p:spPr>
+          <a:xfrm>
+            <a:off x="5627381" y="4429637"/>
+            <a:ext cx="1981142" cy="1859403"/>
+          </a:xfrm>
+          <a:prstGeom prst="rect">
+            <a:avLst/>
+          </a:prstGeom>
+        </p:spPr>
+        <p:style>
+          <a:lnRef idx="2">
+            <a:schemeClr val="dk1"/>
+          </a:lnRef>
+          <a:fillRef idx="1">
+            <a:schemeClr val="lt1"/>
+          </a:fillRef>
+          <a:effectRef idx="0">
+            <a:schemeClr val="dk1"/>
+          </a:effectRef>
+          <a:fontRef idx="minor">
+            <a:schemeClr val="dk1"/>
+          </a:fontRef>
+        </p:style>
+        <p:txBody>
+          <a:bodyPr rtlCol="0" anchor="t" anchorCtr="0"/>
+          <a:lstStyle/>
+          <a:p>
+            <a:pPr algn="ctr"/>
+            <a:r>
+              <a:rPr lang="en-US" dirty="0" smtClean="0"/>
+              <a:t>Success!</a:t>
+            </a:r>
+          </a:p>
+          <a:p>
+            <a:pPr algn="ctr"/>
+            <a:endParaRPr lang="en-US" sz="900" dirty="0" smtClean="0"/>
+          </a:p>
+          <a:p>
+            <a:pPr algn="ctr"/>
+            <a:r>
+              <a:rPr lang="en-US" sz="1400" dirty="0" smtClean="0"/>
+              <a:t>Names added: </a:t>
+            </a:r>
+            <a:r>
+              <a:rPr lang="en-US" sz="1400" dirty="0" err="1" smtClean="0"/>
+              <a:t>Lophodytes</a:t>
+            </a:r>
+            <a:r>
+              <a:rPr lang="en-US" sz="1400" dirty="0" smtClean="0"/>
+              <a:t> </a:t>
+            </a:r>
+            <a:r>
+              <a:rPr lang="en-US" sz="1400" dirty="0" err="1" smtClean="0"/>
+              <a:t>cucullatus</a:t>
+            </a:r>
+            <a:r>
+              <a:rPr lang="en-US" sz="1400" dirty="0" smtClean="0"/>
+              <a:t> and </a:t>
+            </a:r>
+            <a:r>
+              <a:rPr lang="en-US" b="1" dirty="0" smtClean="0"/>
+              <a:t>X </a:t>
+            </a:r>
+            <a:r>
+              <a:rPr lang="en-US" sz="1400" dirty="0" smtClean="0"/>
+              <a:t>others</a:t>
+            </a:r>
+            <a:endParaRPr lang="en-US" sz="1400" dirty="0"/>
+          </a:p>
+        </p:txBody>
+      </p:sp>
+      <p:sp>
+        <p:nvSpPr>
+          <p:cNvPr id="15" name="Rounded Rectangle 14"/>
+          <p:cNvSpPr/>
+          <p:nvPr/>
+        </p:nvSpPr>
+        <p:spPr>
+          <a:xfrm>
+            <a:off x="6079277" y="5773434"/>
+            <a:ext cx="1011474" cy="325903"/>
+          </a:xfrm>
+          <a:prstGeom prst="roundRect">
+            <a:avLst/>
+          </a:prstGeom>
+        </p:spPr>
+        <p:style>
+          <a:lnRef idx="2">
+            <a:schemeClr val="accent1">
+              <a:shade val="50000"/>
+            </a:schemeClr>
+          </a:lnRef>
+          <a:fillRef idx="1">
+            <a:schemeClr val="accent1"/>
+          </a:fillRef>
+          <a:effectRef idx="0">
+            <a:schemeClr val="accent1"/>
+          </a:effectRef>
+          <a:fontRef idx="minor">
+            <a:schemeClr val="lt1"/>
+          </a:fontRef>
+        </p:style>
+        <p:txBody>
+          <a:bodyPr rtlCol="0" anchor="ctr"/>
+          <a:lstStyle/>
+          <a:p>
+            <a:pPr algn="ctr"/>
+            <a:r>
+              <a:rPr lang="en-US" dirty="0" smtClean="0"/>
+              <a:t>OK</a:t>
+            </a:r>
+            <a:endParaRPr lang="en-US" dirty="0"/>
+          </a:p>
+        </p:txBody>
+      </p:sp>
+      <p:sp>
+        <p:nvSpPr>
+          <p:cNvPr id="18" name="TextBox 17"/>
+          <p:cNvSpPr txBox="1"/>
+          <p:nvPr/>
+        </p:nvSpPr>
+        <p:spPr>
+          <a:xfrm>
+            <a:off x="776912" y="73743"/>
+            <a:ext cx="6964893" cy="1077218"/>
+          </a:xfrm>
+          <a:prstGeom prst="rect">
+            <a:avLst/>
+          </a:prstGeom>
+          <a:noFill/>
+        </p:spPr>
+        <p:txBody>
+          <a:bodyPr wrap="square" rtlCol="0">
+            <a:spAutoFit/>
+          </a:bodyPr>
+          <a:lstStyle/>
+          <a:p>
+            <a:r>
+              <a:rPr lang="en-US" sz="3200" dirty="0" smtClean="0"/>
+              <a:t>2. </a:t>
+            </a:r>
+            <a:r>
+              <a:rPr lang="en-US" sz="3200" dirty="0" smtClean="0"/>
+              <a:t>Inform user of captured names</a:t>
+            </a:r>
+          </a:p>
+          <a:p>
+            <a:r>
+              <a:rPr lang="en-US" sz="3200" dirty="0" smtClean="0"/>
+              <a:t>Priority </a:t>
+            </a:r>
+            <a:r>
+              <a:rPr lang="en-US" sz="3200" dirty="0" smtClean="0"/>
+              <a:t>= medium</a:t>
+            </a:r>
+            <a:endParaRPr lang="en-US" sz="3200" dirty="0"/>
+          </a:p>
+        </p:txBody>
+      </p:sp>
     </p:spTree>
   </p:cSld>
   <p:clrMapOvr>
@@ -6876,88 +6441,9 @@
           <a:chExt cx="0" cy="0"/>
         </a:xfrm>
       </p:grpSpPr>
-      <p:sp>
-        <p:nvSpPr>
-          <p:cNvPr id="3" name="TextBox 2"/>
-          <p:cNvSpPr txBox="1"/>
-          <p:nvPr/>
-        </p:nvSpPr>
-        <p:spPr>
-          <a:xfrm>
-            <a:off x="6625132" y="1605786"/>
-            <a:ext cx="2029915" cy="1200329"/>
-          </a:xfrm>
-          <a:prstGeom prst="rect">
-            <a:avLst/>
-          </a:prstGeom>
-        </p:spPr>
-        <p:style>
-          <a:lnRef idx="1">
-            <a:schemeClr val="accent1"/>
-          </a:lnRef>
-          <a:fillRef idx="2">
-            <a:schemeClr val="accent1"/>
-          </a:fillRef>
-          <a:effectRef idx="1">
-            <a:schemeClr val="accent1"/>
-          </a:effectRef>
-          <a:fontRef idx="minor">
-            <a:schemeClr val="dk1"/>
-          </a:fontRef>
-        </p:style>
-        <p:txBody>
-          <a:bodyPr wrap="square" rtlCol="0">
-            <a:spAutoFit/>
-          </a:bodyPr>
-          <a:lstStyle/>
-          <a:p>
-            <a:r>
-              <a:rPr lang="en-US" i="1" dirty="0" smtClean="0"/>
-              <a:t>2. Insert after “list.”:</a:t>
-            </a:r>
-          </a:p>
-          <a:p>
-            <a:r>
-              <a:rPr lang="en-US" dirty="0" smtClean="0"/>
-              <a:t>Swipe right to delete a name.</a:t>
-            </a:r>
-            <a:endParaRPr lang="en-US" dirty="0" smtClean="0"/>
-          </a:p>
-        </p:txBody>
-      </p:sp>
-      <p:sp>
-        <p:nvSpPr>
-          <p:cNvPr id="4" name="TextBox 3"/>
-          <p:cNvSpPr txBox="1"/>
-          <p:nvPr/>
-        </p:nvSpPr>
-        <p:spPr>
-          <a:xfrm>
-            <a:off x="3630183" y="195585"/>
-            <a:ext cx="3185888" cy="584776"/>
-          </a:xfrm>
-          <a:prstGeom prst="rect">
-            <a:avLst/>
-          </a:prstGeom>
-          <a:noFill/>
-        </p:spPr>
-        <p:txBody>
-          <a:bodyPr wrap="none" rtlCol="0">
-            <a:spAutoFit/>
-          </a:bodyPr>
-          <a:lstStyle/>
-          <a:p>
-            <a:r>
-              <a:rPr lang="en-US" sz="3200" dirty="0" smtClean="0"/>
-              <a:t>Priority = medium</a:t>
-            </a:r>
-            <a:endParaRPr lang="en-US" sz="3200" dirty="0"/>
-          </a:p>
-        </p:txBody>
-      </p:sp>
       <p:pic>
         <p:nvPicPr>
-          <p:cNvPr id="6" name="Picture 5"/>
+          <p:cNvPr id="9" name="Picture 8" descr="IMG_2011.PNG"/>
           <p:cNvPicPr>
             <a:picLocks noChangeAspect="1"/>
           </p:cNvPicPr>
@@ -6971,26 +6457,121 @@
         </p:blipFill>
         <p:spPr>
           <a:xfrm>
-            <a:off x="3452879" y="1280160"/>
-            <a:ext cx="2575775" cy="4572000"/>
+            <a:off x="1069270" y="1425068"/>
+            <a:ext cx="2605268" cy="4623976"/>
           </a:xfrm>
           <a:prstGeom prst="rect">
             <a:avLst/>
           </a:prstGeom>
         </p:spPr>
       </p:pic>
+      <p:sp>
+        <p:nvSpPr>
+          <p:cNvPr id="18" name="TextBox 17"/>
+          <p:cNvSpPr txBox="1"/>
+          <p:nvPr/>
+        </p:nvSpPr>
+        <p:spPr>
+          <a:xfrm>
+            <a:off x="466567" y="277302"/>
+            <a:ext cx="6768800" cy="1077218"/>
+          </a:xfrm>
+          <a:prstGeom prst="rect">
+            <a:avLst/>
+          </a:prstGeom>
+          <a:noFill/>
+        </p:spPr>
+        <p:txBody>
+          <a:bodyPr wrap="none" rtlCol="0">
+            <a:spAutoFit/>
+          </a:bodyPr>
+          <a:lstStyle/>
+          <a:p>
+            <a:r>
+              <a:rPr lang="en-US" sz="3200" dirty="0" smtClean="0"/>
+              <a:t>3. </a:t>
+            </a:r>
+            <a:r>
+              <a:rPr lang="en-US" sz="3200" dirty="0" smtClean="0"/>
+              <a:t>Clarify expected flow in Capture view</a:t>
+            </a:r>
+          </a:p>
+          <a:p>
+            <a:r>
+              <a:rPr lang="en-US" sz="3200" dirty="0" smtClean="0"/>
+              <a:t>Priority </a:t>
+            </a:r>
+            <a:r>
+              <a:rPr lang="en-US" sz="3200" dirty="0" smtClean="0"/>
+              <a:t>= medium</a:t>
+            </a:r>
+            <a:endParaRPr lang="en-US" sz="3200" dirty="0"/>
+          </a:p>
+        </p:txBody>
+      </p:sp>
+      <p:sp>
+        <p:nvSpPr>
+          <p:cNvPr id="19" name="TextBox 18"/>
+          <p:cNvSpPr txBox="1"/>
+          <p:nvPr/>
+        </p:nvSpPr>
+        <p:spPr>
+          <a:xfrm>
+            <a:off x="5293360" y="3550312"/>
+            <a:ext cx="3302000" cy="2031325"/>
+          </a:xfrm>
+          <a:prstGeom prst="rect">
+            <a:avLst/>
+          </a:prstGeom>
+        </p:spPr>
+        <p:style>
+          <a:lnRef idx="1">
+            <a:schemeClr val="accent1"/>
+          </a:lnRef>
+          <a:fillRef idx="2">
+            <a:schemeClr val="accent1"/>
+          </a:fillRef>
+          <a:effectRef idx="1">
+            <a:schemeClr val="accent1"/>
+          </a:effectRef>
+          <a:fontRef idx="minor">
+            <a:schemeClr val="dk1"/>
+          </a:fontRef>
+        </p:style>
+        <p:txBody>
+          <a:bodyPr wrap="square" rtlCol="0">
+            <a:spAutoFit/>
+          </a:bodyPr>
+          <a:lstStyle/>
+          <a:p>
+            <a:r>
+              <a:rPr lang="en-US" dirty="0" smtClean="0"/>
+              <a:t>Don’t allow </a:t>
+            </a:r>
+            <a:r>
+              <a:rPr lang="en-US" dirty="0" smtClean="0"/>
+              <a:t>cancel, just “OK” (see previous slide).  </a:t>
+            </a:r>
+            <a:r>
+              <a:rPr lang="en-US" dirty="0" smtClean="0"/>
+              <a:t>The usual workflow is to repeat the capture step.  When done, the user will choose “Go to list” to see the results.  See the next slide for the capture message. </a:t>
+            </a:r>
+            <a:endParaRPr lang="en-US" dirty="0"/>
+          </a:p>
+        </p:txBody>
+      </p:sp>
       <p:cxnSp>
         <p:nvCxnSpPr>
-          <p:cNvPr id="9" name="Straight Arrow Connector 8"/>
+          <p:cNvPr id="21" name="Straight Arrow Connector 20"/>
           <p:cNvCxnSpPr>
-            <a:stCxn id="3" idx="1"/>
+            <a:stCxn id="19" idx="1"/>
           </p:cNvCxnSpPr>
           <p:nvPr/>
         </p:nvCxnSpPr>
         <p:spPr>
-          <a:xfrm rot="10800000" flipV="1">
-            <a:off x="4109268" y="2205951"/>
-            <a:ext cx="2515865" cy="669644"/>
+          <a:xfrm rot="10800000">
+            <a:off x="2184400" y="4262771"/>
+            <a:ext cx="3108960" cy="303204"/>
           </a:xfrm>
           <a:prstGeom prst="straightConnector1">
             <a:avLst/>
@@ -7016,14 +6597,14 @@
       </p:cxnSp>
       <p:sp>
         <p:nvSpPr>
-          <p:cNvPr id="12" name="TextBox 11"/>
+          <p:cNvPr id="23" name="TextBox 22"/>
           <p:cNvSpPr txBox="1"/>
           <p:nvPr/>
         </p:nvSpPr>
         <p:spPr>
           <a:xfrm>
-            <a:off x="6816071" y="4023360"/>
-            <a:ext cx="1838976" cy="2308324"/>
+            <a:off x="5896509" y="1702422"/>
+            <a:ext cx="2042160" cy="923330"/>
           </a:xfrm>
           <a:prstGeom prst="rect">
             <a:avLst/>
@@ -7050,31 +6631,25 @@
           <a:lstStyle/>
           <a:p>
             <a:r>
-              <a:rPr lang="en-US" i="1" dirty="0" smtClean="0"/>
-              <a:t>3. Insert:</a:t>
-            </a:r>
-          </a:p>
-          <a:p>
-            <a:r>
-              <a:rPr lang="en-US" dirty="0" smtClean="0"/>
-              <a:t>To share or export, choose “view in browser”, then use the browser’s sharing features (e.g., mailto).</a:t>
-            </a:r>
-            <a:endParaRPr lang="en-US" dirty="0" smtClean="0"/>
+              <a:rPr lang="en-US" dirty="0" smtClean="0"/>
+              <a:t>Replace “Species names” with “Go to list”</a:t>
+            </a:r>
+            <a:endParaRPr lang="en-US" dirty="0"/>
           </a:p>
         </p:txBody>
       </p:sp>
       <p:cxnSp>
         <p:nvCxnSpPr>
-          <p:cNvPr id="13" name="Straight Arrow Connector 12"/>
+          <p:cNvPr id="24" name="Straight Arrow Connector 23"/>
           <p:cNvCxnSpPr>
-            <a:stCxn id="12" idx="1"/>
+            <a:stCxn id="23" idx="1"/>
           </p:cNvCxnSpPr>
           <p:nvPr/>
         </p:nvCxnSpPr>
         <p:spPr>
           <a:xfrm rot="10800000">
-            <a:off x="4696297" y="4816626"/>
-            <a:ext cx="2119775" cy="360897"/>
+            <a:off x="3555671" y="2017387"/>
+            <a:ext cx="2340839" cy="146701"/>
           </a:xfrm>
           <a:prstGeom prst="straightConnector1">
             <a:avLst/>
@@ -7100,86 +6675,46 @@
       </p:cxnSp>
       <p:sp>
         <p:nvSpPr>
-          <p:cNvPr id="15" name="TextBox 14"/>
+          <p:cNvPr id="27" name="TextBox 26"/>
           <p:cNvSpPr txBox="1"/>
           <p:nvPr/>
         </p:nvSpPr>
         <p:spPr>
           <a:xfrm>
-            <a:off x="246821" y="371431"/>
-            <a:ext cx="2734059" cy="1477328"/>
+            <a:off x="2787549" y="1786552"/>
+            <a:ext cx="768115" cy="253916"/>
           </a:xfrm>
           <a:prstGeom prst="rect">
             <a:avLst/>
           </a:prstGeom>
-        </p:spPr>
-        <p:style>
-          <a:lnRef idx="1">
-            <a:schemeClr val="accent1"/>
-          </a:lnRef>
-          <a:fillRef idx="2">
-            <a:schemeClr val="accent1"/>
-          </a:fillRef>
-          <a:effectRef idx="1">
-            <a:schemeClr val="accent1"/>
-          </a:effectRef>
-          <a:fontRef idx="minor">
-            <a:schemeClr val="dk1"/>
-          </a:fontRef>
-        </p:style>
-        <p:txBody>
-          <a:bodyPr wrap="square" rtlCol="0">
+          <a:noFill/>
+        </p:spPr>
+        <p:txBody>
+          <a:bodyPr wrap="none" rtlCol="0">
             <a:spAutoFit/>
           </a:bodyPr>
           <a:lstStyle/>
           <a:p>
             <a:r>
-              <a:rPr lang="en-US" dirty="0" smtClean="0"/>
-              <a:t>1. Too much whitespace.  Can you find a font and line-spacing that makes this more compact?  You may have to tweak the </a:t>
-            </a:r>
-            <a:r>
-              <a:rPr lang="en-US" dirty="0" err="1" smtClean="0"/>
-              <a:t>css</a:t>
-            </a:r>
-            <a:r>
-              <a:rPr lang="en-US" dirty="0" smtClean="0"/>
-              <a:t>.</a:t>
-            </a:r>
-            <a:endParaRPr lang="en-US" dirty="0"/>
-          </a:p>
-        </p:txBody>
-      </p:sp>
-      <p:pic>
-        <p:nvPicPr>
-          <p:cNvPr id="16" name="Picture 15"/>
-          <p:cNvPicPr>
-            <a:picLocks noChangeAspect="1"/>
-          </p:cNvPicPr>
-          <p:nvPr/>
-        </p:nvPicPr>
-        <p:blipFill>
-          <a:blip r:embed="rId3"/>
-          <a:stretch>
-            <a:fillRect/>
-          </a:stretch>
-        </p:blipFill>
-        <p:spPr>
-          <a:xfrm>
-            <a:off x="595774" y="2205951"/>
-            <a:ext cx="2385106" cy="4023360"/>
-          </a:xfrm>
-          <a:prstGeom prst="rect">
-            <a:avLst/>
-          </a:prstGeom>
-          <a:ln>
-            <a:solidFill>
-              <a:schemeClr val="bg1">
-                <a:lumMod val="75000"/>
-              </a:schemeClr>
-            </a:solidFill>
-          </a:ln>
-        </p:spPr>
-      </p:pic>
+              <a:rPr lang="en-US" sz="1050" b="1" dirty="0" smtClean="0">
+                <a:solidFill>
+                  <a:schemeClr val="bg1"/>
+                </a:solidFill>
+                <a:latin typeface="Helvetica"/>
+                <a:cs typeface="Helvetica"/>
+              </a:rPr>
+              <a:t>Go to list</a:t>
+            </a:r>
+            <a:endParaRPr lang="en-US" sz="1050" b="1" dirty="0">
+              <a:solidFill>
+                <a:schemeClr val="bg1"/>
+              </a:solidFill>
+              <a:latin typeface="Helvetica"/>
+              <a:cs typeface="Helvetica"/>
+            </a:endParaRPr>
+          </a:p>
+        </p:txBody>
+      </p:sp>
     </p:spTree>
   </p:cSld>
   <p:clrMapOvr>
@@ -7214,44 +6749,14 @@
       </p:grpSpPr>
       <p:sp>
         <p:nvSpPr>
-          <p:cNvPr id="4" name="TextBox 3"/>
+          <p:cNvPr id="3" name="TextBox 2"/>
           <p:cNvSpPr txBox="1"/>
           <p:nvPr/>
         </p:nvSpPr>
         <p:spPr>
           <a:xfrm>
-            <a:off x="3630183" y="195585"/>
-            <a:ext cx="3185888" cy="584776"/>
-          </a:xfrm>
-          <a:prstGeom prst="rect">
-            <a:avLst/>
-          </a:prstGeom>
-          <a:noFill/>
-        </p:spPr>
-        <p:txBody>
-          <a:bodyPr wrap="none" rtlCol="0">
-            <a:spAutoFit/>
-          </a:bodyPr>
-          <a:lstStyle/>
-          <a:p>
-            <a:r>
-              <a:rPr lang="en-US" sz="3200" dirty="0" smtClean="0"/>
-              <a:t>Priority = medium</a:t>
-            </a:r>
-            <a:endParaRPr lang="en-US" sz="3200" dirty="0"/>
-          </a:p>
-        </p:txBody>
-      </p:sp>
-      <p:sp>
-        <p:nvSpPr>
-          <p:cNvPr id="15" name="TextBox 14"/>
-          <p:cNvSpPr txBox="1"/>
-          <p:nvPr/>
-        </p:nvSpPr>
-        <p:spPr>
-          <a:xfrm>
-            <a:off x="4767840" y="1203960"/>
-            <a:ext cx="3408341" cy="369332"/>
+            <a:off x="4807185" y="1511310"/>
+            <a:ext cx="3677953" cy="1569660"/>
           </a:xfrm>
           <a:prstGeom prst="rect">
             <a:avLst/>
@@ -7279,22 +6784,95 @@
           <a:p>
             <a:r>
               <a:rPr lang="en-US" dirty="0" smtClean="0"/>
-              <a:t>Swipe feature </a:t>
-            </a:r>
-            <a:endParaRPr lang="en-US" dirty="0"/>
-          </a:p>
-        </p:txBody>
-      </p:sp>
-      <p:sp>
-        <p:nvSpPr>
-          <p:cNvPr id="10" name="TextBox 9"/>
+              <a:t>Suggestions</a:t>
+            </a:r>
+            <a:endParaRPr lang="en-US" dirty="0" smtClean="0"/>
+          </a:p>
+          <a:p>
+            <a:pPr>
+              <a:buFont typeface="Arial"/>
+              <a:buChar char="•"/>
+            </a:pPr>
+            <a:r>
+              <a:rPr lang="en-US" dirty="0" smtClean="0"/>
+              <a:t> alert text</a:t>
+            </a:r>
+            <a:r>
+              <a:rPr lang="en-US" dirty="0" smtClean="0"/>
+              <a:t>: </a:t>
+            </a:r>
+            <a:r>
+              <a:rPr lang="en-US" dirty="0" smtClean="0"/>
+              <a:t>“</a:t>
+            </a:r>
+            <a:r>
+              <a:rPr lang="en-US" sz="2000" dirty="0" smtClean="0"/>
+              <a:t>Please s</a:t>
+            </a:r>
+            <a:r>
+              <a:rPr lang="en-US" sz="2000" dirty="0" smtClean="0"/>
+              <a:t>elect </a:t>
+            </a:r>
+            <a:r>
+              <a:rPr lang="en-US" sz="2000" dirty="0" smtClean="0"/>
+              <a:t>a list first, before trying to capture names</a:t>
+            </a:r>
+            <a:r>
+              <a:rPr lang="en-US" dirty="0" smtClean="0"/>
+              <a:t>”</a:t>
+            </a:r>
+          </a:p>
+          <a:p>
+            <a:pPr>
+              <a:buFont typeface="Arial"/>
+              <a:buChar char="•"/>
+            </a:pPr>
+            <a:r>
+              <a:rPr lang="en-US" dirty="0" smtClean="0"/>
+              <a:t> alert title: </a:t>
+            </a:r>
+            <a:r>
+              <a:rPr lang="en-US" dirty="0" smtClean="0"/>
+              <a:t>“Oops!” </a:t>
+            </a:r>
+            <a:endParaRPr lang="en-US" dirty="0" smtClean="0"/>
+          </a:p>
+        </p:txBody>
+      </p:sp>
+      <p:pic>
+        <p:nvPicPr>
+          <p:cNvPr id="7" name="Picture 6" descr="IMG_2012.PNG"/>
+          <p:cNvPicPr>
+            <a:picLocks noChangeAspect="1"/>
+          </p:cNvPicPr>
+          <p:nvPr/>
+        </p:nvPicPr>
+        <p:blipFill>
+          <a:blip r:embed="rId2"/>
+          <a:stretch>
+            <a:fillRect/>
+          </a:stretch>
+        </p:blipFill>
+        <p:spPr>
+          <a:xfrm>
+            <a:off x="572885" y="1238041"/>
+            <a:ext cx="3057298" cy="5426264"/>
+          </a:xfrm>
+          <a:prstGeom prst="rect">
+            <a:avLst/>
+          </a:prstGeom>
+        </p:spPr>
+      </p:pic>
+      <p:sp>
+        <p:nvSpPr>
+          <p:cNvPr id="4" name="TextBox 3"/>
           <p:cNvSpPr txBox="1"/>
           <p:nvPr/>
         </p:nvSpPr>
         <p:spPr>
           <a:xfrm>
-            <a:off x="1904875" y="2647945"/>
-            <a:ext cx="4911196" cy="923330"/>
+            <a:off x="553625" y="160823"/>
+            <a:ext cx="7707559" cy="1077218"/>
           </a:xfrm>
           <a:prstGeom prst="rect">
             <a:avLst/>
@@ -7302,16 +6880,32 @@
           <a:noFill/>
         </p:spPr>
         <p:txBody>
-          <a:bodyPr wrap="square" rtlCol="0">
+          <a:bodyPr wrap="none" rtlCol="0">
             <a:spAutoFit/>
           </a:bodyPr>
           <a:lstStyle/>
           <a:p>
-            <a:r>
-              <a:rPr lang="en-US" dirty="0" smtClean="0"/>
-              <a:t>The swipe feature works, but the graphics do not show any actual swiping movement, only the end result of the swiping.  This will confuse users. </a:t>
-            </a:r>
-            <a:endParaRPr lang="en-US" dirty="0"/>
+            <a:pPr algn="ctr"/>
+            <a:r>
+              <a:rPr lang="en-US" sz="3200" dirty="0" smtClean="0"/>
+              <a:t>4. Clarify expected </a:t>
+            </a:r>
+            <a:r>
+              <a:rPr lang="en-US" sz="3200" dirty="0" smtClean="0"/>
+              <a:t>flow to user in Home view</a:t>
+            </a:r>
+          </a:p>
+          <a:p>
+            <a:pPr algn="ctr"/>
+            <a:r>
+              <a:rPr lang="en-US" sz="3200" dirty="0" smtClean="0"/>
+              <a:t>Priority </a:t>
+            </a:r>
+            <a:r>
+              <a:rPr lang="en-US" sz="3200" dirty="0" smtClean="0"/>
+              <a:t>= medium</a:t>
+            </a:r>
+            <a:endParaRPr lang="en-US" sz="3200" dirty="0"/>
           </a:p>
         </p:txBody>
       </p:sp>
@@ -7347,9 +6941,55 @@
           <a:chExt cx="0" cy="0"/>
         </a:xfrm>
       </p:grpSpPr>
+      <p:sp>
+        <p:nvSpPr>
+          <p:cNvPr id="2" name="TextBox 1"/>
+          <p:cNvSpPr txBox="1"/>
+          <p:nvPr/>
+        </p:nvSpPr>
+        <p:spPr>
+          <a:xfrm>
+            <a:off x="3950523" y="195585"/>
+            <a:ext cx="4420323" cy="1077218"/>
+          </a:xfrm>
+          <a:prstGeom prst="rect">
+            <a:avLst/>
+          </a:prstGeom>
+          <a:noFill/>
+        </p:spPr>
+        <p:txBody>
+          <a:bodyPr wrap="square" rtlCol="0">
+            <a:spAutoFit/>
+          </a:bodyPr>
+          <a:lstStyle/>
+          <a:p>
+            <a:pPr algn="ctr"/>
+            <a:r>
+              <a:rPr lang="en-US" sz="3200" dirty="0" smtClean="0"/>
+              <a:t>5. </a:t>
+            </a:r>
+            <a:r>
+              <a:rPr lang="en-US" sz="3200" dirty="0" smtClean="0"/>
+              <a:t>De-clutter tree view</a:t>
+            </a:r>
+          </a:p>
+          <a:p>
+            <a:pPr algn="ctr"/>
+            <a:r>
+              <a:rPr lang="en-US" sz="3200" dirty="0" smtClean="0"/>
+              <a:t>Priority </a:t>
+            </a:r>
+            <a:r>
+              <a:rPr lang="en-US" sz="3200" dirty="0" smtClean="0"/>
+              <a:t>= medium</a:t>
+            </a:r>
+            <a:endParaRPr lang="en-US" sz="3200" dirty="0"/>
+          </a:p>
+        </p:txBody>
+      </p:sp>
       <p:pic>
         <p:nvPicPr>
-          <p:cNvPr id="9" name="Picture 8" descr="IMG_2011.PNG"/>
+          <p:cNvPr id="8" name="Picture 7"/>
           <p:cNvPicPr>
             <a:picLocks noChangeAspect="1"/>
           </p:cNvPicPr>
@@ -7363,99 +7003,24 @@
         </p:blipFill>
         <p:spPr>
           <a:xfrm>
-            <a:off x="1069270" y="1084086"/>
-            <a:ext cx="2605268" cy="4623976"/>
+            <a:off x="689442" y="1052488"/>
+            <a:ext cx="2940741" cy="5219815"/>
           </a:xfrm>
           <a:prstGeom prst="rect">
             <a:avLst/>
           </a:prstGeom>
         </p:spPr>
       </p:pic>
-      <p:sp>
-        <p:nvSpPr>
-          <p:cNvPr id="18" name="TextBox 17"/>
-          <p:cNvSpPr txBox="1"/>
-          <p:nvPr/>
-        </p:nvSpPr>
-        <p:spPr>
-          <a:xfrm>
-            <a:off x="2787549" y="73743"/>
-            <a:ext cx="3185888" cy="584776"/>
-          </a:xfrm>
-          <a:prstGeom prst="rect">
-            <a:avLst/>
-          </a:prstGeom>
-          <a:noFill/>
-        </p:spPr>
-        <p:txBody>
-          <a:bodyPr wrap="none" rtlCol="0">
-            <a:spAutoFit/>
-          </a:bodyPr>
-          <a:lstStyle/>
-          <a:p>
-            <a:r>
-              <a:rPr lang="en-US" sz="3200" dirty="0" smtClean="0"/>
-              <a:t>Priority = medium</a:t>
-            </a:r>
-            <a:endParaRPr lang="en-US" sz="3200" dirty="0"/>
-          </a:p>
-        </p:txBody>
-      </p:sp>
-      <p:sp>
-        <p:nvSpPr>
-          <p:cNvPr id="19" name="TextBox 18"/>
-          <p:cNvSpPr txBox="1"/>
-          <p:nvPr/>
-        </p:nvSpPr>
-        <p:spPr>
-          <a:xfrm>
-            <a:off x="5293360" y="3209330"/>
-            <a:ext cx="3302000" cy="1754327"/>
-          </a:xfrm>
-          <a:prstGeom prst="rect">
-            <a:avLst/>
-          </a:prstGeom>
-        </p:spPr>
-        <p:style>
-          <a:lnRef idx="1">
-            <a:schemeClr val="accent1"/>
-          </a:lnRef>
-          <a:fillRef idx="2">
-            <a:schemeClr val="accent1"/>
-          </a:fillRef>
-          <a:effectRef idx="1">
-            <a:schemeClr val="accent1"/>
-          </a:effectRef>
-          <a:fontRef idx="minor">
-            <a:schemeClr val="dk1"/>
-          </a:fontRef>
-        </p:style>
-        <p:txBody>
-          <a:bodyPr wrap="square" rtlCol="0">
-            <a:spAutoFit/>
-          </a:bodyPr>
-          <a:lstStyle/>
-          <a:p>
-            <a:r>
-              <a:rPr lang="en-US" dirty="0" smtClean="0"/>
-              <a:t>Don’t allow cancel.  The usual workflow is to repeat the capture step.  When done, the user will choose “Go to list” to see the results.  See the next slide for the capture message. </a:t>
-            </a:r>
-            <a:endParaRPr lang="en-US" dirty="0"/>
-          </a:p>
-        </p:txBody>
-      </p:sp>
       <p:cxnSp>
         <p:nvCxnSpPr>
-          <p:cNvPr id="21" name="Straight Arrow Connector 20"/>
-          <p:cNvCxnSpPr>
-            <a:stCxn id="19" idx="1"/>
-          </p:cNvCxnSpPr>
+          <p:cNvPr id="12" name="Straight Arrow Connector 11"/>
+          <p:cNvCxnSpPr/>
           <p:nvPr/>
         </p:nvCxnSpPr>
         <p:spPr>
-          <a:xfrm rot="10800000">
-            <a:off x="2184400" y="3921788"/>
-            <a:ext cx="3108960" cy="164707"/>
+          <a:xfrm rot="10800000" flipV="1">
+            <a:off x="3378458" y="2025841"/>
+            <a:ext cx="2306777" cy="514270"/>
           </a:xfrm>
           <a:prstGeom prst="straightConnector1">
             <a:avLst/>
@@ -7481,14 +7046,14 @@
       </p:cxnSp>
       <p:sp>
         <p:nvSpPr>
-          <p:cNvPr id="23" name="TextBox 22"/>
+          <p:cNvPr id="15" name="TextBox 14"/>
           <p:cNvSpPr txBox="1"/>
           <p:nvPr/>
         </p:nvSpPr>
         <p:spPr>
           <a:xfrm>
-            <a:off x="5896509" y="1361440"/>
-            <a:ext cx="2042160" cy="923330"/>
+            <a:off x="5685233" y="1810938"/>
+            <a:ext cx="2685614" cy="369332"/>
           </a:xfrm>
           <a:prstGeom prst="rect">
             <a:avLst/>
@@ -7498,25 +7063,33 @@
           <a:lnRef idx="1">
             <a:schemeClr val="accent1"/>
           </a:lnRef>
-          <a:fillRef idx="2">
+          <a:fillRef idx="3">
             <a:schemeClr val="accent1"/>
           </a:fillRef>
-          <a:effectRef idx="1">
+          <a:effectRef idx="2">
             <a:schemeClr val="accent1"/>
           </a:effectRef>
           <a:fontRef idx="minor">
-            <a:schemeClr val="dk1"/>
+            <a:schemeClr val="lt1"/>
           </a:fontRef>
         </p:style>
         <p:txBody>
-          <a:bodyPr wrap="square" rtlCol="0">
+          <a:bodyPr wrap="none" rtlCol="0">
             <a:spAutoFit/>
           </a:bodyPr>
           <a:lstStyle/>
           <a:p>
             <a:r>
               <a:rPr lang="en-US" dirty="0" smtClean="0"/>
-              <a:t>Replace “Species names” with “Go to list”</a:t>
+              <a:t>Remove </a:t>
+            </a:r>
+            <a:r>
+              <a:rPr lang="en-US" dirty="0" err="1" smtClean="0"/>
+              <a:t>ottIds</a:t>
+            </a:r>
+            <a:r>
+              <a:rPr lang="en-US" dirty="0" smtClean="0"/>
+              <a:t> from labels</a:t>
             </a:r>
             <a:endParaRPr lang="en-US" dirty="0"/>
           </a:p>
@@ -7524,16 +7097,16 @@
       </p:sp>
       <p:cxnSp>
         <p:nvCxnSpPr>
-          <p:cNvPr id="24" name="Straight Arrow Connector 23"/>
+          <p:cNvPr id="17" name="Straight Arrow Connector 16"/>
           <p:cNvCxnSpPr>
-            <a:stCxn id="23" idx="1"/>
+            <a:stCxn id="18" idx="1"/>
           </p:cNvCxnSpPr>
           <p:nvPr/>
         </p:nvCxnSpPr>
         <p:spPr>
           <a:xfrm rot="10800000">
-            <a:off x="3555671" y="1676405"/>
-            <a:ext cx="2340839" cy="146701"/>
+            <a:off x="1691214" y="2766634"/>
+            <a:ext cx="3804303" cy="1348596"/>
           </a:xfrm>
           <a:prstGeom prst="straightConnector1">
             <a:avLst/>
@@ -7559,46 +7132,82 @@
       </p:cxnSp>
       <p:sp>
         <p:nvSpPr>
-          <p:cNvPr id="27" name="TextBox 26"/>
+          <p:cNvPr id="18" name="TextBox 17"/>
           <p:cNvSpPr txBox="1"/>
           <p:nvPr/>
         </p:nvSpPr>
         <p:spPr>
           <a:xfrm>
-            <a:off x="2787549" y="1445570"/>
-            <a:ext cx="768115" cy="253916"/>
+            <a:off x="5495516" y="3515065"/>
+            <a:ext cx="2641108" cy="1200329"/>
           </a:xfrm>
           <a:prstGeom prst="rect">
             <a:avLst/>
           </a:prstGeom>
-          <a:noFill/>
-        </p:spPr>
-        <p:txBody>
-          <a:bodyPr wrap="none" rtlCol="0">
+        </p:spPr>
+        <p:style>
+          <a:lnRef idx="1">
+            <a:schemeClr val="accent1"/>
+          </a:lnRef>
+          <a:fillRef idx="3">
+            <a:schemeClr val="accent1"/>
+          </a:fillRef>
+          <a:effectRef idx="2">
+            <a:schemeClr val="accent1"/>
+          </a:effectRef>
+          <a:fontRef idx="minor">
+            <a:schemeClr val="lt1"/>
+          </a:fontRef>
+        </p:style>
+        <p:txBody>
+          <a:bodyPr wrap="square" rtlCol="0">
             <a:spAutoFit/>
           </a:bodyPr>
           <a:lstStyle/>
           <a:p>
             <a:r>
-              <a:rPr lang="en-US" sz="1050" b="1" dirty="0" smtClean="0">
-                <a:solidFill>
-                  <a:schemeClr val="bg1"/>
-                </a:solidFill>
-                <a:latin typeface="Helvetica"/>
-                <a:cs typeface="Helvetica"/>
-              </a:rPr>
-              <a:t>Go to list</a:t>
-            </a:r>
-            <a:endParaRPr lang="en-US" sz="1050" b="1" dirty="0">
-              <a:solidFill>
-                <a:schemeClr val="bg1"/>
-              </a:solidFill>
-              <a:latin typeface="Helvetica"/>
-              <a:cs typeface="Helvetica"/>
-            </a:endParaRPr>
-          </a:p>
-        </p:txBody>
-      </p:sp>
+              <a:rPr lang="en-US" dirty="0" smtClean="0"/>
+              <a:t>Remove internal node labels– they are confusing and sometimes overlap tip labels</a:t>
+            </a:r>
+            <a:endParaRPr lang="en-US" dirty="0"/>
+          </a:p>
+        </p:txBody>
+      </p:sp>
+      <p:cxnSp>
+        <p:nvCxnSpPr>
+          <p:cNvPr id="20" name="Straight Arrow Connector 19"/>
+          <p:cNvCxnSpPr>
+            <a:stCxn id="18" idx="1"/>
+          </p:cNvCxnSpPr>
+          <p:nvPr/>
+        </p:nvCxnSpPr>
+        <p:spPr>
+          <a:xfrm rot="10800000">
+            <a:off x="3378458" y="3043340"/>
+            <a:ext cx="2117058" cy="1071890"/>
+          </a:xfrm>
+          <a:prstGeom prst="straightConnector1">
+            <a:avLst/>
+          </a:prstGeom>
+          <a:ln>
+            <a:tailEnd type="arrow"/>
+          </a:ln>
+        </p:spPr>
+        <p:style>
+          <a:lnRef idx="2">
+            <a:schemeClr val="accent1"/>
+          </a:lnRef>
+          <a:fillRef idx="0">
+            <a:schemeClr val="accent1"/>
+          </a:fillRef>
+          <a:effectRef idx="1">
+            <a:schemeClr val="accent1"/>
+          </a:effectRef>
+          <a:fontRef idx="minor">
+            <a:schemeClr val="tx1"/>
+          </a:fontRef>
+        </p:style>
+      </p:cxnSp>
     </p:spTree>
   </p:cSld>
   <p:clrMapOvr>
@@ -7633,7 +7242,7 @@
       </p:grpSpPr>
       <p:pic>
         <p:nvPicPr>
-          <p:cNvPr id="9" name="Picture 8" descr="IMG_2011.PNG"/>
+          <p:cNvPr id="26" name="Picture 25"/>
           <p:cNvPicPr>
             <a:picLocks noChangeAspect="1"/>
           </p:cNvPicPr>
@@ -7647,24 +7256,120 @@
         </p:blipFill>
         <p:spPr>
           <a:xfrm>
-            <a:off x="1069270" y="1084086"/>
-            <a:ext cx="2605268" cy="4623976"/>
+            <a:off x="5415280" y="2682240"/>
+            <a:ext cx="2060620" cy="3657600"/>
           </a:xfrm>
           <a:prstGeom prst="rect">
             <a:avLst/>
           </a:prstGeom>
         </p:spPr>
       </p:pic>
-      <p:sp>
-        <p:nvSpPr>
-          <p:cNvPr id="12" name="TextBox 11"/>
+      <p:pic>
+        <p:nvPicPr>
+          <p:cNvPr id="25" name="Picture 24"/>
+          <p:cNvPicPr>
+            <a:picLocks noChangeAspect="1"/>
+          </p:cNvPicPr>
+          <p:nvPr/>
+        </p:nvPicPr>
+        <p:blipFill>
+          <a:blip r:embed="rId3"/>
+          <a:stretch>
+            <a:fillRect/>
+          </a:stretch>
+        </p:blipFill>
+        <p:spPr>
+          <a:xfrm>
+            <a:off x="2928513" y="1564640"/>
+            <a:ext cx="2224100" cy="3947776"/>
+          </a:xfrm>
+          <a:prstGeom prst="rect">
+            <a:avLst/>
+          </a:prstGeom>
+        </p:spPr>
+      </p:pic>
+      <p:sp>
+        <p:nvSpPr>
+          <p:cNvPr id="2" name="TextBox 1"/>
           <p:cNvSpPr txBox="1"/>
           <p:nvPr/>
         </p:nvSpPr>
         <p:spPr>
           <a:xfrm>
-            <a:off x="5209327" y="760920"/>
-            <a:ext cx="3453807" cy="646331"/>
+            <a:off x="2928513" y="195585"/>
+            <a:ext cx="5724644" cy="1077218"/>
+          </a:xfrm>
+          <a:prstGeom prst="rect">
+            <a:avLst/>
+          </a:prstGeom>
+          <a:noFill/>
+        </p:spPr>
+        <p:txBody>
+          <a:bodyPr wrap="none" rtlCol="0">
+            <a:spAutoFit/>
+          </a:bodyPr>
+          <a:lstStyle/>
+          <a:p>
+            <a:pPr marL="514350" indent="-514350" algn="ctr">
+              <a:buAutoNum type="arabicPeriod" startAt="6"/>
+            </a:pPr>
+            <a:r>
+              <a:rPr lang="en-US" sz="3200" dirty="0" smtClean="0"/>
+              <a:t>Add help button to </a:t>
+            </a:r>
+            <a:r>
+              <a:rPr lang="en-US" sz="3200" dirty="0" smtClean="0"/>
+              <a:t>every view</a:t>
+            </a:r>
+          </a:p>
+          <a:p>
+            <a:pPr marL="514350" indent="-514350" algn="ctr"/>
+            <a:r>
+              <a:rPr lang="en-US" sz="3200" dirty="0" smtClean="0"/>
+              <a:t>Priority </a:t>
+            </a:r>
+            <a:r>
+              <a:rPr lang="en-US" sz="3200" dirty="0" smtClean="0"/>
+              <a:t>= medium</a:t>
+            </a:r>
+            <a:endParaRPr lang="en-US" sz="3200" dirty="0"/>
+          </a:p>
+        </p:txBody>
+      </p:sp>
+      <p:pic>
+        <p:nvPicPr>
+          <p:cNvPr id="8" name="Picture 7"/>
+          <p:cNvPicPr>
+            <a:picLocks noChangeAspect="1"/>
+          </p:cNvPicPr>
+          <p:nvPr/>
+        </p:nvPicPr>
+        <p:blipFill>
+          <a:blip r:embed="rId4"/>
+          <a:stretch>
+            <a:fillRect/>
+          </a:stretch>
+        </p:blipFill>
+        <p:spPr>
+          <a:xfrm>
+            <a:off x="396240" y="780361"/>
+            <a:ext cx="2217943" cy="3936849"/>
+          </a:xfrm>
+          <a:prstGeom prst="rect">
+            <a:avLst/>
+          </a:prstGeom>
+        </p:spPr>
+      </p:pic>
+      <p:sp>
+        <p:nvSpPr>
+          <p:cNvPr id="9" name="TextBox 8"/>
+          <p:cNvSpPr txBox="1"/>
+          <p:nvPr/>
+        </p:nvSpPr>
+        <p:spPr>
+          <a:xfrm>
+            <a:off x="6685280" y="1564640"/>
+            <a:ext cx="2062479" cy="923330"/>
           </a:xfrm>
           <a:prstGeom prst="rect">
             <a:avLst/>
@@ -7692,353 +7397,117 @@
           <a:p>
             <a:r>
               <a:rPr lang="en-US" dirty="0" smtClean="0"/>
-              <a:t>Use alert box to tell the user what was added to the list. </a:t>
-            </a:r>
-          </a:p>
-        </p:txBody>
-      </p:sp>
-      <p:sp>
-        <p:nvSpPr>
-          <p:cNvPr id="2" name="Rectangle 1"/>
-          <p:cNvSpPr/>
-          <p:nvPr/>
-        </p:nvSpPr>
-        <p:spPr>
-          <a:xfrm>
-            <a:off x="4307743" y="1820558"/>
-            <a:ext cx="1981142" cy="1613522"/>
-          </a:xfrm>
-          <a:prstGeom prst="rect">
-            <a:avLst/>
-          </a:prstGeom>
+              <a:t>Add help button to bottom strip of every view</a:t>
+            </a:r>
+            <a:endParaRPr lang="en-US" dirty="0"/>
+          </a:p>
+        </p:txBody>
+      </p:sp>
+      <p:cxnSp>
+        <p:nvCxnSpPr>
+          <p:cNvPr id="11" name="Straight Arrow Connector 10"/>
+          <p:cNvCxnSpPr>
+            <a:stCxn id="9" idx="1"/>
+          </p:cNvCxnSpPr>
+          <p:nvPr/>
+        </p:nvCxnSpPr>
+        <p:spPr>
+          <a:xfrm rot="10800000" flipV="1">
+            <a:off x="1412240" y="2026304"/>
+            <a:ext cx="5273040" cy="2484735"/>
+          </a:xfrm>
+          <a:prstGeom prst="straightConnector1">
+            <a:avLst/>
+          </a:prstGeom>
+          <a:ln>
+            <a:tailEnd type="arrow"/>
+          </a:ln>
         </p:spPr>
         <p:style>
           <a:lnRef idx="2">
-            <a:schemeClr val="dk1"/>
+            <a:schemeClr val="accent1"/>
           </a:lnRef>
-          <a:fillRef idx="1">
-            <a:schemeClr val="lt1"/>
+          <a:fillRef idx="0">
+            <a:schemeClr val="accent1"/>
           </a:fillRef>
-          <a:effectRef idx="0">
-            <a:schemeClr val="dk1"/>
+          <a:effectRef idx="1">
+            <a:schemeClr val="accent1"/>
           </a:effectRef>
           <a:fontRef idx="minor">
-            <a:schemeClr val="dk1"/>
+            <a:schemeClr val="tx1"/>
           </a:fontRef>
         </p:style>
-        <p:txBody>
-          <a:bodyPr rtlCol="0" anchor="t" anchorCtr="0"/>
-          <a:lstStyle/>
-          <a:p>
-            <a:pPr algn="ctr"/>
-            <a:r>
-              <a:rPr lang="en-US" dirty="0" smtClean="0"/>
-              <a:t>Success!</a:t>
-            </a:r>
-          </a:p>
-          <a:p>
-            <a:pPr algn="ctr"/>
-            <a:endParaRPr lang="en-US" sz="900" dirty="0" smtClean="0"/>
-          </a:p>
-          <a:p>
-            <a:pPr algn="ctr"/>
-            <a:r>
-              <a:rPr lang="en-US" sz="1400" dirty="0" smtClean="0"/>
-              <a:t>Names </a:t>
-            </a:r>
-            <a:r>
-              <a:rPr lang="en-US" sz="1400" dirty="0" smtClean="0"/>
-              <a:t>added: </a:t>
-            </a:r>
-            <a:r>
-              <a:rPr lang="en-US" sz="1400" dirty="0" err="1" smtClean="0"/>
-              <a:t>Lophodytes</a:t>
-            </a:r>
-            <a:r>
-              <a:rPr lang="en-US" sz="1400" dirty="0" smtClean="0"/>
-              <a:t> </a:t>
-            </a:r>
-            <a:r>
-              <a:rPr lang="en-US" sz="1400" dirty="0" err="1" smtClean="0"/>
-              <a:t>cucullatus</a:t>
-            </a:r>
-            <a:endParaRPr lang="en-US" sz="1400" dirty="0"/>
-          </a:p>
-        </p:txBody>
-      </p:sp>
-      <p:sp>
-        <p:nvSpPr>
-          <p:cNvPr id="3" name="TextBox 2"/>
-          <p:cNvSpPr txBox="1"/>
-          <p:nvPr/>
-        </p:nvSpPr>
-        <p:spPr>
-          <a:xfrm>
-            <a:off x="3947652" y="1451227"/>
-            <a:ext cx="884940" cy="369332"/>
-          </a:xfrm>
-          <a:prstGeom prst="rect">
-            <a:avLst/>
-          </a:prstGeom>
-          <a:noFill/>
-        </p:spPr>
-        <p:txBody>
-          <a:bodyPr wrap="none" rtlCol="0">
-            <a:spAutoFit/>
-          </a:bodyPr>
-          <a:lstStyle/>
-          <a:p>
-            <a:r>
-              <a:rPr lang="en-US" dirty="0" smtClean="0"/>
-              <a:t>1 name</a:t>
-            </a:r>
-            <a:endParaRPr lang="en-US" dirty="0"/>
-          </a:p>
-        </p:txBody>
-      </p:sp>
-      <p:sp>
-        <p:nvSpPr>
-          <p:cNvPr id="8" name="TextBox 7"/>
-          <p:cNvSpPr txBox="1"/>
-          <p:nvPr/>
-        </p:nvSpPr>
-        <p:spPr>
-          <a:xfrm>
-            <a:off x="4259359" y="4640465"/>
-            <a:ext cx="1227042" cy="923330"/>
-          </a:xfrm>
-          <a:prstGeom prst="rect">
-            <a:avLst/>
-          </a:prstGeom>
-          <a:noFill/>
-        </p:spPr>
-        <p:txBody>
-          <a:bodyPr wrap="square" rtlCol="0">
-            <a:spAutoFit/>
-          </a:bodyPr>
-          <a:lstStyle/>
-          <a:p>
-            <a:r>
-              <a:rPr lang="en-US" dirty="0" smtClean="0"/>
-              <a:t>&gt; 1 </a:t>
-            </a:r>
-            <a:r>
-              <a:rPr lang="en-US" dirty="0" smtClean="0"/>
-              <a:t>names:</a:t>
-            </a:r>
-          </a:p>
-          <a:p>
-            <a:r>
-              <a:rPr lang="en-US" dirty="0" smtClean="0"/>
-              <a:t>Tell user how many</a:t>
-            </a:r>
-            <a:endParaRPr lang="en-US" dirty="0"/>
-          </a:p>
-        </p:txBody>
-      </p:sp>
-      <p:sp>
-        <p:nvSpPr>
-          <p:cNvPr id="4" name="Rounded Rectangle 3"/>
-          <p:cNvSpPr/>
-          <p:nvPr/>
-        </p:nvSpPr>
-        <p:spPr>
-          <a:xfrm>
-            <a:off x="4703590" y="2936240"/>
-            <a:ext cx="1011474" cy="325903"/>
-          </a:xfrm>
-          <a:prstGeom prst="roundRect">
-            <a:avLst/>
-          </a:prstGeom>
+      </p:cxnSp>
+      <p:cxnSp>
+        <p:nvCxnSpPr>
+          <p:cNvPr id="18" name="Straight Arrow Connector 17"/>
+          <p:cNvCxnSpPr>
+            <a:stCxn id="9" idx="2"/>
+          </p:cNvCxnSpPr>
+          <p:nvPr/>
+        </p:nvCxnSpPr>
+        <p:spPr>
+          <a:xfrm rot="5400000">
+            <a:off x="4513981" y="1999387"/>
+            <a:ext cx="2713957" cy="3691123"/>
+          </a:xfrm>
+          <a:prstGeom prst="straightConnector1">
+            <a:avLst/>
+          </a:prstGeom>
+          <a:ln>
+            <a:tailEnd type="arrow"/>
+          </a:ln>
         </p:spPr>
         <p:style>
           <a:lnRef idx="2">
-            <a:schemeClr val="accent1">
-              <a:shade val="50000"/>
-            </a:schemeClr>
+            <a:schemeClr val="accent1"/>
           </a:lnRef>
-          <a:fillRef idx="1">
+          <a:fillRef idx="0">
             <a:schemeClr val="accent1"/>
           </a:fillRef>
-          <a:effectRef idx="0">
+          <a:effectRef idx="1">
             <a:schemeClr val="accent1"/>
           </a:effectRef>
           <a:fontRef idx="minor">
-            <a:schemeClr val="lt1"/>
+            <a:schemeClr val="tx1"/>
           </a:fontRef>
         </p:style>
-        <p:txBody>
-          <a:bodyPr rtlCol="0" anchor="ctr"/>
-          <a:lstStyle/>
-          <a:p>
-            <a:pPr algn="ctr"/>
-            <a:r>
-              <a:rPr lang="en-US" dirty="0" smtClean="0"/>
-              <a:t>OK</a:t>
-            </a:r>
-            <a:endParaRPr lang="en-US" dirty="0"/>
-          </a:p>
-        </p:txBody>
-      </p:sp>
-      <p:sp>
-        <p:nvSpPr>
-          <p:cNvPr id="14" name="Rectangle 13"/>
-          <p:cNvSpPr/>
-          <p:nvPr/>
-        </p:nvSpPr>
-        <p:spPr>
-          <a:xfrm>
-            <a:off x="5627381" y="4429637"/>
-            <a:ext cx="1981142" cy="1859403"/>
-          </a:xfrm>
-          <a:prstGeom prst="rect">
-            <a:avLst/>
-          </a:prstGeom>
+      </p:cxnSp>
+      <p:cxnSp>
+        <p:nvCxnSpPr>
+          <p:cNvPr id="19" name="Straight Arrow Connector 18"/>
+          <p:cNvCxnSpPr>
+            <a:stCxn id="9" idx="2"/>
+          </p:cNvCxnSpPr>
+          <p:nvPr/>
+        </p:nvCxnSpPr>
+        <p:spPr>
+          <a:xfrm rot="5400000">
+            <a:off x="5178445" y="3659525"/>
+            <a:ext cx="3709630" cy="1366520"/>
+          </a:xfrm>
+          <a:prstGeom prst="straightConnector1">
+            <a:avLst/>
+          </a:prstGeom>
+          <a:ln>
+            <a:tailEnd type="arrow"/>
+          </a:ln>
         </p:spPr>
         <p:style>
           <a:lnRef idx="2">
-            <a:schemeClr val="dk1"/>
+            <a:schemeClr val="accent1"/>
           </a:lnRef>
-          <a:fillRef idx="1">
-            <a:schemeClr val="lt1"/>
+          <a:fillRef idx="0">
+            <a:schemeClr val="accent1"/>
           </a:fillRef>
-          <a:effectRef idx="0">
-            <a:schemeClr val="dk1"/>
+          <a:effectRef idx="1">
+            <a:schemeClr val="accent1"/>
           </a:effectRef>
           <a:fontRef idx="minor">
-            <a:schemeClr val="dk1"/>
+            <a:schemeClr val="tx1"/>
           </a:fontRef>
         </p:style>
-        <p:txBody>
-          <a:bodyPr rtlCol="0" anchor="t" anchorCtr="0"/>
-          <a:lstStyle/>
-          <a:p>
-            <a:pPr algn="ctr"/>
-            <a:r>
-              <a:rPr lang="en-US" dirty="0" smtClean="0"/>
-              <a:t>Success!</a:t>
-            </a:r>
-          </a:p>
-          <a:p>
-            <a:pPr algn="ctr"/>
-            <a:endParaRPr lang="en-US" sz="900" dirty="0" smtClean="0"/>
-          </a:p>
-          <a:p>
-            <a:pPr algn="ctr"/>
-            <a:r>
-              <a:rPr lang="en-US" sz="1400" dirty="0" smtClean="0"/>
-              <a:t>Names </a:t>
-            </a:r>
-            <a:r>
-              <a:rPr lang="en-US" sz="1400" dirty="0" smtClean="0"/>
-              <a:t>added: </a:t>
-            </a:r>
-            <a:r>
-              <a:rPr lang="en-US" sz="1400" dirty="0" err="1" smtClean="0"/>
-              <a:t>Lophodytes</a:t>
-            </a:r>
-            <a:r>
-              <a:rPr lang="en-US" sz="1400" dirty="0" smtClean="0"/>
-              <a:t> </a:t>
-            </a:r>
-            <a:r>
-              <a:rPr lang="en-US" sz="1400" dirty="0" err="1" smtClean="0"/>
-              <a:t>cucullatus</a:t>
-            </a:r>
-            <a:r>
-              <a:rPr lang="en-US" sz="1400" dirty="0" smtClean="0"/>
-              <a:t> </a:t>
-            </a:r>
-            <a:r>
-              <a:rPr lang="en-US" sz="1400" dirty="0" smtClean="0"/>
-              <a:t>and </a:t>
-            </a:r>
-            <a:r>
-              <a:rPr lang="en-US" b="1" dirty="0" smtClean="0"/>
-              <a:t>X </a:t>
-            </a:r>
-            <a:r>
-              <a:rPr lang="en-US" sz="1400" dirty="0" smtClean="0"/>
-              <a:t>others</a:t>
-            </a:r>
-            <a:endParaRPr lang="en-US" sz="1400" dirty="0"/>
-          </a:p>
-        </p:txBody>
-      </p:sp>
-      <p:sp>
-        <p:nvSpPr>
-          <p:cNvPr id="15" name="Rounded Rectangle 14"/>
-          <p:cNvSpPr/>
-          <p:nvPr/>
-        </p:nvSpPr>
-        <p:spPr>
-          <a:xfrm>
-            <a:off x="6079277" y="5773434"/>
-            <a:ext cx="1011474" cy="325903"/>
-          </a:xfrm>
-          <a:prstGeom prst="roundRect">
-            <a:avLst/>
-          </a:prstGeom>
-        </p:spPr>
-        <p:style>
-          <a:lnRef idx="2">
-            <a:schemeClr val="accent1">
-              <a:shade val="50000"/>
-            </a:schemeClr>
-          </a:lnRef>
-          <a:fillRef idx="1">
-            <a:schemeClr val="accent1"/>
-          </a:fillRef>
-          <a:effectRef idx="0">
-            <a:schemeClr val="accent1"/>
-          </a:effectRef>
-          <a:fontRef idx="minor">
-            <a:schemeClr val="lt1"/>
-          </a:fontRef>
-        </p:style>
-        <p:txBody>
-          <a:bodyPr rtlCol="0" anchor="ctr"/>
-          <a:lstStyle/>
-          <a:p>
-            <a:pPr algn="ctr"/>
-            <a:r>
-              <a:rPr lang="en-US" dirty="0" smtClean="0"/>
-              <a:t>OK</a:t>
-            </a:r>
-            <a:endParaRPr lang="en-US" dirty="0"/>
-          </a:p>
-        </p:txBody>
-      </p:sp>
-      <p:sp>
-        <p:nvSpPr>
-          <p:cNvPr id="18" name="TextBox 17"/>
-          <p:cNvSpPr txBox="1"/>
-          <p:nvPr/>
-        </p:nvSpPr>
-        <p:spPr>
-          <a:xfrm>
-            <a:off x="2787549" y="73743"/>
-            <a:ext cx="3185888" cy="584776"/>
-          </a:xfrm>
-          <a:prstGeom prst="rect">
-            <a:avLst/>
-          </a:prstGeom>
-          <a:noFill/>
-        </p:spPr>
-        <p:txBody>
-          <a:bodyPr wrap="none" rtlCol="0">
-            <a:spAutoFit/>
-          </a:bodyPr>
-          <a:lstStyle/>
-          <a:p>
-            <a:r>
-              <a:rPr lang="en-US" sz="3200" dirty="0" smtClean="0"/>
-              <a:t>Priority = medium</a:t>
-            </a:r>
-            <a:endParaRPr lang="en-US" sz="3200" dirty="0"/>
-          </a:p>
-        </p:txBody>
-      </p:sp>
+      </p:cxnSp>
     </p:spTree>
   </p:cSld>
   <p:clrMapOvr>
@@ -8073,41 +7542,53 @@
       </p:grpSpPr>
       <p:sp>
         <p:nvSpPr>
-          <p:cNvPr id="2" name="TextBox 1"/>
-          <p:cNvSpPr txBox="1"/>
-          <p:nvPr/>
-        </p:nvSpPr>
-        <p:spPr>
-          <a:xfrm>
-            <a:off x="3630183" y="195585"/>
-            <a:ext cx="3185888" cy="584776"/>
+          <p:cNvPr id="57" name="Rectangle 56"/>
+          <p:cNvSpPr/>
+          <p:nvPr/>
+        </p:nvSpPr>
+        <p:spPr>
+          <a:xfrm>
+            <a:off x="5453013" y="1989331"/>
+            <a:ext cx="2753646" cy="4458441"/>
           </a:xfrm>
           <a:prstGeom prst="rect">
             <a:avLst/>
           </a:prstGeom>
-          <a:noFill/>
-        </p:spPr>
-        <p:txBody>
-          <a:bodyPr wrap="none" rtlCol="0">
-            <a:spAutoFit/>
-          </a:bodyPr>
-          <a:lstStyle/>
-          <a:p>
-            <a:r>
-              <a:rPr lang="en-US" sz="3200" dirty="0" smtClean="0"/>
-              <a:t>Priority =</a:t>
-            </a:r>
-            <a:r>
-              <a:rPr lang="en-US" sz="3200" dirty="0" smtClean="0"/>
-              <a:t> medium</a:t>
-            </a:r>
-            <a:endParaRPr lang="en-US" sz="3200" dirty="0"/>
+          <a:solidFill>
+            <a:schemeClr val="bg1">
+              <a:lumMod val="85000"/>
+            </a:schemeClr>
+          </a:solidFill>
+          <a:ln>
+            <a:noFill/>
+          </a:ln>
+        </p:spPr>
+        <p:style>
+          <a:lnRef idx="1">
+            <a:schemeClr val="accent1"/>
+          </a:lnRef>
+          <a:fillRef idx="3">
+            <a:schemeClr val="accent1"/>
+          </a:fillRef>
+          <a:effectRef idx="2">
+            <a:schemeClr val="accent1"/>
+          </a:effectRef>
+          <a:fontRef idx="minor">
+            <a:schemeClr val="lt1"/>
+          </a:fontRef>
+        </p:style>
+        <p:txBody>
+          <a:bodyPr rtlCol="0" anchor="ctr"/>
+          <a:lstStyle/>
+          <a:p>
+            <a:pPr algn="ctr"/>
+            <a:endParaRPr lang="en-US"/>
           </a:p>
         </p:txBody>
       </p:sp>
       <p:pic>
         <p:nvPicPr>
-          <p:cNvPr id="8" name="Picture 7"/>
+          <p:cNvPr id="4" name="Picture 3" descr="IMG_2004.PNG"/>
           <p:cNvPicPr>
             <a:picLocks noChangeAspect="1"/>
           </p:cNvPicPr>
@@ -8121,24 +7602,816 @@
         </p:blipFill>
         <p:spPr>
           <a:xfrm>
-            <a:off x="689442" y="1052488"/>
-            <a:ext cx="2940741" cy="5219815"/>
+            <a:off x="1140543" y="1770648"/>
+            <a:ext cx="2753646" cy="4887325"/>
           </a:xfrm>
           <a:prstGeom prst="rect">
             <a:avLst/>
           </a:prstGeom>
         </p:spPr>
       </p:pic>
+      <p:sp>
+        <p:nvSpPr>
+          <p:cNvPr id="8" name="TextBox 7"/>
+          <p:cNvSpPr txBox="1"/>
+          <p:nvPr/>
+        </p:nvSpPr>
+        <p:spPr>
+          <a:xfrm>
+            <a:off x="5774042" y="4383980"/>
+            <a:ext cx="3369958" cy="646331"/>
+          </a:xfrm>
+          <a:prstGeom prst="rect">
+            <a:avLst/>
+          </a:prstGeom>
+        </p:spPr>
+        <p:style>
+          <a:lnRef idx="1">
+            <a:schemeClr val="accent1"/>
+          </a:lnRef>
+          <a:fillRef idx="2">
+            <a:schemeClr val="accent1"/>
+          </a:fillRef>
+          <a:effectRef idx="1">
+            <a:schemeClr val="accent1"/>
+          </a:effectRef>
+          <a:fontRef idx="minor">
+            <a:schemeClr val="dk1"/>
+          </a:fontRef>
+        </p:style>
+        <p:txBody>
+          <a:bodyPr wrap="square" rtlCol="0">
+            <a:spAutoFit/>
+          </a:bodyPr>
+          <a:lstStyle/>
+          <a:p>
+            <a:r>
+              <a:rPr lang="en-US" dirty="0" smtClean="0"/>
+              <a:t>3. Text under icons, not to the side. Most </a:t>
+            </a:r>
+            <a:r>
+              <a:rPr lang="en-US" dirty="0" smtClean="0"/>
+              <a:t>apps use</a:t>
+            </a:r>
+            <a:r>
+              <a:rPr lang="en-US" dirty="0" smtClean="0"/>
+              <a:t> 8 </a:t>
+            </a:r>
+            <a:r>
+              <a:rPr lang="en-US" dirty="0" smtClean="0"/>
+              <a:t>or 9 pt </a:t>
+            </a:r>
+            <a:r>
+              <a:rPr lang="en-US" dirty="0" smtClean="0"/>
+              <a:t>text</a:t>
+            </a:r>
+            <a:endParaRPr lang="en-US" dirty="0"/>
+          </a:p>
+        </p:txBody>
+      </p:sp>
+      <p:sp>
+        <p:nvSpPr>
+          <p:cNvPr id="11" name="TextBox 10"/>
+          <p:cNvSpPr txBox="1"/>
+          <p:nvPr/>
+        </p:nvSpPr>
+        <p:spPr>
+          <a:xfrm>
+            <a:off x="2784174" y="6429141"/>
+            <a:ext cx="595273" cy="230832"/>
+          </a:xfrm>
+          <a:prstGeom prst="rect">
+            <a:avLst/>
+          </a:prstGeom>
+          <a:noFill/>
+        </p:spPr>
+        <p:txBody>
+          <a:bodyPr wrap="none" rtlCol="0">
+            <a:spAutoFit/>
+          </a:bodyPr>
+          <a:lstStyle/>
+          <a:p>
+            <a:r>
+              <a:rPr lang="en-US" sz="900" dirty="0" smtClean="0">
+                <a:latin typeface="Helvetica"/>
+                <a:cs typeface="Helvetica"/>
+              </a:rPr>
+              <a:t>Capture</a:t>
+            </a:r>
+            <a:endParaRPr lang="en-US" sz="900" dirty="0">
+              <a:latin typeface="Helvetica"/>
+              <a:cs typeface="Helvetica"/>
+            </a:endParaRPr>
+          </a:p>
+        </p:txBody>
+      </p:sp>
+      <p:sp>
+        <p:nvSpPr>
+          <p:cNvPr id="19" name="TextBox 18"/>
+          <p:cNvSpPr txBox="1"/>
+          <p:nvPr/>
+        </p:nvSpPr>
+        <p:spPr>
+          <a:xfrm>
+            <a:off x="423485" y="3249116"/>
+            <a:ext cx="2955961" cy="830997"/>
+          </a:xfrm>
+          <a:prstGeom prst="rect">
+            <a:avLst/>
+          </a:prstGeom>
+        </p:spPr>
+        <p:style>
+          <a:lnRef idx="1">
+            <a:schemeClr val="accent1"/>
+          </a:lnRef>
+          <a:fillRef idx="2">
+            <a:schemeClr val="accent1"/>
+          </a:fillRef>
+          <a:effectRef idx="1">
+            <a:schemeClr val="accent1"/>
+          </a:effectRef>
+          <a:fontRef idx="minor">
+            <a:schemeClr val="dk1"/>
+          </a:fontRef>
+        </p:style>
+        <p:txBody>
+          <a:bodyPr wrap="square" rtlCol="0">
+            <a:spAutoFit/>
+          </a:bodyPr>
+          <a:lstStyle/>
+          <a:p>
+            <a:r>
+              <a:rPr lang="en-US" sz="1600" dirty="0" smtClean="0"/>
+              <a:t>1. </a:t>
+            </a:r>
+            <a:r>
+              <a:rPr lang="en-US" sz="1600" b="1" dirty="0" smtClean="0"/>
+              <a:t> Remove buttons</a:t>
+            </a:r>
+            <a:r>
+              <a:rPr lang="en-US" sz="1600" dirty="0" smtClean="0"/>
+              <a:t> (or </a:t>
+            </a:r>
+            <a:r>
+              <a:rPr lang="en-US" sz="1600" dirty="0" smtClean="0"/>
+              <a:t>add an alert that says “Sorry, this feature is not yet implemented!</a:t>
+            </a:r>
+            <a:r>
+              <a:rPr lang="en-US" sz="1600" dirty="0" smtClean="0"/>
+              <a:t>”</a:t>
+            </a:r>
+            <a:r>
+              <a:rPr lang="en-US" sz="1600" dirty="0" smtClean="0"/>
+              <a:t>)</a:t>
+            </a:r>
+            <a:endParaRPr lang="en-US" sz="1600" dirty="0"/>
+          </a:p>
+        </p:txBody>
+      </p:sp>
+      <p:sp>
+        <p:nvSpPr>
+          <p:cNvPr id="20" name="TextBox 19"/>
+          <p:cNvSpPr txBox="1"/>
+          <p:nvPr/>
+        </p:nvSpPr>
+        <p:spPr>
+          <a:xfrm>
+            <a:off x="5705596" y="823333"/>
+            <a:ext cx="2800767" cy="1200329"/>
+          </a:xfrm>
+          <a:prstGeom prst="rect">
+            <a:avLst/>
+          </a:prstGeom>
+        </p:spPr>
+        <p:style>
+          <a:lnRef idx="1">
+            <a:schemeClr val="accent1"/>
+          </a:lnRef>
+          <a:fillRef idx="2">
+            <a:schemeClr val="accent1"/>
+          </a:fillRef>
+          <a:effectRef idx="1">
+            <a:schemeClr val="accent1"/>
+          </a:effectRef>
+          <a:fontRef idx="minor">
+            <a:schemeClr val="dk1"/>
+          </a:fontRef>
+        </p:style>
+        <p:txBody>
+          <a:bodyPr wrap="square" rtlCol="0">
+            <a:spAutoFit/>
+          </a:bodyPr>
+          <a:lstStyle/>
+          <a:p>
+            <a:r>
+              <a:rPr lang="en-US" dirty="0" smtClean="0"/>
+              <a:t>2. </a:t>
+            </a:r>
+            <a:r>
+              <a:rPr lang="en-US" b="1" dirty="0" smtClean="0"/>
+              <a:t>Use </a:t>
+            </a:r>
+            <a:r>
+              <a:rPr lang="en-US" b="1" dirty="0" smtClean="0"/>
+              <a:t>logo. </a:t>
+            </a:r>
+            <a:r>
+              <a:rPr lang="en-US" dirty="0" smtClean="0"/>
+              <a:t> Change top strip background color to grey so that logo is fully visible.  </a:t>
+            </a:r>
+            <a:endParaRPr lang="en-US" dirty="0"/>
+          </a:p>
+        </p:txBody>
+      </p:sp>
+      <p:sp>
+        <p:nvSpPr>
+          <p:cNvPr id="18" name="TextBox 17"/>
+          <p:cNvSpPr txBox="1"/>
+          <p:nvPr/>
+        </p:nvSpPr>
+        <p:spPr>
+          <a:xfrm>
+            <a:off x="222432" y="284724"/>
+            <a:ext cx="5982928" cy="1077218"/>
+          </a:xfrm>
+          <a:prstGeom prst="rect">
+            <a:avLst/>
+          </a:prstGeom>
+          <a:noFill/>
+        </p:spPr>
+        <p:txBody>
+          <a:bodyPr wrap="none" rtlCol="0">
+            <a:spAutoFit/>
+          </a:bodyPr>
+          <a:lstStyle/>
+          <a:p>
+            <a:pPr algn="ctr"/>
+            <a:r>
+              <a:rPr lang="en-US" sz="3200" dirty="0" smtClean="0"/>
+              <a:t>7. Improve Home view appearance</a:t>
+            </a:r>
+          </a:p>
+          <a:p>
+            <a:pPr algn="ctr"/>
+            <a:r>
+              <a:rPr lang="en-US" sz="3200" dirty="0" smtClean="0"/>
+              <a:t>Priority </a:t>
+            </a:r>
+            <a:r>
+              <a:rPr lang="en-US" sz="3200" dirty="0" smtClean="0"/>
+              <a:t>= medium</a:t>
+            </a:r>
+            <a:endParaRPr lang="en-US" sz="3200" dirty="0"/>
+          </a:p>
+        </p:txBody>
+      </p:sp>
+      <p:sp>
+        <p:nvSpPr>
+          <p:cNvPr id="37" name="Rectangle 36"/>
+          <p:cNvSpPr/>
+          <p:nvPr/>
+        </p:nvSpPr>
+        <p:spPr>
+          <a:xfrm>
+            <a:off x="5453014" y="2149940"/>
+            <a:ext cx="2753646" cy="461665"/>
+          </a:xfrm>
+          <a:prstGeom prst="rect">
+            <a:avLst/>
+          </a:prstGeom>
+          <a:solidFill>
+            <a:schemeClr val="tx1">
+              <a:lumMod val="50000"/>
+              <a:lumOff val="50000"/>
+            </a:schemeClr>
+          </a:solidFill>
+        </p:spPr>
+        <p:style>
+          <a:lnRef idx="1">
+            <a:schemeClr val="accent1"/>
+          </a:lnRef>
+          <a:fillRef idx="3">
+            <a:schemeClr val="accent1"/>
+          </a:fillRef>
+          <a:effectRef idx="2">
+            <a:schemeClr val="accent1"/>
+          </a:effectRef>
+          <a:fontRef idx="minor">
+            <a:schemeClr val="lt1"/>
+          </a:fontRef>
+        </p:style>
+        <p:txBody>
+          <a:bodyPr rtlCol="0" anchor="ctr"/>
+          <a:lstStyle/>
+          <a:p>
+            <a:pPr algn="ctr"/>
+            <a:endParaRPr lang="en-US"/>
+          </a:p>
+        </p:txBody>
+      </p:sp>
+      <p:pic>
+        <p:nvPicPr>
+          <p:cNvPr id="7" name="Picture 6"/>
+          <p:cNvPicPr>
+            <a:picLocks noChangeAspect="1"/>
+          </p:cNvPicPr>
+          <p:nvPr/>
+        </p:nvPicPr>
+        <p:blipFill>
+          <a:blip r:embed="rId3"/>
+          <a:stretch>
+            <a:fillRect/>
+          </a:stretch>
+        </p:blipFill>
+        <p:spPr>
+          <a:xfrm>
+            <a:off x="5774042" y="2241707"/>
+            <a:ext cx="1353491" cy="354369"/>
+          </a:xfrm>
+          <a:prstGeom prst="rect">
+            <a:avLst/>
+          </a:prstGeom>
+        </p:spPr>
+      </p:pic>
+      <p:sp>
+        <p:nvSpPr>
+          <p:cNvPr id="39" name="TextBox 38"/>
+          <p:cNvSpPr txBox="1"/>
+          <p:nvPr/>
+        </p:nvSpPr>
+        <p:spPr>
+          <a:xfrm>
+            <a:off x="7765472" y="2078820"/>
+            <a:ext cx="441187" cy="461665"/>
+          </a:xfrm>
+          <a:prstGeom prst="rect">
+            <a:avLst/>
+          </a:prstGeom>
+          <a:noFill/>
+        </p:spPr>
+        <p:txBody>
+          <a:bodyPr wrap="square" rtlCol="0">
+            <a:spAutoFit/>
+          </a:bodyPr>
+          <a:lstStyle/>
+          <a:p>
+            <a:r>
+              <a:rPr lang="en-US" sz="2400" dirty="0" smtClean="0">
+                <a:solidFill>
+                  <a:schemeClr val="bg1"/>
+                </a:solidFill>
+              </a:rPr>
+              <a:t>+</a:t>
+            </a:r>
+            <a:endParaRPr lang="en-US" sz="2400" dirty="0">
+              <a:solidFill>
+                <a:schemeClr val="bg1"/>
+              </a:solidFill>
+            </a:endParaRPr>
+          </a:p>
+        </p:txBody>
+      </p:sp>
+      <p:pic>
+        <p:nvPicPr>
+          <p:cNvPr id="40" name="Picture 39"/>
+          <p:cNvPicPr>
+            <a:picLocks noChangeAspect="1"/>
+          </p:cNvPicPr>
+          <p:nvPr/>
+        </p:nvPicPr>
+        <p:blipFill>
+          <a:blip r:embed="rId3"/>
+          <a:stretch>
+            <a:fillRect/>
+          </a:stretch>
+        </p:blipFill>
+        <p:spPr>
+          <a:xfrm>
+            <a:off x="6205360" y="425992"/>
+            <a:ext cx="1353491" cy="354369"/>
+          </a:xfrm>
+          <a:prstGeom prst="rect">
+            <a:avLst/>
+          </a:prstGeom>
+        </p:spPr>
+      </p:pic>
+      <p:sp>
+        <p:nvSpPr>
+          <p:cNvPr id="25" name="&quot;No&quot; Symbol 24"/>
+          <p:cNvSpPr/>
+          <p:nvPr/>
+        </p:nvSpPr>
+        <p:spPr>
+          <a:xfrm>
+            <a:off x="1267102" y="2068807"/>
+            <a:ext cx="365977" cy="355600"/>
+          </a:xfrm>
+          <a:prstGeom prst="noSmoking">
+            <a:avLst>
+              <a:gd name="adj" fmla="val 12091"/>
+            </a:avLst>
+          </a:prstGeom>
+          <a:solidFill>
+            <a:srgbClr val="FF0000"/>
+          </a:solidFill>
+        </p:spPr>
+        <p:style>
+          <a:lnRef idx="1">
+            <a:schemeClr val="accent1"/>
+          </a:lnRef>
+          <a:fillRef idx="3">
+            <a:schemeClr val="accent1"/>
+          </a:fillRef>
+          <a:effectRef idx="2">
+            <a:schemeClr val="accent1"/>
+          </a:effectRef>
+          <a:fontRef idx="minor">
+            <a:schemeClr val="lt1"/>
+          </a:fontRef>
+        </p:style>
+        <p:txBody>
+          <a:bodyPr rtlCol="0" anchor="ctr"/>
+          <a:lstStyle/>
+          <a:p>
+            <a:pPr algn="ctr"/>
+            <a:endParaRPr lang="en-US">
+              <a:solidFill>
+                <a:schemeClr val="tx1"/>
+              </a:solidFill>
+            </a:endParaRPr>
+          </a:p>
+        </p:txBody>
+      </p:sp>
+      <p:sp>
+        <p:nvSpPr>
+          <p:cNvPr id="26" name="&quot;No&quot; Symbol 25"/>
+          <p:cNvSpPr/>
+          <p:nvPr/>
+        </p:nvSpPr>
+        <p:spPr>
+          <a:xfrm>
+            <a:off x="3531609" y="2143588"/>
+            <a:ext cx="365977" cy="355600"/>
+          </a:xfrm>
+          <a:prstGeom prst="noSmoking">
+            <a:avLst>
+              <a:gd name="adj" fmla="val 12091"/>
+            </a:avLst>
+          </a:prstGeom>
+          <a:solidFill>
+            <a:srgbClr val="FF0000"/>
+          </a:solidFill>
+        </p:spPr>
+        <p:style>
+          <a:lnRef idx="1">
+            <a:schemeClr val="accent1"/>
+          </a:lnRef>
+          <a:fillRef idx="3">
+            <a:schemeClr val="accent1"/>
+          </a:fillRef>
+          <a:effectRef idx="2">
+            <a:schemeClr val="accent1"/>
+          </a:effectRef>
+          <a:fontRef idx="minor">
+            <a:schemeClr val="lt1"/>
+          </a:fontRef>
+        </p:style>
+        <p:txBody>
+          <a:bodyPr rtlCol="0" anchor="ctr"/>
+          <a:lstStyle/>
+          <a:p>
+            <a:pPr algn="ctr"/>
+            <a:endParaRPr lang="en-US">
+              <a:solidFill>
+                <a:schemeClr val="tx1"/>
+              </a:solidFill>
+            </a:endParaRPr>
+          </a:p>
+        </p:txBody>
+      </p:sp>
+      <p:sp>
+        <p:nvSpPr>
+          <p:cNvPr id="33" name="TextBox 32"/>
+          <p:cNvSpPr txBox="1"/>
+          <p:nvPr/>
+        </p:nvSpPr>
+        <p:spPr>
+          <a:xfrm>
+            <a:off x="1140543" y="6436133"/>
+            <a:ext cx="492536" cy="230832"/>
+          </a:xfrm>
+          <a:prstGeom prst="rect">
+            <a:avLst/>
+          </a:prstGeom>
+          <a:noFill/>
+        </p:spPr>
+        <p:txBody>
+          <a:bodyPr wrap="none" rtlCol="0">
+            <a:spAutoFit/>
+          </a:bodyPr>
+          <a:lstStyle/>
+          <a:p>
+            <a:r>
+              <a:rPr lang="en-US" sz="900" dirty="0" smtClean="0">
+                <a:latin typeface="Helvetica"/>
+                <a:cs typeface="Helvetica"/>
+              </a:rPr>
+              <a:t>Home</a:t>
+            </a:r>
+            <a:endParaRPr lang="en-US" sz="900" dirty="0">
+              <a:latin typeface="Helvetica"/>
+              <a:cs typeface="Helvetica"/>
+            </a:endParaRPr>
+          </a:p>
+        </p:txBody>
+      </p:sp>
+      <p:sp>
+        <p:nvSpPr>
+          <p:cNvPr id="22" name="Rectangle 21"/>
+          <p:cNvSpPr/>
+          <p:nvPr/>
+        </p:nvSpPr>
+        <p:spPr>
+          <a:xfrm>
+            <a:off x="5453013" y="5960790"/>
+            <a:ext cx="2753646" cy="486982"/>
+          </a:xfrm>
+          <a:prstGeom prst="rect">
+            <a:avLst/>
+          </a:prstGeom>
+          <a:solidFill>
+            <a:srgbClr val="595959"/>
+          </a:solidFill>
+        </p:spPr>
+        <p:style>
+          <a:lnRef idx="1">
+            <a:schemeClr val="accent1"/>
+          </a:lnRef>
+          <a:fillRef idx="3">
+            <a:schemeClr val="accent1"/>
+          </a:fillRef>
+          <a:effectRef idx="2">
+            <a:schemeClr val="accent1"/>
+          </a:effectRef>
+          <a:fontRef idx="minor">
+            <a:schemeClr val="lt1"/>
+          </a:fontRef>
+        </p:style>
+        <p:txBody>
+          <a:bodyPr rtlCol="0" anchor="ctr"/>
+          <a:lstStyle/>
+          <a:p>
+            <a:pPr algn="ctr"/>
+            <a:endParaRPr lang="en-US"/>
+          </a:p>
+        </p:txBody>
+      </p:sp>
+      <p:pic>
+        <p:nvPicPr>
+          <p:cNvPr id="32" name="Picture 31"/>
+          <p:cNvPicPr>
+            <a:picLocks noChangeAspect="1"/>
+          </p:cNvPicPr>
+          <p:nvPr/>
+        </p:nvPicPr>
+        <p:blipFill>
+          <a:blip r:embed="rId4"/>
+          <a:srcRect l="31899" t="30508" r="31899" b="30508"/>
+          <a:stretch>
+            <a:fillRect/>
+          </a:stretch>
+        </p:blipFill>
+        <p:spPr>
+          <a:xfrm>
+            <a:off x="5585034" y="6076932"/>
+            <a:ext cx="284265" cy="228600"/>
+          </a:xfrm>
+          <a:prstGeom prst="rect">
+            <a:avLst/>
+          </a:prstGeom>
+          <a:solidFill>
+            <a:schemeClr val="bg1">
+              <a:lumMod val="65000"/>
+            </a:schemeClr>
+          </a:solidFill>
+        </p:spPr>
+      </p:pic>
+      <p:sp>
+        <p:nvSpPr>
+          <p:cNvPr id="10" name="TextBox 9"/>
+          <p:cNvSpPr txBox="1"/>
+          <p:nvPr/>
+        </p:nvSpPr>
+        <p:spPr>
+          <a:xfrm>
+            <a:off x="5483493" y="6254732"/>
+            <a:ext cx="492536" cy="230832"/>
+          </a:xfrm>
+          <a:prstGeom prst="rect">
+            <a:avLst/>
+          </a:prstGeom>
+          <a:noFill/>
+        </p:spPr>
+        <p:txBody>
+          <a:bodyPr wrap="none" rtlCol="0">
+            <a:spAutoFit/>
+          </a:bodyPr>
+          <a:lstStyle/>
+          <a:p>
+            <a:r>
+              <a:rPr lang="en-US" sz="900" dirty="0" smtClean="0">
+                <a:solidFill>
+                  <a:schemeClr val="bg1"/>
+                </a:solidFill>
+                <a:latin typeface="Helvetica"/>
+                <a:cs typeface="Helvetica"/>
+              </a:rPr>
+              <a:t>Home</a:t>
+            </a:r>
+            <a:endParaRPr lang="en-US" sz="900" dirty="0">
+              <a:solidFill>
+                <a:schemeClr val="bg1"/>
+              </a:solidFill>
+              <a:latin typeface="Helvetica"/>
+              <a:cs typeface="Helvetica"/>
+            </a:endParaRPr>
+          </a:p>
+        </p:txBody>
+      </p:sp>
+      <p:sp>
+        <p:nvSpPr>
+          <p:cNvPr id="35" name="TextBox 34"/>
+          <p:cNvSpPr txBox="1"/>
+          <p:nvPr/>
+        </p:nvSpPr>
+        <p:spPr>
+          <a:xfrm>
+            <a:off x="6615675" y="6216940"/>
+            <a:ext cx="428322" cy="230832"/>
+          </a:xfrm>
+          <a:prstGeom prst="rect">
+            <a:avLst/>
+          </a:prstGeom>
+          <a:noFill/>
+        </p:spPr>
+        <p:txBody>
+          <a:bodyPr wrap="none" rtlCol="0">
+            <a:spAutoFit/>
+          </a:bodyPr>
+          <a:lstStyle/>
+          <a:p>
+            <a:r>
+              <a:rPr lang="en-US" sz="900" dirty="0" smtClean="0">
+                <a:solidFill>
+                  <a:schemeClr val="bg1"/>
+                </a:solidFill>
+                <a:latin typeface="Helvetica"/>
+                <a:cs typeface="Helvetica"/>
+              </a:rPr>
+              <a:t>Help</a:t>
+            </a:r>
+            <a:endParaRPr lang="en-US" sz="900" dirty="0">
+              <a:solidFill>
+                <a:schemeClr val="bg1"/>
+              </a:solidFill>
+              <a:latin typeface="Helvetica"/>
+              <a:cs typeface="Helvetica"/>
+            </a:endParaRPr>
+          </a:p>
+        </p:txBody>
+      </p:sp>
+      <p:sp>
+        <p:nvSpPr>
+          <p:cNvPr id="36" name="TextBox 35"/>
+          <p:cNvSpPr txBox="1"/>
+          <p:nvPr/>
+        </p:nvSpPr>
+        <p:spPr>
+          <a:xfrm>
+            <a:off x="7526763" y="6216940"/>
+            <a:ext cx="595273" cy="230832"/>
+          </a:xfrm>
+          <a:prstGeom prst="rect">
+            <a:avLst/>
+          </a:prstGeom>
+          <a:noFill/>
+        </p:spPr>
+        <p:txBody>
+          <a:bodyPr wrap="none" rtlCol="0">
+            <a:spAutoFit/>
+          </a:bodyPr>
+          <a:lstStyle/>
+          <a:p>
+            <a:r>
+              <a:rPr lang="en-US" sz="900" dirty="0" smtClean="0">
+                <a:solidFill>
+                  <a:schemeClr val="bg1"/>
+                </a:solidFill>
+                <a:latin typeface="Helvetica"/>
+                <a:cs typeface="Helvetica"/>
+              </a:rPr>
+              <a:t>Capture</a:t>
+            </a:r>
+            <a:endParaRPr lang="en-US" sz="900" dirty="0">
+              <a:solidFill>
+                <a:schemeClr val="bg1"/>
+              </a:solidFill>
+              <a:latin typeface="Helvetica"/>
+              <a:cs typeface="Helvetica"/>
+            </a:endParaRPr>
+          </a:p>
+        </p:txBody>
+      </p:sp>
+      <p:sp>
+        <p:nvSpPr>
+          <p:cNvPr id="42" name="TextBox 41"/>
+          <p:cNvSpPr txBox="1"/>
+          <p:nvPr/>
+        </p:nvSpPr>
+        <p:spPr>
+          <a:xfrm>
+            <a:off x="2936574" y="2353904"/>
+            <a:ext cx="569387" cy="230832"/>
+          </a:xfrm>
+          <a:prstGeom prst="rect">
+            <a:avLst/>
+          </a:prstGeom>
+          <a:noFill/>
+        </p:spPr>
+        <p:txBody>
+          <a:bodyPr wrap="none" rtlCol="0">
+            <a:spAutoFit/>
+          </a:bodyPr>
+          <a:lstStyle/>
+          <a:p>
+            <a:r>
+              <a:rPr lang="en-US" sz="900" dirty="0" smtClean="0">
+                <a:latin typeface="Helvetica"/>
+                <a:cs typeface="Helvetica"/>
+              </a:rPr>
+              <a:t>Add list</a:t>
+            </a:r>
+            <a:endParaRPr lang="en-US" sz="900" dirty="0">
+              <a:latin typeface="Helvetica"/>
+              <a:cs typeface="Helvetica"/>
+            </a:endParaRPr>
+          </a:p>
+        </p:txBody>
+      </p:sp>
+      <p:sp>
+        <p:nvSpPr>
+          <p:cNvPr id="43" name="TextBox 42"/>
+          <p:cNvSpPr txBox="1"/>
+          <p:nvPr/>
+        </p:nvSpPr>
+        <p:spPr>
+          <a:xfrm>
+            <a:off x="7637273" y="2423743"/>
+            <a:ext cx="569387" cy="230832"/>
+          </a:xfrm>
+          <a:prstGeom prst="rect">
+            <a:avLst/>
+          </a:prstGeom>
+          <a:noFill/>
+        </p:spPr>
+        <p:txBody>
+          <a:bodyPr wrap="none" rtlCol="0">
+            <a:spAutoFit/>
+          </a:bodyPr>
+          <a:lstStyle/>
+          <a:p>
+            <a:r>
+              <a:rPr lang="en-US" sz="900" dirty="0" smtClean="0">
+                <a:solidFill>
+                  <a:schemeClr val="bg1"/>
+                </a:solidFill>
+                <a:latin typeface="Helvetica"/>
+                <a:cs typeface="Helvetica"/>
+              </a:rPr>
+              <a:t>Add list</a:t>
+            </a:r>
+            <a:endParaRPr lang="en-US" sz="900" dirty="0">
+              <a:solidFill>
+                <a:schemeClr val="bg1"/>
+              </a:solidFill>
+              <a:latin typeface="Helvetica"/>
+              <a:cs typeface="Helvetica"/>
+            </a:endParaRPr>
+          </a:p>
+        </p:txBody>
+      </p:sp>
       <p:cxnSp>
         <p:nvCxnSpPr>
-          <p:cNvPr id="12" name="Straight Arrow Connector 11"/>
-          <p:cNvCxnSpPr/>
+          <p:cNvPr id="47" name="Straight Arrow Connector 46"/>
+          <p:cNvCxnSpPr>
+            <a:stCxn id="19" idx="0"/>
+          </p:cNvCxnSpPr>
           <p:nvPr/>
         </p:nvCxnSpPr>
         <p:spPr>
-          <a:xfrm rot="10800000" flipV="1">
-            <a:off x="3378458" y="2025841"/>
-            <a:ext cx="2306777" cy="514270"/>
+          <a:xfrm rot="16200000" flipV="1">
+            <a:off x="1304816" y="2652466"/>
+            <a:ext cx="749928" cy="443372"/>
           </a:xfrm>
           <a:prstGeom prst="straightConnector1">
             <a:avLst/>
@@ -8162,69 +8435,16 @@
           </a:fontRef>
         </p:style>
       </p:cxnSp>
-      <p:sp>
-        <p:nvSpPr>
-          <p:cNvPr id="15" name="TextBox 14"/>
-          <p:cNvSpPr txBox="1"/>
-          <p:nvPr/>
-        </p:nvSpPr>
-        <p:spPr>
-          <a:xfrm>
-            <a:off x="5685233" y="1810938"/>
-            <a:ext cx="2685614" cy="369332"/>
-          </a:xfrm>
-          <a:prstGeom prst="rect">
-            <a:avLst/>
-          </a:prstGeom>
-        </p:spPr>
-        <p:style>
-          <a:lnRef idx="1">
-            <a:schemeClr val="accent1"/>
-          </a:lnRef>
-          <a:fillRef idx="3">
-            <a:schemeClr val="accent1"/>
-          </a:fillRef>
-          <a:effectRef idx="2">
-            <a:schemeClr val="accent1"/>
-          </a:effectRef>
-          <a:fontRef idx="minor">
-            <a:schemeClr val="lt1"/>
-          </a:fontRef>
-        </p:style>
-        <p:txBody>
-          <a:bodyPr wrap="none" rtlCol="0">
-            <a:spAutoFit/>
-          </a:bodyPr>
-          <a:lstStyle/>
-          <a:p>
-            <a:r>
-              <a:rPr lang="en-US" dirty="0" smtClean="0"/>
-              <a:t>Remove </a:t>
-            </a:r>
-            <a:r>
-              <a:rPr lang="en-US" dirty="0" err="1" smtClean="0"/>
-              <a:t>ottIds</a:t>
-            </a:r>
-            <a:r>
-              <a:rPr lang="en-US" dirty="0" smtClean="0"/>
-              <a:t> from labels</a:t>
-            </a:r>
-            <a:endParaRPr lang="en-US" dirty="0"/>
-          </a:p>
-        </p:txBody>
-      </p:sp>
       <p:cxnSp>
         <p:nvCxnSpPr>
-          <p:cNvPr id="17" name="Straight Arrow Connector 16"/>
-          <p:cNvCxnSpPr>
-            <a:stCxn id="18" idx="1"/>
-          </p:cNvCxnSpPr>
+          <p:cNvPr id="50" name="Straight Arrow Connector 49"/>
+          <p:cNvCxnSpPr/>
           <p:nvPr/>
         </p:nvCxnSpPr>
         <p:spPr>
-          <a:xfrm rot="10800000">
-            <a:off x="1691214" y="2766634"/>
-            <a:ext cx="3804303" cy="1348596"/>
+          <a:xfrm flipV="1">
+            <a:off x="1721709" y="2499188"/>
+            <a:ext cx="1784252" cy="749928"/>
           </a:xfrm>
           <a:prstGeom prst="straightConnector1">
             <a:avLst/>
@@ -8248,61 +8468,18 @@
           </a:fontRef>
         </p:style>
       </p:cxnSp>
-      <p:sp>
-        <p:nvSpPr>
-          <p:cNvPr id="18" name="TextBox 17"/>
-          <p:cNvSpPr txBox="1"/>
-          <p:nvPr/>
-        </p:nvSpPr>
-        <p:spPr>
-          <a:xfrm>
-            <a:off x="5495516" y="3515065"/>
-            <a:ext cx="2641108" cy="1200329"/>
-          </a:xfrm>
-          <a:prstGeom prst="rect">
-            <a:avLst/>
-          </a:prstGeom>
-        </p:spPr>
-        <p:style>
-          <a:lnRef idx="1">
-            <a:schemeClr val="accent1"/>
-          </a:lnRef>
-          <a:fillRef idx="3">
-            <a:schemeClr val="accent1"/>
-          </a:fillRef>
-          <a:effectRef idx="2">
-            <a:schemeClr val="accent1"/>
-          </a:effectRef>
-          <a:fontRef idx="minor">
-            <a:schemeClr val="lt1"/>
-          </a:fontRef>
-        </p:style>
-        <p:txBody>
-          <a:bodyPr wrap="square" rtlCol="0">
-            <a:spAutoFit/>
-          </a:bodyPr>
-          <a:lstStyle/>
-          <a:p>
-            <a:r>
-              <a:rPr lang="en-US" dirty="0" smtClean="0"/>
-              <a:t>Remove internal node labels– they are confusing and sometimes overlap tip labels</a:t>
-            </a:r>
-            <a:endParaRPr lang="en-US" dirty="0"/>
-          </a:p>
-        </p:txBody>
-      </p:sp>
       <p:cxnSp>
         <p:nvCxnSpPr>
-          <p:cNvPr id="20" name="Straight Arrow Connector 19"/>
+          <p:cNvPr id="55" name="Straight Arrow Connector 54"/>
           <p:cNvCxnSpPr>
-            <a:stCxn id="18" idx="1"/>
+            <a:stCxn id="8" idx="2"/>
           </p:cNvCxnSpPr>
           <p:nvPr/>
         </p:nvCxnSpPr>
         <p:spPr>
-          <a:xfrm rot="10800000">
-            <a:off x="3378458" y="3043340"/>
-            <a:ext cx="2117058" cy="1071890"/>
+          <a:xfrm rot="5400000">
+            <a:off x="6079920" y="4926430"/>
+            <a:ext cx="1275220" cy="1482982"/>
           </a:xfrm>
           <a:prstGeom prst="straightConnector1">
             <a:avLst/>
@@ -8326,6 +8503,31 @@
           </a:fontRef>
         </p:style>
       </p:cxnSp>
+      <p:pic>
+        <p:nvPicPr>
+          <p:cNvPr id="56" name="Picture 55" descr="IMG_2004.PNG"/>
+          <p:cNvPicPr>
+            <a:picLocks noChangeAspect="1"/>
+          </p:cNvPicPr>
+          <p:nvPr/>
+        </p:nvPicPr>
+        <p:blipFill>
+          <a:blip r:embed="rId2"/>
+          <a:srcRect b="96338"/>
+          <a:stretch>
+            <a:fillRect/>
+          </a:stretch>
+        </p:blipFill>
+        <p:spPr>
+          <a:xfrm>
+            <a:off x="5453013" y="1989331"/>
+            <a:ext cx="2753646" cy="178978"/>
+          </a:xfrm>
+          <a:prstGeom prst="rect">
+            <a:avLst/>
+          </a:prstGeom>
+        </p:spPr>
+      </p:pic>
     </p:spTree>
   </p:cSld>
   <p:clrMapOvr>

--- a/design/mobile_app_mvp_priorities.pptx
+++ b/design/mobile_app_mvp_priorities.pptx
@@ -3650,7 +3650,7 @@
         <p:spPr>
           <a:xfrm>
             <a:off x="3514414" y="2686615"/>
-            <a:ext cx="5334000" cy="2862323"/>
+            <a:ext cx="5334000" cy="3139321"/>
           </a:xfrm>
           <a:prstGeom prst="rect">
             <a:avLst/>
@@ -3760,7 +3760,23 @@
             </a:pPr>
             <a:r>
               <a:rPr lang="en-US" dirty="0" smtClean="0"/>
-              <a:t> change message to: ‘’No scientific name was found. Please try again.’’</a:t>
+              <a:t> change message to: ‘’No scientific name was found. Please try again</a:t>
+            </a:r>
+            <a:r>
+              <a:rPr lang="en-US" dirty="0" smtClean="0"/>
+              <a:t>.  The Help page has </a:t>
+            </a:r>
+            <a:r>
+              <a:rPr lang="en-US" dirty="0" smtClean="0"/>
+              <a:t>tips on getting good photos.</a:t>
+            </a:r>
+            <a:r>
+              <a:rPr lang="en-US" dirty="0" smtClean="0"/>
+              <a:t>’</a:t>
+            </a:r>
+            <a:r>
+              <a:rPr lang="en-US" dirty="0" smtClean="0"/>
+              <a:t>’</a:t>
             </a:r>
           </a:p>
         </p:txBody>
@@ -3773,8 +3789,8 @@
         </p:nvSpPr>
         <p:spPr>
           <a:xfrm>
-            <a:off x="3801439" y="525489"/>
-            <a:ext cx="5046975" cy="1077218"/>
+            <a:off x="3080994" y="525489"/>
+            <a:ext cx="6487874" cy="1077218"/>
           </a:xfrm>
           <a:prstGeom prst="rect">
             <a:avLst/>
@@ -3790,7 +3806,7 @@
             <a:pPr algn="ctr"/>
             <a:r>
               <a:rPr lang="en-US" sz="3200" dirty="0" smtClean="0"/>
-              <a:t>9. Clarify empty capture alert</a:t>
+              <a:t>9. Instruct user in empty capture alert</a:t>
             </a:r>
           </a:p>
           <a:p>
@@ -4587,7 +4603,7 @@
         </p:blipFill>
         <p:spPr>
           <a:xfrm>
-            <a:off x="492644" y="788307"/>
+            <a:off x="492644" y="1322519"/>
             <a:ext cx="2884558" cy="5128103"/>
           </a:xfrm>
           <a:prstGeom prst="rect">
@@ -5131,8 +5147,8 @@
         </p:nvSpPr>
         <p:spPr>
           <a:xfrm>
-            <a:off x="3158162" y="140086"/>
-            <a:ext cx="2470749" cy="584776"/>
+            <a:off x="643092" y="266976"/>
+            <a:ext cx="3956933" cy="1077218"/>
           </a:xfrm>
           <a:prstGeom prst="rect">
             <a:avLst/>
@@ -5147,7 +5163,21 @@
           <a:p>
             <a:r>
               <a:rPr lang="en-US" sz="3200" dirty="0" smtClean="0"/>
-              <a:t>Priority = low</a:t>
+              <a:t>Alert for no-text-found</a:t>
+            </a:r>
+          </a:p>
+          <a:p>
+            <a:r>
+              <a:rPr lang="en-US" sz="3200" dirty="0" smtClean="0"/>
+              <a:t>Priority </a:t>
+            </a:r>
+            <a:r>
+              <a:rPr lang="en-US" sz="3200" dirty="0" smtClean="0"/>
+              <a:t>= </a:t>
+            </a:r>
+            <a:r>
+              <a:rPr lang="en-US" sz="3200" dirty="0" smtClean="0"/>
+              <a:t>low</a:t>
             </a:r>
             <a:endParaRPr lang="en-US" sz="3200" dirty="0"/>
           </a:p>

--- a/design/mobile_app_mvp_priorities.pptx
+++ b/design/mobile_app_mvp_priorities.pptx
@@ -8,8 +8,8 @@
     <p:sldId id="268" r:id="rId2"/>
     <p:sldId id="265" r:id="rId3"/>
     <p:sldId id="273" r:id="rId4"/>
-    <p:sldId id="270" r:id="rId5"/>
-    <p:sldId id="263" r:id="rId6"/>
+    <p:sldId id="263" r:id="rId5"/>
+    <p:sldId id="270" r:id="rId6"/>
     <p:sldId id="260" r:id="rId7"/>
     <p:sldId id="269" r:id="rId8"/>
     <p:sldId id="272" r:id="rId9"/>
@@ -303,7 +303,7 @@
             <a:fld id="{87E93CD3-EE4A-CD47-805D-649ED515E042}" type="datetimeFigureOut">
               <a:rPr lang="en-US" smtClean="0"/>
               <a:pPr/>
-              <a:t>3/18/16</a:t>
+              <a:t>3/20/16</a:t>
             </a:fld>
             <a:endParaRPr lang="en-US"/>
           </a:p>
@@ -470,7 +470,7 @@
             <a:fld id="{87E93CD3-EE4A-CD47-805D-649ED515E042}" type="datetimeFigureOut">
               <a:rPr lang="en-US" smtClean="0"/>
               <a:pPr/>
-              <a:t>3/18/16</a:t>
+              <a:t>3/20/16</a:t>
             </a:fld>
             <a:endParaRPr lang="en-US"/>
           </a:p>
@@ -647,7 +647,7 @@
             <a:fld id="{87E93CD3-EE4A-CD47-805D-649ED515E042}" type="datetimeFigureOut">
               <a:rPr lang="en-US" smtClean="0"/>
               <a:pPr/>
-              <a:t>3/18/16</a:t>
+              <a:t>3/20/16</a:t>
             </a:fld>
             <a:endParaRPr lang="en-US"/>
           </a:p>
@@ -814,7 +814,7 @@
             <a:fld id="{87E93CD3-EE4A-CD47-805D-649ED515E042}" type="datetimeFigureOut">
               <a:rPr lang="en-US" smtClean="0"/>
               <a:pPr/>
-              <a:t>3/18/16</a:t>
+              <a:t>3/20/16</a:t>
             </a:fld>
             <a:endParaRPr lang="en-US"/>
           </a:p>
@@ -1057,7 +1057,7 @@
             <a:fld id="{87E93CD3-EE4A-CD47-805D-649ED515E042}" type="datetimeFigureOut">
               <a:rPr lang="en-US" smtClean="0"/>
               <a:pPr/>
-              <a:t>3/18/16</a:t>
+              <a:t>3/20/16</a:t>
             </a:fld>
             <a:endParaRPr lang="en-US"/>
           </a:p>
@@ -1342,7 +1342,7 @@
             <a:fld id="{87E93CD3-EE4A-CD47-805D-649ED515E042}" type="datetimeFigureOut">
               <a:rPr lang="en-US" smtClean="0"/>
               <a:pPr/>
-              <a:t>3/18/16</a:t>
+              <a:t>3/20/16</a:t>
             </a:fld>
             <a:endParaRPr lang="en-US"/>
           </a:p>
@@ -1761,7 +1761,7 @@
             <a:fld id="{87E93CD3-EE4A-CD47-805D-649ED515E042}" type="datetimeFigureOut">
               <a:rPr lang="en-US" smtClean="0"/>
               <a:pPr/>
-              <a:t>3/18/16</a:t>
+              <a:t>3/20/16</a:t>
             </a:fld>
             <a:endParaRPr lang="en-US"/>
           </a:p>
@@ -1876,7 +1876,7 @@
             <a:fld id="{87E93CD3-EE4A-CD47-805D-649ED515E042}" type="datetimeFigureOut">
               <a:rPr lang="en-US" smtClean="0"/>
               <a:pPr/>
-              <a:t>3/18/16</a:t>
+              <a:t>3/20/16</a:t>
             </a:fld>
             <a:endParaRPr lang="en-US"/>
           </a:p>
@@ -1968,7 +1968,7 @@
             <a:fld id="{87E93CD3-EE4A-CD47-805D-649ED515E042}" type="datetimeFigureOut">
               <a:rPr lang="en-US" smtClean="0"/>
               <a:pPr/>
-              <a:t>3/18/16</a:t>
+              <a:t>3/20/16</a:t>
             </a:fld>
             <a:endParaRPr lang="en-US"/>
           </a:p>
@@ -2242,7 +2242,7 @@
             <a:fld id="{87E93CD3-EE4A-CD47-805D-649ED515E042}" type="datetimeFigureOut">
               <a:rPr lang="en-US" smtClean="0"/>
               <a:pPr/>
-              <a:t>3/18/16</a:t>
+              <a:t>3/20/16</a:t>
             </a:fld>
             <a:endParaRPr lang="en-US"/>
           </a:p>
@@ -2492,7 +2492,7 @@
             <a:fld id="{87E93CD3-EE4A-CD47-805D-649ED515E042}" type="datetimeFigureOut">
               <a:rPr lang="en-US" smtClean="0"/>
               <a:pPr/>
-              <a:t>3/18/16</a:t>
+              <a:t>3/20/16</a:t>
             </a:fld>
             <a:endParaRPr lang="en-US"/>
           </a:p>
@@ -2702,7 +2702,7 @@
             <a:fld id="{87E93CD3-EE4A-CD47-805D-649ED515E042}" type="datetimeFigureOut">
               <a:rPr lang="en-US" smtClean="0"/>
               <a:pPr/>
-              <a:t>3/18/16</a:t>
+              <a:t>3/20/16</a:t>
             </a:fld>
             <a:endParaRPr lang="en-US"/>
           </a:p>
@@ -3492,15 +3492,7 @@
             <a:pPr marL="514350" indent="-514350" algn="ctr"/>
             <a:r>
               <a:rPr lang="en-US" sz="3200" dirty="0" smtClean="0"/>
-              <a:t>Priority </a:t>
-            </a:r>
-            <a:r>
-              <a:rPr lang="en-US" sz="3200" dirty="0" smtClean="0"/>
-              <a:t>= </a:t>
-            </a:r>
-            <a:r>
-              <a:rPr lang="en-US" sz="3200" dirty="0" smtClean="0"/>
-              <a:t>medium</a:t>
+              <a:t>Priority = medium</a:t>
             </a:r>
             <a:endParaRPr lang="en-US" sz="3200" dirty="0"/>
           </a:p>
@@ -3623,7 +3615,7 @@
           <a:blip r:embed="rId2">
             <a:extLst>
               <a:ext uri="{28A0092B-C50C-407E-A947-70E740481C1C}">
-                <a14:useLocalDpi xmlns="" xmlns:a="http://schemas.openxmlformats.org/drawingml/2006/main" xmlns:r="http://schemas.openxmlformats.org/officeDocument/2006/relationships" xmlns:p="http://schemas.openxmlformats.org/presentationml/2006/main" xmlns:a14="http://schemas.microsoft.com/office/drawing/2010/main" xmlns:mv="urn:schemas-microsoft-com:mac:vml" xmlns:mc="http://schemas.openxmlformats.org/markup-compatibility/2006" val="0"/>
+                <a14:useLocalDpi xmlns:mc="http://schemas.openxmlformats.org/markup-compatibility/2006" xmlns:mv="urn:schemas-microsoft-com:mac:vml" xmlns:a14="http://schemas.microsoft.com/office/drawing/2010/main" xmlns:p="http://schemas.openxmlformats.org/presentationml/2006/main" xmlns:r="http://schemas.openxmlformats.org/officeDocument/2006/relationships" xmlns:a="http://schemas.openxmlformats.org/drawingml/2006/main" xmlns="" val="0"/>
               </a:ext>
             </a:extLst>
           </a:blip>
@@ -3760,23 +3752,7 @@
             </a:pPr>
             <a:r>
               <a:rPr lang="en-US" dirty="0" smtClean="0"/>
-              <a:t> change message to: ‘’No scientific name was found. Please try again</a:t>
-            </a:r>
-            <a:r>
-              <a:rPr lang="en-US" dirty="0" smtClean="0"/>
-              <a:t>.  The Help page has </a:t>
-            </a:r>
-            <a:r>
-              <a:rPr lang="en-US" dirty="0" smtClean="0"/>
-              <a:t>tips on getting good photos.</a:t>
-            </a:r>
-            <a:r>
-              <a:rPr lang="en-US" dirty="0" smtClean="0"/>
-              <a:t>’</a:t>
-            </a:r>
-            <a:r>
-              <a:rPr lang="en-US" dirty="0" smtClean="0"/>
-              <a:t>’</a:t>
+              <a:t> change message to: ‘’No scientific name was found. Please try again.  The Help page has tips on getting good photos.’’</a:t>
             </a:r>
           </a:p>
         </p:txBody>
@@ -3789,8 +3765,8 @@
         </p:nvSpPr>
         <p:spPr>
           <a:xfrm>
-            <a:off x="3080994" y="525489"/>
-            <a:ext cx="6487874" cy="1077218"/>
+            <a:off x="3080994" y="525488"/>
+            <a:ext cx="6063006" cy="1569660"/>
           </a:xfrm>
           <a:prstGeom prst="rect">
             <a:avLst/>
@@ -3798,7 +3774,7 @@
           <a:noFill/>
         </p:spPr>
         <p:txBody>
-          <a:bodyPr wrap="none" rtlCol="0">
+          <a:bodyPr wrap="square" rtlCol="0">
             <a:spAutoFit/>
           </a:bodyPr>
           <a:lstStyle/>
@@ -3813,15 +3789,7 @@
             <a:pPr algn="ctr"/>
             <a:r>
               <a:rPr lang="en-US" sz="3200" dirty="0" smtClean="0"/>
-              <a:t>Priority </a:t>
-            </a:r>
-            <a:r>
-              <a:rPr lang="en-US" sz="3200" dirty="0" smtClean="0"/>
-              <a:t>=</a:t>
-            </a:r>
-            <a:r>
-              <a:rPr lang="en-US" sz="3200" dirty="0" smtClean="0"/>
-              <a:t> low</a:t>
+              <a:t>Priority = low</a:t>
             </a:r>
             <a:endParaRPr lang="en-US" sz="3200" dirty="0"/>
           </a:p>
@@ -3830,7 +3798,7 @@
     </p:spTree>
     <p:extLst>
       <p:ext uri="{BB962C8B-B14F-4D97-AF65-F5344CB8AC3E}">
-        <p14:creationId xmlns="" xmlns:a="http://schemas.openxmlformats.org/drawingml/2006/main" xmlns:r="http://schemas.openxmlformats.org/officeDocument/2006/relationships" xmlns:p="http://schemas.openxmlformats.org/presentationml/2006/main" xmlns:p14="http://schemas.microsoft.com/office/powerpoint/2010/main" xmlns:mv="urn:schemas-microsoft-com:mac:vml" xmlns:mc="http://schemas.openxmlformats.org/markup-compatibility/2006" val="2412509238"/>
+        <p14:creationId xmlns:mc="http://schemas.openxmlformats.org/markup-compatibility/2006" xmlns:mv="urn:schemas-microsoft-com:mac:vml" xmlns:p14="http://schemas.microsoft.com/office/powerpoint/2010/main" xmlns:p="http://schemas.openxmlformats.org/presentationml/2006/main" xmlns:r="http://schemas.openxmlformats.org/officeDocument/2006/relationships" xmlns:a="http://schemas.openxmlformats.org/drawingml/2006/main" xmlns="" val="2412509238"/>
       </p:ext>
     </p:extLst>
   </p:cSld>
@@ -3931,7 +3899,6 @@
               <a:rPr lang="en-US" dirty="0" smtClean="0"/>
               <a:t> rounded corners on alert boxes</a:t>
             </a:r>
-            <a:endParaRPr lang="en-US" dirty="0" smtClean="0"/>
           </a:p>
         </p:txBody>
       </p:sp>
@@ -3991,15 +3958,7 @@
             <a:pPr algn="ctr"/>
             <a:r>
               <a:rPr lang="en-US" sz="3200" dirty="0" smtClean="0"/>
-              <a:t>Priority </a:t>
-            </a:r>
-            <a:r>
-              <a:rPr lang="en-US" sz="3200" dirty="0" smtClean="0"/>
-              <a:t>=</a:t>
-            </a:r>
-            <a:r>
-              <a:rPr lang="en-US" sz="3200" dirty="0" smtClean="0"/>
-              <a:t> low</a:t>
+              <a:t>Priority = low</a:t>
             </a:r>
             <a:endParaRPr lang="en-US" sz="3200" dirty="0"/>
           </a:p>
@@ -4313,22 +4272,14 @@
             <a:pPr algn="ctr"/>
             <a:r>
               <a:rPr lang="en-US" sz="3200" dirty="0" smtClean="0"/>
-              <a:t>11. More informative alert on </a:t>
-            </a:r>
+              <a:t>11. More informative alert on login fail</a:t>
+            </a:r>
+          </a:p>
+          <a:p>
+            <a:pPr algn="ctr"/>
             <a:r>
               <a:rPr lang="en-US" sz="3200" dirty="0" smtClean="0"/>
-              <a:t>login fail</a:t>
-            </a:r>
-          </a:p>
-          <a:p>
-            <a:pPr algn="ctr"/>
-            <a:r>
-              <a:rPr lang="en-US" sz="3200" dirty="0" smtClean="0"/>
-              <a:t>Priority </a:t>
-            </a:r>
-            <a:r>
-              <a:rPr lang="en-US" sz="3200" dirty="0" smtClean="0"/>
-              <a:t>= low</a:t>
+              <a:t>Priority = low</a:t>
             </a:r>
             <a:endParaRPr lang="en-US" sz="3200" dirty="0"/>
           </a:p>
@@ -4539,11 +4490,7 @@
             <a:pPr marL="514350" indent="-514350" algn="ctr"/>
             <a:r>
               <a:rPr lang="en-US" sz="3200" dirty="0" smtClean="0"/>
-              <a:t>Priority </a:t>
-            </a:r>
-            <a:r>
-              <a:rPr lang="en-US" sz="3200" dirty="0" smtClean="0"/>
-              <a:t>= low</a:t>
+              <a:t>Priority = low</a:t>
             </a:r>
             <a:endParaRPr lang="en-US" sz="3200" dirty="0"/>
           </a:p>
@@ -4593,7 +4540,7 @@
           <a:blip r:embed="rId2">
             <a:extLst>
               <a:ext uri="{28A0092B-C50C-407E-A947-70E740481C1C}">
-                <a14:useLocalDpi xmlns="" xmlns:a="http://schemas.openxmlformats.org/drawingml/2006/main" xmlns:r="http://schemas.openxmlformats.org/officeDocument/2006/relationships" xmlns:p="http://schemas.openxmlformats.org/presentationml/2006/main" xmlns:a14="http://schemas.microsoft.com/office/drawing/2010/main" xmlns:mv="urn:schemas-microsoft-com:mac:vml" xmlns:mc="http://schemas.openxmlformats.org/markup-compatibility/2006" val="0"/>
+                <a14:useLocalDpi xmlns:mc="http://schemas.openxmlformats.org/markup-compatibility/2006" xmlns:mv="urn:schemas-microsoft-com:mac:vml" xmlns:a14="http://schemas.microsoft.com/office/drawing/2010/main" xmlns:p="http://schemas.openxmlformats.org/presentationml/2006/main" xmlns:r="http://schemas.openxmlformats.org/officeDocument/2006/relationships" xmlns:a="http://schemas.openxmlformats.org/drawingml/2006/main" xmlns="" val="0"/>
               </a:ext>
             </a:extLst>
           </a:blip>
@@ -5169,15 +5116,7 @@
           <a:p>
             <a:r>
               <a:rPr lang="en-US" sz="3200" dirty="0" smtClean="0"/>
-              <a:t>Priority </a:t>
-            </a:r>
-            <a:r>
-              <a:rPr lang="en-US" sz="3200" dirty="0" smtClean="0"/>
-              <a:t>= </a:t>
-            </a:r>
-            <a:r>
-              <a:rPr lang="en-US" sz="3200" dirty="0" smtClean="0"/>
-              <a:t>low</a:t>
+              <a:t>Priority = low</a:t>
             </a:r>
             <a:endParaRPr lang="en-US" sz="3200" dirty="0"/>
           </a:p>
@@ -5226,7 +5165,7 @@
     </p:spTree>
     <p:extLst>
       <p:ext uri="{BB962C8B-B14F-4D97-AF65-F5344CB8AC3E}">
-        <p14:creationId xmlns="" xmlns:a="http://schemas.openxmlformats.org/drawingml/2006/main" xmlns:r="http://schemas.openxmlformats.org/officeDocument/2006/relationships" xmlns:p="http://schemas.openxmlformats.org/presentationml/2006/main" xmlns:p14="http://schemas.microsoft.com/office/powerpoint/2010/main" xmlns:mv="urn:schemas-microsoft-com:mac:vml" xmlns:mc="http://schemas.openxmlformats.org/markup-compatibility/2006" val="472843982"/>
+        <p14:creationId xmlns:mc="http://schemas.openxmlformats.org/markup-compatibility/2006" xmlns:mv="urn:schemas-microsoft-com:mac:vml" xmlns:p14="http://schemas.microsoft.com/office/powerpoint/2010/main" xmlns:p="http://schemas.openxmlformats.org/presentationml/2006/main" xmlns:r="http://schemas.openxmlformats.org/officeDocument/2006/relationships" xmlns:a="http://schemas.openxmlformats.org/drawingml/2006/main" xmlns="" val="472843982"/>
       </p:ext>
     </p:extLst>
   </p:cSld>
@@ -5437,7 +5376,7 @@
           <a:blip r:embed="rId3">
             <a:extLst>
               <a:ext uri="{28A0092B-C50C-407E-A947-70E740481C1C}">
-                <a14:useLocalDpi xmlns="" xmlns:a="http://schemas.openxmlformats.org/drawingml/2006/main" xmlns:r="http://schemas.openxmlformats.org/officeDocument/2006/relationships" xmlns:p="http://schemas.openxmlformats.org/presentationml/2006/main" xmlns:a14="http://schemas.microsoft.com/office/drawing/2010/main" xmlns:mv="urn:schemas-microsoft-com:mac:vml" xmlns:mc="http://schemas.openxmlformats.org/markup-compatibility/2006" val="0"/>
+                <a14:useLocalDpi xmlns:mc="http://schemas.openxmlformats.org/markup-compatibility/2006" xmlns:mv="urn:schemas-microsoft-com:mac:vml" xmlns:a14="http://schemas.microsoft.com/office/drawing/2010/main" xmlns:p="http://schemas.openxmlformats.org/presentationml/2006/main" xmlns:r="http://schemas.openxmlformats.org/officeDocument/2006/relationships" xmlns:a="http://schemas.openxmlformats.org/drawingml/2006/main" xmlns="" val="0"/>
               </a:ext>
             </a:extLst>
           </a:blip>
@@ -5467,7 +5406,7 @@
           <a:blip r:embed="rId4">
             <a:extLst>
               <a:ext uri="{28A0092B-C50C-407E-A947-70E740481C1C}">
-                <a14:useLocalDpi xmlns="" xmlns:a="http://schemas.openxmlformats.org/drawingml/2006/main" xmlns:r="http://schemas.openxmlformats.org/officeDocument/2006/relationships" xmlns:p="http://schemas.openxmlformats.org/presentationml/2006/main" xmlns:a14="http://schemas.microsoft.com/office/drawing/2010/main" xmlns:mv="urn:schemas-microsoft-com:mac:vml" xmlns:mc="http://schemas.openxmlformats.org/markup-compatibility/2006" val="0"/>
+                <a14:useLocalDpi xmlns:mc="http://schemas.openxmlformats.org/markup-compatibility/2006" xmlns:mv="urn:schemas-microsoft-com:mac:vml" xmlns:a14="http://schemas.microsoft.com/office/drawing/2010/main" xmlns:p="http://schemas.openxmlformats.org/presentationml/2006/main" xmlns:r="http://schemas.openxmlformats.org/officeDocument/2006/relationships" xmlns:a="http://schemas.openxmlformats.org/drawingml/2006/main" xmlns="" val="0"/>
               </a:ext>
             </a:extLst>
           </a:blip>
@@ -5603,7 +5542,7 @@
     </p:spTree>
     <p:extLst>
       <p:ext uri="{BB962C8B-B14F-4D97-AF65-F5344CB8AC3E}">
-        <p14:creationId xmlns="" xmlns:a="http://schemas.openxmlformats.org/drawingml/2006/main" xmlns:r="http://schemas.openxmlformats.org/officeDocument/2006/relationships" xmlns:p="http://schemas.openxmlformats.org/presentationml/2006/main" xmlns:p14="http://schemas.microsoft.com/office/powerpoint/2010/main" xmlns:mv="urn:schemas-microsoft-com:mac:vml" xmlns:mc="http://schemas.openxmlformats.org/markup-compatibility/2006" val="1864991049"/>
+        <p14:creationId xmlns:mc="http://schemas.openxmlformats.org/markup-compatibility/2006" xmlns:mv="urn:schemas-microsoft-com:mac:vml" xmlns:p14="http://schemas.microsoft.com/office/powerpoint/2010/main" xmlns:p="http://schemas.openxmlformats.org/presentationml/2006/main" xmlns:r="http://schemas.openxmlformats.org/officeDocument/2006/relationships" xmlns:a="http://schemas.openxmlformats.org/drawingml/2006/main" xmlns="" val="1864991049"/>
       </p:ext>
     </p:extLst>
   </p:cSld>
@@ -5710,26 +5649,14 @@
             <a:pPr algn="ctr"/>
             <a:r>
               <a:rPr lang="en-US" sz="3200" dirty="0" smtClean="0"/>
-              <a:t>1. </a:t>
-            </a:r>
+              <a:t>1. Add help on 2 new features </a:t>
+            </a:r>
+          </a:p>
+          <a:p>
+            <a:pPr algn="ctr"/>
             <a:r>
               <a:rPr lang="en-US" sz="3200" dirty="0" smtClean="0"/>
-              <a:t>Add help on 2 new features</a:t>
-            </a:r>
-            <a:r>
-              <a:rPr lang="en-US" sz="3200" dirty="0" smtClean="0"/>
-              <a:t> </a:t>
-            </a:r>
-          </a:p>
-          <a:p>
-            <a:pPr algn="ctr"/>
-            <a:r>
-              <a:rPr lang="en-US" sz="3200" dirty="0" smtClean="0"/>
-              <a:t>Priority </a:t>
-            </a:r>
-            <a:r>
-              <a:rPr lang="en-US" sz="3200" dirty="0" smtClean="0"/>
-              <a:t>= medium</a:t>
+              <a:t>Priority = medium</a:t>
             </a:r>
             <a:endParaRPr lang="en-US" sz="3200" dirty="0"/>
           </a:p>
@@ -5833,7 +5760,6 @@
               <a:rPr lang="en-US" i="1" dirty="0" smtClean="0"/>
               <a:t>3. Insert:</a:t>
             </a:r>
-            <a:endParaRPr lang="en-US" i="1" dirty="0" smtClean="0"/>
           </a:p>
           <a:p>
             <a:r>
@@ -5854,17 +5780,8 @@
             </a:r>
             <a:r>
               <a:rPr lang="en-US" dirty="0" smtClean="0"/>
-              <a:t>, </a:t>
-            </a:r>
-            <a:r>
-              <a:rPr lang="en-US" dirty="0" smtClean="0"/>
-              <a:t>then use the browser’s</a:t>
-            </a:r>
-            <a:r>
-              <a:rPr lang="en-US" dirty="0" smtClean="0"/>
-              <a:t> sharing features.</a:t>
-            </a:r>
-            <a:endParaRPr lang="en-US" dirty="0" smtClean="0"/>
+              <a:t>, then use the browser’s sharing features.</a:t>
+            </a:r>
           </a:p>
         </p:txBody>
       </p:sp>
@@ -5940,23 +5857,7 @@
           <a:p>
             <a:r>
               <a:rPr lang="en-US" dirty="0" smtClean="0"/>
-              <a:t>1. Too much whitespace. </a:t>
-            </a:r>
-            <a:r>
-              <a:rPr lang="en-US" dirty="0" smtClean="0"/>
-              <a:t> </a:t>
-            </a:r>
-            <a:r>
-              <a:rPr lang="en-US" dirty="0" smtClean="0"/>
-              <a:t>Do we have </a:t>
-            </a:r>
-            <a:r>
-              <a:rPr lang="en-US" dirty="0" smtClean="0"/>
-              <a:t>a </a:t>
-            </a:r>
-            <a:r>
-              <a:rPr lang="en-US" dirty="0" smtClean="0"/>
-              <a:t>font and line-spacing that makes this more compact?  You may have to tweak the </a:t>
+              <a:t>1. Too much whitespace.  Do we have a font and line-spacing that makes this more compact?  You may have to tweak the </a:t>
             </a:r>
             <a:r>
               <a:rPr lang="en-US" dirty="0" err="1" smtClean="0"/>
@@ -6049,7 +5950,7 @@
         </p:blipFill>
         <p:spPr>
           <a:xfrm>
-            <a:off x="928163" y="1407251"/>
+            <a:off x="1069270" y="1425068"/>
             <a:ext cx="2605268" cy="4623976"/>
           </a:xfrm>
           <a:prstGeom prst="rect">
@@ -6059,14 +5960,58 @@
       </p:pic>
       <p:sp>
         <p:nvSpPr>
-          <p:cNvPr id="12" name="TextBox 11"/>
+          <p:cNvPr id="18" name="TextBox 17"/>
           <p:cNvSpPr txBox="1"/>
           <p:nvPr/>
         </p:nvSpPr>
         <p:spPr>
           <a:xfrm>
-            <a:off x="5209327" y="760920"/>
-            <a:ext cx="3453807" cy="646331"/>
+            <a:off x="466567" y="277302"/>
+            <a:ext cx="6768800" cy="1077218"/>
+          </a:xfrm>
+          <a:prstGeom prst="rect">
+            <a:avLst/>
+          </a:prstGeom>
+          <a:noFill/>
+        </p:spPr>
+        <p:txBody>
+          <a:bodyPr wrap="none" rtlCol="0">
+            <a:spAutoFit/>
+          </a:bodyPr>
+          <a:lstStyle/>
+          <a:p>
+            <a:r>
+              <a:rPr lang="en-US" sz="3200" dirty="0" smtClean="0"/>
+              <a:t>2</a:t>
+            </a:r>
+            <a:r>
+              <a:rPr lang="en-US" sz="3200" dirty="0" smtClean="0"/>
+              <a:t>. </a:t>
+            </a:r>
+            <a:r>
+              <a:rPr lang="en-US" sz="3200" dirty="0" smtClean="0"/>
+              <a:t>Clarify expected flow in Capture view</a:t>
+            </a:r>
+          </a:p>
+          <a:p>
+            <a:r>
+              <a:rPr lang="en-US" sz="3200" dirty="0" smtClean="0"/>
+              <a:t>Priority = medium</a:t>
+            </a:r>
+            <a:endParaRPr lang="en-US" sz="3200" dirty="0"/>
+          </a:p>
+        </p:txBody>
+      </p:sp>
+      <p:sp>
+        <p:nvSpPr>
+          <p:cNvPr id="19" name="TextBox 18"/>
+          <p:cNvSpPr txBox="1"/>
+          <p:nvPr/>
+        </p:nvSpPr>
+        <p:spPr>
+          <a:xfrm>
+            <a:off x="5293360" y="3550312"/>
+            <a:ext cx="3302000" cy="2031325"/>
           </a:xfrm>
           <a:prstGeom prst="rect">
             <a:avLst/>
@@ -6094,86 +6039,159 @@
           <a:p>
             <a:r>
               <a:rPr lang="en-US" dirty="0" smtClean="0"/>
-              <a:t>Use alert box to tell the user what was added to the list. </a:t>
-            </a:r>
-          </a:p>
-        </p:txBody>
-      </p:sp>
-      <p:sp>
-        <p:nvSpPr>
-          <p:cNvPr id="2" name="Rectangle 1"/>
-          <p:cNvSpPr/>
-          <p:nvPr/>
-        </p:nvSpPr>
-        <p:spPr>
-          <a:xfrm>
-            <a:off x="4619450" y="2189890"/>
-            <a:ext cx="1981142" cy="1613522"/>
-          </a:xfrm>
-          <a:prstGeom prst="rect">
-            <a:avLst/>
-          </a:prstGeom>
+              <a:t>Don’t allow cancel, just “OK” (see previous slide).  The usual workflow is to repeat the capture step.  When done, the user will choose </a:t>
+            </a:r>
+            <a:r>
+              <a:rPr lang="en-US" dirty="0" smtClean="0"/>
+              <a:t>“View </a:t>
+            </a:r>
+            <a:r>
+              <a:rPr lang="en-US" dirty="0" smtClean="0"/>
+              <a:t>list” to see the results.  See the</a:t>
+            </a:r>
+            <a:r>
+              <a:rPr lang="en-US" dirty="0" smtClean="0"/>
+              <a:t> next slide </a:t>
+            </a:r>
+            <a:r>
+              <a:rPr lang="en-US" dirty="0" smtClean="0"/>
+              <a:t>for the capture message. </a:t>
+            </a:r>
+            <a:endParaRPr lang="en-US" dirty="0"/>
+          </a:p>
+        </p:txBody>
+      </p:sp>
+      <p:cxnSp>
+        <p:nvCxnSpPr>
+          <p:cNvPr id="21" name="Straight Arrow Connector 20"/>
+          <p:cNvCxnSpPr>
+            <a:stCxn id="19" idx="1"/>
+          </p:cNvCxnSpPr>
+          <p:nvPr/>
+        </p:nvCxnSpPr>
+        <p:spPr>
+          <a:xfrm rot="10800000">
+            <a:off x="2184400" y="4262771"/>
+            <a:ext cx="3108960" cy="303204"/>
+          </a:xfrm>
+          <a:prstGeom prst="straightConnector1">
+            <a:avLst/>
+          </a:prstGeom>
+          <a:ln>
+            <a:tailEnd type="arrow"/>
+          </a:ln>
         </p:spPr>
         <p:style>
           <a:lnRef idx="2">
-            <a:schemeClr val="dk1"/>
+            <a:schemeClr val="accent1"/>
           </a:lnRef>
-          <a:fillRef idx="1">
-            <a:schemeClr val="lt1"/>
+          <a:fillRef idx="0">
+            <a:schemeClr val="accent1"/>
           </a:fillRef>
-          <a:effectRef idx="0">
-            <a:schemeClr val="dk1"/>
+          <a:effectRef idx="1">
+            <a:schemeClr val="accent1"/>
+          </a:effectRef>
+          <a:fontRef idx="minor">
+            <a:schemeClr val="tx1"/>
+          </a:fontRef>
+        </p:style>
+      </p:cxnSp>
+      <p:sp>
+        <p:nvSpPr>
+          <p:cNvPr id="23" name="TextBox 22"/>
+          <p:cNvSpPr txBox="1"/>
+          <p:nvPr/>
+        </p:nvSpPr>
+        <p:spPr>
+          <a:xfrm>
+            <a:off x="5896509" y="1702422"/>
+            <a:ext cx="2042160" cy="923330"/>
+          </a:xfrm>
+          <a:prstGeom prst="rect">
+            <a:avLst/>
+          </a:prstGeom>
+        </p:spPr>
+        <p:style>
+          <a:lnRef idx="1">
+            <a:schemeClr val="accent1"/>
+          </a:lnRef>
+          <a:fillRef idx="2">
+            <a:schemeClr val="accent1"/>
+          </a:fillRef>
+          <a:effectRef idx="1">
+            <a:schemeClr val="accent1"/>
           </a:effectRef>
           <a:fontRef idx="minor">
             <a:schemeClr val="dk1"/>
           </a:fontRef>
         </p:style>
         <p:txBody>
-          <a:bodyPr rtlCol="0" anchor="t" anchorCtr="0"/>
-          <a:lstStyle/>
-          <a:p>
-            <a:pPr algn="ctr"/>
+          <a:bodyPr wrap="square" rtlCol="0">
+            <a:spAutoFit/>
+          </a:bodyPr>
+          <a:lstStyle/>
+          <a:p>
             <a:r>
               <a:rPr lang="en-US" dirty="0" smtClean="0"/>
-              <a:t>Success!</a:t>
-            </a:r>
-          </a:p>
-          <a:p>
-            <a:pPr algn="ctr"/>
-            <a:endParaRPr lang="en-US" sz="900" dirty="0" smtClean="0"/>
-          </a:p>
-          <a:p>
-            <a:pPr algn="ctr"/>
-            <a:r>
-              <a:rPr lang="en-US" sz="1400" dirty="0" smtClean="0"/>
-              <a:t>Names added: </a:t>
-            </a:r>
-            <a:r>
-              <a:rPr lang="en-US" sz="1400" dirty="0" err="1" smtClean="0"/>
-              <a:t>Lophodytes</a:t>
-            </a:r>
-            <a:r>
-              <a:rPr lang="en-US" sz="1400" dirty="0" smtClean="0"/>
-              <a:t> </a:t>
-            </a:r>
-            <a:r>
-              <a:rPr lang="en-US" sz="1400" dirty="0" err="1" smtClean="0"/>
-              <a:t>cucullatus</a:t>
-            </a:r>
-            <a:endParaRPr lang="en-US" sz="1400" dirty="0"/>
-          </a:p>
-        </p:txBody>
-      </p:sp>
-      <p:sp>
-        <p:nvSpPr>
-          <p:cNvPr id="3" name="TextBox 2"/>
+              <a:t>Replace “Species names” with </a:t>
+            </a:r>
+            <a:r>
+              <a:rPr lang="en-US" dirty="0" smtClean="0"/>
+              <a:t>“View </a:t>
+            </a:r>
+            <a:r>
+              <a:rPr lang="en-US" dirty="0" smtClean="0"/>
+              <a:t>list”</a:t>
+            </a:r>
+            <a:endParaRPr lang="en-US" dirty="0"/>
+          </a:p>
+        </p:txBody>
+      </p:sp>
+      <p:cxnSp>
+        <p:nvCxnSpPr>
+          <p:cNvPr id="24" name="Straight Arrow Connector 23"/>
+          <p:cNvCxnSpPr>
+            <a:stCxn id="23" idx="1"/>
+          </p:cNvCxnSpPr>
+          <p:nvPr/>
+        </p:nvCxnSpPr>
+        <p:spPr>
+          <a:xfrm rot="10800000">
+            <a:off x="3555671" y="2017387"/>
+            <a:ext cx="2340839" cy="146701"/>
+          </a:xfrm>
+          <a:prstGeom prst="straightConnector1">
+            <a:avLst/>
+          </a:prstGeom>
+          <a:ln>
+            <a:tailEnd type="arrow"/>
+          </a:ln>
+        </p:spPr>
+        <p:style>
+          <a:lnRef idx="2">
+            <a:schemeClr val="accent1"/>
+          </a:lnRef>
+          <a:fillRef idx="0">
+            <a:schemeClr val="accent1"/>
+          </a:fillRef>
+          <a:effectRef idx="1">
+            <a:schemeClr val="accent1"/>
+          </a:effectRef>
+          <a:fontRef idx="minor">
+            <a:schemeClr val="tx1"/>
+          </a:fontRef>
+        </p:style>
+      </p:cxnSp>
+      <p:sp>
+        <p:nvSpPr>
+          <p:cNvPr id="27" name="TextBox 26"/>
           <p:cNvSpPr txBox="1"/>
           <p:nvPr/>
         </p:nvSpPr>
         <p:spPr>
           <a:xfrm>
-            <a:off x="4259359" y="1820559"/>
-            <a:ext cx="884940" cy="369332"/>
+            <a:off x="2787549" y="1786552"/>
+            <a:ext cx="676133" cy="253916"/>
           </a:xfrm>
           <a:prstGeom prst="rect">
             <a:avLst/>
@@ -6187,255 +6205,32 @@
           <a:lstStyle/>
           <a:p>
             <a:r>
-              <a:rPr lang="en-US" dirty="0" smtClean="0"/>
-              <a:t>1 name</a:t>
-            </a:r>
-            <a:endParaRPr lang="en-US" dirty="0"/>
-          </a:p>
-        </p:txBody>
-      </p:sp>
-      <p:sp>
-        <p:nvSpPr>
-          <p:cNvPr id="8" name="TextBox 7"/>
-          <p:cNvSpPr txBox="1"/>
-          <p:nvPr/>
-        </p:nvSpPr>
-        <p:spPr>
-          <a:xfrm>
-            <a:off x="4259359" y="4640465"/>
-            <a:ext cx="1227042" cy="923330"/>
-          </a:xfrm>
-          <a:prstGeom prst="rect">
-            <a:avLst/>
-          </a:prstGeom>
-          <a:noFill/>
-        </p:spPr>
-        <p:txBody>
-          <a:bodyPr wrap="square" rtlCol="0">
-            <a:spAutoFit/>
-          </a:bodyPr>
-          <a:lstStyle/>
-          <a:p>
-            <a:r>
-              <a:rPr lang="en-US" dirty="0" smtClean="0"/>
-              <a:t>&gt; 1 names:</a:t>
-            </a:r>
-          </a:p>
-          <a:p>
-            <a:r>
-              <a:rPr lang="en-US" dirty="0" smtClean="0"/>
-              <a:t>Tell user how many</a:t>
-            </a:r>
-            <a:endParaRPr lang="en-US" dirty="0"/>
-          </a:p>
-        </p:txBody>
-      </p:sp>
-      <p:sp>
-        <p:nvSpPr>
-          <p:cNvPr id="4" name="Rounded Rectangle 3"/>
-          <p:cNvSpPr/>
-          <p:nvPr/>
-        </p:nvSpPr>
-        <p:spPr>
-          <a:xfrm>
-            <a:off x="5015297" y="3305572"/>
-            <a:ext cx="1011474" cy="325903"/>
-          </a:xfrm>
-          <a:prstGeom prst="roundRect">
-            <a:avLst/>
-          </a:prstGeom>
-        </p:spPr>
-        <p:style>
-          <a:lnRef idx="2">
-            <a:schemeClr val="accent1">
-              <a:shade val="50000"/>
-            </a:schemeClr>
-          </a:lnRef>
-          <a:fillRef idx="1">
-            <a:schemeClr val="accent1"/>
-          </a:fillRef>
-          <a:effectRef idx="0">
-            <a:schemeClr val="accent1"/>
-          </a:effectRef>
-          <a:fontRef idx="minor">
-            <a:schemeClr val="lt1"/>
-          </a:fontRef>
-        </p:style>
-        <p:txBody>
-          <a:bodyPr rtlCol="0" anchor="ctr"/>
-          <a:lstStyle/>
-          <a:p>
-            <a:pPr algn="ctr"/>
-            <a:r>
-              <a:rPr lang="en-US" dirty="0" smtClean="0"/>
-              <a:t>OK</a:t>
-            </a:r>
-            <a:endParaRPr lang="en-US" dirty="0"/>
-          </a:p>
-        </p:txBody>
-      </p:sp>
-      <p:sp>
-        <p:nvSpPr>
-          <p:cNvPr id="14" name="Rectangle 13"/>
-          <p:cNvSpPr/>
-          <p:nvPr/>
-        </p:nvSpPr>
-        <p:spPr>
-          <a:xfrm>
-            <a:off x="5627381" y="4429637"/>
-            <a:ext cx="1981142" cy="1859403"/>
-          </a:xfrm>
-          <a:prstGeom prst="rect">
-            <a:avLst/>
-          </a:prstGeom>
-        </p:spPr>
-        <p:style>
-          <a:lnRef idx="2">
-            <a:schemeClr val="dk1"/>
-          </a:lnRef>
-          <a:fillRef idx="1">
-            <a:schemeClr val="lt1"/>
-          </a:fillRef>
-          <a:effectRef idx="0">
-            <a:schemeClr val="dk1"/>
-          </a:effectRef>
-          <a:fontRef idx="minor">
-            <a:schemeClr val="dk1"/>
-          </a:fontRef>
-        </p:style>
-        <p:txBody>
-          <a:bodyPr rtlCol="0" anchor="t" anchorCtr="0"/>
-          <a:lstStyle/>
-          <a:p>
-            <a:pPr algn="ctr"/>
-            <a:r>
-              <a:rPr lang="en-US" dirty="0" smtClean="0"/>
-              <a:t>Success!</a:t>
-            </a:r>
-          </a:p>
-          <a:p>
-            <a:pPr algn="ctr"/>
-            <a:endParaRPr lang="en-US" sz="900" dirty="0" smtClean="0"/>
-          </a:p>
-          <a:p>
-            <a:pPr algn="ctr"/>
-            <a:r>
-              <a:rPr lang="en-US" sz="1400" dirty="0" smtClean="0"/>
-              <a:t>Names added: </a:t>
-            </a:r>
-            <a:r>
-              <a:rPr lang="en-US" sz="1400" dirty="0" err="1" smtClean="0"/>
-              <a:t>Lophodytes</a:t>
-            </a:r>
-            <a:r>
-              <a:rPr lang="en-US" sz="1400" dirty="0" smtClean="0"/>
-              <a:t> </a:t>
-            </a:r>
-            <a:r>
-              <a:rPr lang="en-US" sz="1400" dirty="0" err="1" smtClean="0"/>
-              <a:t>cucullatus</a:t>
-            </a:r>
-            <a:r>
-              <a:rPr lang="en-US" sz="1400" dirty="0" smtClean="0"/>
-              <a:t> and </a:t>
-            </a:r>
-            <a:r>
-              <a:rPr lang="en-US" b="1" dirty="0" smtClean="0"/>
-              <a:t>X </a:t>
-            </a:r>
-            <a:r>
-              <a:rPr lang="en-US" sz="1400" dirty="0" smtClean="0"/>
-              <a:t>others</a:t>
-            </a:r>
-            <a:endParaRPr lang="en-US" sz="1400" dirty="0"/>
-          </a:p>
-        </p:txBody>
-      </p:sp>
-      <p:sp>
-        <p:nvSpPr>
-          <p:cNvPr id="15" name="Rounded Rectangle 14"/>
-          <p:cNvSpPr/>
-          <p:nvPr/>
-        </p:nvSpPr>
-        <p:spPr>
-          <a:xfrm>
-            <a:off x="6079277" y="5773434"/>
-            <a:ext cx="1011474" cy="325903"/>
-          </a:xfrm>
-          <a:prstGeom prst="roundRect">
-            <a:avLst/>
-          </a:prstGeom>
-        </p:spPr>
-        <p:style>
-          <a:lnRef idx="2">
-            <a:schemeClr val="accent1">
-              <a:shade val="50000"/>
-            </a:schemeClr>
-          </a:lnRef>
-          <a:fillRef idx="1">
-            <a:schemeClr val="accent1"/>
-          </a:fillRef>
-          <a:effectRef idx="0">
-            <a:schemeClr val="accent1"/>
-          </a:effectRef>
-          <a:fontRef idx="minor">
-            <a:schemeClr val="lt1"/>
-          </a:fontRef>
-        </p:style>
-        <p:txBody>
-          <a:bodyPr rtlCol="0" anchor="ctr"/>
-          <a:lstStyle/>
-          <a:p>
-            <a:pPr algn="ctr"/>
-            <a:r>
-              <a:rPr lang="en-US" dirty="0" smtClean="0"/>
-              <a:t>OK</a:t>
-            </a:r>
-            <a:endParaRPr lang="en-US" dirty="0"/>
-          </a:p>
-        </p:txBody>
-      </p:sp>
-      <p:sp>
-        <p:nvSpPr>
-          <p:cNvPr id="18" name="TextBox 17"/>
-          <p:cNvSpPr txBox="1"/>
-          <p:nvPr/>
-        </p:nvSpPr>
-        <p:spPr>
-          <a:xfrm>
-            <a:off x="776912" y="73743"/>
-            <a:ext cx="6964893" cy="1077218"/>
-          </a:xfrm>
-          <a:prstGeom prst="rect">
-            <a:avLst/>
-          </a:prstGeom>
-          <a:noFill/>
-        </p:spPr>
-        <p:txBody>
-          <a:bodyPr wrap="square" rtlCol="0">
-            <a:spAutoFit/>
-          </a:bodyPr>
-          <a:lstStyle/>
-          <a:p>
-            <a:r>
-              <a:rPr lang="en-US" sz="3200" dirty="0" smtClean="0"/>
-              <a:t>2. </a:t>
-            </a:r>
-            <a:r>
-              <a:rPr lang="en-US" sz="3200" dirty="0" smtClean="0"/>
-              <a:t>Inform user of captured names</a:t>
-            </a:r>
-          </a:p>
-          <a:p>
-            <a:r>
-              <a:rPr lang="en-US" sz="3200" dirty="0" smtClean="0"/>
-              <a:t>Priority </a:t>
-            </a:r>
-            <a:r>
-              <a:rPr lang="en-US" sz="3200" dirty="0" smtClean="0"/>
-              <a:t>= medium</a:t>
-            </a:r>
-            <a:endParaRPr lang="en-US" sz="3200" dirty="0"/>
+              <a:rPr lang="en-US" sz="1050" dirty="0" smtClean="0">
+                <a:solidFill>
+                  <a:schemeClr val="bg1"/>
+                </a:solidFill>
+                <a:latin typeface="Helvetica"/>
+                <a:cs typeface="Helvetica"/>
+              </a:rPr>
+              <a:t>View </a:t>
+            </a:r>
+            <a:r>
+              <a:rPr lang="en-US" sz="1050" dirty="0" smtClean="0">
+                <a:solidFill>
+                  <a:schemeClr val="bg1"/>
+                </a:solidFill>
+                <a:latin typeface="Helvetica"/>
+                <a:cs typeface="Helvetica"/>
+              </a:rPr>
+              <a:t>list</a:t>
+            </a:r>
+            <a:endParaRPr lang="en-US" sz="1050" dirty="0">
+              <a:solidFill>
+                <a:schemeClr val="bg1"/>
+              </a:solidFill>
+              <a:latin typeface="Helvetica"/>
+              <a:cs typeface="Helvetica"/>
+            </a:endParaRPr>
           </a:p>
         </p:txBody>
       </p:sp>
@@ -6487,7 +6282,7 @@
         </p:blipFill>
         <p:spPr>
           <a:xfrm>
-            <a:off x="1069270" y="1425068"/>
+            <a:off x="928163" y="1407251"/>
             <a:ext cx="2605268" cy="4623976"/>
           </a:xfrm>
           <a:prstGeom prst="rect">
@@ -6497,58 +6292,14 @@
       </p:pic>
       <p:sp>
         <p:nvSpPr>
-          <p:cNvPr id="18" name="TextBox 17"/>
+          <p:cNvPr id="12" name="TextBox 11"/>
           <p:cNvSpPr txBox="1"/>
           <p:nvPr/>
         </p:nvSpPr>
         <p:spPr>
           <a:xfrm>
-            <a:off x="466567" y="277302"/>
-            <a:ext cx="6768800" cy="1077218"/>
-          </a:xfrm>
-          <a:prstGeom prst="rect">
-            <a:avLst/>
-          </a:prstGeom>
-          <a:noFill/>
-        </p:spPr>
-        <p:txBody>
-          <a:bodyPr wrap="none" rtlCol="0">
-            <a:spAutoFit/>
-          </a:bodyPr>
-          <a:lstStyle/>
-          <a:p>
-            <a:r>
-              <a:rPr lang="en-US" sz="3200" dirty="0" smtClean="0"/>
-              <a:t>3. </a:t>
-            </a:r>
-            <a:r>
-              <a:rPr lang="en-US" sz="3200" dirty="0" smtClean="0"/>
-              <a:t>Clarify expected flow in Capture view</a:t>
-            </a:r>
-          </a:p>
-          <a:p>
-            <a:r>
-              <a:rPr lang="en-US" sz="3200" dirty="0" smtClean="0"/>
-              <a:t>Priority </a:t>
-            </a:r>
-            <a:r>
-              <a:rPr lang="en-US" sz="3200" dirty="0" smtClean="0"/>
-              <a:t>= medium</a:t>
-            </a:r>
-            <a:endParaRPr lang="en-US" sz="3200" dirty="0"/>
-          </a:p>
-        </p:txBody>
-      </p:sp>
-      <p:sp>
-        <p:nvSpPr>
-          <p:cNvPr id="19" name="TextBox 18"/>
-          <p:cNvSpPr txBox="1"/>
-          <p:nvPr/>
-        </p:nvSpPr>
-        <p:spPr>
-          <a:xfrm>
-            <a:off x="5293360" y="3550312"/>
-            <a:ext cx="3302000" cy="2031325"/>
+            <a:off x="5209327" y="760920"/>
+            <a:ext cx="3453807" cy="646331"/>
           </a:xfrm>
           <a:prstGeom prst="rect">
             <a:avLst/>
@@ -6576,85 +6327,123 @@
           <a:p>
             <a:r>
               <a:rPr lang="en-US" dirty="0" smtClean="0"/>
-              <a:t>Don’t allow </a:t>
-            </a:r>
-            <a:r>
-              <a:rPr lang="en-US" dirty="0" smtClean="0"/>
-              <a:t>cancel, just “OK” (see previous slide).  </a:t>
-            </a:r>
-            <a:r>
-              <a:rPr lang="en-US" dirty="0" smtClean="0"/>
-              <a:t>The usual workflow is to repeat the capture step.  When done, the user will choose “Go to list” to see the results.  See the next slide for the capture message. </a:t>
-            </a:r>
-            <a:endParaRPr lang="en-US" dirty="0"/>
-          </a:p>
-        </p:txBody>
-      </p:sp>
-      <p:cxnSp>
-        <p:nvCxnSpPr>
-          <p:cNvPr id="21" name="Straight Arrow Connector 20"/>
-          <p:cNvCxnSpPr>
-            <a:stCxn id="19" idx="1"/>
-          </p:cNvCxnSpPr>
-          <p:nvPr/>
-        </p:nvCxnSpPr>
-        <p:spPr>
-          <a:xfrm rot="10800000">
-            <a:off x="2184400" y="4262771"/>
-            <a:ext cx="3108960" cy="303204"/>
-          </a:xfrm>
-          <a:prstGeom prst="straightConnector1">
-            <a:avLst/>
-          </a:prstGeom>
-          <a:ln>
-            <a:tailEnd type="arrow"/>
-          </a:ln>
+              <a:t>Use alert box to tell the user what was added to the list. </a:t>
+            </a:r>
+          </a:p>
+        </p:txBody>
+      </p:sp>
+      <p:sp>
+        <p:nvSpPr>
+          <p:cNvPr id="2" name="Rectangle 1"/>
+          <p:cNvSpPr/>
+          <p:nvPr/>
+        </p:nvSpPr>
+        <p:spPr>
+          <a:xfrm>
+            <a:off x="4619450" y="2189890"/>
+            <a:ext cx="1981142" cy="1613522"/>
+          </a:xfrm>
+          <a:prstGeom prst="rect">
+            <a:avLst/>
+          </a:prstGeom>
         </p:spPr>
         <p:style>
           <a:lnRef idx="2">
-            <a:schemeClr val="accent1"/>
+            <a:schemeClr val="dk1"/>
           </a:lnRef>
-          <a:fillRef idx="0">
-            <a:schemeClr val="accent1"/>
+          <a:fillRef idx="1">
+            <a:schemeClr val="lt1"/>
           </a:fillRef>
-          <a:effectRef idx="1">
-            <a:schemeClr val="accent1"/>
-          </a:effectRef>
-          <a:fontRef idx="minor">
-            <a:schemeClr val="tx1"/>
-          </a:fontRef>
-        </p:style>
-      </p:cxnSp>
-      <p:sp>
-        <p:nvSpPr>
-          <p:cNvPr id="23" name="TextBox 22"/>
-          <p:cNvSpPr txBox="1"/>
-          <p:nvPr/>
-        </p:nvSpPr>
-        <p:spPr>
-          <a:xfrm>
-            <a:off x="5896509" y="1702422"/>
-            <a:ext cx="2042160" cy="923330"/>
-          </a:xfrm>
-          <a:prstGeom prst="rect">
-            <a:avLst/>
-          </a:prstGeom>
-        </p:spPr>
-        <p:style>
-          <a:lnRef idx="1">
-            <a:schemeClr val="accent1"/>
-          </a:lnRef>
-          <a:fillRef idx="2">
-            <a:schemeClr val="accent1"/>
-          </a:fillRef>
-          <a:effectRef idx="1">
-            <a:schemeClr val="accent1"/>
+          <a:effectRef idx="0">
+            <a:schemeClr val="dk1"/>
           </a:effectRef>
           <a:fontRef idx="minor">
             <a:schemeClr val="dk1"/>
           </a:fontRef>
         </p:style>
         <p:txBody>
+          <a:bodyPr rtlCol="0" anchor="t" anchorCtr="0"/>
+          <a:lstStyle/>
+          <a:p>
+            <a:pPr algn="ctr"/>
+            <a:r>
+              <a:rPr lang="en-US" dirty="0" smtClean="0"/>
+              <a:t>Success!</a:t>
+            </a:r>
+          </a:p>
+          <a:p>
+            <a:pPr algn="ctr"/>
+            <a:endParaRPr lang="en-US" sz="900" dirty="0" smtClean="0"/>
+          </a:p>
+          <a:p>
+            <a:pPr algn="ctr"/>
+            <a:r>
+              <a:rPr lang="en-US" sz="1400" dirty="0" smtClean="0"/>
+              <a:t>Names added: </a:t>
+            </a:r>
+            <a:r>
+              <a:rPr lang="en-US" sz="1400" dirty="0" err="1" smtClean="0"/>
+              <a:t>Lophodytes</a:t>
+            </a:r>
+            <a:r>
+              <a:rPr lang="en-US" sz="1400" dirty="0" smtClean="0"/>
+              <a:t> </a:t>
+            </a:r>
+            <a:r>
+              <a:rPr lang="en-US" sz="1400" dirty="0" err="1" smtClean="0"/>
+              <a:t>cucullatus</a:t>
+            </a:r>
+            <a:endParaRPr lang="en-US" sz="1400" dirty="0"/>
+          </a:p>
+        </p:txBody>
+      </p:sp>
+      <p:sp>
+        <p:nvSpPr>
+          <p:cNvPr id="3" name="TextBox 2"/>
+          <p:cNvSpPr txBox="1"/>
+          <p:nvPr/>
+        </p:nvSpPr>
+        <p:spPr>
+          <a:xfrm>
+            <a:off x="4259359" y="1820559"/>
+            <a:ext cx="884940" cy="369332"/>
+          </a:xfrm>
+          <a:prstGeom prst="rect">
+            <a:avLst/>
+          </a:prstGeom>
+          <a:noFill/>
+        </p:spPr>
+        <p:txBody>
+          <a:bodyPr wrap="none" rtlCol="0">
+            <a:spAutoFit/>
+          </a:bodyPr>
+          <a:lstStyle/>
+          <a:p>
+            <a:r>
+              <a:rPr lang="en-US" dirty="0" smtClean="0"/>
+              <a:t>1 name</a:t>
+            </a:r>
+            <a:endParaRPr lang="en-US" dirty="0"/>
+          </a:p>
+        </p:txBody>
+      </p:sp>
+      <p:sp>
+        <p:nvSpPr>
+          <p:cNvPr id="8" name="TextBox 7"/>
+          <p:cNvSpPr txBox="1"/>
+          <p:nvPr/>
+        </p:nvSpPr>
+        <p:spPr>
+          <a:xfrm>
+            <a:off x="4259359" y="4640465"/>
+            <a:ext cx="1227042" cy="923330"/>
+          </a:xfrm>
+          <a:prstGeom prst="rect">
+            <a:avLst/>
+          </a:prstGeom>
+          <a:noFill/>
+        </p:spPr>
+        <p:txBody>
           <a:bodyPr wrap="square" rtlCol="0">
             <a:spAutoFit/>
           </a:bodyPr>
@@ -6662,57 +6451,193 @@
           <a:p>
             <a:r>
               <a:rPr lang="en-US" dirty="0" smtClean="0"/>
-              <a:t>Replace “Species names” with “Go to list”</a:t>
+              <a:t>&gt; 1 names:</a:t>
+            </a:r>
+          </a:p>
+          <a:p>
+            <a:r>
+              <a:rPr lang="en-US" dirty="0" smtClean="0"/>
+              <a:t>Tell user how many</a:t>
             </a:r>
             <a:endParaRPr lang="en-US" dirty="0"/>
           </a:p>
         </p:txBody>
       </p:sp>
-      <p:cxnSp>
-        <p:nvCxnSpPr>
-          <p:cNvPr id="24" name="Straight Arrow Connector 23"/>
-          <p:cNvCxnSpPr>
-            <a:stCxn id="23" idx="1"/>
-          </p:cNvCxnSpPr>
-          <p:nvPr/>
-        </p:nvCxnSpPr>
-        <p:spPr>
-          <a:xfrm rot="10800000">
-            <a:off x="3555671" y="2017387"/>
-            <a:ext cx="2340839" cy="146701"/>
-          </a:xfrm>
-          <a:prstGeom prst="straightConnector1">
-            <a:avLst/>
-          </a:prstGeom>
-          <a:ln>
-            <a:tailEnd type="arrow"/>
-          </a:ln>
+      <p:sp>
+        <p:nvSpPr>
+          <p:cNvPr id="4" name="Rounded Rectangle 3"/>
+          <p:cNvSpPr/>
+          <p:nvPr/>
+        </p:nvSpPr>
+        <p:spPr>
+          <a:xfrm>
+            <a:off x="5015297" y="3305572"/>
+            <a:ext cx="1011474" cy="325903"/>
+          </a:xfrm>
+          <a:prstGeom prst="roundRect">
+            <a:avLst/>
+          </a:prstGeom>
         </p:spPr>
         <p:style>
           <a:lnRef idx="2">
-            <a:schemeClr val="accent1"/>
+            <a:schemeClr val="accent1">
+              <a:shade val="50000"/>
+            </a:schemeClr>
           </a:lnRef>
-          <a:fillRef idx="0">
+          <a:fillRef idx="1">
             <a:schemeClr val="accent1"/>
           </a:fillRef>
-          <a:effectRef idx="1">
+          <a:effectRef idx="0">
             <a:schemeClr val="accent1"/>
           </a:effectRef>
           <a:fontRef idx="minor">
-            <a:schemeClr val="tx1"/>
+            <a:schemeClr val="lt1"/>
           </a:fontRef>
         </p:style>
-      </p:cxnSp>
-      <p:sp>
-        <p:nvSpPr>
-          <p:cNvPr id="27" name="TextBox 26"/>
+        <p:txBody>
+          <a:bodyPr rtlCol="0" anchor="ctr"/>
+          <a:lstStyle/>
+          <a:p>
+            <a:pPr algn="ctr"/>
+            <a:r>
+              <a:rPr lang="en-US" dirty="0" smtClean="0"/>
+              <a:t>OK</a:t>
+            </a:r>
+            <a:endParaRPr lang="en-US" dirty="0"/>
+          </a:p>
+        </p:txBody>
+      </p:sp>
+      <p:sp>
+        <p:nvSpPr>
+          <p:cNvPr id="14" name="Rectangle 13"/>
+          <p:cNvSpPr/>
+          <p:nvPr/>
+        </p:nvSpPr>
+        <p:spPr>
+          <a:xfrm>
+            <a:off x="5627381" y="4429637"/>
+            <a:ext cx="1981142" cy="1859403"/>
+          </a:xfrm>
+          <a:prstGeom prst="rect">
+            <a:avLst/>
+          </a:prstGeom>
+        </p:spPr>
+        <p:style>
+          <a:lnRef idx="2">
+            <a:schemeClr val="dk1"/>
+          </a:lnRef>
+          <a:fillRef idx="1">
+            <a:schemeClr val="lt1"/>
+          </a:fillRef>
+          <a:effectRef idx="0">
+            <a:schemeClr val="dk1"/>
+          </a:effectRef>
+          <a:fontRef idx="minor">
+            <a:schemeClr val="dk1"/>
+          </a:fontRef>
+        </p:style>
+        <p:txBody>
+          <a:bodyPr rtlCol="0" anchor="t" anchorCtr="0"/>
+          <a:lstStyle/>
+          <a:p>
+            <a:pPr algn="ctr"/>
+            <a:r>
+              <a:rPr lang="en-US" dirty="0" smtClean="0"/>
+              <a:t>Success!</a:t>
+            </a:r>
+          </a:p>
+          <a:p>
+            <a:pPr algn="ctr"/>
+            <a:endParaRPr lang="en-US" sz="900" dirty="0" smtClean="0"/>
+          </a:p>
+          <a:p>
+            <a:pPr algn="ctr"/>
+            <a:r>
+              <a:rPr lang="en-US" sz="1400" dirty="0" smtClean="0"/>
+              <a:t>Names added: </a:t>
+            </a:r>
+            <a:r>
+              <a:rPr lang="en-US" sz="1400" dirty="0" err="1" smtClean="0"/>
+              <a:t>Lophodytes</a:t>
+            </a:r>
+            <a:r>
+              <a:rPr lang="en-US" sz="1400" dirty="0" smtClean="0"/>
+              <a:t> </a:t>
+            </a:r>
+            <a:r>
+              <a:rPr lang="en-US" sz="1400" dirty="0" err="1" smtClean="0"/>
+              <a:t>cucullatus</a:t>
+            </a:r>
+            <a:r>
+              <a:rPr lang="en-US" sz="1400" dirty="0" smtClean="0"/>
+              <a:t> and </a:t>
+            </a:r>
+            <a:r>
+              <a:rPr lang="en-US" b="1" dirty="0" smtClean="0"/>
+              <a:t>X </a:t>
+            </a:r>
+            <a:r>
+              <a:rPr lang="en-US" sz="1400" dirty="0" smtClean="0"/>
+              <a:t>others</a:t>
+            </a:r>
+            <a:endParaRPr lang="en-US" sz="1400" dirty="0"/>
+          </a:p>
+        </p:txBody>
+      </p:sp>
+      <p:sp>
+        <p:nvSpPr>
+          <p:cNvPr id="15" name="Rounded Rectangle 14"/>
+          <p:cNvSpPr/>
+          <p:nvPr/>
+        </p:nvSpPr>
+        <p:spPr>
+          <a:xfrm>
+            <a:off x="6079277" y="5773434"/>
+            <a:ext cx="1011474" cy="325903"/>
+          </a:xfrm>
+          <a:prstGeom prst="roundRect">
+            <a:avLst/>
+          </a:prstGeom>
+        </p:spPr>
+        <p:style>
+          <a:lnRef idx="2">
+            <a:schemeClr val="accent1">
+              <a:shade val="50000"/>
+            </a:schemeClr>
+          </a:lnRef>
+          <a:fillRef idx="1">
+            <a:schemeClr val="accent1"/>
+          </a:fillRef>
+          <a:effectRef idx="0">
+            <a:schemeClr val="accent1"/>
+          </a:effectRef>
+          <a:fontRef idx="minor">
+            <a:schemeClr val="lt1"/>
+          </a:fontRef>
+        </p:style>
+        <p:txBody>
+          <a:bodyPr rtlCol="0" anchor="ctr"/>
+          <a:lstStyle/>
+          <a:p>
+            <a:pPr algn="ctr"/>
+            <a:r>
+              <a:rPr lang="en-US" dirty="0" smtClean="0"/>
+              <a:t>OK</a:t>
+            </a:r>
+            <a:endParaRPr lang="en-US" dirty="0"/>
+          </a:p>
+        </p:txBody>
+      </p:sp>
+      <p:sp>
+        <p:nvSpPr>
+          <p:cNvPr id="18" name="TextBox 17"/>
           <p:cNvSpPr txBox="1"/>
           <p:nvPr/>
         </p:nvSpPr>
         <p:spPr>
           <a:xfrm>
-            <a:off x="2787549" y="1786552"/>
-            <a:ext cx="768115" cy="253916"/>
+            <a:off x="776912" y="73743"/>
+            <a:ext cx="6964893" cy="1077218"/>
           </a:xfrm>
           <a:prstGeom prst="rect">
             <a:avLst/>
@@ -6720,28 +6645,30 @@
           <a:noFill/>
         </p:spPr>
         <p:txBody>
-          <a:bodyPr wrap="none" rtlCol="0">
+          <a:bodyPr wrap="square" rtlCol="0">
             <a:spAutoFit/>
           </a:bodyPr>
           <a:lstStyle/>
           <a:p>
             <a:r>
-              <a:rPr lang="en-US" sz="1050" b="1" dirty="0" smtClean="0">
-                <a:solidFill>
-                  <a:schemeClr val="bg1"/>
-                </a:solidFill>
-                <a:latin typeface="Helvetica"/>
-                <a:cs typeface="Helvetica"/>
-              </a:rPr>
-              <a:t>Go to list</a:t>
-            </a:r>
-            <a:endParaRPr lang="en-US" sz="1050" b="1" dirty="0">
-              <a:solidFill>
-                <a:schemeClr val="bg1"/>
-              </a:solidFill>
-              <a:latin typeface="Helvetica"/>
-              <a:cs typeface="Helvetica"/>
-            </a:endParaRPr>
+              <a:rPr lang="en-US" sz="3200" dirty="0" smtClean="0"/>
+              <a:t>3</a:t>
+            </a:r>
+            <a:r>
+              <a:rPr lang="en-US" sz="3200" dirty="0" smtClean="0"/>
+              <a:t>. </a:t>
+            </a:r>
+            <a:r>
+              <a:rPr lang="en-US" sz="3200" dirty="0" smtClean="0"/>
+              <a:t>Inform user of captured names</a:t>
+            </a:r>
+          </a:p>
+          <a:p>
+            <a:r>
+              <a:rPr lang="en-US" sz="3200" dirty="0" smtClean="0"/>
+              <a:t>Priority = medium</a:t>
+            </a:r>
+            <a:endParaRPr lang="en-US" sz="3200" dirty="0"/>
           </a:p>
         </p:txBody>
       </p:sp>
@@ -6816,7 +6743,6 @@
               <a:rPr lang="en-US" dirty="0" smtClean="0"/>
               <a:t>Suggestions</a:t>
             </a:r>
-            <a:endParaRPr lang="en-US" dirty="0" smtClean="0"/>
           </a:p>
           <a:p>
             <a:pPr>
@@ -6825,27 +6751,11 @@
             </a:pPr>
             <a:r>
               <a:rPr lang="en-US" dirty="0" smtClean="0"/>
-              <a:t> alert text</a:t>
-            </a:r>
-            <a:r>
-              <a:rPr lang="en-US" dirty="0" smtClean="0"/>
-              <a:t>: </a:t>
-            </a:r>
-            <a:r>
-              <a:rPr lang="en-US" dirty="0" smtClean="0"/>
-              <a:t>“</a:t>
+              <a:t> alert text: “</a:t>
             </a:r>
             <a:r>
               <a:rPr lang="en-US" sz="2000" dirty="0" smtClean="0"/>
-              <a:t>Please s</a:t>
-            </a:r>
-            <a:r>
-              <a:rPr lang="en-US" sz="2000" dirty="0" smtClean="0"/>
-              <a:t>elect </a:t>
-            </a:r>
-            <a:r>
-              <a:rPr lang="en-US" sz="2000" dirty="0" smtClean="0"/>
-              <a:t>a list first, before trying to capture names</a:t>
+              <a:t>Please select a list first, before trying to capture names</a:t>
             </a:r>
             <a:r>
               <a:rPr lang="en-US" dirty="0" smtClean="0"/>
@@ -6859,13 +6769,8 @@
             </a:pPr>
             <a:r>
               <a:rPr lang="en-US" dirty="0" smtClean="0"/>
-              <a:t> alert title: </a:t>
-            </a:r>
-            <a:r>
-              <a:rPr lang="en-US" dirty="0" smtClean="0"/>
-              <a:t>“Oops!” </a:t>
-            </a:r>
-            <a:endParaRPr lang="en-US" dirty="0" smtClean="0"/>
+              <a:t> alert title: “Oops!” </a:t>
+            </a:r>
           </a:p>
         </p:txBody>
       </p:sp>
@@ -6918,22 +6823,14 @@
             <a:pPr algn="ctr"/>
             <a:r>
               <a:rPr lang="en-US" sz="3200" dirty="0" smtClean="0"/>
-              <a:t>4. Clarify expected </a:t>
-            </a:r>
+              <a:t>4. Clarify expected flow to user in Home view</a:t>
+            </a:r>
+          </a:p>
+          <a:p>
+            <a:pPr algn="ctr"/>
             <a:r>
               <a:rPr lang="en-US" sz="3200" dirty="0" smtClean="0"/>
-              <a:t>flow to user in Home view</a:t>
-            </a:r>
-          </a:p>
-          <a:p>
-            <a:pPr algn="ctr"/>
-            <a:r>
-              <a:rPr lang="en-US" sz="3200" dirty="0" smtClean="0"/>
-              <a:t>Priority </a:t>
-            </a:r>
-            <a:r>
-              <a:rPr lang="en-US" sz="3200" dirty="0" smtClean="0"/>
-              <a:t>= medium</a:t>
+              <a:t>Priority = medium</a:t>
             </a:r>
             <a:endParaRPr lang="en-US" sz="3200" dirty="0"/>
           </a:p>
@@ -6996,22 +6893,14 @@
             <a:pPr algn="ctr"/>
             <a:r>
               <a:rPr lang="en-US" sz="3200" dirty="0" smtClean="0"/>
-              <a:t>5. </a:t>
-            </a:r>
+              <a:t>5. De-clutter tree view</a:t>
+            </a:r>
+          </a:p>
+          <a:p>
+            <a:pPr algn="ctr"/>
             <a:r>
               <a:rPr lang="en-US" sz="3200" dirty="0" smtClean="0"/>
-              <a:t>De-clutter tree view</a:t>
-            </a:r>
-          </a:p>
-          <a:p>
-            <a:pPr algn="ctr"/>
-            <a:r>
-              <a:rPr lang="en-US" sz="3200" dirty="0" smtClean="0"/>
-              <a:t>Priority </a:t>
-            </a:r>
-            <a:r>
-              <a:rPr lang="en-US" sz="3200" dirty="0" smtClean="0"/>
-              <a:t>= medium</a:t>
+              <a:t>Priority = medium</a:t>
             </a:r>
             <a:endParaRPr lang="en-US" sz="3200" dirty="0"/>
           </a:p>
@@ -7345,22 +7234,14 @@
             </a:pPr>
             <a:r>
               <a:rPr lang="en-US" sz="3200" dirty="0" smtClean="0"/>
-              <a:t>Add help button to </a:t>
-            </a:r>
+              <a:t>Add help button to every view</a:t>
+            </a:r>
+          </a:p>
+          <a:p>
+            <a:pPr marL="514350" indent="-514350" algn="ctr"/>
             <a:r>
               <a:rPr lang="en-US" sz="3200" dirty="0" smtClean="0"/>
-              <a:t>every view</a:t>
-            </a:r>
-          </a:p>
-          <a:p>
-            <a:pPr marL="514350" indent="-514350" algn="ctr"/>
-            <a:r>
-              <a:rPr lang="en-US" sz="3200" dirty="0" smtClean="0"/>
-              <a:t>Priority </a:t>
-            </a:r>
-            <a:r>
-              <a:rPr lang="en-US" sz="3200" dirty="0" smtClean="0"/>
-              <a:t>= medium</a:t>
+              <a:t>Priority = medium</a:t>
             </a:r>
             <a:endParaRPr lang="en-US" sz="3200" dirty="0"/>
           </a:p>
@@ -7677,23 +7558,15 @@
           <a:p>
             <a:r>
               <a:rPr lang="en-US" dirty="0" smtClean="0"/>
-              <a:t>3. Text under icons, not to the side. Most </a:t>
+              <a:t>3. </a:t>
+            </a:r>
+            <a:r>
+              <a:rPr lang="en-US" b="1" dirty="0" smtClean="0"/>
+              <a:t>Text under icons, not to the side</a:t>
             </a:r>
             <a:r>
               <a:rPr lang="en-US" dirty="0" smtClean="0"/>
-              <a:t>apps use</a:t>
-            </a:r>
-            <a:r>
-              <a:rPr lang="en-US" dirty="0" smtClean="0"/>
-              <a:t> 8 </a:t>
-            </a:r>
-            <a:r>
-              <a:rPr lang="en-US" dirty="0" smtClean="0"/>
-              <a:t>or 9 pt </a:t>
-            </a:r>
-            <a:r>
-              <a:rPr lang="en-US" dirty="0" smtClean="0"/>
-              <a:t>text</a:t>
+              <a:t>. Most apps use 8 or 9 pt text</a:t>
             </a:r>
             <a:endParaRPr lang="en-US" dirty="0"/>
           </a:p>
@@ -7780,19 +7653,7 @@
             </a:r>
             <a:r>
               <a:rPr lang="en-US" sz="1600" dirty="0" smtClean="0"/>
-              <a:t> (or </a:t>
-            </a:r>
-            <a:r>
-              <a:rPr lang="en-US" sz="1600" dirty="0" smtClean="0"/>
-              <a:t>add an alert that says “Sorry, this feature is not yet implemented!</a:t>
-            </a:r>
-            <a:r>
-              <a:rPr lang="en-US" sz="1600" dirty="0" smtClean="0"/>
-              <a:t>”</a:t>
-            </a:r>
-            <a:r>
-              <a:rPr lang="en-US" sz="1600" dirty="0" smtClean="0"/>
-              <a:t>)</a:t>
+              <a:t> (or add an alert that says “Sorry, this feature is not yet implemented!”)</a:t>
             </a:r>
             <a:endParaRPr lang="en-US" sz="1600" dirty="0"/>
           </a:p>
@@ -7807,7 +7668,7 @@
         <p:spPr>
           <a:xfrm>
             <a:off x="5705596" y="823333"/>
-            <a:ext cx="2800767" cy="1200329"/>
+            <a:ext cx="2800767" cy="923330"/>
           </a:xfrm>
           <a:prstGeom prst="rect">
             <a:avLst/>
@@ -7839,15 +7700,19 @@
             </a:r>
             <a:r>
               <a:rPr lang="en-US" b="1" dirty="0" smtClean="0"/>
-              <a:t>Use </a:t>
-            </a:r>
-            <a:r>
-              <a:rPr lang="en-US" b="1" dirty="0" smtClean="0"/>
-              <a:t>logo. </a:t>
+              <a:t>Use logo. </a:t>
             </a:r>
             <a:r>
               <a:rPr lang="en-US" dirty="0" smtClean="0"/>
-              <a:t> Change top strip background color to grey so that logo is fully visible.  </a:t>
+              <a:t> Change top strip background color</a:t>
+            </a:r>
+            <a:r>
+              <a:rPr lang="en-US" dirty="0" smtClean="0"/>
+              <a:t> so </a:t>
+            </a:r>
+            <a:r>
+              <a:rPr lang="en-US" dirty="0" smtClean="0"/>
+              <a:t>that logo is fully visible.  </a:t>
             </a:r>
             <a:endParaRPr lang="en-US" dirty="0"/>
           </a:p>
@@ -7885,11 +7750,7 @@
             <a:pPr algn="ctr"/>
             <a:r>
               <a:rPr lang="en-US" sz="3200" dirty="0" smtClean="0"/>
-              <a:t>Priority </a:t>
-            </a:r>
-            <a:r>
-              <a:rPr lang="en-US" sz="3200" dirty="0" smtClean="0"/>
-              <a:t>= medium</a:t>
+              <a:t>Priority = medium</a:t>
             </a:r>
             <a:endParaRPr lang="en-US" sz="3200" dirty="0"/>
           </a:p>
@@ -7910,10 +7771,7 @@
             <a:avLst/>
           </a:prstGeom>
           <a:solidFill>
-            <a:schemeClr val="tx1">
-              <a:lumMod val="50000"/>
-              <a:lumOff val="50000"/>
-            </a:schemeClr>
+            <a:srgbClr val="2056FF"/>
           </a:solidFill>
         </p:spPr>
         <p:style>
@@ -8170,7 +8028,7 @@
             <a:avLst/>
           </a:prstGeom>
           <a:solidFill>
-            <a:srgbClr val="595959"/>
+            <a:srgbClr val="2056FF"/>
           </a:solidFill>
         </p:spPr>
         <p:style>
